--- a/experiment/fig2/framework.pptx
+++ b/experiment/fig2/framework.pptx
@@ -6,6 +6,7 @@
   </p:sldMasterIdLst>
   <p:sldIdLst>
     <p:sldId id="256" r:id="rId2"/>
+    <p:sldId id="257" r:id="rId3"/>
   </p:sldIdLst>
   <p:sldSz cx="12192000" cy="6858000"/>
   <p:notesSz cx="6858000" cy="9144000"/>
@@ -259,7 +260,7 @@
           <a:p>
             <a:fld id="{E0532EFC-1C78-41CF-9024-C7866918C580}" type="datetimeFigureOut">
               <a:rPr lang="zh-CN" altLang="en-US" smtClean="0"/>
-              <a:t>2021/11/12</a:t>
+              <a:t>2021/11/13</a:t>
             </a:fld>
             <a:endParaRPr lang="zh-CN" altLang="en-US"/>
           </a:p>
@@ -457,7 +458,7 @@
           <a:p>
             <a:fld id="{E0532EFC-1C78-41CF-9024-C7866918C580}" type="datetimeFigureOut">
               <a:rPr lang="zh-CN" altLang="en-US" smtClean="0"/>
-              <a:t>2021/11/12</a:t>
+              <a:t>2021/11/13</a:t>
             </a:fld>
             <a:endParaRPr lang="zh-CN" altLang="en-US"/>
           </a:p>
@@ -665,7 +666,7 @@
           <a:p>
             <a:fld id="{E0532EFC-1C78-41CF-9024-C7866918C580}" type="datetimeFigureOut">
               <a:rPr lang="zh-CN" altLang="en-US" smtClean="0"/>
-              <a:t>2021/11/12</a:t>
+              <a:t>2021/11/13</a:t>
             </a:fld>
             <a:endParaRPr lang="zh-CN" altLang="en-US"/>
           </a:p>
@@ -863,7 +864,7 @@
           <a:p>
             <a:fld id="{E0532EFC-1C78-41CF-9024-C7866918C580}" type="datetimeFigureOut">
               <a:rPr lang="zh-CN" altLang="en-US" smtClean="0"/>
-              <a:t>2021/11/12</a:t>
+              <a:t>2021/11/13</a:t>
             </a:fld>
             <a:endParaRPr lang="zh-CN" altLang="en-US"/>
           </a:p>
@@ -1138,7 +1139,7 @@
           <a:p>
             <a:fld id="{E0532EFC-1C78-41CF-9024-C7866918C580}" type="datetimeFigureOut">
               <a:rPr lang="zh-CN" altLang="en-US" smtClean="0"/>
-              <a:t>2021/11/12</a:t>
+              <a:t>2021/11/13</a:t>
             </a:fld>
             <a:endParaRPr lang="zh-CN" altLang="en-US"/>
           </a:p>
@@ -1403,7 +1404,7 @@
           <a:p>
             <a:fld id="{E0532EFC-1C78-41CF-9024-C7866918C580}" type="datetimeFigureOut">
               <a:rPr lang="zh-CN" altLang="en-US" smtClean="0"/>
-              <a:t>2021/11/12</a:t>
+              <a:t>2021/11/13</a:t>
             </a:fld>
             <a:endParaRPr lang="zh-CN" altLang="en-US"/>
           </a:p>
@@ -1815,7 +1816,7 @@
           <a:p>
             <a:fld id="{E0532EFC-1C78-41CF-9024-C7866918C580}" type="datetimeFigureOut">
               <a:rPr lang="zh-CN" altLang="en-US" smtClean="0"/>
-              <a:t>2021/11/12</a:t>
+              <a:t>2021/11/13</a:t>
             </a:fld>
             <a:endParaRPr lang="zh-CN" altLang="en-US"/>
           </a:p>
@@ -1956,7 +1957,7 @@
           <a:p>
             <a:fld id="{E0532EFC-1C78-41CF-9024-C7866918C580}" type="datetimeFigureOut">
               <a:rPr lang="zh-CN" altLang="en-US" smtClean="0"/>
-              <a:t>2021/11/12</a:t>
+              <a:t>2021/11/13</a:t>
             </a:fld>
             <a:endParaRPr lang="zh-CN" altLang="en-US"/>
           </a:p>
@@ -2069,7 +2070,7 @@
           <a:p>
             <a:fld id="{E0532EFC-1C78-41CF-9024-C7866918C580}" type="datetimeFigureOut">
               <a:rPr lang="zh-CN" altLang="en-US" smtClean="0"/>
-              <a:t>2021/11/12</a:t>
+              <a:t>2021/11/13</a:t>
             </a:fld>
             <a:endParaRPr lang="zh-CN" altLang="en-US"/>
           </a:p>
@@ -2380,7 +2381,7 @@
           <a:p>
             <a:fld id="{E0532EFC-1C78-41CF-9024-C7866918C580}" type="datetimeFigureOut">
               <a:rPr lang="zh-CN" altLang="en-US" smtClean="0"/>
-              <a:t>2021/11/12</a:t>
+              <a:t>2021/11/13</a:t>
             </a:fld>
             <a:endParaRPr lang="zh-CN" altLang="en-US"/>
           </a:p>
@@ -2668,7 +2669,7 @@
           <a:p>
             <a:fld id="{E0532EFC-1C78-41CF-9024-C7866918C580}" type="datetimeFigureOut">
               <a:rPr lang="zh-CN" altLang="en-US" smtClean="0"/>
-              <a:t>2021/11/12</a:t>
+              <a:t>2021/11/13</a:t>
             </a:fld>
             <a:endParaRPr lang="zh-CN" altLang="en-US"/>
           </a:p>
@@ -2909,7 +2910,7 @@
           <a:p>
             <a:fld id="{E0532EFC-1C78-41CF-9024-C7866918C580}" type="datetimeFigureOut">
               <a:rPr lang="zh-CN" altLang="en-US" smtClean="0"/>
-              <a:t>2021/11/12</a:t>
+              <a:t>2021/11/13</a:t>
             </a:fld>
             <a:endParaRPr lang="zh-CN" altLang="en-US"/>
           </a:p>
@@ -3326,618 +3327,6 @@
           <a:chExt cx="0" cy="0"/>
         </a:xfrm>
       </p:grpSpPr>
-      <p:sp>
-        <p:nvSpPr>
-          <p:cNvPr id="4" name="矩形 3">
-            <a:extLst>
-              <a:ext uri="{FF2B5EF4-FFF2-40B4-BE49-F238E27FC236}">
-                <a16:creationId xmlns:a16="http://schemas.microsoft.com/office/drawing/2014/main" id="{E182E73A-3979-4002-9898-7786BFAE639C}"/>
-              </a:ext>
-            </a:extLst>
-          </p:cNvPr>
-          <p:cNvSpPr/>
-          <p:nvPr/>
-        </p:nvSpPr>
-        <p:spPr>
-          <a:xfrm>
-            <a:off x="2370337" y="1014384"/>
-            <a:ext cx="754603" cy="270548"/>
-          </a:xfrm>
-          <a:prstGeom prst="rect">
-            <a:avLst/>
-          </a:prstGeom>
-        </p:spPr>
-        <p:style>
-          <a:lnRef idx="2">
-            <a:schemeClr val="accent1">
-              <a:shade val="50000"/>
-            </a:schemeClr>
-          </a:lnRef>
-          <a:fillRef idx="1">
-            <a:schemeClr val="accent1"/>
-          </a:fillRef>
-          <a:effectRef idx="0">
-            <a:schemeClr val="accent1"/>
-          </a:effectRef>
-          <a:fontRef idx="minor">
-            <a:schemeClr val="lt1"/>
-          </a:fontRef>
-        </p:style>
-        <p:txBody>
-          <a:bodyPr rtlCol="0" anchor="ctr"/>
-          <a:lstStyle/>
-          <a:p>
-            <a:pPr algn="ctr"/>
-            <a:r>
-              <a:rPr lang="en-US" altLang="zh-CN" dirty="0"/>
-              <a:t>Conv</a:t>
-            </a:r>
-            <a:endParaRPr lang="zh-CN" altLang="en-US" dirty="0"/>
-          </a:p>
-        </p:txBody>
-      </p:sp>
-      <p:sp>
-        <p:nvSpPr>
-          <p:cNvPr id="5" name="矩形 4">
-            <a:extLst>
-              <a:ext uri="{FF2B5EF4-FFF2-40B4-BE49-F238E27FC236}">
-                <a16:creationId xmlns:a16="http://schemas.microsoft.com/office/drawing/2014/main" id="{64436DE1-B94B-41DA-A8DD-54ADDD67214C}"/>
-              </a:ext>
-            </a:extLst>
-          </p:cNvPr>
-          <p:cNvSpPr/>
-          <p:nvPr/>
-        </p:nvSpPr>
-        <p:spPr>
-          <a:xfrm>
-            <a:off x="3284736" y="1007185"/>
-            <a:ext cx="88778" cy="276068"/>
-          </a:xfrm>
-          <a:prstGeom prst="rect">
-            <a:avLst/>
-          </a:prstGeom>
-        </p:spPr>
-        <p:style>
-          <a:lnRef idx="2">
-            <a:schemeClr val="accent4">
-              <a:shade val="50000"/>
-            </a:schemeClr>
-          </a:lnRef>
-          <a:fillRef idx="1">
-            <a:schemeClr val="accent4"/>
-          </a:fillRef>
-          <a:effectRef idx="0">
-            <a:schemeClr val="accent4"/>
-          </a:effectRef>
-          <a:fontRef idx="minor">
-            <a:schemeClr val="lt1"/>
-          </a:fontRef>
-        </p:style>
-        <p:txBody>
-          <a:bodyPr rtlCol="0" anchor="ctr"/>
-          <a:lstStyle/>
-          <a:p>
-            <a:pPr algn="ctr"/>
-            <a:endParaRPr lang="zh-CN" altLang="en-US"/>
-          </a:p>
-        </p:txBody>
-      </p:sp>
-      <p:cxnSp>
-        <p:nvCxnSpPr>
-          <p:cNvPr id="7" name="直接箭头连接符 6">
-            <a:extLst>
-              <a:ext uri="{FF2B5EF4-FFF2-40B4-BE49-F238E27FC236}">
-                <a16:creationId xmlns:a16="http://schemas.microsoft.com/office/drawing/2014/main" id="{95139D89-634F-4CC7-8DD0-94253E177993}"/>
-              </a:ext>
-            </a:extLst>
-          </p:cNvPr>
-          <p:cNvCxnSpPr>
-            <a:cxnSpLocks/>
-            <a:stCxn id="4" idx="3"/>
-            <a:endCxn id="5" idx="1"/>
-          </p:cNvCxnSpPr>
-          <p:nvPr/>
-        </p:nvCxnSpPr>
-        <p:spPr>
-          <a:xfrm flipV="1">
-            <a:off x="3124940" y="1145219"/>
-            <a:ext cx="159796" cy="4439"/>
-          </a:xfrm>
-          <a:prstGeom prst="straightConnector1">
-            <a:avLst/>
-          </a:prstGeom>
-          <a:ln>
-            <a:tailEnd type="triangle"/>
-          </a:ln>
-        </p:spPr>
-        <p:style>
-          <a:lnRef idx="1">
-            <a:schemeClr val="dk1"/>
-          </a:lnRef>
-          <a:fillRef idx="0">
-            <a:schemeClr val="dk1"/>
-          </a:fillRef>
-          <a:effectRef idx="0">
-            <a:schemeClr val="dk1"/>
-          </a:effectRef>
-          <a:fontRef idx="minor">
-            <a:schemeClr val="tx1"/>
-          </a:fontRef>
-        </p:style>
-      </p:cxnSp>
-      <p:cxnSp>
-        <p:nvCxnSpPr>
-          <p:cNvPr id="9" name="直接箭头连接符 8">
-            <a:extLst>
-              <a:ext uri="{FF2B5EF4-FFF2-40B4-BE49-F238E27FC236}">
-                <a16:creationId xmlns:a16="http://schemas.microsoft.com/office/drawing/2014/main" id="{ED15371A-D62F-4340-95DE-4D80767B02D0}"/>
-              </a:ext>
-            </a:extLst>
-          </p:cNvPr>
-          <p:cNvCxnSpPr>
-            <a:cxnSpLocks/>
-            <a:endCxn id="4" idx="1"/>
-          </p:cNvCxnSpPr>
-          <p:nvPr/>
-        </p:nvCxnSpPr>
-        <p:spPr>
-          <a:xfrm>
-            <a:off x="1953087" y="1149658"/>
-            <a:ext cx="417250" cy="0"/>
-          </a:xfrm>
-          <a:prstGeom prst="straightConnector1">
-            <a:avLst/>
-          </a:prstGeom>
-          <a:ln>
-            <a:tailEnd type="triangle"/>
-          </a:ln>
-        </p:spPr>
-        <p:style>
-          <a:lnRef idx="1">
-            <a:schemeClr val="dk1"/>
-          </a:lnRef>
-          <a:fillRef idx="0">
-            <a:schemeClr val="dk1"/>
-          </a:fillRef>
-          <a:effectRef idx="0">
-            <a:schemeClr val="dk1"/>
-          </a:effectRef>
-          <a:fontRef idx="minor">
-            <a:schemeClr val="tx1"/>
-          </a:fontRef>
-        </p:style>
-      </p:cxnSp>
-      <p:cxnSp>
-        <p:nvCxnSpPr>
-          <p:cNvPr id="11" name="直接箭头连接符 10">
-            <a:extLst>
-              <a:ext uri="{FF2B5EF4-FFF2-40B4-BE49-F238E27FC236}">
-                <a16:creationId xmlns:a16="http://schemas.microsoft.com/office/drawing/2014/main" id="{DF554F79-6AE6-49D0-B26C-2EA14B114683}"/>
-              </a:ext>
-            </a:extLst>
-          </p:cNvPr>
-          <p:cNvCxnSpPr>
-            <a:cxnSpLocks/>
-            <a:stCxn id="5" idx="3"/>
-          </p:cNvCxnSpPr>
-          <p:nvPr/>
-        </p:nvCxnSpPr>
-        <p:spPr>
-          <a:xfrm>
-            <a:off x="3373514" y="1145219"/>
-            <a:ext cx="301841" cy="0"/>
-          </a:xfrm>
-          <a:prstGeom prst="straightConnector1">
-            <a:avLst/>
-          </a:prstGeom>
-          <a:ln>
-            <a:tailEnd type="triangle"/>
-          </a:ln>
-        </p:spPr>
-        <p:style>
-          <a:lnRef idx="1">
-            <a:schemeClr val="dk1"/>
-          </a:lnRef>
-          <a:fillRef idx="0">
-            <a:schemeClr val="dk1"/>
-          </a:fillRef>
-          <a:effectRef idx="0">
-            <a:schemeClr val="dk1"/>
-          </a:effectRef>
-          <a:fontRef idx="minor">
-            <a:schemeClr val="tx1"/>
-          </a:fontRef>
-        </p:style>
-      </p:cxnSp>
-      <p:sp>
-        <p:nvSpPr>
-          <p:cNvPr id="12" name="矩形 11">
-            <a:extLst>
-              <a:ext uri="{FF2B5EF4-FFF2-40B4-BE49-F238E27FC236}">
-                <a16:creationId xmlns:a16="http://schemas.microsoft.com/office/drawing/2014/main" id="{98AF292A-0CBC-457D-A562-32379A22DEDD}"/>
-              </a:ext>
-            </a:extLst>
-          </p:cNvPr>
-          <p:cNvSpPr/>
-          <p:nvPr/>
-        </p:nvSpPr>
-        <p:spPr>
-          <a:xfrm>
-            <a:off x="3675355" y="1023262"/>
-            <a:ext cx="754603" cy="270548"/>
-          </a:xfrm>
-          <a:prstGeom prst="rect">
-            <a:avLst/>
-          </a:prstGeom>
-        </p:spPr>
-        <p:style>
-          <a:lnRef idx="2">
-            <a:schemeClr val="accent1">
-              <a:shade val="50000"/>
-            </a:schemeClr>
-          </a:lnRef>
-          <a:fillRef idx="1">
-            <a:schemeClr val="accent1"/>
-          </a:fillRef>
-          <a:effectRef idx="0">
-            <a:schemeClr val="accent1"/>
-          </a:effectRef>
-          <a:fontRef idx="minor">
-            <a:schemeClr val="lt1"/>
-          </a:fontRef>
-        </p:style>
-        <p:txBody>
-          <a:bodyPr rtlCol="0" anchor="ctr"/>
-          <a:lstStyle/>
-          <a:p>
-            <a:pPr algn="ctr"/>
-            <a:r>
-              <a:rPr lang="en-US" altLang="zh-CN" dirty="0"/>
-              <a:t>Conv</a:t>
-            </a:r>
-            <a:endParaRPr lang="zh-CN" altLang="en-US" dirty="0"/>
-          </a:p>
-        </p:txBody>
-      </p:sp>
-      <p:sp>
-        <p:nvSpPr>
-          <p:cNvPr id="13" name="矩形 12">
-            <a:extLst>
-              <a:ext uri="{FF2B5EF4-FFF2-40B4-BE49-F238E27FC236}">
-                <a16:creationId xmlns:a16="http://schemas.microsoft.com/office/drawing/2014/main" id="{576CFFAC-D3CC-40F0-A25E-44576D15381E}"/>
-              </a:ext>
-            </a:extLst>
-          </p:cNvPr>
-          <p:cNvSpPr/>
-          <p:nvPr/>
-        </p:nvSpPr>
-        <p:spPr>
-          <a:xfrm>
-            <a:off x="4589754" y="1016063"/>
-            <a:ext cx="88778" cy="276068"/>
-          </a:xfrm>
-          <a:prstGeom prst="rect">
-            <a:avLst/>
-          </a:prstGeom>
-        </p:spPr>
-        <p:style>
-          <a:lnRef idx="2">
-            <a:schemeClr val="accent4">
-              <a:shade val="50000"/>
-            </a:schemeClr>
-          </a:lnRef>
-          <a:fillRef idx="1">
-            <a:schemeClr val="accent4"/>
-          </a:fillRef>
-          <a:effectRef idx="0">
-            <a:schemeClr val="accent4"/>
-          </a:effectRef>
-          <a:fontRef idx="minor">
-            <a:schemeClr val="lt1"/>
-          </a:fontRef>
-        </p:style>
-        <p:txBody>
-          <a:bodyPr rtlCol="0" anchor="ctr"/>
-          <a:lstStyle/>
-          <a:p>
-            <a:pPr algn="ctr"/>
-            <a:endParaRPr lang="zh-CN" altLang="en-US"/>
-          </a:p>
-        </p:txBody>
-      </p:sp>
-      <p:cxnSp>
-        <p:nvCxnSpPr>
-          <p:cNvPr id="14" name="直接箭头连接符 13">
-            <a:extLst>
-              <a:ext uri="{FF2B5EF4-FFF2-40B4-BE49-F238E27FC236}">
-                <a16:creationId xmlns:a16="http://schemas.microsoft.com/office/drawing/2014/main" id="{9E212137-C364-4507-9079-7A3A28E61517}"/>
-              </a:ext>
-            </a:extLst>
-          </p:cNvPr>
-          <p:cNvCxnSpPr>
-            <a:cxnSpLocks/>
-            <a:stCxn id="12" idx="3"/>
-            <a:endCxn id="13" idx="1"/>
-          </p:cNvCxnSpPr>
-          <p:nvPr/>
-        </p:nvCxnSpPr>
-        <p:spPr>
-          <a:xfrm flipV="1">
-            <a:off x="4429958" y="1154097"/>
-            <a:ext cx="159796" cy="4439"/>
-          </a:xfrm>
-          <a:prstGeom prst="straightConnector1">
-            <a:avLst/>
-          </a:prstGeom>
-          <a:ln>
-            <a:tailEnd type="triangle"/>
-          </a:ln>
-        </p:spPr>
-        <p:style>
-          <a:lnRef idx="1">
-            <a:schemeClr val="dk1"/>
-          </a:lnRef>
-          <a:fillRef idx="0">
-            <a:schemeClr val="dk1"/>
-          </a:fillRef>
-          <a:effectRef idx="0">
-            <a:schemeClr val="dk1"/>
-          </a:effectRef>
-          <a:fontRef idx="minor">
-            <a:schemeClr val="tx1"/>
-          </a:fontRef>
-        </p:style>
-      </p:cxnSp>
-      <p:cxnSp>
-        <p:nvCxnSpPr>
-          <p:cNvPr id="15" name="直接箭头连接符 14">
-            <a:extLst>
-              <a:ext uri="{FF2B5EF4-FFF2-40B4-BE49-F238E27FC236}">
-                <a16:creationId xmlns:a16="http://schemas.microsoft.com/office/drawing/2014/main" id="{AEA1C191-011C-45B4-8DE6-108B7DE10D83}"/>
-              </a:ext>
-            </a:extLst>
-          </p:cNvPr>
-          <p:cNvCxnSpPr>
-            <a:cxnSpLocks/>
-            <a:stCxn id="13" idx="3"/>
-            <a:endCxn id="26" idx="2"/>
-          </p:cNvCxnSpPr>
-          <p:nvPr/>
-        </p:nvCxnSpPr>
-        <p:spPr>
-          <a:xfrm>
-            <a:off x="4678532" y="1154097"/>
-            <a:ext cx="301841" cy="0"/>
-          </a:xfrm>
-          <a:prstGeom prst="straightConnector1">
-            <a:avLst/>
-          </a:prstGeom>
-          <a:ln>
-            <a:tailEnd type="triangle"/>
-          </a:ln>
-        </p:spPr>
-        <p:style>
-          <a:lnRef idx="1">
-            <a:schemeClr val="dk1"/>
-          </a:lnRef>
-          <a:fillRef idx="0">
-            <a:schemeClr val="dk1"/>
-          </a:fillRef>
-          <a:effectRef idx="0">
-            <a:schemeClr val="dk1"/>
-          </a:effectRef>
-          <a:fontRef idx="minor">
-            <a:schemeClr val="tx1"/>
-          </a:fontRef>
-        </p:style>
-      </p:cxnSp>
-      <p:cxnSp>
-        <p:nvCxnSpPr>
-          <p:cNvPr id="17" name="直接连接符 16">
-            <a:extLst>
-              <a:ext uri="{FF2B5EF4-FFF2-40B4-BE49-F238E27FC236}">
-                <a16:creationId xmlns:a16="http://schemas.microsoft.com/office/drawing/2014/main" id="{533CB4F7-7B4C-4851-A790-1C974E8E294F}"/>
-              </a:ext>
-            </a:extLst>
-          </p:cNvPr>
-          <p:cNvCxnSpPr/>
-          <p:nvPr/>
-        </p:nvCxnSpPr>
-        <p:spPr>
-          <a:xfrm flipV="1">
-            <a:off x="2072933" y="736847"/>
-            <a:ext cx="0" cy="408372"/>
-          </a:xfrm>
-          <a:prstGeom prst="line">
-            <a:avLst/>
-          </a:prstGeom>
-        </p:spPr>
-        <p:style>
-          <a:lnRef idx="1">
-            <a:schemeClr val="dk1"/>
-          </a:lnRef>
-          <a:fillRef idx="0">
-            <a:schemeClr val="dk1"/>
-          </a:fillRef>
-          <a:effectRef idx="0">
-            <a:schemeClr val="dk1"/>
-          </a:effectRef>
-          <a:fontRef idx="minor">
-            <a:schemeClr val="tx1"/>
-          </a:fontRef>
-        </p:style>
-      </p:cxnSp>
-      <p:cxnSp>
-        <p:nvCxnSpPr>
-          <p:cNvPr id="19" name="直接连接符 18">
-            <a:extLst>
-              <a:ext uri="{FF2B5EF4-FFF2-40B4-BE49-F238E27FC236}">
-                <a16:creationId xmlns:a16="http://schemas.microsoft.com/office/drawing/2014/main" id="{F34CB26E-21E1-4234-9891-B75B262A46D3}"/>
-              </a:ext>
-            </a:extLst>
-          </p:cNvPr>
-          <p:cNvCxnSpPr>
-            <a:cxnSpLocks/>
-          </p:cNvCxnSpPr>
-          <p:nvPr/>
-        </p:nvCxnSpPr>
-        <p:spPr>
-          <a:xfrm>
-            <a:off x="2072933" y="736847"/>
-            <a:ext cx="3031726" cy="0"/>
-          </a:xfrm>
-          <a:prstGeom prst="line">
-            <a:avLst/>
-          </a:prstGeom>
-        </p:spPr>
-        <p:style>
-          <a:lnRef idx="1">
-            <a:schemeClr val="dk1"/>
-          </a:lnRef>
-          <a:fillRef idx="0">
-            <a:schemeClr val="dk1"/>
-          </a:fillRef>
-          <a:effectRef idx="0">
-            <a:schemeClr val="dk1"/>
-          </a:effectRef>
-          <a:fontRef idx="minor">
-            <a:schemeClr val="tx1"/>
-          </a:fontRef>
-        </p:style>
-      </p:cxnSp>
-      <p:cxnSp>
-        <p:nvCxnSpPr>
-          <p:cNvPr id="24" name="直接箭头连接符 23">
-            <a:extLst>
-              <a:ext uri="{FF2B5EF4-FFF2-40B4-BE49-F238E27FC236}">
-                <a16:creationId xmlns:a16="http://schemas.microsoft.com/office/drawing/2014/main" id="{6E92433D-4A02-48A0-9C47-B8A3B0CD7B72}"/>
-              </a:ext>
-            </a:extLst>
-          </p:cNvPr>
-          <p:cNvCxnSpPr>
-            <a:cxnSpLocks/>
-            <a:endCxn id="26" idx="0"/>
-          </p:cNvCxnSpPr>
-          <p:nvPr/>
-        </p:nvCxnSpPr>
-        <p:spPr>
-          <a:xfrm>
-            <a:off x="5104659" y="736847"/>
-            <a:ext cx="1" cy="292963"/>
-          </a:xfrm>
-          <a:prstGeom prst="straightConnector1">
-            <a:avLst/>
-          </a:prstGeom>
-          <a:ln>
-            <a:tailEnd type="triangle"/>
-          </a:ln>
-        </p:spPr>
-        <p:style>
-          <a:lnRef idx="1">
-            <a:schemeClr val="dk1"/>
-          </a:lnRef>
-          <a:fillRef idx="0">
-            <a:schemeClr val="dk1"/>
-          </a:fillRef>
-          <a:effectRef idx="0">
-            <a:schemeClr val="dk1"/>
-          </a:effectRef>
-          <a:fontRef idx="minor">
-            <a:schemeClr val="tx1"/>
-          </a:fontRef>
-        </p:style>
-      </p:cxnSp>
-      <p:sp>
-        <p:nvSpPr>
-          <p:cNvPr id="26" name="流程图: 或者 25">
-            <a:extLst>
-              <a:ext uri="{FF2B5EF4-FFF2-40B4-BE49-F238E27FC236}">
-                <a16:creationId xmlns:a16="http://schemas.microsoft.com/office/drawing/2014/main" id="{35472BFA-FA04-4809-A1A8-C01D1C1AB865}"/>
-              </a:ext>
-            </a:extLst>
-          </p:cNvPr>
-          <p:cNvSpPr/>
-          <p:nvPr/>
-        </p:nvSpPr>
-        <p:spPr>
-          <a:xfrm>
-            <a:off x="4980373" y="1029810"/>
-            <a:ext cx="248573" cy="248573"/>
-          </a:xfrm>
-          <a:prstGeom prst="flowChartOr">
-            <a:avLst/>
-          </a:prstGeom>
-          <a:solidFill>
-            <a:schemeClr val="bg1"/>
-          </a:solidFill>
-          <a:ln w="28575"/>
-        </p:spPr>
-        <p:style>
-          <a:lnRef idx="2">
-            <a:schemeClr val="accent1">
-              <a:shade val="50000"/>
-            </a:schemeClr>
-          </a:lnRef>
-          <a:fillRef idx="1">
-            <a:schemeClr val="accent1"/>
-          </a:fillRef>
-          <a:effectRef idx="0">
-            <a:schemeClr val="accent1"/>
-          </a:effectRef>
-          <a:fontRef idx="minor">
-            <a:schemeClr val="lt1"/>
-          </a:fontRef>
-        </p:style>
-        <p:txBody>
-          <a:bodyPr rtlCol="0" anchor="ctr"/>
-          <a:lstStyle/>
-          <a:p>
-            <a:pPr algn="ctr"/>
-            <a:endParaRPr lang="zh-CN" altLang="en-US" dirty="0"/>
-          </a:p>
-        </p:txBody>
-      </p:sp>
-      <p:cxnSp>
-        <p:nvCxnSpPr>
-          <p:cNvPr id="31" name="直接箭头连接符 30">
-            <a:extLst>
-              <a:ext uri="{FF2B5EF4-FFF2-40B4-BE49-F238E27FC236}">
-                <a16:creationId xmlns:a16="http://schemas.microsoft.com/office/drawing/2014/main" id="{65D60E31-1B1C-4B0D-8466-E9A67B398C84}"/>
-              </a:ext>
-            </a:extLst>
-          </p:cNvPr>
-          <p:cNvCxnSpPr>
-            <a:cxnSpLocks/>
-          </p:cNvCxnSpPr>
-          <p:nvPr/>
-        </p:nvCxnSpPr>
-        <p:spPr>
-          <a:xfrm>
-            <a:off x="5228946" y="1155576"/>
-            <a:ext cx="221943" cy="0"/>
-          </a:xfrm>
-          <a:prstGeom prst="straightConnector1">
-            <a:avLst/>
-          </a:prstGeom>
-          <a:ln>
-            <a:tailEnd type="triangle"/>
-          </a:ln>
-        </p:spPr>
-        <p:style>
-          <a:lnRef idx="1">
-            <a:schemeClr val="dk1"/>
-          </a:lnRef>
-          <a:fillRef idx="0">
-            <a:schemeClr val="dk1"/>
-          </a:fillRef>
-          <a:effectRef idx="0">
-            <a:schemeClr val="dk1"/>
-          </a:effectRef>
-          <a:fontRef idx="minor">
-            <a:schemeClr val="tx1"/>
-          </a:fontRef>
-        </p:style>
-      </p:cxnSp>
       <p:grpSp>
         <p:nvGrpSpPr>
           <p:cNvPr id="51" name="组合 50">
@@ -3952,10 +3341,10 @@
         </p:nvGrpSpPr>
         <p:grpSpPr>
           <a:xfrm>
-            <a:off x="1953087" y="2112883"/>
-            <a:ext cx="3497802" cy="525043"/>
-            <a:chOff x="1953087" y="2263801"/>
-            <a:chExt cx="3497802" cy="452762"/>
+            <a:off x="2187092" y="2112883"/>
+            <a:ext cx="3128103" cy="525043"/>
+            <a:chOff x="2187092" y="2263801"/>
+            <a:chExt cx="3128103" cy="452762"/>
           </a:xfrm>
         </p:grpSpPr>
         <p:sp>
@@ -4113,9 +3502,9 @@
             <p:nvPr/>
           </p:nvCxnSpPr>
           <p:spPr>
-            <a:xfrm>
-              <a:off x="1953087" y="2490182"/>
-              <a:ext cx="417250" cy="0"/>
+            <a:xfrm flipV="1">
+              <a:off x="2187092" y="2490182"/>
+              <a:ext cx="183245" cy="4439"/>
             </a:xfrm>
             <a:prstGeom prst="straightConnector1">
               <a:avLst/>
@@ -4338,7 +3727,7 @@
           <p:spPr>
             <a:xfrm>
               <a:off x="4678532" y="2494621"/>
-              <a:ext cx="772357" cy="1479"/>
+              <a:ext cx="636663" cy="3197"/>
             </a:xfrm>
             <a:prstGeom prst="straightConnector1">
               <a:avLst/>
@@ -4831,91 +4220,112 @@
           </p:cxnSp>
         </p:grpSp>
       </p:grpSp>
-      <p:sp>
-        <p:nvSpPr>
-          <p:cNvPr id="73" name="箭头: 下 72">
+      <p:grpSp>
+        <p:nvGrpSpPr>
+          <p:cNvPr id="8" name="组合 7">
             <a:extLst>
               <a:ext uri="{FF2B5EF4-FFF2-40B4-BE49-F238E27FC236}">
-                <a16:creationId xmlns:a16="http://schemas.microsoft.com/office/drawing/2014/main" id="{41AFD9EB-47D0-486A-AC98-0BAE3B09EA51}"/>
+                <a16:creationId xmlns:a16="http://schemas.microsoft.com/office/drawing/2014/main" id="{79A84E65-95BA-449D-83BE-A0D474F66D41}"/>
               </a:ext>
             </a:extLst>
           </p:cNvPr>
-          <p:cNvSpPr/>
+          <p:cNvGrpSpPr/>
           <p:nvPr/>
-        </p:nvSpPr>
-        <p:spPr>
+        </p:nvGrpSpPr>
+        <p:grpSpPr>
           <a:xfrm>
-            <a:off x="3284735" y="1509738"/>
-            <a:ext cx="168676" cy="499750"/>
+            <a:off x="8296821" y="1509738"/>
+            <a:ext cx="1145223" cy="499750"/>
+            <a:chOff x="8296821" y="1509738"/>
+            <a:chExt cx="1145223" cy="499750"/>
           </a:xfrm>
-          <a:prstGeom prst="downArrow">
-            <a:avLst/>
-          </a:prstGeom>
-          <a:ln>
+        </p:grpSpPr>
+        <p:sp>
+          <p:nvSpPr>
+            <p:cNvPr id="73" name="箭头: 下 72">
+              <a:extLst>
+                <a:ext uri="{FF2B5EF4-FFF2-40B4-BE49-F238E27FC236}">
+                  <a16:creationId xmlns:a16="http://schemas.microsoft.com/office/drawing/2014/main" id="{41AFD9EB-47D0-486A-AC98-0BAE3B09EA51}"/>
+                </a:ext>
+              </a:extLst>
+            </p:cNvPr>
+            <p:cNvSpPr/>
+            <p:nvPr/>
+          </p:nvSpPr>
+          <p:spPr>
+            <a:xfrm>
+              <a:off x="8296821" y="1509738"/>
+              <a:ext cx="168676" cy="499750"/>
+            </a:xfrm>
+            <a:prstGeom prst="downArrow">
+              <a:avLst/>
+            </a:prstGeom>
+            <a:ln>
+              <a:noFill/>
+            </a:ln>
+          </p:spPr>
+          <p:style>
+            <a:lnRef idx="2">
+              <a:schemeClr val="accent6">
+                <a:shade val="50000"/>
+              </a:schemeClr>
+            </a:lnRef>
+            <a:fillRef idx="1">
+              <a:schemeClr val="accent6"/>
+            </a:fillRef>
+            <a:effectRef idx="0">
+              <a:schemeClr val="accent6"/>
+            </a:effectRef>
+            <a:fontRef idx="minor">
+              <a:schemeClr val="lt1"/>
+            </a:fontRef>
+          </p:style>
+          <p:txBody>
+            <a:bodyPr rtlCol="0" anchor="ctr"/>
+            <a:lstStyle/>
+            <a:p>
+              <a:pPr algn="ctr"/>
+              <a:endParaRPr lang="zh-CN" altLang="en-US"/>
+            </a:p>
+          </p:txBody>
+        </p:sp>
+        <p:sp>
+          <p:nvSpPr>
+            <p:cNvPr id="74" name="文本框 73">
+              <a:extLst>
+                <a:ext uri="{FF2B5EF4-FFF2-40B4-BE49-F238E27FC236}">
+                  <a16:creationId xmlns:a16="http://schemas.microsoft.com/office/drawing/2014/main" id="{457FBE2C-B095-4BD3-8A4A-2BAEFA496489}"/>
+                </a:ext>
+              </a:extLst>
+            </p:cNvPr>
+            <p:cNvSpPr txBox="1"/>
+            <p:nvPr/>
+          </p:nvSpPr>
+          <p:spPr>
+            <a:xfrm>
+              <a:off x="8405055" y="1548214"/>
+              <a:ext cx="1036989" cy="369332"/>
+            </a:xfrm>
+            <a:prstGeom prst="rect">
+              <a:avLst/>
+            </a:prstGeom>
             <a:noFill/>
-          </a:ln>
-        </p:spPr>
-        <p:style>
-          <a:lnRef idx="2">
-            <a:schemeClr val="accent6">
-              <a:shade val="50000"/>
-            </a:schemeClr>
-          </a:lnRef>
-          <a:fillRef idx="1">
-            <a:schemeClr val="accent6"/>
-          </a:fillRef>
-          <a:effectRef idx="0">
-            <a:schemeClr val="accent6"/>
-          </a:effectRef>
-          <a:fontRef idx="minor">
-            <a:schemeClr val="lt1"/>
-          </a:fontRef>
-        </p:style>
-        <p:txBody>
-          <a:bodyPr rtlCol="0" anchor="ctr"/>
-          <a:lstStyle/>
-          <a:p>
-            <a:pPr algn="ctr"/>
-            <a:endParaRPr lang="zh-CN" altLang="en-US"/>
-          </a:p>
-        </p:txBody>
-      </p:sp>
-      <p:sp>
-        <p:nvSpPr>
-          <p:cNvPr id="74" name="文本框 73">
-            <a:extLst>
-              <a:ext uri="{FF2B5EF4-FFF2-40B4-BE49-F238E27FC236}">
-                <a16:creationId xmlns:a16="http://schemas.microsoft.com/office/drawing/2014/main" id="{457FBE2C-B095-4BD3-8A4A-2BAEFA496489}"/>
-              </a:ext>
-            </a:extLst>
-          </p:cNvPr>
-          <p:cNvSpPr txBox="1"/>
-          <p:nvPr/>
-        </p:nvSpPr>
-        <p:spPr>
-          <a:xfrm>
-            <a:off x="3392969" y="1548214"/>
-            <a:ext cx="1036989" cy="369332"/>
-          </a:xfrm>
-          <a:prstGeom prst="rect">
-            <a:avLst/>
-          </a:prstGeom>
-          <a:noFill/>
-        </p:spPr>
-        <p:txBody>
-          <a:bodyPr wrap="square" rtlCol="0">
-            <a:spAutoFit/>
-          </a:bodyPr>
-          <a:lstStyle/>
-          <a:p>
-            <a:r>
-              <a:rPr lang="en-US" altLang="zh-CN" b="1" dirty="0"/>
-              <a:t>Convert</a:t>
-            </a:r>
-            <a:endParaRPr lang="zh-CN" altLang="en-US" b="1" dirty="0"/>
-          </a:p>
-        </p:txBody>
-      </p:sp>
+          </p:spPr>
+          <p:txBody>
+            <a:bodyPr wrap="square" rtlCol="0">
+              <a:spAutoFit/>
+            </a:bodyPr>
+            <a:lstStyle/>
+            <a:p>
+              <a:r>
+                <a:rPr lang="en-US" altLang="zh-CN" b="1" dirty="0"/>
+                <a:t>Convert</a:t>
+              </a:r>
+              <a:endParaRPr lang="zh-CN" altLang="en-US" b="1" dirty="0"/>
+            </a:p>
+          </p:txBody>
+        </p:sp>
+      </p:grpSp>
       <p:grpSp>
         <p:nvGrpSpPr>
           <p:cNvPr id="156" name="组合 155">
@@ -5015,7 +4425,7 @@
             <a:p>
               <a:r>
                 <a:rPr lang="en-US" altLang="zh-CN" sz="1400" dirty="0"/>
-                <a:t>generate</a:t>
+                <a:t>Compute</a:t>
               </a:r>
               <a:endParaRPr lang="zh-CN" altLang="en-US" sz="1400" dirty="0"/>
             </a:p>
@@ -5353,7 +4763,7 @@
         </p:nvSpPr>
         <p:spPr>
           <a:xfrm>
-            <a:off x="701794" y="754602"/>
+            <a:off x="9834555" y="610009"/>
             <a:ext cx="1087208" cy="646331"/>
           </a:xfrm>
           <a:prstGeom prst="rect">
@@ -5389,7 +4799,7 @@
         </p:nvSpPr>
         <p:spPr>
           <a:xfrm>
-            <a:off x="381514" y="2000470"/>
+            <a:off x="10035587" y="2112883"/>
             <a:ext cx="1669152" cy="646331"/>
           </a:xfrm>
           <a:prstGeom prst="rect">
@@ -5469,7 +4879,7 @@
         </p:nvSpPr>
         <p:spPr>
           <a:xfrm>
-            <a:off x="4282915" y="2801509"/>
+            <a:off x="4199164" y="2785377"/>
             <a:ext cx="1057002" cy="616595"/>
           </a:xfrm>
           <a:prstGeom prst="rect">
@@ -5508,7 +4918,14 @@
             <a:pPr algn="ctr"/>
             <a:r>
               <a:rPr lang="en-US" altLang="zh-CN" sz="1400" dirty="0"/>
-              <a:t>Feature samples</a:t>
+              <a:t>Sampled</a:t>
+            </a:r>
+          </a:p>
+          <a:p>
+            <a:pPr algn="ctr"/>
+            <a:r>
+              <a:rPr lang="en-US" altLang="zh-CN" sz="1400" dirty="0"/>
+              <a:t>Feature</a:t>
             </a:r>
             <a:endParaRPr lang="zh-CN" altLang="en-US" sz="1400" dirty="0"/>
           </a:p>
@@ -5530,7 +4947,7 @@
         </p:nvCxnSpPr>
         <p:spPr>
           <a:xfrm>
-            <a:off x="3564383" y="2370257"/>
+            <a:off x="3429359" y="2370257"/>
             <a:ext cx="0" cy="417855"/>
           </a:xfrm>
           <a:prstGeom prst="straightConnector1">
@@ -5571,7 +4988,7 @@
         </p:nvCxnSpPr>
         <p:spPr>
           <a:xfrm>
-            <a:off x="5004045" y="2380552"/>
+            <a:off x="4804991" y="2380552"/>
             <a:ext cx="0" cy="417855"/>
           </a:xfrm>
           <a:prstGeom prst="straightConnector1">
@@ -5610,7 +5027,7 @@
         </p:nvSpPr>
         <p:spPr>
           <a:xfrm>
-            <a:off x="4285975" y="3642273"/>
+            <a:off x="4202224" y="3626141"/>
             <a:ext cx="1057002" cy="651102"/>
           </a:xfrm>
           <a:prstGeom prst="rect">
@@ -5668,7 +5085,7 @@
         </p:nvSpPr>
         <p:spPr>
           <a:xfrm>
-            <a:off x="2771212" y="2786157"/>
+            <a:off x="2888328" y="2781932"/>
             <a:ext cx="1057002" cy="616595"/>
           </a:xfrm>
           <a:prstGeom prst="rect">
@@ -5707,7 +5124,14 @@
             <a:pPr algn="ctr"/>
             <a:r>
               <a:rPr lang="en-US" altLang="zh-CN" sz="1400" dirty="0"/>
-              <a:t>Feature samples</a:t>
+              <a:t>Sampled</a:t>
+            </a:r>
+          </a:p>
+          <a:p>
+            <a:pPr algn="ctr"/>
+            <a:r>
+              <a:rPr lang="en-US" altLang="zh-CN" sz="1400" dirty="0"/>
+              <a:t>Feature</a:t>
             </a:r>
             <a:endParaRPr lang="zh-CN" altLang="en-US" sz="1400" dirty="0"/>
           </a:p>
@@ -5727,7 +5151,7 @@
         </p:nvSpPr>
         <p:spPr>
           <a:xfrm>
-            <a:off x="2771212" y="3645889"/>
+            <a:off x="2888328" y="3641664"/>
             <a:ext cx="1057002" cy="651102"/>
           </a:xfrm>
           <a:prstGeom prst="rect">
@@ -5785,7 +5209,7 @@
         </p:nvSpPr>
         <p:spPr>
           <a:xfrm>
-            <a:off x="4721159" y="3410428"/>
+            <a:off x="4609640" y="3394220"/>
             <a:ext cx="180513" cy="239521"/>
           </a:xfrm>
           <a:prstGeom prst="downArrow">
@@ -5834,7 +5258,7 @@
         </p:nvSpPr>
         <p:spPr>
           <a:xfrm>
-            <a:off x="3215193" y="3402752"/>
+            <a:off x="3332309" y="3398527"/>
             <a:ext cx="180513" cy="239521"/>
           </a:xfrm>
           <a:prstGeom prst="downArrow">
@@ -5871,10 +5295,10 @@
       </p:sp>
       <p:grpSp>
         <p:nvGrpSpPr>
-          <p:cNvPr id="10" name="组合 9">
+          <p:cNvPr id="27" name="组合 26">
             <a:extLst>
               <a:ext uri="{FF2B5EF4-FFF2-40B4-BE49-F238E27FC236}">
-                <a16:creationId xmlns:a16="http://schemas.microsoft.com/office/drawing/2014/main" id="{B93D2B0B-EEE0-4250-B8D2-6B7467853719}"/>
+                <a16:creationId xmlns:a16="http://schemas.microsoft.com/office/drawing/2014/main" id="{89393050-F08E-4A93-9061-1CCF4AEE9D78}"/>
               </a:ext>
             </a:extLst>
           </p:cNvPr>
@@ -5883,18 +5307,18 @@
         </p:nvGrpSpPr>
         <p:grpSpPr>
           <a:xfrm>
-            <a:off x="3423524" y="2652427"/>
-            <a:ext cx="1206536" cy="2128109"/>
-            <a:chOff x="3423524" y="2652427"/>
-            <a:chExt cx="1206536" cy="2128109"/>
+            <a:off x="1193958" y="2960155"/>
+            <a:ext cx="913236" cy="216066"/>
+            <a:chOff x="1490133" y="3002132"/>
+            <a:chExt cx="913236" cy="216066"/>
           </a:xfrm>
         </p:grpSpPr>
         <p:sp>
           <p:nvSpPr>
-            <p:cNvPr id="152" name="箭头: 下 151">
+            <p:cNvPr id="102" name="椭圆 101">
               <a:extLst>
                 <a:ext uri="{FF2B5EF4-FFF2-40B4-BE49-F238E27FC236}">
-                  <a16:creationId xmlns:a16="http://schemas.microsoft.com/office/drawing/2014/main" id="{F12E2CC7-242A-4FD0-8C70-5BDF612D99D8}"/>
+                  <a16:creationId xmlns:a16="http://schemas.microsoft.com/office/drawing/2014/main" id="{0E294367-462A-47E2-8C0E-42F6C041E9B6}"/>
                 </a:ext>
               </a:extLst>
             </p:cNvPr>
@@ -5903,63 +5327,14 @@
           </p:nvSpPr>
           <p:spPr>
             <a:xfrm>
-              <a:off x="3973636" y="2652427"/>
-              <a:ext cx="129843" cy="2128109"/>
+              <a:off x="1846450" y="3004925"/>
+              <a:ext cx="213273" cy="213273"/>
             </a:xfrm>
-            <a:prstGeom prst="downArrow">
-              <a:avLst/>
-            </a:prstGeom>
-            <a:ln>
-              <a:noFill/>
-            </a:ln>
-          </p:spPr>
-          <p:style>
-            <a:lnRef idx="2">
-              <a:schemeClr val="accent6">
-                <a:shade val="50000"/>
-              </a:schemeClr>
-            </a:lnRef>
-            <a:fillRef idx="1">
-              <a:schemeClr val="accent6"/>
-            </a:fillRef>
-            <a:effectRef idx="0">
-              <a:schemeClr val="accent6"/>
-            </a:effectRef>
-            <a:fontRef idx="minor">
-              <a:schemeClr val="lt1"/>
-            </a:fontRef>
-          </p:style>
-          <p:txBody>
-            <a:bodyPr rtlCol="0" anchor="ctr"/>
-            <a:lstStyle/>
-            <a:p>
-              <a:pPr algn="ctr"/>
-              <a:endParaRPr lang="zh-CN" altLang="en-US"/>
-            </a:p>
-          </p:txBody>
-        </p:sp>
-        <p:sp>
-          <p:nvSpPr>
-            <p:cNvPr id="153" name="矩形 152">
-              <a:extLst>
-                <a:ext uri="{FF2B5EF4-FFF2-40B4-BE49-F238E27FC236}">
-                  <a16:creationId xmlns:a16="http://schemas.microsoft.com/office/drawing/2014/main" id="{E55225D5-B1E8-4607-B989-70B870736B67}"/>
-                </a:ext>
-              </a:extLst>
-            </p:cNvPr>
-            <p:cNvSpPr/>
-            <p:nvPr/>
-          </p:nvSpPr>
-          <p:spPr>
-            <a:xfrm>
-              <a:off x="3430258" y="4494437"/>
-              <a:ext cx="1199802" cy="65248"/>
-            </a:xfrm>
-            <a:prstGeom prst="rect">
+            <a:prstGeom prst="ellipse">
               <a:avLst/>
             </a:prstGeom>
             <a:solidFill>
-              <a:srgbClr val="70AD47"/>
+              <a:srgbClr val="A9D18E"/>
             </a:solidFill>
             <a:ln>
               <a:noFill/>
@@ -5992,10 +5367,10 @@
         </p:sp>
         <p:sp>
           <p:nvSpPr>
-            <p:cNvPr id="154" name="矩形 153">
+            <p:cNvPr id="103" name="椭圆 102">
               <a:extLst>
                 <a:ext uri="{FF2B5EF4-FFF2-40B4-BE49-F238E27FC236}">
-                  <a16:creationId xmlns:a16="http://schemas.microsoft.com/office/drawing/2014/main" id="{D61DF17F-C149-4E0E-9859-DC023B344B69}"/>
+                  <a16:creationId xmlns:a16="http://schemas.microsoft.com/office/drawing/2014/main" id="{2FA9C47D-A8D6-4D97-B504-A37F608874E8}"/>
                 </a:ext>
               </a:extLst>
             </p:cNvPr>
@@ -6004,14 +5379,14 @@
           </p:nvSpPr>
           <p:spPr>
             <a:xfrm>
-              <a:off x="3423524" y="4297500"/>
-              <a:ext cx="63839" cy="225170"/>
+              <a:off x="2190096" y="3002132"/>
+              <a:ext cx="213273" cy="213273"/>
             </a:xfrm>
-            <a:prstGeom prst="rect">
+            <a:prstGeom prst="ellipse">
               <a:avLst/>
             </a:prstGeom>
             <a:solidFill>
-              <a:srgbClr val="70AD47"/>
+              <a:srgbClr val="A9D18E"/>
             </a:solidFill>
             <a:ln>
               <a:noFill/>
@@ -6044,10 +5419,10 @@
         </p:sp>
         <p:sp>
           <p:nvSpPr>
-            <p:cNvPr id="155" name="矩形 154">
+            <p:cNvPr id="104" name="椭圆 103">
               <a:extLst>
                 <a:ext uri="{FF2B5EF4-FFF2-40B4-BE49-F238E27FC236}">
-                  <a16:creationId xmlns:a16="http://schemas.microsoft.com/office/drawing/2014/main" id="{23F5AC8C-20EF-4130-8C71-AE62B5F68B03}"/>
+                  <a16:creationId xmlns:a16="http://schemas.microsoft.com/office/drawing/2014/main" id="{DE4F6724-E31B-42E3-AD65-8992B49CCEF9}"/>
                 </a:ext>
               </a:extLst>
             </p:cNvPr>
@@ -6056,14 +5431,14 @@
           </p:nvSpPr>
           <p:spPr>
             <a:xfrm>
-              <a:off x="4584341" y="4293793"/>
-              <a:ext cx="45719" cy="228877"/>
+              <a:off x="1490133" y="3004925"/>
+              <a:ext cx="213273" cy="213273"/>
             </a:xfrm>
-            <a:prstGeom prst="rect">
+            <a:prstGeom prst="ellipse">
               <a:avLst/>
             </a:prstGeom>
             <a:solidFill>
-              <a:srgbClr val="70AD47"/>
+              <a:srgbClr val="A9D18E"/>
             </a:solidFill>
             <a:ln>
               <a:noFill/>
@@ -6095,12 +5470,6825 @@
           </p:txBody>
         </p:sp>
       </p:grpSp>
+      <p:grpSp>
+        <p:nvGrpSpPr>
+          <p:cNvPr id="30" name="组合 29">
+            <a:extLst>
+              <a:ext uri="{FF2B5EF4-FFF2-40B4-BE49-F238E27FC236}">
+                <a16:creationId xmlns:a16="http://schemas.microsoft.com/office/drawing/2014/main" id="{D2ABBD3E-687E-49A9-94BA-291108AAC8A6}"/>
+              </a:ext>
+            </a:extLst>
+          </p:cNvPr>
+          <p:cNvGrpSpPr/>
+          <p:nvPr/>
+        </p:nvGrpSpPr>
+        <p:grpSpPr>
+          <a:xfrm>
+            <a:off x="5488250" y="2956846"/>
+            <a:ext cx="913236" cy="216066"/>
+            <a:chOff x="5525616" y="3000491"/>
+            <a:chExt cx="913236" cy="216066"/>
+          </a:xfrm>
+        </p:grpSpPr>
+        <p:sp>
+          <p:nvSpPr>
+            <p:cNvPr id="105" name="椭圆 104">
+              <a:extLst>
+                <a:ext uri="{FF2B5EF4-FFF2-40B4-BE49-F238E27FC236}">
+                  <a16:creationId xmlns:a16="http://schemas.microsoft.com/office/drawing/2014/main" id="{A6F5622F-2C68-490A-A2F8-6BF86AAE89DA}"/>
+                </a:ext>
+              </a:extLst>
+            </p:cNvPr>
+            <p:cNvSpPr/>
+            <p:nvPr/>
+          </p:nvSpPr>
+          <p:spPr>
+            <a:xfrm>
+              <a:off x="5881933" y="3003284"/>
+              <a:ext cx="213273" cy="213273"/>
+            </a:xfrm>
+            <a:prstGeom prst="ellipse">
+              <a:avLst/>
+            </a:prstGeom>
+            <a:solidFill>
+              <a:srgbClr val="A9D18E"/>
+            </a:solidFill>
+            <a:ln>
+              <a:noFill/>
+            </a:ln>
+          </p:spPr>
+          <p:style>
+            <a:lnRef idx="2">
+              <a:schemeClr val="accent1">
+                <a:shade val="50000"/>
+              </a:schemeClr>
+            </a:lnRef>
+            <a:fillRef idx="1">
+              <a:schemeClr val="accent1"/>
+            </a:fillRef>
+            <a:effectRef idx="0">
+              <a:schemeClr val="accent1"/>
+            </a:effectRef>
+            <a:fontRef idx="minor">
+              <a:schemeClr val="lt1"/>
+            </a:fontRef>
+          </p:style>
+          <p:txBody>
+            <a:bodyPr rtlCol="0" anchor="ctr"/>
+            <a:lstStyle/>
+            <a:p>
+              <a:pPr algn="ctr"/>
+              <a:endParaRPr lang="zh-CN" altLang="en-US"/>
+            </a:p>
+          </p:txBody>
+        </p:sp>
+        <p:sp>
+          <p:nvSpPr>
+            <p:cNvPr id="106" name="椭圆 105">
+              <a:extLst>
+                <a:ext uri="{FF2B5EF4-FFF2-40B4-BE49-F238E27FC236}">
+                  <a16:creationId xmlns:a16="http://schemas.microsoft.com/office/drawing/2014/main" id="{24819B23-B9F2-4694-8A84-4E26BD8BCC60}"/>
+                </a:ext>
+              </a:extLst>
+            </p:cNvPr>
+            <p:cNvSpPr/>
+            <p:nvPr/>
+          </p:nvSpPr>
+          <p:spPr>
+            <a:xfrm>
+              <a:off x="6225579" y="3000491"/>
+              <a:ext cx="213273" cy="213273"/>
+            </a:xfrm>
+            <a:prstGeom prst="ellipse">
+              <a:avLst/>
+            </a:prstGeom>
+            <a:solidFill>
+              <a:srgbClr val="A9D18E"/>
+            </a:solidFill>
+            <a:ln>
+              <a:noFill/>
+            </a:ln>
+          </p:spPr>
+          <p:style>
+            <a:lnRef idx="2">
+              <a:schemeClr val="accent1">
+                <a:shade val="50000"/>
+              </a:schemeClr>
+            </a:lnRef>
+            <a:fillRef idx="1">
+              <a:schemeClr val="accent1"/>
+            </a:fillRef>
+            <a:effectRef idx="0">
+              <a:schemeClr val="accent1"/>
+            </a:effectRef>
+            <a:fontRef idx="minor">
+              <a:schemeClr val="lt1"/>
+            </a:fontRef>
+          </p:style>
+          <p:txBody>
+            <a:bodyPr rtlCol="0" anchor="ctr"/>
+            <a:lstStyle/>
+            <a:p>
+              <a:pPr algn="ctr"/>
+              <a:endParaRPr lang="zh-CN" altLang="en-US"/>
+            </a:p>
+          </p:txBody>
+        </p:sp>
+        <p:sp>
+          <p:nvSpPr>
+            <p:cNvPr id="107" name="椭圆 106">
+              <a:extLst>
+                <a:ext uri="{FF2B5EF4-FFF2-40B4-BE49-F238E27FC236}">
+                  <a16:creationId xmlns:a16="http://schemas.microsoft.com/office/drawing/2014/main" id="{1AB6EA79-9AAB-46DA-B3FE-D0F45AD40C60}"/>
+                </a:ext>
+              </a:extLst>
+            </p:cNvPr>
+            <p:cNvSpPr/>
+            <p:nvPr/>
+          </p:nvSpPr>
+          <p:spPr>
+            <a:xfrm>
+              <a:off x="5525616" y="3003284"/>
+              <a:ext cx="213273" cy="213273"/>
+            </a:xfrm>
+            <a:prstGeom prst="ellipse">
+              <a:avLst/>
+            </a:prstGeom>
+            <a:solidFill>
+              <a:srgbClr val="A9D18E"/>
+            </a:solidFill>
+            <a:ln>
+              <a:noFill/>
+            </a:ln>
+          </p:spPr>
+          <p:style>
+            <a:lnRef idx="2">
+              <a:schemeClr val="accent1">
+                <a:shade val="50000"/>
+              </a:schemeClr>
+            </a:lnRef>
+            <a:fillRef idx="1">
+              <a:schemeClr val="accent1"/>
+            </a:fillRef>
+            <a:effectRef idx="0">
+              <a:schemeClr val="accent1"/>
+            </a:effectRef>
+            <a:fontRef idx="minor">
+              <a:schemeClr val="lt1"/>
+            </a:fontRef>
+          </p:style>
+          <p:txBody>
+            <a:bodyPr rtlCol="0" anchor="ctr"/>
+            <a:lstStyle/>
+            <a:p>
+              <a:pPr algn="ctr"/>
+              <a:endParaRPr lang="zh-CN" altLang="en-US"/>
+            </a:p>
+          </p:txBody>
+        </p:sp>
+      </p:grpSp>
+      <p:grpSp>
+        <p:nvGrpSpPr>
+          <p:cNvPr id="108" name="组合 107">
+            <a:extLst>
+              <a:ext uri="{FF2B5EF4-FFF2-40B4-BE49-F238E27FC236}">
+                <a16:creationId xmlns:a16="http://schemas.microsoft.com/office/drawing/2014/main" id="{517CA0CA-FC3D-4F5E-8E7F-3D5555CD1A08}"/>
+              </a:ext>
+            </a:extLst>
+          </p:cNvPr>
+          <p:cNvGrpSpPr/>
+          <p:nvPr/>
+        </p:nvGrpSpPr>
+        <p:grpSpPr>
+          <a:xfrm>
+            <a:off x="1193958" y="2278194"/>
+            <a:ext cx="913236" cy="216066"/>
+            <a:chOff x="1490133" y="3002132"/>
+            <a:chExt cx="913236" cy="216066"/>
+          </a:xfrm>
+          <a:solidFill>
+            <a:srgbClr val="4472C4"/>
+          </a:solidFill>
+        </p:grpSpPr>
+        <p:sp>
+          <p:nvSpPr>
+            <p:cNvPr id="109" name="椭圆 108">
+              <a:extLst>
+                <a:ext uri="{FF2B5EF4-FFF2-40B4-BE49-F238E27FC236}">
+                  <a16:creationId xmlns:a16="http://schemas.microsoft.com/office/drawing/2014/main" id="{E9BC2BB2-F1D9-481C-85E8-EA04787C6BC0}"/>
+                </a:ext>
+              </a:extLst>
+            </p:cNvPr>
+            <p:cNvSpPr/>
+            <p:nvPr/>
+          </p:nvSpPr>
+          <p:spPr>
+            <a:xfrm>
+              <a:off x="1846450" y="3004925"/>
+              <a:ext cx="213273" cy="213273"/>
+            </a:xfrm>
+            <a:prstGeom prst="ellipse">
+              <a:avLst/>
+            </a:prstGeom>
+            <a:grpFill/>
+            <a:ln>
+              <a:solidFill>
+                <a:srgbClr val="FFFFFF"/>
+              </a:solidFill>
+            </a:ln>
+          </p:spPr>
+          <p:style>
+            <a:lnRef idx="2">
+              <a:schemeClr val="accent1">
+                <a:shade val="50000"/>
+              </a:schemeClr>
+            </a:lnRef>
+            <a:fillRef idx="1">
+              <a:schemeClr val="accent1"/>
+            </a:fillRef>
+            <a:effectRef idx="0">
+              <a:schemeClr val="accent1"/>
+            </a:effectRef>
+            <a:fontRef idx="minor">
+              <a:schemeClr val="lt1"/>
+            </a:fontRef>
+          </p:style>
+          <p:txBody>
+            <a:bodyPr rtlCol="0" anchor="ctr"/>
+            <a:lstStyle/>
+            <a:p>
+              <a:pPr algn="ctr"/>
+              <a:endParaRPr lang="zh-CN" altLang="en-US"/>
+            </a:p>
+          </p:txBody>
+        </p:sp>
+        <p:sp>
+          <p:nvSpPr>
+            <p:cNvPr id="110" name="椭圆 109">
+              <a:extLst>
+                <a:ext uri="{FF2B5EF4-FFF2-40B4-BE49-F238E27FC236}">
+                  <a16:creationId xmlns:a16="http://schemas.microsoft.com/office/drawing/2014/main" id="{10F90E40-1E4D-4C07-B41B-2F12285D2279}"/>
+                </a:ext>
+              </a:extLst>
+            </p:cNvPr>
+            <p:cNvSpPr/>
+            <p:nvPr/>
+          </p:nvSpPr>
+          <p:spPr>
+            <a:xfrm>
+              <a:off x="2190096" y="3002132"/>
+              <a:ext cx="213273" cy="213273"/>
+            </a:xfrm>
+            <a:prstGeom prst="ellipse">
+              <a:avLst/>
+            </a:prstGeom>
+            <a:grpFill/>
+            <a:ln>
+              <a:solidFill>
+                <a:srgbClr val="FFFFFF"/>
+              </a:solidFill>
+            </a:ln>
+          </p:spPr>
+          <p:style>
+            <a:lnRef idx="2">
+              <a:schemeClr val="accent1">
+                <a:shade val="50000"/>
+              </a:schemeClr>
+            </a:lnRef>
+            <a:fillRef idx="1">
+              <a:schemeClr val="accent1"/>
+            </a:fillRef>
+            <a:effectRef idx="0">
+              <a:schemeClr val="accent1"/>
+            </a:effectRef>
+            <a:fontRef idx="minor">
+              <a:schemeClr val="lt1"/>
+            </a:fontRef>
+          </p:style>
+          <p:txBody>
+            <a:bodyPr rtlCol="0" anchor="ctr"/>
+            <a:lstStyle/>
+            <a:p>
+              <a:pPr algn="ctr"/>
+              <a:endParaRPr lang="zh-CN" altLang="en-US"/>
+            </a:p>
+          </p:txBody>
+        </p:sp>
+        <p:sp>
+          <p:nvSpPr>
+            <p:cNvPr id="111" name="椭圆 110">
+              <a:extLst>
+                <a:ext uri="{FF2B5EF4-FFF2-40B4-BE49-F238E27FC236}">
+                  <a16:creationId xmlns:a16="http://schemas.microsoft.com/office/drawing/2014/main" id="{EFD5369F-E236-49FB-8311-192A5B593540}"/>
+                </a:ext>
+              </a:extLst>
+            </p:cNvPr>
+            <p:cNvSpPr/>
+            <p:nvPr/>
+          </p:nvSpPr>
+          <p:spPr>
+            <a:xfrm>
+              <a:off x="1490133" y="3004925"/>
+              <a:ext cx="213273" cy="213273"/>
+            </a:xfrm>
+            <a:prstGeom prst="ellipse">
+              <a:avLst/>
+            </a:prstGeom>
+            <a:grpFill/>
+            <a:ln>
+              <a:solidFill>
+                <a:srgbClr val="FFFFFF"/>
+              </a:solidFill>
+            </a:ln>
+          </p:spPr>
+          <p:style>
+            <a:lnRef idx="2">
+              <a:schemeClr val="accent1">
+                <a:shade val="50000"/>
+              </a:schemeClr>
+            </a:lnRef>
+            <a:fillRef idx="1">
+              <a:schemeClr val="accent1"/>
+            </a:fillRef>
+            <a:effectRef idx="0">
+              <a:schemeClr val="accent1"/>
+            </a:effectRef>
+            <a:fontRef idx="minor">
+              <a:schemeClr val="lt1"/>
+            </a:fontRef>
+          </p:style>
+          <p:txBody>
+            <a:bodyPr rtlCol="0" anchor="ctr"/>
+            <a:lstStyle/>
+            <a:p>
+              <a:pPr algn="ctr"/>
+              <a:endParaRPr lang="zh-CN" altLang="en-US"/>
+            </a:p>
+          </p:txBody>
+        </p:sp>
+      </p:grpSp>
+      <p:grpSp>
+        <p:nvGrpSpPr>
+          <p:cNvPr id="112" name="组合 111">
+            <a:extLst>
+              <a:ext uri="{FF2B5EF4-FFF2-40B4-BE49-F238E27FC236}">
+                <a16:creationId xmlns:a16="http://schemas.microsoft.com/office/drawing/2014/main" id="{2878094D-D086-44E6-A2E9-91B2FDD5E357}"/>
+              </a:ext>
+            </a:extLst>
+          </p:cNvPr>
+          <p:cNvGrpSpPr/>
+          <p:nvPr/>
+        </p:nvGrpSpPr>
+        <p:grpSpPr>
+          <a:xfrm>
+            <a:off x="5488250" y="2279583"/>
+            <a:ext cx="913236" cy="216066"/>
+            <a:chOff x="1490133" y="3002132"/>
+            <a:chExt cx="913236" cy="216066"/>
+          </a:xfrm>
+          <a:solidFill>
+            <a:srgbClr val="4472C4"/>
+          </a:solidFill>
+        </p:grpSpPr>
+        <p:sp>
+          <p:nvSpPr>
+            <p:cNvPr id="113" name="椭圆 112">
+              <a:extLst>
+                <a:ext uri="{FF2B5EF4-FFF2-40B4-BE49-F238E27FC236}">
+                  <a16:creationId xmlns:a16="http://schemas.microsoft.com/office/drawing/2014/main" id="{84990903-9B80-49F3-B789-43D14576860A}"/>
+                </a:ext>
+              </a:extLst>
+            </p:cNvPr>
+            <p:cNvSpPr/>
+            <p:nvPr/>
+          </p:nvSpPr>
+          <p:spPr>
+            <a:xfrm>
+              <a:off x="1846450" y="3004925"/>
+              <a:ext cx="213273" cy="213273"/>
+            </a:xfrm>
+            <a:prstGeom prst="ellipse">
+              <a:avLst/>
+            </a:prstGeom>
+            <a:grpFill/>
+            <a:ln>
+              <a:solidFill>
+                <a:srgbClr val="FFFFFF"/>
+              </a:solidFill>
+            </a:ln>
+          </p:spPr>
+          <p:style>
+            <a:lnRef idx="2">
+              <a:schemeClr val="accent1">
+                <a:shade val="50000"/>
+              </a:schemeClr>
+            </a:lnRef>
+            <a:fillRef idx="1">
+              <a:schemeClr val="accent1"/>
+            </a:fillRef>
+            <a:effectRef idx="0">
+              <a:schemeClr val="accent1"/>
+            </a:effectRef>
+            <a:fontRef idx="minor">
+              <a:schemeClr val="lt1"/>
+            </a:fontRef>
+          </p:style>
+          <p:txBody>
+            <a:bodyPr rtlCol="0" anchor="ctr"/>
+            <a:lstStyle/>
+            <a:p>
+              <a:pPr algn="ctr"/>
+              <a:endParaRPr lang="zh-CN" altLang="en-US"/>
+            </a:p>
+          </p:txBody>
+        </p:sp>
+        <p:sp>
+          <p:nvSpPr>
+            <p:cNvPr id="114" name="椭圆 113">
+              <a:extLst>
+                <a:ext uri="{FF2B5EF4-FFF2-40B4-BE49-F238E27FC236}">
+                  <a16:creationId xmlns:a16="http://schemas.microsoft.com/office/drawing/2014/main" id="{A5150730-0C9B-48FB-87C4-68C46407ECF3}"/>
+                </a:ext>
+              </a:extLst>
+            </p:cNvPr>
+            <p:cNvSpPr/>
+            <p:nvPr/>
+          </p:nvSpPr>
+          <p:spPr>
+            <a:xfrm>
+              <a:off x="2190096" y="3002132"/>
+              <a:ext cx="213273" cy="213273"/>
+            </a:xfrm>
+            <a:prstGeom prst="ellipse">
+              <a:avLst/>
+            </a:prstGeom>
+            <a:grpFill/>
+            <a:ln>
+              <a:solidFill>
+                <a:srgbClr val="FFFFFF"/>
+              </a:solidFill>
+            </a:ln>
+          </p:spPr>
+          <p:style>
+            <a:lnRef idx="2">
+              <a:schemeClr val="accent1">
+                <a:shade val="50000"/>
+              </a:schemeClr>
+            </a:lnRef>
+            <a:fillRef idx="1">
+              <a:schemeClr val="accent1"/>
+            </a:fillRef>
+            <a:effectRef idx="0">
+              <a:schemeClr val="accent1"/>
+            </a:effectRef>
+            <a:fontRef idx="minor">
+              <a:schemeClr val="lt1"/>
+            </a:fontRef>
+          </p:style>
+          <p:txBody>
+            <a:bodyPr rtlCol="0" anchor="ctr"/>
+            <a:lstStyle/>
+            <a:p>
+              <a:pPr algn="ctr"/>
+              <a:endParaRPr lang="zh-CN" altLang="en-US"/>
+            </a:p>
+          </p:txBody>
+        </p:sp>
+        <p:sp>
+          <p:nvSpPr>
+            <p:cNvPr id="115" name="椭圆 114">
+              <a:extLst>
+                <a:ext uri="{FF2B5EF4-FFF2-40B4-BE49-F238E27FC236}">
+                  <a16:creationId xmlns:a16="http://schemas.microsoft.com/office/drawing/2014/main" id="{85BB1F71-2B79-467C-B927-18743960B44D}"/>
+                </a:ext>
+              </a:extLst>
+            </p:cNvPr>
+            <p:cNvSpPr/>
+            <p:nvPr/>
+          </p:nvSpPr>
+          <p:spPr>
+            <a:xfrm>
+              <a:off x="1490133" y="3004925"/>
+              <a:ext cx="213273" cy="213273"/>
+            </a:xfrm>
+            <a:prstGeom prst="ellipse">
+              <a:avLst/>
+            </a:prstGeom>
+            <a:grpFill/>
+            <a:ln>
+              <a:solidFill>
+                <a:srgbClr val="FFFFFF"/>
+              </a:solidFill>
+            </a:ln>
+          </p:spPr>
+          <p:style>
+            <a:lnRef idx="2">
+              <a:schemeClr val="accent1">
+                <a:shade val="50000"/>
+              </a:schemeClr>
+            </a:lnRef>
+            <a:fillRef idx="1">
+              <a:schemeClr val="accent1"/>
+            </a:fillRef>
+            <a:effectRef idx="0">
+              <a:schemeClr val="accent1"/>
+            </a:effectRef>
+            <a:fontRef idx="minor">
+              <a:schemeClr val="lt1"/>
+            </a:fontRef>
+          </p:style>
+          <p:txBody>
+            <a:bodyPr rtlCol="0" anchor="ctr"/>
+            <a:lstStyle/>
+            <a:p>
+              <a:pPr algn="ctr"/>
+              <a:endParaRPr lang="zh-CN" altLang="en-US"/>
+            </a:p>
+          </p:txBody>
+        </p:sp>
+      </p:grpSp>
+      <p:grpSp>
+        <p:nvGrpSpPr>
+          <p:cNvPr id="62" name="组合 61">
+            <a:extLst>
+              <a:ext uri="{FF2B5EF4-FFF2-40B4-BE49-F238E27FC236}">
+                <a16:creationId xmlns:a16="http://schemas.microsoft.com/office/drawing/2014/main" id="{CB09151B-CAE9-424E-863D-A7912C10CA67}"/>
+              </a:ext>
+            </a:extLst>
+          </p:cNvPr>
+          <p:cNvGrpSpPr/>
+          <p:nvPr/>
+        </p:nvGrpSpPr>
+        <p:grpSpPr>
+          <a:xfrm>
+            <a:off x="1193958" y="857942"/>
+            <a:ext cx="5207528" cy="435868"/>
+            <a:chOff x="1193958" y="857942"/>
+            <a:chExt cx="5207528" cy="435868"/>
+          </a:xfrm>
+        </p:grpSpPr>
+        <p:sp>
+          <p:nvSpPr>
+            <p:cNvPr id="4" name="矩形 3">
+              <a:extLst>
+                <a:ext uri="{FF2B5EF4-FFF2-40B4-BE49-F238E27FC236}">
+                  <a16:creationId xmlns:a16="http://schemas.microsoft.com/office/drawing/2014/main" id="{E182E73A-3979-4002-9898-7786BFAE639C}"/>
+                </a:ext>
+              </a:extLst>
+            </p:cNvPr>
+            <p:cNvSpPr/>
+            <p:nvPr/>
+          </p:nvSpPr>
+          <p:spPr>
+            <a:xfrm>
+              <a:off x="2370337" y="1014384"/>
+              <a:ext cx="754603" cy="270548"/>
+            </a:xfrm>
+            <a:prstGeom prst="rect">
+              <a:avLst/>
+            </a:prstGeom>
+          </p:spPr>
+          <p:style>
+            <a:lnRef idx="2">
+              <a:schemeClr val="accent1">
+                <a:shade val="50000"/>
+              </a:schemeClr>
+            </a:lnRef>
+            <a:fillRef idx="1">
+              <a:schemeClr val="accent1"/>
+            </a:fillRef>
+            <a:effectRef idx="0">
+              <a:schemeClr val="accent1"/>
+            </a:effectRef>
+            <a:fontRef idx="minor">
+              <a:schemeClr val="lt1"/>
+            </a:fontRef>
+          </p:style>
+          <p:txBody>
+            <a:bodyPr rtlCol="0" anchor="ctr"/>
+            <a:lstStyle/>
+            <a:p>
+              <a:pPr algn="ctr"/>
+              <a:r>
+                <a:rPr lang="en-US" altLang="zh-CN" dirty="0"/>
+                <a:t>Conv</a:t>
+              </a:r>
+              <a:endParaRPr lang="zh-CN" altLang="en-US" dirty="0"/>
+            </a:p>
+          </p:txBody>
+        </p:sp>
+        <p:sp>
+          <p:nvSpPr>
+            <p:cNvPr id="5" name="矩形 4">
+              <a:extLst>
+                <a:ext uri="{FF2B5EF4-FFF2-40B4-BE49-F238E27FC236}">
+                  <a16:creationId xmlns:a16="http://schemas.microsoft.com/office/drawing/2014/main" id="{64436DE1-B94B-41DA-A8DD-54ADDD67214C}"/>
+                </a:ext>
+              </a:extLst>
+            </p:cNvPr>
+            <p:cNvSpPr/>
+            <p:nvPr/>
+          </p:nvSpPr>
+          <p:spPr>
+            <a:xfrm>
+              <a:off x="3284736" y="1007185"/>
+              <a:ext cx="88778" cy="276068"/>
+            </a:xfrm>
+            <a:prstGeom prst="rect">
+              <a:avLst/>
+            </a:prstGeom>
+          </p:spPr>
+          <p:style>
+            <a:lnRef idx="2">
+              <a:schemeClr val="accent4">
+                <a:shade val="50000"/>
+              </a:schemeClr>
+            </a:lnRef>
+            <a:fillRef idx="1">
+              <a:schemeClr val="accent4"/>
+            </a:fillRef>
+            <a:effectRef idx="0">
+              <a:schemeClr val="accent4"/>
+            </a:effectRef>
+            <a:fontRef idx="minor">
+              <a:schemeClr val="lt1"/>
+            </a:fontRef>
+          </p:style>
+          <p:txBody>
+            <a:bodyPr rtlCol="0" anchor="ctr"/>
+            <a:lstStyle/>
+            <a:p>
+              <a:pPr algn="ctr"/>
+              <a:endParaRPr lang="zh-CN" altLang="en-US"/>
+            </a:p>
+          </p:txBody>
+        </p:sp>
+        <p:cxnSp>
+          <p:nvCxnSpPr>
+            <p:cNvPr id="7" name="直接箭头连接符 6">
+              <a:extLst>
+                <a:ext uri="{FF2B5EF4-FFF2-40B4-BE49-F238E27FC236}">
+                  <a16:creationId xmlns:a16="http://schemas.microsoft.com/office/drawing/2014/main" id="{95139D89-634F-4CC7-8DD0-94253E177993}"/>
+                </a:ext>
+              </a:extLst>
+            </p:cNvPr>
+            <p:cNvCxnSpPr>
+              <a:cxnSpLocks/>
+              <a:stCxn id="4" idx="3"/>
+              <a:endCxn id="5" idx="1"/>
+            </p:cNvCxnSpPr>
+            <p:nvPr/>
+          </p:nvCxnSpPr>
+          <p:spPr>
+            <a:xfrm flipV="1">
+              <a:off x="3124940" y="1145219"/>
+              <a:ext cx="159796" cy="4439"/>
+            </a:xfrm>
+            <a:prstGeom prst="straightConnector1">
+              <a:avLst/>
+            </a:prstGeom>
+            <a:ln>
+              <a:tailEnd type="triangle"/>
+            </a:ln>
+          </p:spPr>
+          <p:style>
+            <a:lnRef idx="1">
+              <a:schemeClr val="dk1"/>
+            </a:lnRef>
+            <a:fillRef idx="0">
+              <a:schemeClr val="dk1"/>
+            </a:fillRef>
+            <a:effectRef idx="0">
+              <a:schemeClr val="dk1"/>
+            </a:effectRef>
+            <a:fontRef idx="minor">
+              <a:schemeClr val="tx1"/>
+            </a:fontRef>
+          </p:style>
+        </p:cxnSp>
+        <p:cxnSp>
+          <p:nvCxnSpPr>
+            <p:cNvPr id="9" name="直接箭头连接符 8">
+              <a:extLst>
+                <a:ext uri="{FF2B5EF4-FFF2-40B4-BE49-F238E27FC236}">
+                  <a16:creationId xmlns:a16="http://schemas.microsoft.com/office/drawing/2014/main" id="{ED15371A-D62F-4340-95DE-4D80767B02D0}"/>
+                </a:ext>
+              </a:extLst>
+            </p:cNvPr>
+            <p:cNvCxnSpPr>
+              <a:cxnSpLocks/>
+              <a:endCxn id="4" idx="1"/>
+            </p:cNvCxnSpPr>
+            <p:nvPr/>
+          </p:nvCxnSpPr>
+          <p:spPr>
+            <a:xfrm>
+              <a:off x="2187092" y="1145219"/>
+              <a:ext cx="183245" cy="4439"/>
+            </a:xfrm>
+            <a:prstGeom prst="straightConnector1">
+              <a:avLst/>
+            </a:prstGeom>
+            <a:ln>
+              <a:tailEnd type="triangle"/>
+            </a:ln>
+          </p:spPr>
+          <p:style>
+            <a:lnRef idx="1">
+              <a:schemeClr val="dk1"/>
+            </a:lnRef>
+            <a:fillRef idx="0">
+              <a:schemeClr val="dk1"/>
+            </a:fillRef>
+            <a:effectRef idx="0">
+              <a:schemeClr val="dk1"/>
+            </a:effectRef>
+            <a:fontRef idx="minor">
+              <a:schemeClr val="tx1"/>
+            </a:fontRef>
+          </p:style>
+        </p:cxnSp>
+        <p:cxnSp>
+          <p:nvCxnSpPr>
+            <p:cNvPr id="11" name="直接箭头连接符 10">
+              <a:extLst>
+                <a:ext uri="{FF2B5EF4-FFF2-40B4-BE49-F238E27FC236}">
+                  <a16:creationId xmlns:a16="http://schemas.microsoft.com/office/drawing/2014/main" id="{DF554F79-6AE6-49D0-B26C-2EA14B114683}"/>
+                </a:ext>
+              </a:extLst>
+            </p:cNvPr>
+            <p:cNvCxnSpPr>
+              <a:cxnSpLocks/>
+              <a:stCxn id="5" idx="3"/>
+            </p:cNvCxnSpPr>
+            <p:nvPr/>
+          </p:nvCxnSpPr>
+          <p:spPr>
+            <a:xfrm>
+              <a:off x="3373514" y="1145219"/>
+              <a:ext cx="301841" cy="0"/>
+            </a:xfrm>
+            <a:prstGeom prst="straightConnector1">
+              <a:avLst/>
+            </a:prstGeom>
+            <a:ln>
+              <a:tailEnd type="triangle"/>
+            </a:ln>
+          </p:spPr>
+          <p:style>
+            <a:lnRef idx="1">
+              <a:schemeClr val="dk1"/>
+            </a:lnRef>
+            <a:fillRef idx="0">
+              <a:schemeClr val="dk1"/>
+            </a:fillRef>
+            <a:effectRef idx="0">
+              <a:schemeClr val="dk1"/>
+            </a:effectRef>
+            <a:fontRef idx="minor">
+              <a:schemeClr val="tx1"/>
+            </a:fontRef>
+          </p:style>
+        </p:cxnSp>
+        <p:sp>
+          <p:nvSpPr>
+            <p:cNvPr id="12" name="矩形 11">
+              <a:extLst>
+                <a:ext uri="{FF2B5EF4-FFF2-40B4-BE49-F238E27FC236}">
+                  <a16:creationId xmlns:a16="http://schemas.microsoft.com/office/drawing/2014/main" id="{98AF292A-0CBC-457D-A562-32379A22DEDD}"/>
+                </a:ext>
+              </a:extLst>
+            </p:cNvPr>
+            <p:cNvSpPr/>
+            <p:nvPr/>
+          </p:nvSpPr>
+          <p:spPr>
+            <a:xfrm>
+              <a:off x="3675355" y="1023262"/>
+              <a:ext cx="754603" cy="270548"/>
+            </a:xfrm>
+            <a:prstGeom prst="rect">
+              <a:avLst/>
+            </a:prstGeom>
+          </p:spPr>
+          <p:style>
+            <a:lnRef idx="2">
+              <a:schemeClr val="accent1">
+                <a:shade val="50000"/>
+              </a:schemeClr>
+            </a:lnRef>
+            <a:fillRef idx="1">
+              <a:schemeClr val="accent1"/>
+            </a:fillRef>
+            <a:effectRef idx="0">
+              <a:schemeClr val="accent1"/>
+            </a:effectRef>
+            <a:fontRef idx="minor">
+              <a:schemeClr val="lt1"/>
+            </a:fontRef>
+          </p:style>
+          <p:txBody>
+            <a:bodyPr rtlCol="0" anchor="ctr"/>
+            <a:lstStyle/>
+            <a:p>
+              <a:pPr algn="ctr"/>
+              <a:r>
+                <a:rPr lang="en-US" altLang="zh-CN" dirty="0"/>
+                <a:t>Conv</a:t>
+              </a:r>
+              <a:endParaRPr lang="zh-CN" altLang="en-US" dirty="0"/>
+            </a:p>
+          </p:txBody>
+        </p:sp>
+        <p:sp>
+          <p:nvSpPr>
+            <p:cNvPr id="13" name="矩形 12">
+              <a:extLst>
+                <a:ext uri="{FF2B5EF4-FFF2-40B4-BE49-F238E27FC236}">
+                  <a16:creationId xmlns:a16="http://schemas.microsoft.com/office/drawing/2014/main" id="{576CFFAC-D3CC-40F0-A25E-44576D15381E}"/>
+                </a:ext>
+              </a:extLst>
+            </p:cNvPr>
+            <p:cNvSpPr/>
+            <p:nvPr/>
+          </p:nvSpPr>
+          <p:spPr>
+            <a:xfrm>
+              <a:off x="4589754" y="1016063"/>
+              <a:ext cx="88778" cy="276068"/>
+            </a:xfrm>
+            <a:prstGeom prst="rect">
+              <a:avLst/>
+            </a:prstGeom>
+          </p:spPr>
+          <p:style>
+            <a:lnRef idx="2">
+              <a:schemeClr val="accent4">
+                <a:shade val="50000"/>
+              </a:schemeClr>
+            </a:lnRef>
+            <a:fillRef idx="1">
+              <a:schemeClr val="accent4"/>
+            </a:fillRef>
+            <a:effectRef idx="0">
+              <a:schemeClr val="accent4"/>
+            </a:effectRef>
+            <a:fontRef idx="minor">
+              <a:schemeClr val="lt1"/>
+            </a:fontRef>
+          </p:style>
+          <p:txBody>
+            <a:bodyPr rtlCol="0" anchor="ctr"/>
+            <a:lstStyle/>
+            <a:p>
+              <a:pPr algn="ctr"/>
+              <a:endParaRPr lang="zh-CN" altLang="en-US"/>
+            </a:p>
+          </p:txBody>
+        </p:sp>
+        <p:cxnSp>
+          <p:nvCxnSpPr>
+            <p:cNvPr id="14" name="直接箭头连接符 13">
+              <a:extLst>
+                <a:ext uri="{FF2B5EF4-FFF2-40B4-BE49-F238E27FC236}">
+                  <a16:creationId xmlns:a16="http://schemas.microsoft.com/office/drawing/2014/main" id="{9E212137-C364-4507-9079-7A3A28E61517}"/>
+                </a:ext>
+              </a:extLst>
+            </p:cNvPr>
+            <p:cNvCxnSpPr>
+              <a:cxnSpLocks/>
+              <a:stCxn id="12" idx="3"/>
+              <a:endCxn id="13" idx="1"/>
+            </p:cNvCxnSpPr>
+            <p:nvPr/>
+          </p:nvCxnSpPr>
+          <p:spPr>
+            <a:xfrm flipV="1">
+              <a:off x="4429958" y="1154097"/>
+              <a:ext cx="159796" cy="4439"/>
+            </a:xfrm>
+            <a:prstGeom prst="straightConnector1">
+              <a:avLst/>
+            </a:prstGeom>
+            <a:ln>
+              <a:tailEnd type="triangle"/>
+            </a:ln>
+          </p:spPr>
+          <p:style>
+            <a:lnRef idx="1">
+              <a:schemeClr val="dk1"/>
+            </a:lnRef>
+            <a:fillRef idx="0">
+              <a:schemeClr val="dk1"/>
+            </a:fillRef>
+            <a:effectRef idx="0">
+              <a:schemeClr val="dk1"/>
+            </a:effectRef>
+            <a:fontRef idx="minor">
+              <a:schemeClr val="tx1"/>
+            </a:fontRef>
+          </p:style>
+        </p:cxnSp>
+        <p:cxnSp>
+          <p:nvCxnSpPr>
+            <p:cNvPr id="15" name="直接箭头连接符 14">
+              <a:extLst>
+                <a:ext uri="{FF2B5EF4-FFF2-40B4-BE49-F238E27FC236}">
+                  <a16:creationId xmlns:a16="http://schemas.microsoft.com/office/drawing/2014/main" id="{AEA1C191-011C-45B4-8DE6-108B7DE10D83}"/>
+                </a:ext>
+              </a:extLst>
+            </p:cNvPr>
+            <p:cNvCxnSpPr>
+              <a:cxnSpLocks/>
+              <a:stCxn id="13" idx="3"/>
+              <a:endCxn id="26" idx="2"/>
+            </p:cNvCxnSpPr>
+            <p:nvPr/>
+          </p:nvCxnSpPr>
+          <p:spPr>
+            <a:xfrm>
+              <a:off x="4678532" y="1154097"/>
+              <a:ext cx="301841" cy="0"/>
+            </a:xfrm>
+            <a:prstGeom prst="straightConnector1">
+              <a:avLst/>
+            </a:prstGeom>
+            <a:ln>
+              <a:tailEnd type="triangle"/>
+            </a:ln>
+          </p:spPr>
+          <p:style>
+            <a:lnRef idx="1">
+              <a:schemeClr val="dk1"/>
+            </a:lnRef>
+            <a:fillRef idx="0">
+              <a:schemeClr val="dk1"/>
+            </a:fillRef>
+            <a:effectRef idx="0">
+              <a:schemeClr val="dk1"/>
+            </a:effectRef>
+            <a:fontRef idx="minor">
+              <a:schemeClr val="tx1"/>
+            </a:fontRef>
+          </p:style>
+        </p:cxnSp>
+        <p:cxnSp>
+          <p:nvCxnSpPr>
+            <p:cNvPr id="17" name="直接连接符 16">
+              <a:extLst>
+                <a:ext uri="{FF2B5EF4-FFF2-40B4-BE49-F238E27FC236}">
+                  <a16:creationId xmlns:a16="http://schemas.microsoft.com/office/drawing/2014/main" id="{533CB4F7-7B4C-4851-A790-1C974E8E294F}"/>
+                </a:ext>
+              </a:extLst>
+            </p:cNvPr>
+            <p:cNvCxnSpPr>
+              <a:cxnSpLocks/>
+            </p:cNvCxnSpPr>
+            <p:nvPr/>
+          </p:nvCxnSpPr>
+          <p:spPr>
+            <a:xfrm flipV="1">
+              <a:off x="2253325" y="857942"/>
+              <a:ext cx="0" cy="287278"/>
+            </a:xfrm>
+            <a:prstGeom prst="line">
+              <a:avLst/>
+            </a:prstGeom>
+          </p:spPr>
+          <p:style>
+            <a:lnRef idx="1">
+              <a:schemeClr val="dk1"/>
+            </a:lnRef>
+            <a:fillRef idx="0">
+              <a:schemeClr val="dk1"/>
+            </a:fillRef>
+            <a:effectRef idx="0">
+              <a:schemeClr val="dk1"/>
+            </a:effectRef>
+            <a:fontRef idx="minor">
+              <a:schemeClr val="tx1"/>
+            </a:fontRef>
+          </p:style>
+        </p:cxnSp>
+        <p:cxnSp>
+          <p:nvCxnSpPr>
+            <p:cNvPr id="19" name="直接连接符 18">
+              <a:extLst>
+                <a:ext uri="{FF2B5EF4-FFF2-40B4-BE49-F238E27FC236}">
+                  <a16:creationId xmlns:a16="http://schemas.microsoft.com/office/drawing/2014/main" id="{F34CB26E-21E1-4234-9891-B75B262A46D3}"/>
+                </a:ext>
+              </a:extLst>
+            </p:cNvPr>
+            <p:cNvCxnSpPr>
+              <a:cxnSpLocks/>
+            </p:cNvCxnSpPr>
+            <p:nvPr/>
+          </p:nvCxnSpPr>
+          <p:spPr>
+            <a:xfrm>
+              <a:off x="2253325" y="857942"/>
+              <a:ext cx="2851334" cy="0"/>
+            </a:xfrm>
+            <a:prstGeom prst="line">
+              <a:avLst/>
+            </a:prstGeom>
+          </p:spPr>
+          <p:style>
+            <a:lnRef idx="1">
+              <a:schemeClr val="dk1"/>
+            </a:lnRef>
+            <a:fillRef idx="0">
+              <a:schemeClr val="dk1"/>
+            </a:fillRef>
+            <a:effectRef idx="0">
+              <a:schemeClr val="dk1"/>
+            </a:effectRef>
+            <a:fontRef idx="minor">
+              <a:schemeClr val="tx1"/>
+            </a:fontRef>
+          </p:style>
+        </p:cxnSp>
+        <p:cxnSp>
+          <p:nvCxnSpPr>
+            <p:cNvPr id="24" name="直接箭头连接符 23">
+              <a:extLst>
+                <a:ext uri="{FF2B5EF4-FFF2-40B4-BE49-F238E27FC236}">
+                  <a16:creationId xmlns:a16="http://schemas.microsoft.com/office/drawing/2014/main" id="{6E92433D-4A02-48A0-9C47-B8A3B0CD7B72}"/>
+                </a:ext>
+              </a:extLst>
+            </p:cNvPr>
+            <p:cNvCxnSpPr>
+              <a:cxnSpLocks/>
+              <a:endCxn id="26" idx="0"/>
+            </p:cNvCxnSpPr>
+            <p:nvPr/>
+          </p:nvCxnSpPr>
+          <p:spPr>
+            <a:xfrm>
+              <a:off x="5104659" y="857942"/>
+              <a:ext cx="1" cy="171868"/>
+            </a:xfrm>
+            <a:prstGeom prst="straightConnector1">
+              <a:avLst/>
+            </a:prstGeom>
+            <a:ln>
+              <a:tailEnd type="triangle"/>
+            </a:ln>
+          </p:spPr>
+          <p:style>
+            <a:lnRef idx="1">
+              <a:schemeClr val="dk1"/>
+            </a:lnRef>
+            <a:fillRef idx="0">
+              <a:schemeClr val="dk1"/>
+            </a:fillRef>
+            <a:effectRef idx="0">
+              <a:schemeClr val="dk1"/>
+            </a:effectRef>
+            <a:fontRef idx="minor">
+              <a:schemeClr val="tx1"/>
+            </a:fontRef>
+          </p:style>
+        </p:cxnSp>
+        <p:sp>
+          <p:nvSpPr>
+            <p:cNvPr id="26" name="流程图: 或者 25">
+              <a:extLst>
+                <a:ext uri="{FF2B5EF4-FFF2-40B4-BE49-F238E27FC236}">
+                  <a16:creationId xmlns:a16="http://schemas.microsoft.com/office/drawing/2014/main" id="{35472BFA-FA04-4809-A1A8-C01D1C1AB865}"/>
+                </a:ext>
+              </a:extLst>
+            </p:cNvPr>
+            <p:cNvSpPr/>
+            <p:nvPr/>
+          </p:nvSpPr>
+          <p:spPr>
+            <a:xfrm>
+              <a:off x="4980373" y="1029810"/>
+              <a:ext cx="248573" cy="248573"/>
+            </a:xfrm>
+            <a:prstGeom prst="flowChartOr">
+              <a:avLst/>
+            </a:prstGeom>
+            <a:solidFill>
+              <a:schemeClr val="bg1"/>
+            </a:solidFill>
+            <a:ln w="28575"/>
+          </p:spPr>
+          <p:style>
+            <a:lnRef idx="2">
+              <a:schemeClr val="accent1">
+                <a:shade val="50000"/>
+              </a:schemeClr>
+            </a:lnRef>
+            <a:fillRef idx="1">
+              <a:schemeClr val="accent1"/>
+            </a:fillRef>
+            <a:effectRef idx="0">
+              <a:schemeClr val="accent1"/>
+            </a:effectRef>
+            <a:fontRef idx="minor">
+              <a:schemeClr val="lt1"/>
+            </a:fontRef>
+          </p:style>
+          <p:txBody>
+            <a:bodyPr rtlCol="0" anchor="ctr"/>
+            <a:lstStyle/>
+            <a:p>
+              <a:pPr algn="ctr"/>
+              <a:endParaRPr lang="zh-CN" altLang="en-US" dirty="0"/>
+            </a:p>
+          </p:txBody>
+        </p:sp>
+        <p:cxnSp>
+          <p:nvCxnSpPr>
+            <p:cNvPr id="31" name="直接箭头连接符 30">
+              <a:extLst>
+                <a:ext uri="{FF2B5EF4-FFF2-40B4-BE49-F238E27FC236}">
+                  <a16:creationId xmlns:a16="http://schemas.microsoft.com/office/drawing/2014/main" id="{65D60E31-1B1C-4B0D-8466-E9A67B398C84}"/>
+                </a:ext>
+              </a:extLst>
+            </p:cNvPr>
+            <p:cNvCxnSpPr>
+              <a:cxnSpLocks/>
+            </p:cNvCxnSpPr>
+            <p:nvPr/>
+          </p:nvCxnSpPr>
+          <p:spPr>
+            <a:xfrm>
+              <a:off x="5228946" y="1155576"/>
+              <a:ext cx="110971" cy="0"/>
+            </a:xfrm>
+            <a:prstGeom prst="straightConnector1">
+              <a:avLst/>
+            </a:prstGeom>
+            <a:ln>
+              <a:tailEnd type="triangle"/>
+            </a:ln>
+          </p:spPr>
+          <p:style>
+            <a:lnRef idx="1">
+              <a:schemeClr val="dk1"/>
+            </a:lnRef>
+            <a:fillRef idx="0">
+              <a:schemeClr val="dk1"/>
+            </a:fillRef>
+            <a:effectRef idx="0">
+              <a:schemeClr val="dk1"/>
+            </a:effectRef>
+            <a:fontRef idx="minor">
+              <a:schemeClr val="tx1"/>
+            </a:fontRef>
+          </p:style>
+        </p:cxnSp>
+        <p:grpSp>
+          <p:nvGrpSpPr>
+            <p:cNvPr id="116" name="组合 115">
+              <a:extLst>
+                <a:ext uri="{FF2B5EF4-FFF2-40B4-BE49-F238E27FC236}">
+                  <a16:creationId xmlns:a16="http://schemas.microsoft.com/office/drawing/2014/main" id="{E935F4ED-71C3-420C-8D6F-E237F20EA9D3}"/>
+                </a:ext>
+              </a:extLst>
+            </p:cNvPr>
+            <p:cNvGrpSpPr/>
+            <p:nvPr/>
+          </p:nvGrpSpPr>
+          <p:grpSpPr>
+            <a:xfrm>
+              <a:off x="1193958" y="1037706"/>
+              <a:ext cx="913236" cy="216066"/>
+              <a:chOff x="1490133" y="3002132"/>
+              <a:chExt cx="913236" cy="216066"/>
+            </a:xfrm>
+            <a:solidFill>
+              <a:srgbClr val="4472C4"/>
+            </a:solidFill>
+          </p:grpSpPr>
+          <p:sp>
+            <p:nvSpPr>
+              <p:cNvPr id="117" name="椭圆 116">
+                <a:extLst>
+                  <a:ext uri="{FF2B5EF4-FFF2-40B4-BE49-F238E27FC236}">
+                    <a16:creationId xmlns:a16="http://schemas.microsoft.com/office/drawing/2014/main" id="{5721BBF3-A558-4EE2-83B8-610292D44E40}"/>
+                  </a:ext>
+                </a:extLst>
+              </p:cNvPr>
+              <p:cNvSpPr/>
+              <p:nvPr/>
+            </p:nvSpPr>
+            <p:spPr>
+              <a:xfrm>
+                <a:off x="1846450" y="3004925"/>
+                <a:ext cx="213273" cy="213273"/>
+              </a:xfrm>
+              <a:prstGeom prst="ellipse">
+                <a:avLst/>
+              </a:prstGeom>
+              <a:grpFill/>
+              <a:ln>
+                <a:solidFill>
+                  <a:srgbClr val="FFFFFF"/>
+                </a:solidFill>
+              </a:ln>
+            </p:spPr>
+            <p:style>
+              <a:lnRef idx="2">
+                <a:schemeClr val="accent1">
+                  <a:shade val="50000"/>
+                </a:schemeClr>
+              </a:lnRef>
+              <a:fillRef idx="1">
+                <a:schemeClr val="accent1"/>
+              </a:fillRef>
+              <a:effectRef idx="0">
+                <a:schemeClr val="accent1"/>
+              </a:effectRef>
+              <a:fontRef idx="minor">
+                <a:schemeClr val="lt1"/>
+              </a:fontRef>
+            </p:style>
+            <p:txBody>
+              <a:bodyPr rtlCol="0" anchor="ctr"/>
+              <a:lstStyle/>
+              <a:p>
+                <a:pPr algn="ctr"/>
+                <a:endParaRPr lang="zh-CN" altLang="en-US"/>
+              </a:p>
+            </p:txBody>
+          </p:sp>
+          <p:sp>
+            <p:nvSpPr>
+              <p:cNvPr id="118" name="椭圆 117">
+                <a:extLst>
+                  <a:ext uri="{FF2B5EF4-FFF2-40B4-BE49-F238E27FC236}">
+                    <a16:creationId xmlns:a16="http://schemas.microsoft.com/office/drawing/2014/main" id="{1D8E5170-6C63-4D12-8575-144D26F2FD80}"/>
+                  </a:ext>
+                </a:extLst>
+              </p:cNvPr>
+              <p:cNvSpPr/>
+              <p:nvPr/>
+            </p:nvSpPr>
+            <p:spPr>
+              <a:xfrm>
+                <a:off x="2190096" y="3002132"/>
+                <a:ext cx="213273" cy="213273"/>
+              </a:xfrm>
+              <a:prstGeom prst="ellipse">
+                <a:avLst/>
+              </a:prstGeom>
+              <a:grpFill/>
+              <a:ln>
+                <a:solidFill>
+                  <a:srgbClr val="FFFFFF"/>
+                </a:solidFill>
+              </a:ln>
+            </p:spPr>
+            <p:style>
+              <a:lnRef idx="2">
+                <a:schemeClr val="accent1">
+                  <a:shade val="50000"/>
+                </a:schemeClr>
+              </a:lnRef>
+              <a:fillRef idx="1">
+                <a:schemeClr val="accent1"/>
+              </a:fillRef>
+              <a:effectRef idx="0">
+                <a:schemeClr val="accent1"/>
+              </a:effectRef>
+              <a:fontRef idx="minor">
+                <a:schemeClr val="lt1"/>
+              </a:fontRef>
+            </p:style>
+            <p:txBody>
+              <a:bodyPr rtlCol="0" anchor="ctr"/>
+              <a:lstStyle/>
+              <a:p>
+                <a:pPr algn="ctr"/>
+                <a:endParaRPr lang="zh-CN" altLang="en-US"/>
+              </a:p>
+            </p:txBody>
+          </p:sp>
+          <p:sp>
+            <p:nvSpPr>
+              <p:cNvPr id="119" name="椭圆 118">
+                <a:extLst>
+                  <a:ext uri="{FF2B5EF4-FFF2-40B4-BE49-F238E27FC236}">
+                    <a16:creationId xmlns:a16="http://schemas.microsoft.com/office/drawing/2014/main" id="{F19ECA20-740C-4809-944E-A585110DE043}"/>
+                  </a:ext>
+                </a:extLst>
+              </p:cNvPr>
+              <p:cNvSpPr/>
+              <p:nvPr/>
+            </p:nvSpPr>
+            <p:spPr>
+              <a:xfrm>
+                <a:off x="1490133" y="3004925"/>
+                <a:ext cx="213273" cy="213273"/>
+              </a:xfrm>
+              <a:prstGeom prst="ellipse">
+                <a:avLst/>
+              </a:prstGeom>
+              <a:grpFill/>
+              <a:ln>
+                <a:solidFill>
+                  <a:srgbClr val="FFFFFF"/>
+                </a:solidFill>
+              </a:ln>
+            </p:spPr>
+            <p:style>
+              <a:lnRef idx="2">
+                <a:schemeClr val="accent1">
+                  <a:shade val="50000"/>
+                </a:schemeClr>
+              </a:lnRef>
+              <a:fillRef idx="1">
+                <a:schemeClr val="accent1"/>
+              </a:fillRef>
+              <a:effectRef idx="0">
+                <a:schemeClr val="accent1"/>
+              </a:effectRef>
+              <a:fontRef idx="minor">
+                <a:schemeClr val="lt1"/>
+              </a:fontRef>
+            </p:style>
+            <p:txBody>
+              <a:bodyPr rtlCol="0" anchor="ctr"/>
+              <a:lstStyle/>
+              <a:p>
+                <a:pPr algn="ctr"/>
+                <a:endParaRPr lang="zh-CN" altLang="en-US"/>
+              </a:p>
+            </p:txBody>
+          </p:sp>
+        </p:grpSp>
+        <p:grpSp>
+          <p:nvGrpSpPr>
+            <p:cNvPr id="120" name="组合 119">
+              <a:extLst>
+                <a:ext uri="{FF2B5EF4-FFF2-40B4-BE49-F238E27FC236}">
+                  <a16:creationId xmlns:a16="http://schemas.microsoft.com/office/drawing/2014/main" id="{9789C4F1-651C-490B-9F89-000004B5DC77}"/>
+                </a:ext>
+              </a:extLst>
+            </p:cNvPr>
+            <p:cNvGrpSpPr/>
+            <p:nvPr/>
+          </p:nvGrpSpPr>
+          <p:grpSpPr>
+            <a:xfrm>
+              <a:off x="5488250" y="1039095"/>
+              <a:ext cx="913236" cy="216066"/>
+              <a:chOff x="1490133" y="3002132"/>
+              <a:chExt cx="913236" cy="216066"/>
+            </a:xfrm>
+            <a:solidFill>
+              <a:srgbClr val="4472C4"/>
+            </a:solidFill>
+          </p:grpSpPr>
+          <p:sp>
+            <p:nvSpPr>
+              <p:cNvPr id="121" name="椭圆 120">
+                <a:extLst>
+                  <a:ext uri="{FF2B5EF4-FFF2-40B4-BE49-F238E27FC236}">
+                    <a16:creationId xmlns:a16="http://schemas.microsoft.com/office/drawing/2014/main" id="{E8C10C8B-0B13-48A1-A046-2C1C15E28BA5}"/>
+                  </a:ext>
+                </a:extLst>
+              </p:cNvPr>
+              <p:cNvSpPr/>
+              <p:nvPr/>
+            </p:nvSpPr>
+            <p:spPr>
+              <a:xfrm>
+                <a:off x="1846450" y="3004925"/>
+                <a:ext cx="213273" cy="213273"/>
+              </a:xfrm>
+              <a:prstGeom prst="ellipse">
+                <a:avLst/>
+              </a:prstGeom>
+              <a:grpFill/>
+              <a:ln>
+                <a:solidFill>
+                  <a:srgbClr val="FFFFFF"/>
+                </a:solidFill>
+              </a:ln>
+            </p:spPr>
+            <p:style>
+              <a:lnRef idx="2">
+                <a:schemeClr val="accent1">
+                  <a:shade val="50000"/>
+                </a:schemeClr>
+              </a:lnRef>
+              <a:fillRef idx="1">
+                <a:schemeClr val="accent1"/>
+              </a:fillRef>
+              <a:effectRef idx="0">
+                <a:schemeClr val="accent1"/>
+              </a:effectRef>
+              <a:fontRef idx="minor">
+                <a:schemeClr val="lt1"/>
+              </a:fontRef>
+            </p:style>
+            <p:txBody>
+              <a:bodyPr rtlCol="0" anchor="ctr"/>
+              <a:lstStyle/>
+              <a:p>
+                <a:pPr algn="ctr"/>
+                <a:endParaRPr lang="zh-CN" altLang="en-US"/>
+              </a:p>
+            </p:txBody>
+          </p:sp>
+          <p:sp>
+            <p:nvSpPr>
+              <p:cNvPr id="122" name="椭圆 121">
+                <a:extLst>
+                  <a:ext uri="{FF2B5EF4-FFF2-40B4-BE49-F238E27FC236}">
+                    <a16:creationId xmlns:a16="http://schemas.microsoft.com/office/drawing/2014/main" id="{9AA2EAA3-CD5D-4283-BF6A-E1B92D40FD5A}"/>
+                  </a:ext>
+                </a:extLst>
+              </p:cNvPr>
+              <p:cNvSpPr/>
+              <p:nvPr/>
+            </p:nvSpPr>
+            <p:spPr>
+              <a:xfrm>
+                <a:off x="2190096" y="3002132"/>
+                <a:ext cx="213273" cy="213273"/>
+              </a:xfrm>
+              <a:prstGeom prst="ellipse">
+                <a:avLst/>
+              </a:prstGeom>
+              <a:grpFill/>
+              <a:ln>
+                <a:solidFill>
+                  <a:srgbClr val="FFFFFF"/>
+                </a:solidFill>
+              </a:ln>
+            </p:spPr>
+            <p:style>
+              <a:lnRef idx="2">
+                <a:schemeClr val="accent1">
+                  <a:shade val="50000"/>
+                </a:schemeClr>
+              </a:lnRef>
+              <a:fillRef idx="1">
+                <a:schemeClr val="accent1"/>
+              </a:fillRef>
+              <a:effectRef idx="0">
+                <a:schemeClr val="accent1"/>
+              </a:effectRef>
+              <a:fontRef idx="minor">
+                <a:schemeClr val="lt1"/>
+              </a:fontRef>
+            </p:style>
+            <p:txBody>
+              <a:bodyPr rtlCol="0" anchor="ctr"/>
+              <a:lstStyle/>
+              <a:p>
+                <a:pPr algn="ctr"/>
+                <a:endParaRPr lang="zh-CN" altLang="en-US"/>
+              </a:p>
+            </p:txBody>
+          </p:sp>
+          <p:sp>
+            <p:nvSpPr>
+              <p:cNvPr id="123" name="椭圆 122">
+                <a:extLst>
+                  <a:ext uri="{FF2B5EF4-FFF2-40B4-BE49-F238E27FC236}">
+                    <a16:creationId xmlns:a16="http://schemas.microsoft.com/office/drawing/2014/main" id="{66C8C3FD-7935-4588-AFBA-9D5DDE91C179}"/>
+                  </a:ext>
+                </a:extLst>
+              </p:cNvPr>
+              <p:cNvSpPr/>
+              <p:nvPr/>
+            </p:nvSpPr>
+            <p:spPr>
+              <a:xfrm>
+                <a:off x="1490133" y="3004925"/>
+                <a:ext cx="213273" cy="213273"/>
+              </a:xfrm>
+              <a:prstGeom prst="ellipse">
+                <a:avLst/>
+              </a:prstGeom>
+              <a:grpFill/>
+              <a:ln>
+                <a:solidFill>
+                  <a:srgbClr val="FFFFFF"/>
+                </a:solidFill>
+              </a:ln>
+            </p:spPr>
+            <p:style>
+              <a:lnRef idx="2">
+                <a:schemeClr val="accent1">
+                  <a:shade val="50000"/>
+                </a:schemeClr>
+              </a:lnRef>
+              <a:fillRef idx="1">
+                <a:schemeClr val="accent1"/>
+              </a:fillRef>
+              <a:effectRef idx="0">
+                <a:schemeClr val="accent1"/>
+              </a:effectRef>
+              <a:fontRef idx="minor">
+                <a:schemeClr val="lt1"/>
+              </a:fontRef>
+            </p:style>
+            <p:txBody>
+              <a:bodyPr rtlCol="0" anchor="ctr"/>
+              <a:lstStyle/>
+              <a:p>
+                <a:pPr algn="ctr"/>
+                <a:endParaRPr lang="zh-CN" altLang="en-US"/>
+              </a:p>
+            </p:txBody>
+          </p:sp>
+        </p:grpSp>
+      </p:grpSp>
+      <p:grpSp>
+        <p:nvGrpSpPr>
+          <p:cNvPr id="124" name="组合 123">
+            <a:extLst>
+              <a:ext uri="{FF2B5EF4-FFF2-40B4-BE49-F238E27FC236}">
+                <a16:creationId xmlns:a16="http://schemas.microsoft.com/office/drawing/2014/main" id="{C56A4254-EC5B-48B5-B765-C743FEC87DCB}"/>
+              </a:ext>
+            </a:extLst>
+          </p:cNvPr>
+          <p:cNvGrpSpPr/>
+          <p:nvPr/>
+        </p:nvGrpSpPr>
+        <p:grpSpPr>
+          <a:xfrm>
+            <a:off x="1187772" y="3882858"/>
+            <a:ext cx="913236" cy="216066"/>
+            <a:chOff x="1490133" y="3002132"/>
+            <a:chExt cx="913236" cy="216066"/>
+          </a:xfrm>
+          <a:solidFill>
+            <a:srgbClr val="C55A11"/>
+          </a:solidFill>
+        </p:grpSpPr>
+        <p:sp>
+          <p:nvSpPr>
+            <p:cNvPr id="125" name="椭圆 124">
+              <a:extLst>
+                <a:ext uri="{FF2B5EF4-FFF2-40B4-BE49-F238E27FC236}">
+                  <a16:creationId xmlns:a16="http://schemas.microsoft.com/office/drawing/2014/main" id="{A1BB6C0E-7F7D-4EC2-8B62-4E03B5A53B4F}"/>
+                </a:ext>
+              </a:extLst>
+            </p:cNvPr>
+            <p:cNvSpPr/>
+            <p:nvPr/>
+          </p:nvSpPr>
+          <p:spPr>
+            <a:xfrm>
+              <a:off x="1846450" y="3004925"/>
+              <a:ext cx="213273" cy="213273"/>
+            </a:xfrm>
+            <a:prstGeom prst="ellipse">
+              <a:avLst/>
+            </a:prstGeom>
+            <a:grpFill/>
+            <a:ln>
+              <a:noFill/>
+            </a:ln>
+          </p:spPr>
+          <p:style>
+            <a:lnRef idx="2">
+              <a:schemeClr val="accent1">
+                <a:shade val="50000"/>
+              </a:schemeClr>
+            </a:lnRef>
+            <a:fillRef idx="1">
+              <a:schemeClr val="accent1"/>
+            </a:fillRef>
+            <a:effectRef idx="0">
+              <a:schemeClr val="accent1"/>
+            </a:effectRef>
+            <a:fontRef idx="minor">
+              <a:schemeClr val="lt1"/>
+            </a:fontRef>
+          </p:style>
+          <p:txBody>
+            <a:bodyPr rtlCol="0" anchor="ctr"/>
+            <a:lstStyle/>
+            <a:p>
+              <a:pPr algn="ctr"/>
+              <a:endParaRPr lang="zh-CN" altLang="en-US"/>
+            </a:p>
+          </p:txBody>
+        </p:sp>
+        <p:sp>
+          <p:nvSpPr>
+            <p:cNvPr id="126" name="椭圆 125">
+              <a:extLst>
+                <a:ext uri="{FF2B5EF4-FFF2-40B4-BE49-F238E27FC236}">
+                  <a16:creationId xmlns:a16="http://schemas.microsoft.com/office/drawing/2014/main" id="{DB51B48E-EAE2-40F8-BA5F-03DC49988BF2}"/>
+                </a:ext>
+              </a:extLst>
+            </p:cNvPr>
+            <p:cNvSpPr/>
+            <p:nvPr/>
+          </p:nvSpPr>
+          <p:spPr>
+            <a:xfrm>
+              <a:off x="2190096" y="3002132"/>
+              <a:ext cx="213273" cy="213273"/>
+            </a:xfrm>
+            <a:prstGeom prst="ellipse">
+              <a:avLst/>
+            </a:prstGeom>
+            <a:grpFill/>
+            <a:ln>
+              <a:noFill/>
+            </a:ln>
+          </p:spPr>
+          <p:style>
+            <a:lnRef idx="2">
+              <a:schemeClr val="accent1">
+                <a:shade val="50000"/>
+              </a:schemeClr>
+            </a:lnRef>
+            <a:fillRef idx="1">
+              <a:schemeClr val="accent1"/>
+            </a:fillRef>
+            <a:effectRef idx="0">
+              <a:schemeClr val="accent1"/>
+            </a:effectRef>
+            <a:fontRef idx="minor">
+              <a:schemeClr val="lt1"/>
+            </a:fontRef>
+          </p:style>
+          <p:txBody>
+            <a:bodyPr rtlCol="0" anchor="ctr"/>
+            <a:lstStyle/>
+            <a:p>
+              <a:pPr algn="ctr"/>
+              <a:endParaRPr lang="zh-CN" altLang="en-US"/>
+            </a:p>
+          </p:txBody>
+        </p:sp>
+        <p:sp>
+          <p:nvSpPr>
+            <p:cNvPr id="127" name="椭圆 126">
+              <a:extLst>
+                <a:ext uri="{FF2B5EF4-FFF2-40B4-BE49-F238E27FC236}">
+                  <a16:creationId xmlns:a16="http://schemas.microsoft.com/office/drawing/2014/main" id="{CB7F9B1B-E7BD-4433-B33C-D06C2E94AFB6}"/>
+                </a:ext>
+              </a:extLst>
+            </p:cNvPr>
+            <p:cNvSpPr/>
+            <p:nvPr/>
+          </p:nvSpPr>
+          <p:spPr>
+            <a:xfrm>
+              <a:off x="1490133" y="3004925"/>
+              <a:ext cx="213273" cy="213273"/>
+            </a:xfrm>
+            <a:prstGeom prst="ellipse">
+              <a:avLst/>
+            </a:prstGeom>
+            <a:grpFill/>
+            <a:ln>
+              <a:noFill/>
+            </a:ln>
+          </p:spPr>
+          <p:style>
+            <a:lnRef idx="2">
+              <a:schemeClr val="accent1">
+                <a:shade val="50000"/>
+              </a:schemeClr>
+            </a:lnRef>
+            <a:fillRef idx="1">
+              <a:schemeClr val="accent1"/>
+            </a:fillRef>
+            <a:effectRef idx="0">
+              <a:schemeClr val="accent1"/>
+            </a:effectRef>
+            <a:fontRef idx="minor">
+              <a:schemeClr val="lt1"/>
+            </a:fontRef>
+          </p:style>
+          <p:txBody>
+            <a:bodyPr rtlCol="0" anchor="ctr"/>
+            <a:lstStyle/>
+            <a:p>
+              <a:pPr algn="ctr"/>
+              <a:endParaRPr lang="zh-CN" altLang="en-US"/>
+            </a:p>
+          </p:txBody>
+        </p:sp>
+      </p:grpSp>
+      <p:grpSp>
+        <p:nvGrpSpPr>
+          <p:cNvPr id="128" name="组合 127">
+            <a:extLst>
+              <a:ext uri="{FF2B5EF4-FFF2-40B4-BE49-F238E27FC236}">
+                <a16:creationId xmlns:a16="http://schemas.microsoft.com/office/drawing/2014/main" id="{A4C337AC-E1B0-45FD-BA47-4514970D8DE1}"/>
+              </a:ext>
+            </a:extLst>
+          </p:cNvPr>
+          <p:cNvGrpSpPr/>
+          <p:nvPr/>
+        </p:nvGrpSpPr>
+        <p:grpSpPr>
+          <a:xfrm>
+            <a:off x="5482064" y="3879549"/>
+            <a:ext cx="913236" cy="216066"/>
+            <a:chOff x="5525616" y="3000491"/>
+            <a:chExt cx="913236" cy="216066"/>
+          </a:xfrm>
+          <a:solidFill>
+            <a:srgbClr val="C55A11"/>
+          </a:solidFill>
+        </p:grpSpPr>
+        <p:sp>
+          <p:nvSpPr>
+            <p:cNvPr id="129" name="椭圆 128">
+              <a:extLst>
+                <a:ext uri="{FF2B5EF4-FFF2-40B4-BE49-F238E27FC236}">
+                  <a16:creationId xmlns:a16="http://schemas.microsoft.com/office/drawing/2014/main" id="{334AC83D-4E63-4C18-AC29-9F7F717EF3C8}"/>
+                </a:ext>
+              </a:extLst>
+            </p:cNvPr>
+            <p:cNvSpPr/>
+            <p:nvPr/>
+          </p:nvSpPr>
+          <p:spPr>
+            <a:xfrm>
+              <a:off x="5881933" y="3003284"/>
+              <a:ext cx="213273" cy="213273"/>
+            </a:xfrm>
+            <a:prstGeom prst="ellipse">
+              <a:avLst/>
+            </a:prstGeom>
+            <a:grpFill/>
+            <a:ln>
+              <a:noFill/>
+            </a:ln>
+          </p:spPr>
+          <p:style>
+            <a:lnRef idx="2">
+              <a:schemeClr val="accent1">
+                <a:shade val="50000"/>
+              </a:schemeClr>
+            </a:lnRef>
+            <a:fillRef idx="1">
+              <a:schemeClr val="accent1"/>
+            </a:fillRef>
+            <a:effectRef idx="0">
+              <a:schemeClr val="accent1"/>
+            </a:effectRef>
+            <a:fontRef idx="minor">
+              <a:schemeClr val="lt1"/>
+            </a:fontRef>
+          </p:style>
+          <p:txBody>
+            <a:bodyPr rtlCol="0" anchor="ctr"/>
+            <a:lstStyle/>
+            <a:p>
+              <a:pPr algn="ctr"/>
+              <a:endParaRPr lang="zh-CN" altLang="en-US"/>
+            </a:p>
+          </p:txBody>
+        </p:sp>
+        <p:sp>
+          <p:nvSpPr>
+            <p:cNvPr id="130" name="椭圆 129">
+              <a:extLst>
+                <a:ext uri="{FF2B5EF4-FFF2-40B4-BE49-F238E27FC236}">
+                  <a16:creationId xmlns:a16="http://schemas.microsoft.com/office/drawing/2014/main" id="{9E4D84E7-3762-4B9D-AFD1-7AD3F92D0F63}"/>
+                </a:ext>
+              </a:extLst>
+            </p:cNvPr>
+            <p:cNvSpPr/>
+            <p:nvPr/>
+          </p:nvSpPr>
+          <p:spPr>
+            <a:xfrm>
+              <a:off x="6225579" y="3000491"/>
+              <a:ext cx="213273" cy="213273"/>
+            </a:xfrm>
+            <a:prstGeom prst="ellipse">
+              <a:avLst/>
+            </a:prstGeom>
+            <a:grpFill/>
+            <a:ln>
+              <a:noFill/>
+            </a:ln>
+          </p:spPr>
+          <p:style>
+            <a:lnRef idx="2">
+              <a:schemeClr val="accent1">
+                <a:shade val="50000"/>
+              </a:schemeClr>
+            </a:lnRef>
+            <a:fillRef idx="1">
+              <a:schemeClr val="accent1"/>
+            </a:fillRef>
+            <a:effectRef idx="0">
+              <a:schemeClr val="accent1"/>
+            </a:effectRef>
+            <a:fontRef idx="minor">
+              <a:schemeClr val="lt1"/>
+            </a:fontRef>
+          </p:style>
+          <p:txBody>
+            <a:bodyPr rtlCol="0" anchor="ctr"/>
+            <a:lstStyle/>
+            <a:p>
+              <a:pPr algn="ctr"/>
+              <a:endParaRPr lang="zh-CN" altLang="en-US"/>
+            </a:p>
+          </p:txBody>
+        </p:sp>
+        <p:sp>
+          <p:nvSpPr>
+            <p:cNvPr id="131" name="椭圆 130">
+              <a:extLst>
+                <a:ext uri="{FF2B5EF4-FFF2-40B4-BE49-F238E27FC236}">
+                  <a16:creationId xmlns:a16="http://schemas.microsoft.com/office/drawing/2014/main" id="{60F0CFAC-522E-4E33-9133-C61201655DBD}"/>
+                </a:ext>
+              </a:extLst>
+            </p:cNvPr>
+            <p:cNvSpPr/>
+            <p:nvPr/>
+          </p:nvSpPr>
+          <p:spPr>
+            <a:xfrm>
+              <a:off x="5525616" y="3003284"/>
+              <a:ext cx="213273" cy="213273"/>
+            </a:xfrm>
+            <a:prstGeom prst="ellipse">
+              <a:avLst/>
+            </a:prstGeom>
+            <a:grpFill/>
+            <a:ln>
+              <a:noFill/>
+            </a:ln>
+          </p:spPr>
+          <p:style>
+            <a:lnRef idx="2">
+              <a:schemeClr val="accent1">
+                <a:shade val="50000"/>
+              </a:schemeClr>
+            </a:lnRef>
+            <a:fillRef idx="1">
+              <a:schemeClr val="accent1"/>
+            </a:fillRef>
+            <a:effectRef idx="0">
+              <a:schemeClr val="accent1"/>
+            </a:effectRef>
+            <a:fontRef idx="minor">
+              <a:schemeClr val="lt1"/>
+            </a:fontRef>
+          </p:style>
+          <p:txBody>
+            <a:bodyPr rtlCol="0" anchor="ctr"/>
+            <a:lstStyle/>
+            <a:p>
+              <a:pPr algn="ctr"/>
+              <a:endParaRPr lang="zh-CN" altLang="en-US"/>
+            </a:p>
+          </p:txBody>
+        </p:sp>
+      </p:grpSp>
+      <p:cxnSp>
+        <p:nvCxnSpPr>
+          <p:cNvPr id="41" name="直接箭头连接符 40">
+            <a:extLst>
+              <a:ext uri="{FF2B5EF4-FFF2-40B4-BE49-F238E27FC236}">
+                <a16:creationId xmlns:a16="http://schemas.microsoft.com/office/drawing/2014/main" id="{A435E677-2AA1-44DA-B98B-E8B4980E04BB}"/>
+              </a:ext>
+            </a:extLst>
+          </p:cNvPr>
+          <p:cNvCxnSpPr>
+            <a:stCxn id="37" idx="2"/>
+            <a:endCxn id="58" idx="0"/>
+          </p:cNvCxnSpPr>
+          <p:nvPr/>
+        </p:nvCxnSpPr>
+        <p:spPr>
+          <a:xfrm>
+            <a:off x="4052657" y="2637926"/>
+            <a:ext cx="0" cy="2141666"/>
+          </a:xfrm>
+          <a:prstGeom prst="straightConnector1">
+            <a:avLst/>
+          </a:prstGeom>
+          <a:ln>
+            <a:tailEnd type="triangle"/>
+          </a:ln>
+        </p:spPr>
+        <p:style>
+          <a:lnRef idx="3">
+            <a:schemeClr val="accent6"/>
+          </a:lnRef>
+          <a:fillRef idx="0">
+            <a:schemeClr val="accent6"/>
+          </a:fillRef>
+          <a:effectRef idx="2">
+            <a:schemeClr val="accent6"/>
+          </a:effectRef>
+          <a:fontRef idx="minor">
+            <a:schemeClr val="tx1"/>
+          </a:fontRef>
+        </p:style>
+      </p:cxnSp>
+      <p:cxnSp>
+        <p:nvCxnSpPr>
+          <p:cNvPr id="133" name="直接箭头连接符 132">
+            <a:extLst>
+              <a:ext uri="{FF2B5EF4-FFF2-40B4-BE49-F238E27FC236}">
+                <a16:creationId xmlns:a16="http://schemas.microsoft.com/office/drawing/2014/main" id="{DD4CC483-152F-488E-ACA8-5D7E30F1136F}"/>
+              </a:ext>
+            </a:extLst>
+          </p:cNvPr>
+          <p:cNvCxnSpPr>
+            <a:cxnSpLocks/>
+            <a:endCxn id="53" idx="0"/>
+          </p:cNvCxnSpPr>
+          <p:nvPr/>
+        </p:nvCxnSpPr>
+        <p:spPr>
+          <a:xfrm>
+            <a:off x="2738760" y="2637926"/>
+            <a:ext cx="1" cy="2149160"/>
+          </a:xfrm>
+          <a:prstGeom prst="straightConnector1">
+            <a:avLst/>
+          </a:prstGeom>
+          <a:ln>
+            <a:tailEnd type="triangle"/>
+          </a:ln>
+        </p:spPr>
+        <p:style>
+          <a:lnRef idx="3">
+            <a:schemeClr val="accent6"/>
+          </a:lnRef>
+          <a:fillRef idx="0">
+            <a:schemeClr val="accent6"/>
+          </a:fillRef>
+          <a:effectRef idx="2">
+            <a:schemeClr val="accent6"/>
+          </a:effectRef>
+          <a:fontRef idx="minor">
+            <a:schemeClr val="tx1"/>
+          </a:fontRef>
+        </p:style>
+      </p:cxnSp>
+      <p:cxnSp>
+        <p:nvCxnSpPr>
+          <p:cNvPr id="134" name="直接箭头连接符 133">
+            <a:extLst>
+              <a:ext uri="{FF2B5EF4-FFF2-40B4-BE49-F238E27FC236}">
+                <a16:creationId xmlns:a16="http://schemas.microsoft.com/office/drawing/2014/main" id="{7944EDE2-F563-4D05-B177-0789081B613D}"/>
+              </a:ext>
+            </a:extLst>
+          </p:cNvPr>
+          <p:cNvCxnSpPr>
+            <a:cxnSpLocks/>
+            <a:stCxn id="89" idx="2"/>
+            <a:endCxn id="58" idx="0"/>
+          </p:cNvCxnSpPr>
+          <p:nvPr/>
+        </p:nvCxnSpPr>
+        <p:spPr>
+          <a:xfrm flipH="1">
+            <a:off x="4052657" y="4277243"/>
+            <a:ext cx="678068" cy="502349"/>
+          </a:xfrm>
+          <a:prstGeom prst="straightConnector1">
+            <a:avLst/>
+          </a:prstGeom>
+          <a:ln>
+            <a:tailEnd type="triangle"/>
+          </a:ln>
+        </p:spPr>
+        <p:style>
+          <a:lnRef idx="3">
+            <a:schemeClr val="accent6"/>
+          </a:lnRef>
+          <a:fillRef idx="0">
+            <a:schemeClr val="accent6"/>
+          </a:fillRef>
+          <a:effectRef idx="2">
+            <a:schemeClr val="accent6"/>
+          </a:effectRef>
+          <a:fontRef idx="minor">
+            <a:schemeClr val="tx1"/>
+          </a:fontRef>
+        </p:style>
+      </p:cxnSp>
+      <p:cxnSp>
+        <p:nvCxnSpPr>
+          <p:cNvPr id="135" name="直接箭头连接符 134">
+            <a:extLst>
+              <a:ext uri="{FF2B5EF4-FFF2-40B4-BE49-F238E27FC236}">
+                <a16:creationId xmlns:a16="http://schemas.microsoft.com/office/drawing/2014/main" id="{C8861960-3150-4A79-BBC6-B317FC668ADA}"/>
+              </a:ext>
+            </a:extLst>
+          </p:cNvPr>
+          <p:cNvCxnSpPr>
+            <a:cxnSpLocks/>
+            <a:stCxn id="146" idx="2"/>
+            <a:endCxn id="58" idx="0"/>
+          </p:cNvCxnSpPr>
+          <p:nvPr/>
+        </p:nvCxnSpPr>
+        <p:spPr>
+          <a:xfrm>
+            <a:off x="3416829" y="4292766"/>
+            <a:ext cx="635828" cy="486826"/>
+          </a:xfrm>
+          <a:prstGeom prst="straightConnector1">
+            <a:avLst/>
+          </a:prstGeom>
+          <a:ln>
+            <a:tailEnd type="triangle"/>
+          </a:ln>
+        </p:spPr>
+        <p:style>
+          <a:lnRef idx="3">
+            <a:schemeClr val="accent6"/>
+          </a:lnRef>
+          <a:fillRef idx="0">
+            <a:schemeClr val="accent6"/>
+          </a:fillRef>
+          <a:effectRef idx="2">
+            <a:schemeClr val="accent6"/>
+          </a:effectRef>
+          <a:fontRef idx="minor">
+            <a:schemeClr val="tx1"/>
+          </a:fontRef>
+        </p:style>
+      </p:cxnSp>
+    </p:spTree>
+    <p:extLst>
+      <p:ext uri="{BB962C8B-B14F-4D97-AF65-F5344CB8AC3E}">
+        <p14:creationId xmlns:p14="http://schemas.microsoft.com/office/powerpoint/2010/main" val="937032017"/>
+      </p:ext>
+    </p:extLst>
+  </p:cSld>
+  <p:clrMapOvr>
+    <a:masterClrMapping/>
+  </p:clrMapOvr>
+</p:sld>
+</file>
+
+<file path=ppt/slides/slide2.xml><?xml version="1.0" encoding="utf-8"?>
+<p:sld xmlns:a="http://schemas.openxmlformats.org/drawingml/2006/main" xmlns:r="http://schemas.openxmlformats.org/officeDocument/2006/relationships" xmlns:p="http://schemas.openxmlformats.org/presentationml/2006/main">
+  <p:cSld>
+    <p:spTree>
+      <p:nvGrpSpPr>
+        <p:cNvPr id="1" name=""/>
+        <p:cNvGrpSpPr/>
+        <p:nvPr/>
+      </p:nvGrpSpPr>
+      <p:grpSpPr>
+        <a:xfrm>
+          <a:off x="0" y="0"/>
+          <a:ext cx="0" cy="0"/>
+          <a:chOff x="0" y="0"/>
+          <a:chExt cx="0" cy="0"/>
+        </a:xfrm>
+      </p:grpSpPr>
+      <p:grpSp>
+        <p:nvGrpSpPr>
+          <p:cNvPr id="244" name="组合 243">
+            <a:extLst>
+              <a:ext uri="{FF2B5EF4-FFF2-40B4-BE49-F238E27FC236}">
+                <a16:creationId xmlns:a16="http://schemas.microsoft.com/office/drawing/2014/main" id="{FA019B0E-36E4-4938-AC02-C518BD045975}"/>
+              </a:ext>
+            </a:extLst>
+          </p:cNvPr>
+          <p:cNvGrpSpPr/>
+          <p:nvPr/>
+        </p:nvGrpSpPr>
+        <p:grpSpPr>
+          <a:xfrm>
+            <a:off x="869307" y="884709"/>
+            <a:ext cx="759998" cy="3282642"/>
+            <a:chOff x="5494777" y="886020"/>
+            <a:chExt cx="759998" cy="3282642"/>
+          </a:xfrm>
+        </p:grpSpPr>
+        <p:sp>
+          <p:nvSpPr>
+            <p:cNvPr id="245" name="文本框 244">
+              <a:extLst>
+                <a:ext uri="{FF2B5EF4-FFF2-40B4-BE49-F238E27FC236}">
+                  <a16:creationId xmlns:a16="http://schemas.microsoft.com/office/drawing/2014/main" id="{A68E0F14-C887-4D12-8BC2-D3CBF9C88D9C}"/>
+                </a:ext>
+              </a:extLst>
+            </p:cNvPr>
+            <p:cNvSpPr txBox="1"/>
+            <p:nvPr/>
+          </p:nvSpPr>
+          <p:spPr>
+            <a:xfrm>
+              <a:off x="5500171" y="1317823"/>
+              <a:ext cx="754604" cy="523220"/>
+            </a:xfrm>
+            <a:prstGeom prst="rect">
+              <a:avLst/>
+            </a:prstGeom>
+            <a:noFill/>
+          </p:spPr>
+          <p:txBody>
+            <a:bodyPr wrap="square" rtlCol="0">
+              <a:spAutoFit/>
+            </a:bodyPr>
+            <a:lstStyle/>
+            <a:p>
+              <a:r>
+                <a:rPr lang="en-US" altLang="zh-CN" sz="2800" dirty="0"/>
+                <a:t>……</a:t>
+              </a:r>
+              <a:endParaRPr lang="zh-CN" altLang="en-US" sz="2800" dirty="0"/>
+            </a:p>
+          </p:txBody>
+        </p:sp>
+        <p:sp>
+          <p:nvSpPr>
+            <p:cNvPr id="246" name="文本框 245">
+              <a:extLst>
+                <a:ext uri="{FF2B5EF4-FFF2-40B4-BE49-F238E27FC236}">
+                  <a16:creationId xmlns:a16="http://schemas.microsoft.com/office/drawing/2014/main" id="{C7DDAAA6-D434-4D5E-9390-DB4271FECB6C}"/>
+                </a:ext>
+              </a:extLst>
+            </p:cNvPr>
+            <p:cNvSpPr txBox="1"/>
+            <p:nvPr/>
+          </p:nvSpPr>
+          <p:spPr>
+            <a:xfrm>
+              <a:off x="5500171" y="886020"/>
+              <a:ext cx="754604" cy="523220"/>
+            </a:xfrm>
+            <a:prstGeom prst="rect">
+              <a:avLst/>
+            </a:prstGeom>
+            <a:noFill/>
+          </p:spPr>
+          <p:txBody>
+            <a:bodyPr wrap="square" rtlCol="0">
+              <a:spAutoFit/>
+            </a:bodyPr>
+            <a:lstStyle/>
+            <a:p>
+              <a:r>
+                <a:rPr lang="en-US" altLang="zh-CN" sz="2800" dirty="0"/>
+                <a:t>……</a:t>
+              </a:r>
+              <a:endParaRPr lang="zh-CN" altLang="en-US" sz="2800" dirty="0"/>
+            </a:p>
+          </p:txBody>
+        </p:sp>
+        <p:sp>
+          <p:nvSpPr>
+            <p:cNvPr id="247" name="文本框 246">
+              <a:extLst>
+                <a:ext uri="{FF2B5EF4-FFF2-40B4-BE49-F238E27FC236}">
+                  <a16:creationId xmlns:a16="http://schemas.microsoft.com/office/drawing/2014/main" id="{558EFA49-4013-439D-9F94-54143C8BF3E5}"/>
+                </a:ext>
+              </a:extLst>
+            </p:cNvPr>
+            <p:cNvSpPr txBox="1"/>
+            <p:nvPr/>
+          </p:nvSpPr>
+          <p:spPr>
+            <a:xfrm>
+              <a:off x="5494777" y="3645442"/>
+              <a:ext cx="754604" cy="523220"/>
+            </a:xfrm>
+            <a:prstGeom prst="rect">
+              <a:avLst/>
+            </a:prstGeom>
+            <a:noFill/>
+          </p:spPr>
+          <p:txBody>
+            <a:bodyPr wrap="square" rtlCol="0">
+              <a:spAutoFit/>
+            </a:bodyPr>
+            <a:lstStyle/>
+            <a:p>
+              <a:r>
+                <a:rPr lang="en-US" altLang="zh-CN" sz="2800" dirty="0"/>
+                <a:t>……</a:t>
+              </a:r>
+              <a:endParaRPr lang="zh-CN" altLang="en-US" sz="2800" dirty="0"/>
+            </a:p>
+          </p:txBody>
+        </p:sp>
+      </p:grpSp>
+      <p:grpSp>
+        <p:nvGrpSpPr>
+          <p:cNvPr id="229" name="组合 228">
+            <a:extLst>
+              <a:ext uri="{FF2B5EF4-FFF2-40B4-BE49-F238E27FC236}">
+                <a16:creationId xmlns:a16="http://schemas.microsoft.com/office/drawing/2014/main" id="{16A0AE26-78AD-4084-B26F-63B865279EA9}"/>
+              </a:ext>
+            </a:extLst>
+          </p:cNvPr>
+          <p:cNvGrpSpPr/>
+          <p:nvPr/>
+        </p:nvGrpSpPr>
+        <p:grpSpPr>
+          <a:xfrm>
+            <a:off x="1596338" y="851476"/>
+            <a:ext cx="3653516" cy="435868"/>
+            <a:chOff x="1733357" y="857942"/>
+            <a:chExt cx="3653516" cy="435868"/>
+          </a:xfrm>
+        </p:grpSpPr>
+        <p:sp>
+          <p:nvSpPr>
+            <p:cNvPr id="5" name="矩形 4">
+              <a:extLst>
+                <a:ext uri="{FF2B5EF4-FFF2-40B4-BE49-F238E27FC236}">
+                  <a16:creationId xmlns:a16="http://schemas.microsoft.com/office/drawing/2014/main" id="{6B9A99A9-D2CA-4462-9DDF-00F104566256}"/>
+                </a:ext>
+              </a:extLst>
+            </p:cNvPr>
+            <p:cNvSpPr/>
+            <p:nvPr/>
+          </p:nvSpPr>
+          <p:spPr>
+            <a:xfrm>
+              <a:off x="2370337" y="1014384"/>
+              <a:ext cx="754603" cy="270548"/>
+            </a:xfrm>
+            <a:prstGeom prst="rect">
+              <a:avLst/>
+            </a:prstGeom>
+            <a:ln/>
+          </p:spPr>
+          <p:style>
+            <a:lnRef idx="3">
+              <a:schemeClr val="lt1"/>
+            </a:lnRef>
+            <a:fillRef idx="1">
+              <a:schemeClr val="accent5"/>
+            </a:fillRef>
+            <a:effectRef idx="1">
+              <a:schemeClr val="accent5"/>
+            </a:effectRef>
+            <a:fontRef idx="minor">
+              <a:schemeClr val="lt1"/>
+            </a:fontRef>
+          </p:style>
+          <p:txBody>
+            <a:bodyPr rtlCol="0" anchor="ctr"/>
+            <a:lstStyle/>
+            <a:p>
+              <a:pPr algn="ctr"/>
+              <a:r>
+                <a:rPr lang="en-US" altLang="zh-CN" b="1" dirty="0"/>
+                <a:t>Conv</a:t>
+              </a:r>
+              <a:endParaRPr lang="zh-CN" altLang="en-US" b="1" dirty="0"/>
+            </a:p>
+          </p:txBody>
+        </p:sp>
+        <p:sp>
+          <p:nvSpPr>
+            <p:cNvPr id="6" name="矩形 5">
+              <a:extLst>
+                <a:ext uri="{FF2B5EF4-FFF2-40B4-BE49-F238E27FC236}">
+                  <a16:creationId xmlns:a16="http://schemas.microsoft.com/office/drawing/2014/main" id="{D60B3667-9317-4FB4-81B4-1746D8F3B740}"/>
+                </a:ext>
+              </a:extLst>
+            </p:cNvPr>
+            <p:cNvSpPr/>
+            <p:nvPr/>
+          </p:nvSpPr>
+          <p:spPr>
+            <a:xfrm>
+              <a:off x="3284736" y="1007185"/>
+              <a:ext cx="88778" cy="276068"/>
+            </a:xfrm>
+            <a:prstGeom prst="rect">
+              <a:avLst/>
+            </a:prstGeom>
+            <a:ln>
+              <a:noFill/>
+            </a:ln>
+          </p:spPr>
+          <p:style>
+            <a:lnRef idx="2">
+              <a:schemeClr val="accent4">
+                <a:shade val="50000"/>
+              </a:schemeClr>
+            </a:lnRef>
+            <a:fillRef idx="1">
+              <a:schemeClr val="accent4"/>
+            </a:fillRef>
+            <a:effectRef idx="0">
+              <a:schemeClr val="accent4"/>
+            </a:effectRef>
+            <a:fontRef idx="minor">
+              <a:schemeClr val="lt1"/>
+            </a:fontRef>
+          </p:style>
+          <p:txBody>
+            <a:bodyPr rtlCol="0" anchor="ctr"/>
+            <a:lstStyle/>
+            <a:p>
+              <a:pPr algn="ctr"/>
+              <a:endParaRPr lang="zh-CN" altLang="en-US" b="1"/>
+            </a:p>
+          </p:txBody>
+        </p:sp>
+        <p:cxnSp>
+          <p:nvCxnSpPr>
+            <p:cNvPr id="7" name="直接箭头连接符 6">
+              <a:extLst>
+                <a:ext uri="{FF2B5EF4-FFF2-40B4-BE49-F238E27FC236}">
+                  <a16:creationId xmlns:a16="http://schemas.microsoft.com/office/drawing/2014/main" id="{EF3AC3D5-3BFB-438F-82FC-A66DF9C82828}"/>
+                </a:ext>
+              </a:extLst>
+            </p:cNvPr>
+            <p:cNvCxnSpPr>
+              <a:cxnSpLocks/>
+              <a:stCxn id="5" idx="3"/>
+              <a:endCxn id="6" idx="1"/>
+            </p:cNvCxnSpPr>
+            <p:nvPr/>
+          </p:nvCxnSpPr>
+          <p:spPr>
+            <a:xfrm flipV="1">
+              <a:off x="3124940" y="1145219"/>
+              <a:ext cx="159796" cy="4439"/>
+            </a:xfrm>
+            <a:prstGeom prst="straightConnector1">
+              <a:avLst/>
+            </a:prstGeom>
+            <a:ln>
+              <a:tailEnd type="triangle"/>
+            </a:ln>
+          </p:spPr>
+          <p:style>
+            <a:lnRef idx="1">
+              <a:schemeClr val="dk1"/>
+            </a:lnRef>
+            <a:fillRef idx="0">
+              <a:schemeClr val="dk1"/>
+            </a:fillRef>
+            <a:effectRef idx="0">
+              <a:schemeClr val="dk1"/>
+            </a:effectRef>
+            <a:fontRef idx="minor">
+              <a:schemeClr val="tx1"/>
+            </a:fontRef>
+          </p:style>
+        </p:cxnSp>
+        <p:cxnSp>
+          <p:nvCxnSpPr>
+            <p:cNvPr id="8" name="直接箭头连接符 7">
+              <a:extLst>
+                <a:ext uri="{FF2B5EF4-FFF2-40B4-BE49-F238E27FC236}">
+                  <a16:creationId xmlns:a16="http://schemas.microsoft.com/office/drawing/2014/main" id="{D569C02D-C192-4E56-9ADB-21468172FC03}"/>
+                </a:ext>
+              </a:extLst>
+            </p:cNvPr>
+            <p:cNvCxnSpPr>
+              <a:cxnSpLocks/>
+              <a:endCxn id="5" idx="1"/>
+            </p:cNvCxnSpPr>
+            <p:nvPr/>
+          </p:nvCxnSpPr>
+          <p:spPr>
+            <a:xfrm>
+              <a:off x="1733357" y="1149658"/>
+              <a:ext cx="636980" cy="0"/>
+            </a:xfrm>
+            <a:prstGeom prst="straightConnector1">
+              <a:avLst/>
+            </a:prstGeom>
+            <a:ln>
+              <a:tailEnd type="triangle"/>
+            </a:ln>
+          </p:spPr>
+          <p:style>
+            <a:lnRef idx="1">
+              <a:schemeClr val="dk1"/>
+            </a:lnRef>
+            <a:fillRef idx="0">
+              <a:schemeClr val="dk1"/>
+            </a:fillRef>
+            <a:effectRef idx="0">
+              <a:schemeClr val="dk1"/>
+            </a:effectRef>
+            <a:fontRef idx="minor">
+              <a:schemeClr val="tx1"/>
+            </a:fontRef>
+          </p:style>
+        </p:cxnSp>
+        <p:cxnSp>
+          <p:nvCxnSpPr>
+            <p:cNvPr id="9" name="直接箭头连接符 8">
+              <a:extLst>
+                <a:ext uri="{FF2B5EF4-FFF2-40B4-BE49-F238E27FC236}">
+                  <a16:creationId xmlns:a16="http://schemas.microsoft.com/office/drawing/2014/main" id="{38B174CE-47AF-442D-BD68-2EC7BF0827D5}"/>
+                </a:ext>
+              </a:extLst>
+            </p:cNvPr>
+            <p:cNvCxnSpPr>
+              <a:cxnSpLocks/>
+              <a:stCxn id="6" idx="3"/>
+            </p:cNvCxnSpPr>
+            <p:nvPr/>
+          </p:nvCxnSpPr>
+          <p:spPr>
+            <a:xfrm>
+              <a:off x="3373514" y="1145219"/>
+              <a:ext cx="301841" cy="0"/>
+            </a:xfrm>
+            <a:prstGeom prst="straightConnector1">
+              <a:avLst/>
+            </a:prstGeom>
+            <a:ln>
+              <a:tailEnd type="triangle"/>
+            </a:ln>
+          </p:spPr>
+          <p:style>
+            <a:lnRef idx="1">
+              <a:schemeClr val="dk1"/>
+            </a:lnRef>
+            <a:fillRef idx="0">
+              <a:schemeClr val="dk1"/>
+            </a:fillRef>
+            <a:effectRef idx="0">
+              <a:schemeClr val="dk1"/>
+            </a:effectRef>
+            <a:fontRef idx="minor">
+              <a:schemeClr val="tx1"/>
+            </a:fontRef>
+          </p:style>
+        </p:cxnSp>
+        <p:sp>
+          <p:nvSpPr>
+            <p:cNvPr id="10" name="矩形 9">
+              <a:extLst>
+                <a:ext uri="{FF2B5EF4-FFF2-40B4-BE49-F238E27FC236}">
+                  <a16:creationId xmlns:a16="http://schemas.microsoft.com/office/drawing/2014/main" id="{58DFB387-0799-4921-8E56-B2332CF07A1F}"/>
+                </a:ext>
+              </a:extLst>
+            </p:cNvPr>
+            <p:cNvSpPr/>
+            <p:nvPr/>
+          </p:nvSpPr>
+          <p:spPr>
+            <a:xfrm>
+              <a:off x="3675355" y="1023262"/>
+              <a:ext cx="754603" cy="270548"/>
+            </a:xfrm>
+            <a:prstGeom prst="rect">
+              <a:avLst/>
+            </a:prstGeom>
+            <a:ln/>
+          </p:spPr>
+          <p:style>
+            <a:lnRef idx="3">
+              <a:schemeClr val="lt1"/>
+            </a:lnRef>
+            <a:fillRef idx="1">
+              <a:schemeClr val="accent5"/>
+            </a:fillRef>
+            <a:effectRef idx="1">
+              <a:schemeClr val="accent5"/>
+            </a:effectRef>
+            <a:fontRef idx="minor">
+              <a:schemeClr val="lt1"/>
+            </a:fontRef>
+          </p:style>
+          <p:txBody>
+            <a:bodyPr rtlCol="0" anchor="ctr"/>
+            <a:lstStyle/>
+            <a:p>
+              <a:pPr algn="ctr"/>
+              <a:r>
+                <a:rPr lang="en-US" altLang="zh-CN" b="1" dirty="0"/>
+                <a:t>Conv</a:t>
+              </a:r>
+              <a:endParaRPr lang="zh-CN" altLang="en-US" b="1" dirty="0"/>
+            </a:p>
+          </p:txBody>
+        </p:sp>
+        <p:sp>
+          <p:nvSpPr>
+            <p:cNvPr id="11" name="矩形 10">
+              <a:extLst>
+                <a:ext uri="{FF2B5EF4-FFF2-40B4-BE49-F238E27FC236}">
+                  <a16:creationId xmlns:a16="http://schemas.microsoft.com/office/drawing/2014/main" id="{03C17112-752E-4D2C-8CD8-78FFDA4B67EE}"/>
+                </a:ext>
+              </a:extLst>
+            </p:cNvPr>
+            <p:cNvSpPr/>
+            <p:nvPr/>
+          </p:nvSpPr>
+          <p:spPr>
+            <a:xfrm>
+              <a:off x="4589754" y="1016063"/>
+              <a:ext cx="88778" cy="276068"/>
+            </a:xfrm>
+            <a:prstGeom prst="rect">
+              <a:avLst/>
+            </a:prstGeom>
+            <a:ln>
+              <a:noFill/>
+            </a:ln>
+          </p:spPr>
+          <p:style>
+            <a:lnRef idx="2">
+              <a:schemeClr val="accent4">
+                <a:shade val="50000"/>
+              </a:schemeClr>
+            </a:lnRef>
+            <a:fillRef idx="1">
+              <a:schemeClr val="accent4"/>
+            </a:fillRef>
+            <a:effectRef idx="0">
+              <a:schemeClr val="accent4"/>
+            </a:effectRef>
+            <a:fontRef idx="minor">
+              <a:schemeClr val="lt1"/>
+            </a:fontRef>
+          </p:style>
+          <p:txBody>
+            <a:bodyPr rtlCol="0" anchor="ctr"/>
+            <a:lstStyle/>
+            <a:p>
+              <a:pPr algn="ctr"/>
+              <a:endParaRPr lang="zh-CN" altLang="en-US" b="1"/>
+            </a:p>
+          </p:txBody>
+        </p:sp>
+        <p:cxnSp>
+          <p:nvCxnSpPr>
+            <p:cNvPr id="12" name="直接箭头连接符 11">
+              <a:extLst>
+                <a:ext uri="{FF2B5EF4-FFF2-40B4-BE49-F238E27FC236}">
+                  <a16:creationId xmlns:a16="http://schemas.microsoft.com/office/drawing/2014/main" id="{7CEE327B-D4B3-44B7-BA80-6FD7B6C4D086}"/>
+                </a:ext>
+              </a:extLst>
+            </p:cNvPr>
+            <p:cNvCxnSpPr>
+              <a:cxnSpLocks/>
+              <a:stCxn id="10" idx="3"/>
+              <a:endCxn id="11" idx="1"/>
+            </p:cNvCxnSpPr>
+            <p:nvPr/>
+          </p:nvCxnSpPr>
+          <p:spPr>
+            <a:xfrm flipV="1">
+              <a:off x="4429958" y="1154097"/>
+              <a:ext cx="159796" cy="4439"/>
+            </a:xfrm>
+            <a:prstGeom prst="straightConnector1">
+              <a:avLst/>
+            </a:prstGeom>
+            <a:ln>
+              <a:tailEnd type="triangle"/>
+            </a:ln>
+          </p:spPr>
+          <p:style>
+            <a:lnRef idx="1">
+              <a:schemeClr val="dk1"/>
+            </a:lnRef>
+            <a:fillRef idx="0">
+              <a:schemeClr val="dk1"/>
+            </a:fillRef>
+            <a:effectRef idx="0">
+              <a:schemeClr val="dk1"/>
+            </a:effectRef>
+            <a:fontRef idx="minor">
+              <a:schemeClr val="tx1"/>
+            </a:fontRef>
+          </p:style>
+        </p:cxnSp>
+        <p:cxnSp>
+          <p:nvCxnSpPr>
+            <p:cNvPr id="13" name="直接箭头连接符 12">
+              <a:extLst>
+                <a:ext uri="{FF2B5EF4-FFF2-40B4-BE49-F238E27FC236}">
+                  <a16:creationId xmlns:a16="http://schemas.microsoft.com/office/drawing/2014/main" id="{2754F9FC-9AAE-45FE-B3C9-7A642D7BC7BF}"/>
+                </a:ext>
+              </a:extLst>
+            </p:cNvPr>
+            <p:cNvCxnSpPr>
+              <a:cxnSpLocks/>
+              <a:stCxn id="11" idx="3"/>
+              <a:endCxn id="17" idx="2"/>
+            </p:cNvCxnSpPr>
+            <p:nvPr/>
+          </p:nvCxnSpPr>
+          <p:spPr>
+            <a:xfrm>
+              <a:off x="4678532" y="1154097"/>
+              <a:ext cx="301841" cy="0"/>
+            </a:xfrm>
+            <a:prstGeom prst="straightConnector1">
+              <a:avLst/>
+            </a:prstGeom>
+            <a:ln>
+              <a:tailEnd type="triangle"/>
+            </a:ln>
+          </p:spPr>
+          <p:style>
+            <a:lnRef idx="1">
+              <a:schemeClr val="dk1"/>
+            </a:lnRef>
+            <a:fillRef idx="0">
+              <a:schemeClr val="dk1"/>
+            </a:fillRef>
+            <a:effectRef idx="0">
+              <a:schemeClr val="dk1"/>
+            </a:effectRef>
+            <a:fontRef idx="minor">
+              <a:schemeClr val="tx1"/>
+            </a:fontRef>
+          </p:style>
+        </p:cxnSp>
+        <p:cxnSp>
+          <p:nvCxnSpPr>
+            <p:cNvPr id="14" name="直接连接符 13">
+              <a:extLst>
+                <a:ext uri="{FF2B5EF4-FFF2-40B4-BE49-F238E27FC236}">
+                  <a16:creationId xmlns:a16="http://schemas.microsoft.com/office/drawing/2014/main" id="{880491C1-26B2-48D0-B711-59672D04C5A6}"/>
+                </a:ext>
+              </a:extLst>
+            </p:cNvPr>
+            <p:cNvCxnSpPr>
+              <a:cxnSpLocks/>
+            </p:cNvCxnSpPr>
+            <p:nvPr/>
+          </p:nvCxnSpPr>
+          <p:spPr>
+            <a:xfrm flipV="1">
+              <a:off x="2253325" y="857942"/>
+              <a:ext cx="0" cy="287278"/>
+            </a:xfrm>
+            <a:prstGeom prst="line">
+              <a:avLst/>
+            </a:prstGeom>
+          </p:spPr>
+          <p:style>
+            <a:lnRef idx="1">
+              <a:schemeClr val="dk1"/>
+            </a:lnRef>
+            <a:fillRef idx="0">
+              <a:schemeClr val="dk1"/>
+            </a:fillRef>
+            <a:effectRef idx="0">
+              <a:schemeClr val="dk1"/>
+            </a:effectRef>
+            <a:fontRef idx="minor">
+              <a:schemeClr val="tx1"/>
+            </a:fontRef>
+          </p:style>
+        </p:cxnSp>
+        <p:cxnSp>
+          <p:nvCxnSpPr>
+            <p:cNvPr id="15" name="直接连接符 14">
+              <a:extLst>
+                <a:ext uri="{FF2B5EF4-FFF2-40B4-BE49-F238E27FC236}">
+                  <a16:creationId xmlns:a16="http://schemas.microsoft.com/office/drawing/2014/main" id="{D5E5A0AF-8405-493C-BADF-050EF3266775}"/>
+                </a:ext>
+              </a:extLst>
+            </p:cNvPr>
+            <p:cNvCxnSpPr>
+              <a:cxnSpLocks/>
+            </p:cNvCxnSpPr>
+            <p:nvPr/>
+          </p:nvCxnSpPr>
+          <p:spPr>
+            <a:xfrm>
+              <a:off x="2253325" y="857942"/>
+              <a:ext cx="2851334" cy="0"/>
+            </a:xfrm>
+            <a:prstGeom prst="line">
+              <a:avLst/>
+            </a:prstGeom>
+          </p:spPr>
+          <p:style>
+            <a:lnRef idx="1">
+              <a:schemeClr val="dk1"/>
+            </a:lnRef>
+            <a:fillRef idx="0">
+              <a:schemeClr val="dk1"/>
+            </a:fillRef>
+            <a:effectRef idx="0">
+              <a:schemeClr val="dk1"/>
+            </a:effectRef>
+            <a:fontRef idx="minor">
+              <a:schemeClr val="tx1"/>
+            </a:fontRef>
+          </p:style>
+        </p:cxnSp>
+        <p:cxnSp>
+          <p:nvCxnSpPr>
+            <p:cNvPr id="16" name="直接箭头连接符 15">
+              <a:extLst>
+                <a:ext uri="{FF2B5EF4-FFF2-40B4-BE49-F238E27FC236}">
+                  <a16:creationId xmlns:a16="http://schemas.microsoft.com/office/drawing/2014/main" id="{55E848AB-3A63-4ECA-BC1C-AB9153A85E19}"/>
+                </a:ext>
+              </a:extLst>
+            </p:cNvPr>
+            <p:cNvCxnSpPr>
+              <a:cxnSpLocks/>
+              <a:endCxn id="17" idx="0"/>
+            </p:cNvCxnSpPr>
+            <p:nvPr/>
+          </p:nvCxnSpPr>
+          <p:spPr>
+            <a:xfrm>
+              <a:off x="5104659" y="857942"/>
+              <a:ext cx="1" cy="171868"/>
+            </a:xfrm>
+            <a:prstGeom prst="straightConnector1">
+              <a:avLst/>
+            </a:prstGeom>
+            <a:ln>
+              <a:tailEnd type="triangle"/>
+            </a:ln>
+          </p:spPr>
+          <p:style>
+            <a:lnRef idx="1">
+              <a:schemeClr val="dk1"/>
+            </a:lnRef>
+            <a:fillRef idx="0">
+              <a:schemeClr val="dk1"/>
+            </a:fillRef>
+            <a:effectRef idx="0">
+              <a:schemeClr val="dk1"/>
+            </a:effectRef>
+            <a:fontRef idx="minor">
+              <a:schemeClr val="tx1"/>
+            </a:fontRef>
+          </p:style>
+        </p:cxnSp>
+        <p:sp>
+          <p:nvSpPr>
+            <p:cNvPr id="17" name="流程图: 或者 16">
+              <a:extLst>
+                <a:ext uri="{FF2B5EF4-FFF2-40B4-BE49-F238E27FC236}">
+                  <a16:creationId xmlns:a16="http://schemas.microsoft.com/office/drawing/2014/main" id="{7A818C05-A996-4C91-8680-937A0A2DC656}"/>
+                </a:ext>
+              </a:extLst>
+            </p:cNvPr>
+            <p:cNvSpPr/>
+            <p:nvPr/>
+          </p:nvSpPr>
+          <p:spPr>
+            <a:xfrm>
+              <a:off x="4980373" y="1029810"/>
+              <a:ext cx="248573" cy="248573"/>
+            </a:xfrm>
+            <a:prstGeom prst="flowChartOr">
+              <a:avLst/>
+            </a:prstGeom>
+            <a:solidFill>
+              <a:schemeClr val="bg1"/>
+            </a:solidFill>
+            <a:ln w="28575">
+              <a:solidFill>
+                <a:schemeClr val="accent5"/>
+              </a:solidFill>
+            </a:ln>
+          </p:spPr>
+          <p:style>
+            <a:lnRef idx="2">
+              <a:schemeClr val="accent1">
+                <a:shade val="50000"/>
+              </a:schemeClr>
+            </a:lnRef>
+            <a:fillRef idx="1">
+              <a:schemeClr val="accent1"/>
+            </a:fillRef>
+            <a:effectRef idx="0">
+              <a:schemeClr val="accent1"/>
+            </a:effectRef>
+            <a:fontRef idx="minor">
+              <a:schemeClr val="lt1"/>
+            </a:fontRef>
+          </p:style>
+          <p:txBody>
+            <a:bodyPr rtlCol="0" anchor="ctr"/>
+            <a:lstStyle/>
+            <a:p>
+              <a:pPr algn="ctr"/>
+              <a:endParaRPr lang="zh-CN" altLang="en-US" b="1" dirty="0"/>
+            </a:p>
+          </p:txBody>
+        </p:sp>
+        <p:cxnSp>
+          <p:nvCxnSpPr>
+            <p:cNvPr id="18" name="直接箭头连接符 17">
+              <a:extLst>
+                <a:ext uri="{FF2B5EF4-FFF2-40B4-BE49-F238E27FC236}">
+                  <a16:creationId xmlns:a16="http://schemas.microsoft.com/office/drawing/2014/main" id="{33EC89C9-306B-4F75-8E17-2D69460BA899}"/>
+                </a:ext>
+              </a:extLst>
+            </p:cNvPr>
+            <p:cNvCxnSpPr>
+              <a:cxnSpLocks/>
+            </p:cNvCxnSpPr>
+            <p:nvPr/>
+          </p:nvCxnSpPr>
+          <p:spPr>
+            <a:xfrm>
+              <a:off x="5228946" y="1155576"/>
+              <a:ext cx="157927" cy="0"/>
+            </a:xfrm>
+            <a:prstGeom prst="straightConnector1">
+              <a:avLst/>
+            </a:prstGeom>
+            <a:ln>
+              <a:tailEnd type="triangle"/>
+            </a:ln>
+          </p:spPr>
+          <p:style>
+            <a:lnRef idx="1">
+              <a:schemeClr val="dk1"/>
+            </a:lnRef>
+            <a:fillRef idx="0">
+              <a:schemeClr val="dk1"/>
+            </a:fillRef>
+            <a:effectRef idx="0">
+              <a:schemeClr val="dk1"/>
+            </a:effectRef>
+            <a:fontRef idx="minor">
+              <a:schemeClr val="tx1"/>
+            </a:fontRef>
+          </p:style>
+        </p:cxnSp>
+      </p:grpSp>
+      <p:grpSp>
+        <p:nvGrpSpPr>
+          <p:cNvPr id="28" name="组合 27">
+            <a:extLst>
+              <a:ext uri="{FF2B5EF4-FFF2-40B4-BE49-F238E27FC236}">
+                <a16:creationId xmlns:a16="http://schemas.microsoft.com/office/drawing/2014/main" id="{4C342574-20DE-4222-AAFB-1D69074DBA65}"/>
+              </a:ext>
+            </a:extLst>
+          </p:cNvPr>
+          <p:cNvGrpSpPr/>
+          <p:nvPr/>
+        </p:nvGrpSpPr>
+        <p:grpSpPr>
+          <a:xfrm>
+            <a:off x="1594699" y="1345427"/>
+            <a:ext cx="3672685" cy="478844"/>
+            <a:chOff x="1733357" y="2289084"/>
+            <a:chExt cx="3672685" cy="412923"/>
+          </a:xfrm>
+        </p:grpSpPr>
+        <p:sp>
+          <p:nvSpPr>
+            <p:cNvPr id="29" name="矩形 28">
+              <a:extLst>
+                <a:ext uri="{FF2B5EF4-FFF2-40B4-BE49-F238E27FC236}">
+                  <a16:creationId xmlns:a16="http://schemas.microsoft.com/office/drawing/2014/main" id="{0C8F2F49-3479-46AD-BBB4-E1D7D66E5C18}"/>
+                </a:ext>
+              </a:extLst>
+            </p:cNvPr>
+            <p:cNvSpPr/>
+            <p:nvPr/>
+          </p:nvSpPr>
+          <p:spPr>
+            <a:xfrm>
+              <a:off x="2370337" y="2292200"/>
+              <a:ext cx="754603" cy="395962"/>
+            </a:xfrm>
+            <a:prstGeom prst="rect">
+              <a:avLst/>
+            </a:prstGeom>
+            <a:ln/>
+          </p:spPr>
+          <p:style>
+            <a:lnRef idx="3">
+              <a:schemeClr val="lt1"/>
+            </a:lnRef>
+            <a:fillRef idx="1">
+              <a:schemeClr val="accent5"/>
+            </a:fillRef>
+            <a:effectRef idx="1">
+              <a:schemeClr val="accent5"/>
+            </a:effectRef>
+            <a:fontRef idx="minor">
+              <a:schemeClr val="lt1"/>
+            </a:fontRef>
+          </p:style>
+          <p:txBody>
+            <a:bodyPr rtlCol="0" anchor="ctr"/>
+            <a:lstStyle/>
+            <a:p>
+              <a:pPr algn="ctr"/>
+              <a:r>
+                <a:rPr lang="en-US" altLang="zh-CN" b="1" dirty="0"/>
+                <a:t>Conv</a:t>
+              </a:r>
+              <a:endParaRPr lang="zh-CN" altLang="en-US" b="1" dirty="0"/>
+            </a:p>
+          </p:txBody>
+        </p:sp>
+        <p:sp>
+          <p:nvSpPr>
+            <p:cNvPr id="30" name="矩形 29">
+              <a:extLst>
+                <a:ext uri="{FF2B5EF4-FFF2-40B4-BE49-F238E27FC236}">
+                  <a16:creationId xmlns:a16="http://schemas.microsoft.com/office/drawing/2014/main" id="{B6B9E9F2-641D-4578-9CBD-7F9FBAA82C5A}"/>
+                </a:ext>
+              </a:extLst>
+            </p:cNvPr>
+            <p:cNvSpPr/>
+            <p:nvPr/>
+          </p:nvSpPr>
+          <p:spPr>
+            <a:xfrm>
+              <a:off x="3284736" y="2289084"/>
+              <a:ext cx="88778" cy="404044"/>
+            </a:xfrm>
+            <a:prstGeom prst="rect">
+              <a:avLst/>
+            </a:prstGeom>
+            <a:ln>
+              <a:noFill/>
+            </a:ln>
+          </p:spPr>
+          <p:style>
+            <a:lnRef idx="2">
+              <a:schemeClr val="accent4">
+                <a:shade val="50000"/>
+              </a:schemeClr>
+            </a:lnRef>
+            <a:fillRef idx="1">
+              <a:schemeClr val="accent4"/>
+            </a:fillRef>
+            <a:effectRef idx="0">
+              <a:schemeClr val="accent4"/>
+            </a:effectRef>
+            <a:fontRef idx="minor">
+              <a:schemeClr val="lt1"/>
+            </a:fontRef>
+          </p:style>
+          <p:txBody>
+            <a:bodyPr rtlCol="0" anchor="ctr"/>
+            <a:lstStyle/>
+            <a:p>
+              <a:pPr algn="ctr"/>
+              <a:endParaRPr lang="zh-CN" altLang="en-US" b="1"/>
+            </a:p>
+          </p:txBody>
+        </p:sp>
+        <p:cxnSp>
+          <p:nvCxnSpPr>
+            <p:cNvPr id="31" name="直接箭头连接符 30">
+              <a:extLst>
+                <a:ext uri="{FF2B5EF4-FFF2-40B4-BE49-F238E27FC236}">
+                  <a16:creationId xmlns:a16="http://schemas.microsoft.com/office/drawing/2014/main" id="{865F709A-F6C9-4FB5-B8F1-45B406A65BD7}"/>
+                </a:ext>
+              </a:extLst>
+            </p:cNvPr>
+            <p:cNvCxnSpPr>
+              <a:cxnSpLocks/>
+              <a:stCxn id="29" idx="3"/>
+              <a:endCxn id="30" idx="1"/>
+            </p:cNvCxnSpPr>
+            <p:nvPr/>
+          </p:nvCxnSpPr>
+          <p:spPr>
+            <a:xfrm>
+              <a:off x="3124940" y="2490181"/>
+              <a:ext cx="159796" cy="925"/>
+            </a:xfrm>
+            <a:prstGeom prst="straightConnector1">
+              <a:avLst/>
+            </a:prstGeom>
+            <a:ln>
+              <a:tailEnd type="triangle"/>
+            </a:ln>
+          </p:spPr>
+          <p:style>
+            <a:lnRef idx="1">
+              <a:schemeClr val="dk1"/>
+            </a:lnRef>
+            <a:fillRef idx="0">
+              <a:schemeClr val="dk1"/>
+            </a:fillRef>
+            <a:effectRef idx="0">
+              <a:schemeClr val="dk1"/>
+            </a:effectRef>
+            <a:fontRef idx="minor">
+              <a:schemeClr val="tx1"/>
+            </a:fontRef>
+          </p:style>
+        </p:cxnSp>
+        <p:cxnSp>
+          <p:nvCxnSpPr>
+            <p:cNvPr id="32" name="直接箭头连接符 31">
+              <a:extLst>
+                <a:ext uri="{FF2B5EF4-FFF2-40B4-BE49-F238E27FC236}">
+                  <a16:creationId xmlns:a16="http://schemas.microsoft.com/office/drawing/2014/main" id="{5FBD2B4D-56AE-4466-B095-91A6037C1C7D}"/>
+                </a:ext>
+              </a:extLst>
+            </p:cNvPr>
+            <p:cNvCxnSpPr>
+              <a:cxnSpLocks/>
+              <a:endCxn id="29" idx="1"/>
+            </p:cNvCxnSpPr>
+            <p:nvPr/>
+          </p:nvCxnSpPr>
+          <p:spPr>
+            <a:xfrm>
+              <a:off x="1733357" y="2490181"/>
+              <a:ext cx="636980" cy="0"/>
+            </a:xfrm>
+            <a:prstGeom prst="straightConnector1">
+              <a:avLst/>
+            </a:prstGeom>
+            <a:ln>
+              <a:tailEnd type="triangle"/>
+            </a:ln>
+          </p:spPr>
+          <p:style>
+            <a:lnRef idx="1">
+              <a:schemeClr val="dk1"/>
+            </a:lnRef>
+            <a:fillRef idx="0">
+              <a:schemeClr val="dk1"/>
+            </a:fillRef>
+            <a:effectRef idx="0">
+              <a:schemeClr val="dk1"/>
+            </a:effectRef>
+            <a:fontRef idx="minor">
+              <a:schemeClr val="tx1"/>
+            </a:fontRef>
+          </p:style>
+        </p:cxnSp>
+        <p:cxnSp>
+          <p:nvCxnSpPr>
+            <p:cNvPr id="33" name="直接箭头连接符 32">
+              <a:extLst>
+                <a:ext uri="{FF2B5EF4-FFF2-40B4-BE49-F238E27FC236}">
+                  <a16:creationId xmlns:a16="http://schemas.microsoft.com/office/drawing/2014/main" id="{08E9111B-C04B-4ADA-B318-44D2877B1E1B}"/>
+                </a:ext>
+              </a:extLst>
+            </p:cNvPr>
+            <p:cNvCxnSpPr>
+              <a:cxnSpLocks/>
+              <a:stCxn id="30" idx="3"/>
+            </p:cNvCxnSpPr>
+            <p:nvPr/>
+          </p:nvCxnSpPr>
+          <p:spPr>
+            <a:xfrm>
+              <a:off x="3373514" y="2491106"/>
+              <a:ext cx="301841" cy="1"/>
+            </a:xfrm>
+            <a:prstGeom prst="straightConnector1">
+              <a:avLst/>
+            </a:prstGeom>
+            <a:ln>
+              <a:tailEnd type="triangle"/>
+            </a:ln>
+          </p:spPr>
+          <p:style>
+            <a:lnRef idx="1">
+              <a:schemeClr val="dk1"/>
+            </a:lnRef>
+            <a:fillRef idx="0">
+              <a:schemeClr val="dk1"/>
+            </a:fillRef>
+            <a:effectRef idx="0">
+              <a:schemeClr val="dk1"/>
+            </a:effectRef>
+            <a:fontRef idx="minor">
+              <a:schemeClr val="tx1"/>
+            </a:fontRef>
+          </p:style>
+        </p:cxnSp>
+        <p:sp>
+          <p:nvSpPr>
+            <p:cNvPr id="34" name="矩形 33">
+              <a:extLst>
+                <a:ext uri="{FF2B5EF4-FFF2-40B4-BE49-F238E27FC236}">
+                  <a16:creationId xmlns:a16="http://schemas.microsoft.com/office/drawing/2014/main" id="{3874B2D2-A581-4757-B4C7-9016F52CD9C3}"/>
+                </a:ext>
+              </a:extLst>
+            </p:cNvPr>
+            <p:cNvSpPr/>
+            <p:nvPr/>
+          </p:nvSpPr>
+          <p:spPr>
+            <a:xfrm>
+              <a:off x="3675355" y="2301077"/>
+              <a:ext cx="754603" cy="395962"/>
+            </a:xfrm>
+            <a:prstGeom prst="rect">
+              <a:avLst/>
+            </a:prstGeom>
+            <a:ln/>
+          </p:spPr>
+          <p:style>
+            <a:lnRef idx="3">
+              <a:schemeClr val="lt1"/>
+            </a:lnRef>
+            <a:fillRef idx="1">
+              <a:schemeClr val="accent5"/>
+            </a:fillRef>
+            <a:effectRef idx="1">
+              <a:schemeClr val="accent5"/>
+            </a:effectRef>
+            <a:fontRef idx="minor">
+              <a:schemeClr val="lt1"/>
+            </a:fontRef>
+          </p:style>
+          <p:txBody>
+            <a:bodyPr rtlCol="0" anchor="ctr"/>
+            <a:lstStyle/>
+            <a:p>
+              <a:pPr algn="ctr"/>
+              <a:r>
+                <a:rPr lang="en-US" altLang="zh-CN" b="1" dirty="0"/>
+                <a:t>Conv</a:t>
+              </a:r>
+              <a:endParaRPr lang="zh-CN" altLang="en-US" b="1" dirty="0"/>
+            </a:p>
+          </p:txBody>
+        </p:sp>
+        <p:sp>
+          <p:nvSpPr>
+            <p:cNvPr id="35" name="矩形 34">
+              <a:extLst>
+                <a:ext uri="{FF2B5EF4-FFF2-40B4-BE49-F238E27FC236}">
+                  <a16:creationId xmlns:a16="http://schemas.microsoft.com/office/drawing/2014/main" id="{3BEA4804-FDB9-4D37-A21A-19345D9E6BBB}"/>
+                </a:ext>
+              </a:extLst>
+            </p:cNvPr>
+            <p:cNvSpPr/>
+            <p:nvPr/>
+          </p:nvSpPr>
+          <p:spPr>
+            <a:xfrm>
+              <a:off x="4589754" y="2297963"/>
+              <a:ext cx="88778" cy="404044"/>
+            </a:xfrm>
+            <a:prstGeom prst="rect">
+              <a:avLst/>
+            </a:prstGeom>
+            <a:ln>
+              <a:noFill/>
+            </a:ln>
+          </p:spPr>
+          <p:style>
+            <a:lnRef idx="2">
+              <a:schemeClr val="accent4">
+                <a:shade val="50000"/>
+              </a:schemeClr>
+            </a:lnRef>
+            <a:fillRef idx="1">
+              <a:schemeClr val="accent4"/>
+            </a:fillRef>
+            <a:effectRef idx="0">
+              <a:schemeClr val="accent4"/>
+            </a:effectRef>
+            <a:fontRef idx="minor">
+              <a:schemeClr val="lt1"/>
+            </a:fontRef>
+          </p:style>
+          <p:txBody>
+            <a:bodyPr rtlCol="0" anchor="ctr"/>
+            <a:lstStyle/>
+            <a:p>
+              <a:pPr algn="ctr"/>
+              <a:endParaRPr lang="zh-CN" altLang="en-US" b="1"/>
+            </a:p>
+          </p:txBody>
+        </p:sp>
+        <p:cxnSp>
+          <p:nvCxnSpPr>
+            <p:cNvPr id="36" name="直接箭头连接符 35">
+              <a:extLst>
+                <a:ext uri="{FF2B5EF4-FFF2-40B4-BE49-F238E27FC236}">
+                  <a16:creationId xmlns:a16="http://schemas.microsoft.com/office/drawing/2014/main" id="{E1742809-F21F-4830-9FBF-D71ACAA28160}"/>
+                </a:ext>
+              </a:extLst>
+            </p:cNvPr>
+            <p:cNvCxnSpPr>
+              <a:cxnSpLocks/>
+              <a:stCxn id="34" idx="3"/>
+              <a:endCxn id="35" idx="1"/>
+            </p:cNvCxnSpPr>
+            <p:nvPr/>
+          </p:nvCxnSpPr>
+          <p:spPr>
+            <a:xfrm>
+              <a:off x="4429958" y="2499059"/>
+              <a:ext cx="159796" cy="926"/>
+            </a:xfrm>
+            <a:prstGeom prst="straightConnector1">
+              <a:avLst/>
+            </a:prstGeom>
+            <a:ln>
+              <a:tailEnd type="triangle"/>
+            </a:ln>
+          </p:spPr>
+          <p:style>
+            <a:lnRef idx="1">
+              <a:schemeClr val="dk1"/>
+            </a:lnRef>
+            <a:fillRef idx="0">
+              <a:schemeClr val="dk1"/>
+            </a:fillRef>
+            <a:effectRef idx="0">
+              <a:schemeClr val="dk1"/>
+            </a:effectRef>
+            <a:fontRef idx="minor">
+              <a:schemeClr val="tx1"/>
+            </a:fontRef>
+          </p:style>
+        </p:cxnSp>
+        <p:cxnSp>
+          <p:nvCxnSpPr>
+            <p:cNvPr id="37" name="直接箭头连接符 36">
+              <a:extLst>
+                <a:ext uri="{FF2B5EF4-FFF2-40B4-BE49-F238E27FC236}">
+                  <a16:creationId xmlns:a16="http://schemas.microsoft.com/office/drawing/2014/main" id="{13C45BED-6B99-476C-991B-F7F7950BEF70}"/>
+                </a:ext>
+              </a:extLst>
+            </p:cNvPr>
+            <p:cNvCxnSpPr>
+              <a:cxnSpLocks/>
+            </p:cNvCxnSpPr>
+            <p:nvPr/>
+          </p:nvCxnSpPr>
+          <p:spPr>
+            <a:xfrm>
+              <a:off x="4678532" y="2494619"/>
+              <a:ext cx="727510" cy="2220"/>
+            </a:xfrm>
+            <a:prstGeom prst="straightConnector1">
+              <a:avLst/>
+            </a:prstGeom>
+            <a:ln>
+              <a:tailEnd type="triangle"/>
+            </a:ln>
+          </p:spPr>
+          <p:style>
+            <a:lnRef idx="1">
+              <a:schemeClr val="dk1"/>
+            </a:lnRef>
+            <a:fillRef idx="0">
+              <a:schemeClr val="dk1"/>
+            </a:fillRef>
+            <a:effectRef idx="0">
+              <a:schemeClr val="dk1"/>
+            </a:effectRef>
+            <a:fontRef idx="minor">
+              <a:schemeClr val="tx1"/>
+            </a:fontRef>
+          </p:style>
+        </p:cxnSp>
+      </p:grpSp>
       <p:sp>
         <p:nvSpPr>
-          <p:cNvPr id="93" name="箭头: 下 92">
+          <p:cNvPr id="60" name="文本框 59">
             <a:extLst>
               <a:ext uri="{FF2B5EF4-FFF2-40B4-BE49-F238E27FC236}">
-                <a16:creationId xmlns:a16="http://schemas.microsoft.com/office/drawing/2014/main" id="{66508438-A94C-443B-A338-0CB1E30B0856}"/>
+                <a16:creationId xmlns:a16="http://schemas.microsoft.com/office/drawing/2014/main" id="{EA215D25-88A9-4A15-BD63-05852D8214B4}"/>
+              </a:ext>
+            </a:extLst>
+          </p:cNvPr>
+          <p:cNvSpPr txBox="1"/>
+          <p:nvPr/>
+        </p:nvSpPr>
+        <p:spPr>
+          <a:xfrm>
+            <a:off x="88639" y="1102503"/>
+            <a:ext cx="1036989" cy="400110"/>
+          </a:xfrm>
+          <a:prstGeom prst="rect">
+            <a:avLst/>
+          </a:prstGeom>
+          <a:noFill/>
+        </p:spPr>
+        <p:txBody>
+          <a:bodyPr wrap="square" rtlCol="0">
+            <a:spAutoFit/>
+          </a:bodyPr>
+          <a:lstStyle/>
+          <a:p>
+            <a:r>
+              <a:rPr lang="en-US" altLang="zh-CN" sz="1000" b="1" dirty="0"/>
+              <a:t>Equivalent</a:t>
+            </a:r>
+          </a:p>
+          <a:p>
+            <a:r>
+              <a:rPr lang="en-US" altLang="zh-CN" sz="1000" b="1" dirty="0"/>
+              <a:t>Convert</a:t>
+            </a:r>
+            <a:endParaRPr lang="zh-CN" altLang="en-US" sz="1000" b="1" dirty="0"/>
+          </a:p>
+        </p:txBody>
+      </p:sp>
+      <p:grpSp>
+        <p:nvGrpSpPr>
+          <p:cNvPr id="121" name="组合 120">
+            <a:extLst>
+              <a:ext uri="{FF2B5EF4-FFF2-40B4-BE49-F238E27FC236}">
+                <a16:creationId xmlns:a16="http://schemas.microsoft.com/office/drawing/2014/main" id="{3CA482B5-97B1-4585-A313-3A1899175051}"/>
+              </a:ext>
+            </a:extLst>
+          </p:cNvPr>
+          <p:cNvGrpSpPr/>
+          <p:nvPr/>
+        </p:nvGrpSpPr>
+        <p:grpSpPr>
+          <a:xfrm>
+            <a:off x="2887506" y="1578525"/>
+            <a:ext cx="1070732" cy="1794800"/>
+            <a:chOff x="7317507" y="2234058"/>
+            <a:chExt cx="1070732" cy="1794800"/>
+          </a:xfrm>
+        </p:grpSpPr>
+        <p:grpSp>
+          <p:nvGrpSpPr>
+            <p:cNvPr id="99" name="组合 98">
+              <a:extLst>
+                <a:ext uri="{FF2B5EF4-FFF2-40B4-BE49-F238E27FC236}">
+                  <a16:creationId xmlns:a16="http://schemas.microsoft.com/office/drawing/2014/main" id="{DEB9A39B-E8F9-45D2-819F-45D653646CBB}"/>
+                </a:ext>
+              </a:extLst>
+            </p:cNvPr>
+            <p:cNvGrpSpPr/>
+            <p:nvPr/>
+          </p:nvGrpSpPr>
+          <p:grpSpPr>
+            <a:xfrm>
+              <a:off x="7381149" y="2234058"/>
+              <a:ext cx="943448" cy="1770121"/>
+              <a:chOff x="3052708" y="1573367"/>
+              <a:chExt cx="943448" cy="1770121"/>
+            </a:xfrm>
+          </p:grpSpPr>
+          <p:sp>
+            <p:nvSpPr>
+              <p:cNvPr id="100" name="矩形 99">
+                <a:extLst>
+                  <a:ext uri="{FF2B5EF4-FFF2-40B4-BE49-F238E27FC236}">
+                    <a16:creationId xmlns:a16="http://schemas.microsoft.com/office/drawing/2014/main" id="{1E8F9906-4A4E-4804-A298-EEF3DC6E284B}"/>
+                  </a:ext>
+                </a:extLst>
+              </p:cNvPr>
+              <p:cNvSpPr/>
+              <p:nvPr/>
+            </p:nvSpPr>
+            <p:spPr>
+              <a:xfrm>
+                <a:off x="3052712" y="2009155"/>
+                <a:ext cx="943443" cy="336288"/>
+              </a:xfrm>
+              <a:prstGeom prst="rect">
+                <a:avLst/>
+              </a:prstGeom>
+              <a:solidFill>
+                <a:schemeClr val="accent6">
+                  <a:lumMod val="60000"/>
+                  <a:lumOff val="40000"/>
+                </a:schemeClr>
+              </a:solidFill>
+              <a:ln>
+                <a:noFill/>
+              </a:ln>
+            </p:spPr>
+            <p:style>
+              <a:lnRef idx="2">
+                <a:schemeClr val="accent4">
+                  <a:shade val="50000"/>
+                </a:schemeClr>
+              </a:lnRef>
+              <a:fillRef idx="1">
+                <a:schemeClr val="accent4"/>
+              </a:fillRef>
+              <a:effectRef idx="0">
+                <a:schemeClr val="accent4"/>
+              </a:effectRef>
+              <a:fontRef idx="minor">
+                <a:schemeClr val="lt1"/>
+              </a:fontRef>
+            </p:style>
+            <p:txBody>
+              <a:bodyPr rtlCol="0" anchor="ctr"/>
+              <a:lstStyle/>
+              <a:p>
+                <a:pPr algn="ctr"/>
+                <a:r>
+                  <a:rPr lang="en-US" altLang="zh-CN" b="1" dirty="0"/>
+                  <a:t>T</a:t>
+                </a:r>
+                <a:endParaRPr lang="zh-CN" altLang="en-US" b="1" dirty="0"/>
+              </a:p>
+            </p:txBody>
+          </p:sp>
+          <p:sp>
+            <p:nvSpPr>
+              <p:cNvPr id="101" name="矩形 100">
+                <a:extLst>
+                  <a:ext uri="{FF2B5EF4-FFF2-40B4-BE49-F238E27FC236}">
+                    <a16:creationId xmlns:a16="http://schemas.microsoft.com/office/drawing/2014/main" id="{D7E21D89-AE03-4840-AB0E-D9691606DAA6}"/>
+                  </a:ext>
+                </a:extLst>
+              </p:cNvPr>
+              <p:cNvSpPr/>
+              <p:nvPr/>
+            </p:nvSpPr>
+            <p:spPr>
+              <a:xfrm>
+                <a:off x="3236439" y="3007200"/>
+                <a:ext cx="575987" cy="336288"/>
+              </a:xfrm>
+              <a:prstGeom prst="rect">
+                <a:avLst/>
+              </a:prstGeom>
+              <a:solidFill>
+                <a:schemeClr val="accent6">
+                  <a:lumMod val="60000"/>
+                  <a:lumOff val="40000"/>
+                </a:schemeClr>
+              </a:solidFill>
+              <a:ln>
+                <a:noFill/>
+              </a:ln>
+            </p:spPr>
+            <p:style>
+              <a:lnRef idx="2">
+                <a:schemeClr val="accent4">
+                  <a:shade val="50000"/>
+                </a:schemeClr>
+              </a:lnRef>
+              <a:fillRef idx="1">
+                <a:schemeClr val="accent4"/>
+              </a:fillRef>
+              <a:effectRef idx="0">
+                <a:schemeClr val="accent4"/>
+              </a:effectRef>
+              <a:fontRef idx="minor">
+                <a:schemeClr val="lt1"/>
+              </a:fontRef>
+            </p:style>
+            <p:txBody>
+              <a:bodyPr rtlCol="0" anchor="ctr"/>
+              <a:lstStyle/>
+              <a:p>
+                <a:pPr algn="ctr"/>
+                <a:r>
+                  <a:rPr lang="en-US" altLang="zh-CN" b="1" dirty="0"/>
+                  <a:t>S</a:t>
+                </a:r>
+                <a:endParaRPr lang="zh-CN" altLang="en-US" b="1" dirty="0"/>
+              </a:p>
+            </p:txBody>
+          </p:sp>
+          <p:sp>
+            <p:nvSpPr>
+              <p:cNvPr id="102" name="流程图: 手动操作 101">
+                <a:extLst>
+                  <a:ext uri="{FF2B5EF4-FFF2-40B4-BE49-F238E27FC236}">
+                    <a16:creationId xmlns:a16="http://schemas.microsoft.com/office/drawing/2014/main" id="{D2F8E62D-32DB-4B90-B480-27686E9D1A64}"/>
+                  </a:ext>
+                </a:extLst>
+              </p:cNvPr>
+              <p:cNvSpPr/>
+              <p:nvPr/>
+            </p:nvSpPr>
+            <p:spPr>
+              <a:xfrm>
+                <a:off x="3052708" y="2431295"/>
+                <a:ext cx="943448" cy="540776"/>
+              </a:xfrm>
+              <a:prstGeom prst="flowChartManualOperation">
+                <a:avLst/>
+              </a:prstGeom>
+              <a:ln/>
+            </p:spPr>
+            <p:style>
+              <a:lnRef idx="3">
+                <a:schemeClr val="lt1"/>
+              </a:lnRef>
+              <a:fillRef idx="1">
+                <a:schemeClr val="accent5"/>
+              </a:fillRef>
+              <a:effectRef idx="1">
+                <a:schemeClr val="accent5"/>
+              </a:effectRef>
+              <a:fontRef idx="minor">
+                <a:schemeClr val="lt1"/>
+              </a:fontRef>
+            </p:style>
+            <p:txBody>
+              <a:bodyPr rtlCol="0" anchor="ctr"/>
+              <a:lstStyle/>
+              <a:p>
+                <a:pPr algn="ctr"/>
+                <a:r>
+                  <a:rPr lang="en-US" altLang="zh-CN" b="1" dirty="0"/>
+                  <a:t>M</a:t>
+                </a:r>
+                <a:endParaRPr lang="zh-CN" altLang="en-US" b="1" dirty="0"/>
+              </a:p>
+            </p:txBody>
+          </p:sp>
+          <p:cxnSp>
+            <p:nvCxnSpPr>
+              <p:cNvPr id="103" name="直接箭头连接符 102">
+                <a:extLst>
+                  <a:ext uri="{FF2B5EF4-FFF2-40B4-BE49-F238E27FC236}">
+                    <a16:creationId xmlns:a16="http://schemas.microsoft.com/office/drawing/2014/main" id="{377200E6-9701-474C-9568-2B4EA67C0FF0}"/>
+                  </a:ext>
+                </a:extLst>
+              </p:cNvPr>
+              <p:cNvCxnSpPr>
+                <a:endCxn id="100" idx="0"/>
+              </p:cNvCxnSpPr>
+              <p:nvPr/>
+            </p:nvCxnSpPr>
+            <p:spPr>
+              <a:xfrm>
+                <a:off x="3524432" y="1573367"/>
+                <a:ext cx="2" cy="435788"/>
+              </a:xfrm>
+              <a:prstGeom prst="straightConnector1">
+                <a:avLst/>
+              </a:prstGeom>
+              <a:ln>
+                <a:tailEnd type="triangle"/>
+              </a:ln>
+            </p:spPr>
+            <p:style>
+              <a:lnRef idx="3">
+                <a:schemeClr val="accent6"/>
+              </a:lnRef>
+              <a:fillRef idx="0">
+                <a:schemeClr val="accent6"/>
+              </a:fillRef>
+              <a:effectRef idx="2">
+                <a:schemeClr val="accent6"/>
+              </a:effectRef>
+              <a:fontRef idx="minor">
+                <a:schemeClr val="tx1"/>
+              </a:fontRef>
+            </p:style>
+          </p:cxnSp>
+        </p:grpSp>
+        <p:sp>
+          <p:nvSpPr>
+            <p:cNvPr id="105" name="矩形: 圆角 104">
+              <a:extLst>
+                <a:ext uri="{FF2B5EF4-FFF2-40B4-BE49-F238E27FC236}">
+                  <a16:creationId xmlns:a16="http://schemas.microsoft.com/office/drawing/2014/main" id="{26F2BDDE-58A5-4A19-95E8-B136A9DF0325}"/>
+                </a:ext>
+              </a:extLst>
+            </p:cNvPr>
+            <p:cNvSpPr/>
+            <p:nvPr/>
+          </p:nvSpPr>
+          <p:spPr>
+            <a:xfrm>
+              <a:off x="7317507" y="3021416"/>
+              <a:ext cx="1070732" cy="1007442"/>
+            </a:xfrm>
+            <a:prstGeom prst="roundRect">
+              <a:avLst/>
+            </a:prstGeom>
+            <a:noFill/>
+            <a:ln w="9525" cap="flat" cmpd="sng" algn="ctr">
+              <a:solidFill>
+                <a:schemeClr val="accent2"/>
+              </a:solidFill>
+              <a:prstDash val="dash"/>
+              <a:round/>
+              <a:headEnd type="none" w="med" len="med"/>
+              <a:tailEnd type="none" w="med" len="med"/>
+            </a:ln>
+          </p:spPr>
+          <p:style>
+            <a:lnRef idx="0">
+              <a:scrgbClr r="0" g="0" b="0"/>
+            </a:lnRef>
+            <a:fillRef idx="0">
+              <a:scrgbClr r="0" g="0" b="0"/>
+            </a:fillRef>
+            <a:effectRef idx="0">
+              <a:scrgbClr r="0" g="0" b="0"/>
+            </a:effectRef>
+            <a:fontRef idx="minor">
+              <a:schemeClr val="accent2"/>
+            </a:fontRef>
+          </p:style>
+          <p:txBody>
+            <a:bodyPr rtlCol="0" anchor="ctr"/>
+            <a:lstStyle/>
+            <a:p>
+              <a:pPr algn="ctr"/>
+              <a:endParaRPr lang="zh-CN" altLang="en-US" b="1"/>
+            </a:p>
+          </p:txBody>
+        </p:sp>
+        <p:cxnSp>
+          <p:nvCxnSpPr>
+            <p:cNvPr id="107" name="连接符: 肘形 106">
+              <a:extLst>
+                <a:ext uri="{FF2B5EF4-FFF2-40B4-BE49-F238E27FC236}">
+                  <a16:creationId xmlns:a16="http://schemas.microsoft.com/office/drawing/2014/main" id="{BD6C0706-FFDA-4780-BFE3-4DC4462BD1EF}"/>
+                </a:ext>
+              </a:extLst>
+            </p:cNvPr>
+            <p:cNvCxnSpPr>
+              <a:stCxn id="100" idx="1"/>
+              <a:endCxn id="105" idx="1"/>
+            </p:cNvCxnSpPr>
+            <p:nvPr/>
+          </p:nvCxnSpPr>
+          <p:spPr>
+            <a:xfrm rot="10800000" flipV="1">
+              <a:off x="7317507" y="2837989"/>
+              <a:ext cx="63646" cy="687147"/>
+            </a:xfrm>
+            <a:prstGeom prst="bentConnector3">
+              <a:avLst>
+                <a:gd name="adj1" fmla="val 341893"/>
+              </a:avLst>
+            </a:prstGeom>
+            <a:ln>
+              <a:tailEnd type="triangle"/>
+            </a:ln>
+          </p:spPr>
+          <p:style>
+            <a:lnRef idx="3">
+              <a:schemeClr val="accent2"/>
+            </a:lnRef>
+            <a:fillRef idx="0">
+              <a:schemeClr val="accent2"/>
+            </a:fillRef>
+            <a:effectRef idx="2">
+              <a:schemeClr val="accent2"/>
+            </a:effectRef>
+            <a:fontRef idx="minor">
+              <a:schemeClr val="tx1"/>
+            </a:fontRef>
+          </p:style>
+        </p:cxnSp>
+      </p:grpSp>
+      <p:grpSp>
+        <p:nvGrpSpPr>
+          <p:cNvPr id="122" name="组合 121">
+            <a:extLst>
+              <a:ext uri="{FF2B5EF4-FFF2-40B4-BE49-F238E27FC236}">
+                <a16:creationId xmlns:a16="http://schemas.microsoft.com/office/drawing/2014/main" id="{83C9379C-E60D-47BE-91F4-A5F67F4EE6B1}"/>
+              </a:ext>
+            </a:extLst>
+          </p:cNvPr>
+          <p:cNvGrpSpPr/>
+          <p:nvPr/>
+        </p:nvGrpSpPr>
+        <p:grpSpPr>
+          <a:xfrm>
+            <a:off x="4376414" y="1590936"/>
+            <a:ext cx="1070732" cy="1794800"/>
+            <a:chOff x="7317507" y="2234058"/>
+            <a:chExt cx="1070732" cy="1794800"/>
+          </a:xfrm>
+        </p:grpSpPr>
+        <p:grpSp>
+          <p:nvGrpSpPr>
+            <p:cNvPr id="123" name="组合 122">
+              <a:extLst>
+                <a:ext uri="{FF2B5EF4-FFF2-40B4-BE49-F238E27FC236}">
+                  <a16:creationId xmlns:a16="http://schemas.microsoft.com/office/drawing/2014/main" id="{8F4CFCEC-9658-4199-B1D3-82C54D5DE22F}"/>
+                </a:ext>
+              </a:extLst>
+            </p:cNvPr>
+            <p:cNvGrpSpPr/>
+            <p:nvPr/>
+          </p:nvGrpSpPr>
+          <p:grpSpPr>
+            <a:xfrm>
+              <a:off x="7381149" y="2234058"/>
+              <a:ext cx="943448" cy="1770121"/>
+              <a:chOff x="3052708" y="1573367"/>
+              <a:chExt cx="943448" cy="1770121"/>
+            </a:xfrm>
+          </p:grpSpPr>
+          <p:sp>
+            <p:nvSpPr>
+              <p:cNvPr id="126" name="矩形 125">
+                <a:extLst>
+                  <a:ext uri="{FF2B5EF4-FFF2-40B4-BE49-F238E27FC236}">
+                    <a16:creationId xmlns:a16="http://schemas.microsoft.com/office/drawing/2014/main" id="{A1F2C18B-639A-4FC8-82FE-D2899260079B}"/>
+                  </a:ext>
+                </a:extLst>
+              </p:cNvPr>
+              <p:cNvSpPr/>
+              <p:nvPr/>
+            </p:nvSpPr>
+            <p:spPr>
+              <a:xfrm>
+                <a:off x="3052712" y="2009155"/>
+                <a:ext cx="943443" cy="336288"/>
+              </a:xfrm>
+              <a:prstGeom prst="rect">
+                <a:avLst/>
+              </a:prstGeom>
+              <a:solidFill>
+                <a:schemeClr val="accent6">
+                  <a:lumMod val="60000"/>
+                  <a:lumOff val="40000"/>
+                </a:schemeClr>
+              </a:solidFill>
+              <a:ln>
+                <a:noFill/>
+              </a:ln>
+            </p:spPr>
+            <p:style>
+              <a:lnRef idx="2">
+                <a:schemeClr val="accent4">
+                  <a:shade val="50000"/>
+                </a:schemeClr>
+              </a:lnRef>
+              <a:fillRef idx="1">
+                <a:schemeClr val="accent4"/>
+              </a:fillRef>
+              <a:effectRef idx="0">
+                <a:schemeClr val="accent4"/>
+              </a:effectRef>
+              <a:fontRef idx="minor">
+                <a:schemeClr val="lt1"/>
+              </a:fontRef>
+            </p:style>
+            <p:txBody>
+              <a:bodyPr rtlCol="0" anchor="ctr"/>
+              <a:lstStyle/>
+              <a:p>
+                <a:pPr algn="ctr"/>
+                <a:r>
+                  <a:rPr lang="en-US" altLang="zh-CN" b="1" dirty="0"/>
+                  <a:t>T</a:t>
+                </a:r>
+                <a:endParaRPr lang="zh-CN" altLang="en-US" b="1" dirty="0"/>
+              </a:p>
+            </p:txBody>
+          </p:sp>
+          <p:sp>
+            <p:nvSpPr>
+              <p:cNvPr id="127" name="矩形 126">
+                <a:extLst>
+                  <a:ext uri="{FF2B5EF4-FFF2-40B4-BE49-F238E27FC236}">
+                    <a16:creationId xmlns:a16="http://schemas.microsoft.com/office/drawing/2014/main" id="{8C0BACF9-6FBE-457A-BFEF-E6D58C518442}"/>
+                  </a:ext>
+                </a:extLst>
+              </p:cNvPr>
+              <p:cNvSpPr/>
+              <p:nvPr/>
+            </p:nvSpPr>
+            <p:spPr>
+              <a:xfrm>
+                <a:off x="3236439" y="3007200"/>
+                <a:ext cx="575987" cy="336288"/>
+              </a:xfrm>
+              <a:prstGeom prst="rect">
+                <a:avLst/>
+              </a:prstGeom>
+              <a:solidFill>
+                <a:schemeClr val="accent6">
+                  <a:lumMod val="60000"/>
+                  <a:lumOff val="40000"/>
+                </a:schemeClr>
+              </a:solidFill>
+              <a:ln>
+                <a:noFill/>
+              </a:ln>
+            </p:spPr>
+            <p:style>
+              <a:lnRef idx="2">
+                <a:schemeClr val="accent4">
+                  <a:shade val="50000"/>
+                </a:schemeClr>
+              </a:lnRef>
+              <a:fillRef idx="1">
+                <a:schemeClr val="accent4"/>
+              </a:fillRef>
+              <a:effectRef idx="0">
+                <a:schemeClr val="accent4"/>
+              </a:effectRef>
+              <a:fontRef idx="minor">
+                <a:schemeClr val="lt1"/>
+              </a:fontRef>
+            </p:style>
+            <p:txBody>
+              <a:bodyPr rtlCol="0" anchor="ctr"/>
+              <a:lstStyle/>
+              <a:p>
+                <a:pPr algn="ctr"/>
+                <a:r>
+                  <a:rPr lang="en-US" altLang="zh-CN" b="1" dirty="0"/>
+                  <a:t>S</a:t>
+                </a:r>
+                <a:endParaRPr lang="zh-CN" altLang="en-US" b="1" dirty="0"/>
+              </a:p>
+            </p:txBody>
+          </p:sp>
+          <p:sp>
+            <p:nvSpPr>
+              <p:cNvPr id="128" name="流程图: 手动操作 127">
+                <a:extLst>
+                  <a:ext uri="{FF2B5EF4-FFF2-40B4-BE49-F238E27FC236}">
+                    <a16:creationId xmlns:a16="http://schemas.microsoft.com/office/drawing/2014/main" id="{1D514585-7E98-4112-8573-71302F210746}"/>
+                  </a:ext>
+                </a:extLst>
+              </p:cNvPr>
+              <p:cNvSpPr/>
+              <p:nvPr/>
+            </p:nvSpPr>
+            <p:spPr>
+              <a:xfrm>
+                <a:off x="3052708" y="2431295"/>
+                <a:ext cx="943448" cy="540776"/>
+              </a:xfrm>
+              <a:prstGeom prst="flowChartManualOperation">
+                <a:avLst/>
+              </a:prstGeom>
+              <a:ln/>
+            </p:spPr>
+            <p:style>
+              <a:lnRef idx="3">
+                <a:schemeClr val="lt1"/>
+              </a:lnRef>
+              <a:fillRef idx="1">
+                <a:schemeClr val="accent5"/>
+              </a:fillRef>
+              <a:effectRef idx="1">
+                <a:schemeClr val="accent5"/>
+              </a:effectRef>
+              <a:fontRef idx="minor">
+                <a:schemeClr val="lt1"/>
+              </a:fontRef>
+            </p:style>
+            <p:txBody>
+              <a:bodyPr rtlCol="0" anchor="ctr"/>
+              <a:lstStyle/>
+              <a:p>
+                <a:pPr algn="ctr"/>
+                <a:r>
+                  <a:rPr lang="en-US" altLang="zh-CN" b="1" dirty="0"/>
+                  <a:t>M</a:t>
+                </a:r>
+                <a:endParaRPr lang="zh-CN" altLang="en-US" b="1" dirty="0"/>
+              </a:p>
+            </p:txBody>
+          </p:sp>
+          <p:cxnSp>
+            <p:nvCxnSpPr>
+              <p:cNvPr id="129" name="直接箭头连接符 128">
+                <a:extLst>
+                  <a:ext uri="{FF2B5EF4-FFF2-40B4-BE49-F238E27FC236}">
+                    <a16:creationId xmlns:a16="http://schemas.microsoft.com/office/drawing/2014/main" id="{A42B1004-2A4A-44F4-8C1B-7B547DD5FA74}"/>
+                  </a:ext>
+                </a:extLst>
+              </p:cNvPr>
+              <p:cNvCxnSpPr>
+                <a:endCxn id="126" idx="0"/>
+              </p:cNvCxnSpPr>
+              <p:nvPr/>
+            </p:nvCxnSpPr>
+            <p:spPr>
+              <a:xfrm>
+                <a:off x="3524432" y="1573367"/>
+                <a:ext cx="2" cy="435788"/>
+              </a:xfrm>
+              <a:prstGeom prst="straightConnector1">
+                <a:avLst/>
+              </a:prstGeom>
+              <a:ln>
+                <a:tailEnd type="triangle"/>
+              </a:ln>
+            </p:spPr>
+            <p:style>
+              <a:lnRef idx="3">
+                <a:schemeClr val="accent6"/>
+              </a:lnRef>
+              <a:fillRef idx="0">
+                <a:schemeClr val="accent6"/>
+              </a:fillRef>
+              <a:effectRef idx="2">
+                <a:schemeClr val="accent6"/>
+              </a:effectRef>
+              <a:fontRef idx="minor">
+                <a:schemeClr val="tx1"/>
+              </a:fontRef>
+            </p:style>
+          </p:cxnSp>
+        </p:grpSp>
+        <p:sp>
+          <p:nvSpPr>
+            <p:cNvPr id="124" name="矩形: 圆角 123">
+              <a:extLst>
+                <a:ext uri="{FF2B5EF4-FFF2-40B4-BE49-F238E27FC236}">
+                  <a16:creationId xmlns:a16="http://schemas.microsoft.com/office/drawing/2014/main" id="{68CB6A05-BCCA-441F-A212-456D586A8D02}"/>
+                </a:ext>
+              </a:extLst>
+            </p:cNvPr>
+            <p:cNvSpPr/>
+            <p:nvPr/>
+          </p:nvSpPr>
+          <p:spPr>
+            <a:xfrm>
+              <a:off x="7317507" y="3021416"/>
+              <a:ext cx="1070732" cy="1007442"/>
+            </a:xfrm>
+            <a:prstGeom prst="roundRect">
+              <a:avLst/>
+            </a:prstGeom>
+            <a:noFill/>
+            <a:ln w="9525" cap="flat" cmpd="sng" algn="ctr">
+              <a:solidFill>
+                <a:schemeClr val="accent2"/>
+              </a:solidFill>
+              <a:prstDash val="dash"/>
+              <a:round/>
+              <a:headEnd type="none" w="med" len="med"/>
+              <a:tailEnd type="none" w="med" len="med"/>
+            </a:ln>
+          </p:spPr>
+          <p:style>
+            <a:lnRef idx="0">
+              <a:scrgbClr r="0" g="0" b="0"/>
+            </a:lnRef>
+            <a:fillRef idx="0">
+              <a:scrgbClr r="0" g="0" b="0"/>
+            </a:fillRef>
+            <a:effectRef idx="0">
+              <a:scrgbClr r="0" g="0" b="0"/>
+            </a:effectRef>
+            <a:fontRef idx="minor">
+              <a:schemeClr val="accent2"/>
+            </a:fontRef>
+          </p:style>
+          <p:txBody>
+            <a:bodyPr rtlCol="0" anchor="ctr"/>
+            <a:lstStyle/>
+            <a:p>
+              <a:pPr algn="ctr"/>
+              <a:endParaRPr lang="zh-CN" altLang="en-US" b="1"/>
+            </a:p>
+          </p:txBody>
+        </p:sp>
+        <p:cxnSp>
+          <p:nvCxnSpPr>
+            <p:cNvPr id="125" name="连接符: 肘形 124">
+              <a:extLst>
+                <a:ext uri="{FF2B5EF4-FFF2-40B4-BE49-F238E27FC236}">
+                  <a16:creationId xmlns:a16="http://schemas.microsoft.com/office/drawing/2014/main" id="{178B5260-4B32-4293-8550-6FACD9AD3D18}"/>
+                </a:ext>
+              </a:extLst>
+            </p:cNvPr>
+            <p:cNvCxnSpPr>
+              <a:stCxn id="126" idx="1"/>
+              <a:endCxn id="124" idx="1"/>
+            </p:cNvCxnSpPr>
+            <p:nvPr/>
+          </p:nvCxnSpPr>
+          <p:spPr>
+            <a:xfrm rot="10800000" flipV="1">
+              <a:off x="7317507" y="2837989"/>
+              <a:ext cx="63646" cy="687147"/>
+            </a:xfrm>
+            <a:prstGeom prst="bentConnector3">
+              <a:avLst>
+                <a:gd name="adj1" fmla="val 341893"/>
+              </a:avLst>
+            </a:prstGeom>
+            <a:ln>
+              <a:tailEnd type="triangle"/>
+            </a:ln>
+          </p:spPr>
+          <p:style>
+            <a:lnRef idx="3">
+              <a:schemeClr val="accent2"/>
+            </a:lnRef>
+            <a:fillRef idx="0">
+              <a:schemeClr val="accent2"/>
+            </a:fillRef>
+            <a:effectRef idx="2">
+              <a:schemeClr val="accent2"/>
+            </a:effectRef>
+            <a:fontRef idx="minor">
+              <a:schemeClr val="tx1"/>
+            </a:fontRef>
+          </p:style>
+        </p:cxnSp>
+      </p:grpSp>
+      <p:grpSp>
+        <p:nvGrpSpPr>
+          <p:cNvPr id="147" name="组合 146">
+            <a:extLst>
+              <a:ext uri="{FF2B5EF4-FFF2-40B4-BE49-F238E27FC236}">
+                <a16:creationId xmlns:a16="http://schemas.microsoft.com/office/drawing/2014/main" id="{4CDA3652-BA5D-4732-BD40-F0ADF7333331}"/>
+              </a:ext>
+            </a:extLst>
+          </p:cNvPr>
+          <p:cNvGrpSpPr/>
+          <p:nvPr/>
+        </p:nvGrpSpPr>
+        <p:grpSpPr>
+          <a:xfrm>
+            <a:off x="1741872" y="3777793"/>
+            <a:ext cx="3525512" cy="266086"/>
+            <a:chOff x="1722267" y="4085435"/>
+            <a:chExt cx="3525512" cy="266086"/>
+          </a:xfrm>
+        </p:grpSpPr>
+        <p:grpSp>
+          <p:nvGrpSpPr>
+            <p:cNvPr id="148" name="组合 147">
+              <a:extLst>
+                <a:ext uri="{FF2B5EF4-FFF2-40B4-BE49-F238E27FC236}">
+                  <a16:creationId xmlns:a16="http://schemas.microsoft.com/office/drawing/2014/main" id="{C1A70FEC-14AC-4B9F-855C-D2D81FBA5190}"/>
+                </a:ext>
+              </a:extLst>
+            </p:cNvPr>
+            <p:cNvGrpSpPr/>
+            <p:nvPr/>
+          </p:nvGrpSpPr>
+          <p:grpSpPr>
+            <a:xfrm>
+              <a:off x="1722267" y="4086380"/>
+              <a:ext cx="1660125" cy="253783"/>
+              <a:chOff x="1731145" y="3857938"/>
+              <a:chExt cx="1660125" cy="581569"/>
+            </a:xfrm>
+          </p:grpSpPr>
+          <p:sp>
+            <p:nvSpPr>
+              <p:cNvPr id="155" name="矩形 154">
+                <a:extLst>
+                  <a:ext uri="{FF2B5EF4-FFF2-40B4-BE49-F238E27FC236}">
+                    <a16:creationId xmlns:a16="http://schemas.microsoft.com/office/drawing/2014/main" id="{CB504BA1-81DF-4009-B8DA-6B7A23F6AEC3}"/>
+                  </a:ext>
+                </a:extLst>
+              </p:cNvPr>
+              <p:cNvSpPr/>
+              <p:nvPr/>
+            </p:nvSpPr>
+            <p:spPr>
+              <a:xfrm>
+                <a:off x="2388093" y="3872945"/>
+                <a:ext cx="754603" cy="566562"/>
+              </a:xfrm>
+              <a:prstGeom prst="rect">
+                <a:avLst/>
+              </a:prstGeom>
+              <a:ln/>
+            </p:spPr>
+            <p:style>
+              <a:lnRef idx="3">
+                <a:schemeClr val="lt1"/>
+              </a:lnRef>
+              <a:fillRef idx="1">
+                <a:schemeClr val="accent5"/>
+              </a:fillRef>
+              <a:effectRef idx="1">
+                <a:schemeClr val="accent5"/>
+              </a:effectRef>
+              <a:fontRef idx="minor">
+                <a:schemeClr val="lt1"/>
+              </a:fontRef>
+            </p:style>
+            <p:txBody>
+              <a:bodyPr rtlCol="0" anchor="ctr"/>
+              <a:lstStyle/>
+              <a:p>
+                <a:pPr algn="ctr"/>
+                <a:r>
+                  <a:rPr lang="en-US" altLang="zh-CN" b="1" dirty="0"/>
+                  <a:t>Conv</a:t>
+                </a:r>
+                <a:endParaRPr lang="zh-CN" altLang="en-US" b="1" dirty="0"/>
+              </a:p>
+            </p:txBody>
+          </p:sp>
+          <p:sp>
+            <p:nvSpPr>
+              <p:cNvPr id="156" name="矩形 155">
+                <a:extLst>
+                  <a:ext uri="{FF2B5EF4-FFF2-40B4-BE49-F238E27FC236}">
+                    <a16:creationId xmlns:a16="http://schemas.microsoft.com/office/drawing/2014/main" id="{3D70492C-524C-481D-8857-901CA5C8F148}"/>
+                  </a:ext>
+                </a:extLst>
+              </p:cNvPr>
+              <p:cNvSpPr/>
+              <p:nvPr/>
+            </p:nvSpPr>
+            <p:spPr>
+              <a:xfrm>
+                <a:off x="3302491" y="3857938"/>
+                <a:ext cx="88779" cy="578126"/>
+              </a:xfrm>
+              <a:prstGeom prst="rect">
+                <a:avLst/>
+              </a:prstGeom>
+              <a:ln>
+                <a:noFill/>
+              </a:ln>
+            </p:spPr>
+            <p:style>
+              <a:lnRef idx="2">
+                <a:schemeClr val="accent4">
+                  <a:shade val="50000"/>
+                </a:schemeClr>
+              </a:lnRef>
+              <a:fillRef idx="1">
+                <a:schemeClr val="accent4"/>
+              </a:fillRef>
+              <a:effectRef idx="0">
+                <a:schemeClr val="accent4"/>
+              </a:effectRef>
+              <a:fontRef idx="minor">
+                <a:schemeClr val="lt1"/>
+              </a:fontRef>
+            </p:style>
+            <p:txBody>
+              <a:bodyPr rtlCol="0" anchor="ctr"/>
+              <a:lstStyle/>
+              <a:p>
+                <a:pPr algn="ctr"/>
+                <a:endParaRPr lang="zh-CN" altLang="en-US"/>
+              </a:p>
+            </p:txBody>
+          </p:sp>
+          <p:cxnSp>
+            <p:nvCxnSpPr>
+              <p:cNvPr id="157" name="直接箭头连接符 156">
+                <a:extLst>
+                  <a:ext uri="{FF2B5EF4-FFF2-40B4-BE49-F238E27FC236}">
+                    <a16:creationId xmlns:a16="http://schemas.microsoft.com/office/drawing/2014/main" id="{38E28808-3F3A-423E-BA62-58AD76B66EEF}"/>
+                  </a:ext>
+                </a:extLst>
+              </p:cNvPr>
+              <p:cNvCxnSpPr>
+                <a:cxnSpLocks/>
+                <a:stCxn id="155" idx="3"/>
+                <a:endCxn id="156" idx="1"/>
+              </p:cNvCxnSpPr>
+              <p:nvPr/>
+            </p:nvCxnSpPr>
+            <p:spPr>
+              <a:xfrm flipV="1">
+                <a:off x="3142696" y="4147003"/>
+                <a:ext cx="159795" cy="9224"/>
+              </a:xfrm>
+              <a:prstGeom prst="straightConnector1">
+                <a:avLst/>
+              </a:prstGeom>
+              <a:ln>
+                <a:tailEnd type="triangle"/>
+              </a:ln>
+            </p:spPr>
+            <p:style>
+              <a:lnRef idx="1">
+                <a:schemeClr val="dk1"/>
+              </a:lnRef>
+              <a:fillRef idx="0">
+                <a:schemeClr val="dk1"/>
+              </a:fillRef>
+              <a:effectRef idx="0">
+                <a:schemeClr val="dk1"/>
+              </a:effectRef>
+              <a:fontRef idx="minor">
+                <a:schemeClr val="tx1"/>
+              </a:fontRef>
+            </p:style>
+          </p:cxnSp>
+          <p:cxnSp>
+            <p:nvCxnSpPr>
+              <p:cNvPr id="158" name="直接箭头连接符 157">
+                <a:extLst>
+                  <a:ext uri="{FF2B5EF4-FFF2-40B4-BE49-F238E27FC236}">
+                    <a16:creationId xmlns:a16="http://schemas.microsoft.com/office/drawing/2014/main" id="{2FAB94BC-F293-479F-B399-2C9ABCB7AA90}"/>
+                  </a:ext>
+                </a:extLst>
+              </p:cNvPr>
+              <p:cNvCxnSpPr>
+                <a:cxnSpLocks/>
+                <a:endCxn id="155" idx="1"/>
+              </p:cNvCxnSpPr>
+              <p:nvPr/>
+            </p:nvCxnSpPr>
+            <p:spPr>
+              <a:xfrm flipV="1">
+                <a:off x="1731145" y="4156226"/>
+                <a:ext cx="656948" cy="10702"/>
+              </a:xfrm>
+              <a:prstGeom prst="straightConnector1">
+                <a:avLst/>
+              </a:prstGeom>
+              <a:ln>
+                <a:tailEnd type="triangle"/>
+              </a:ln>
+            </p:spPr>
+            <p:style>
+              <a:lnRef idx="1">
+                <a:schemeClr val="dk1"/>
+              </a:lnRef>
+              <a:fillRef idx="0">
+                <a:schemeClr val="dk1"/>
+              </a:fillRef>
+              <a:effectRef idx="0">
+                <a:schemeClr val="dk1"/>
+              </a:effectRef>
+              <a:fontRef idx="minor">
+                <a:schemeClr val="tx1"/>
+              </a:fontRef>
+            </p:style>
+          </p:cxnSp>
+        </p:grpSp>
+        <p:grpSp>
+          <p:nvGrpSpPr>
+            <p:cNvPr id="149" name="组合 148">
+              <a:extLst>
+                <a:ext uri="{FF2B5EF4-FFF2-40B4-BE49-F238E27FC236}">
+                  <a16:creationId xmlns:a16="http://schemas.microsoft.com/office/drawing/2014/main" id="{A18AD840-F093-4610-835D-5E18C721584A}"/>
+                </a:ext>
+              </a:extLst>
+            </p:cNvPr>
+            <p:cNvGrpSpPr/>
+            <p:nvPr/>
+          </p:nvGrpSpPr>
+          <p:grpSpPr>
+            <a:xfrm>
+              <a:off x="3382392" y="4085435"/>
+              <a:ext cx="1865387" cy="266086"/>
+              <a:chOff x="3382392" y="3968673"/>
+              <a:chExt cx="1865387" cy="412018"/>
+            </a:xfrm>
+          </p:grpSpPr>
+          <p:cxnSp>
+            <p:nvCxnSpPr>
+              <p:cNvPr id="150" name="直接箭头连接符 149">
+                <a:extLst>
+                  <a:ext uri="{FF2B5EF4-FFF2-40B4-BE49-F238E27FC236}">
+                    <a16:creationId xmlns:a16="http://schemas.microsoft.com/office/drawing/2014/main" id="{E8137228-D7E8-4959-8DEA-7B0F86B59BB8}"/>
+                  </a:ext>
+                </a:extLst>
+              </p:cNvPr>
+              <p:cNvCxnSpPr>
+                <a:cxnSpLocks/>
+                <a:stCxn id="156" idx="3"/>
+                <a:endCxn id="151" idx="1"/>
+              </p:cNvCxnSpPr>
+              <p:nvPr/>
+            </p:nvCxnSpPr>
+            <p:spPr>
+              <a:xfrm>
+                <a:off x="3382392" y="4165461"/>
+                <a:ext cx="310719" cy="9221"/>
+              </a:xfrm>
+              <a:prstGeom prst="straightConnector1">
+                <a:avLst/>
+              </a:prstGeom>
+              <a:ln>
+                <a:tailEnd type="triangle"/>
+              </a:ln>
+            </p:spPr>
+            <p:style>
+              <a:lnRef idx="1">
+                <a:schemeClr val="dk1"/>
+              </a:lnRef>
+              <a:fillRef idx="0">
+                <a:schemeClr val="dk1"/>
+              </a:fillRef>
+              <a:effectRef idx="0">
+                <a:schemeClr val="dk1"/>
+              </a:effectRef>
+              <a:fontRef idx="minor">
+                <a:schemeClr val="tx1"/>
+              </a:fontRef>
+            </p:style>
+          </p:cxnSp>
+          <p:sp>
+            <p:nvSpPr>
+              <p:cNvPr id="151" name="矩形 150">
+                <a:extLst>
+                  <a:ext uri="{FF2B5EF4-FFF2-40B4-BE49-F238E27FC236}">
+                    <a16:creationId xmlns:a16="http://schemas.microsoft.com/office/drawing/2014/main" id="{DA085BC0-DDF6-42D3-99B3-5C74AEC57759}"/>
+                  </a:ext>
+                </a:extLst>
+              </p:cNvPr>
+              <p:cNvSpPr/>
+              <p:nvPr/>
+            </p:nvSpPr>
+            <p:spPr>
+              <a:xfrm>
+                <a:off x="3693111" y="3968673"/>
+                <a:ext cx="754603" cy="412018"/>
+              </a:xfrm>
+              <a:prstGeom prst="rect">
+                <a:avLst/>
+              </a:prstGeom>
+              <a:ln/>
+            </p:spPr>
+            <p:style>
+              <a:lnRef idx="3">
+                <a:schemeClr val="lt1"/>
+              </a:lnRef>
+              <a:fillRef idx="1">
+                <a:schemeClr val="accent5"/>
+              </a:fillRef>
+              <a:effectRef idx="1">
+                <a:schemeClr val="accent5"/>
+              </a:effectRef>
+              <a:fontRef idx="minor">
+                <a:schemeClr val="lt1"/>
+              </a:fontRef>
+            </p:style>
+            <p:txBody>
+              <a:bodyPr rtlCol="0" anchor="ctr"/>
+              <a:lstStyle/>
+              <a:p>
+                <a:pPr algn="ctr"/>
+                <a:r>
+                  <a:rPr lang="en-US" altLang="zh-CN" b="1" dirty="0"/>
+                  <a:t>Conv</a:t>
+                </a:r>
+                <a:endParaRPr lang="zh-CN" altLang="en-US" b="1" dirty="0"/>
+              </a:p>
+            </p:txBody>
+          </p:sp>
+          <p:sp>
+            <p:nvSpPr>
+              <p:cNvPr id="152" name="矩形 151">
+                <a:extLst>
+                  <a:ext uri="{FF2B5EF4-FFF2-40B4-BE49-F238E27FC236}">
+                    <a16:creationId xmlns:a16="http://schemas.microsoft.com/office/drawing/2014/main" id="{BBF28F2B-F7DB-488A-B8A7-C7BB8BE9A117}"/>
+                  </a:ext>
+                </a:extLst>
+              </p:cNvPr>
+              <p:cNvSpPr/>
+              <p:nvPr/>
+            </p:nvSpPr>
+            <p:spPr>
+              <a:xfrm>
+                <a:off x="4607508" y="3977946"/>
+                <a:ext cx="79902" cy="375014"/>
+              </a:xfrm>
+              <a:prstGeom prst="rect">
+                <a:avLst/>
+              </a:prstGeom>
+              <a:ln>
+                <a:noFill/>
+              </a:ln>
+            </p:spPr>
+            <p:style>
+              <a:lnRef idx="2">
+                <a:schemeClr val="accent4">
+                  <a:shade val="50000"/>
+                </a:schemeClr>
+              </a:lnRef>
+              <a:fillRef idx="1">
+                <a:schemeClr val="accent4"/>
+              </a:fillRef>
+              <a:effectRef idx="0">
+                <a:schemeClr val="accent4"/>
+              </a:effectRef>
+              <a:fontRef idx="minor">
+                <a:schemeClr val="lt1"/>
+              </a:fontRef>
+            </p:style>
+            <p:txBody>
+              <a:bodyPr rtlCol="0" anchor="ctr"/>
+              <a:lstStyle/>
+              <a:p>
+                <a:pPr algn="ctr"/>
+                <a:endParaRPr lang="zh-CN" altLang="en-US"/>
+              </a:p>
+            </p:txBody>
+          </p:sp>
+          <p:cxnSp>
+            <p:nvCxnSpPr>
+              <p:cNvPr id="153" name="直接箭头连接符 152">
+                <a:extLst>
+                  <a:ext uri="{FF2B5EF4-FFF2-40B4-BE49-F238E27FC236}">
+                    <a16:creationId xmlns:a16="http://schemas.microsoft.com/office/drawing/2014/main" id="{9E1EEAAD-F094-4199-B2CD-7BA922793CBA}"/>
+                  </a:ext>
+                </a:extLst>
+              </p:cNvPr>
+              <p:cNvCxnSpPr>
+                <a:cxnSpLocks/>
+                <a:stCxn id="151" idx="3"/>
+                <a:endCxn id="152" idx="1"/>
+              </p:cNvCxnSpPr>
+              <p:nvPr/>
+            </p:nvCxnSpPr>
+            <p:spPr>
+              <a:xfrm flipV="1">
+                <a:off x="4447714" y="4165453"/>
+                <a:ext cx="159794" cy="9229"/>
+              </a:xfrm>
+              <a:prstGeom prst="straightConnector1">
+                <a:avLst/>
+              </a:prstGeom>
+              <a:ln>
+                <a:tailEnd type="triangle"/>
+              </a:ln>
+            </p:spPr>
+            <p:style>
+              <a:lnRef idx="1">
+                <a:schemeClr val="dk1"/>
+              </a:lnRef>
+              <a:fillRef idx="0">
+                <a:schemeClr val="dk1"/>
+              </a:fillRef>
+              <a:effectRef idx="0">
+                <a:schemeClr val="dk1"/>
+              </a:effectRef>
+              <a:fontRef idx="minor">
+                <a:schemeClr val="tx1"/>
+              </a:fontRef>
+            </p:style>
+          </p:cxnSp>
+          <p:cxnSp>
+            <p:nvCxnSpPr>
+              <p:cNvPr id="154" name="直接箭头连接符 153">
+                <a:extLst>
+                  <a:ext uri="{FF2B5EF4-FFF2-40B4-BE49-F238E27FC236}">
+                    <a16:creationId xmlns:a16="http://schemas.microsoft.com/office/drawing/2014/main" id="{C8500098-8A4C-4758-A7AF-2A3135927D5D}"/>
+                  </a:ext>
+                </a:extLst>
+              </p:cNvPr>
+              <p:cNvCxnSpPr>
+                <a:cxnSpLocks/>
+                <a:stCxn id="152" idx="3"/>
+              </p:cNvCxnSpPr>
+              <p:nvPr/>
+            </p:nvCxnSpPr>
+            <p:spPr>
+              <a:xfrm>
+                <a:off x="4687410" y="4165453"/>
+                <a:ext cx="560369" cy="0"/>
+              </a:xfrm>
+              <a:prstGeom prst="straightConnector1">
+                <a:avLst/>
+              </a:prstGeom>
+              <a:ln>
+                <a:tailEnd type="triangle"/>
+              </a:ln>
+            </p:spPr>
+            <p:style>
+              <a:lnRef idx="1">
+                <a:schemeClr val="dk1"/>
+              </a:lnRef>
+              <a:fillRef idx="0">
+                <a:schemeClr val="dk1"/>
+              </a:fillRef>
+              <a:effectRef idx="0">
+                <a:schemeClr val="dk1"/>
+              </a:effectRef>
+              <a:fontRef idx="minor">
+                <a:schemeClr val="tx1"/>
+              </a:fontRef>
+            </p:style>
+          </p:cxnSp>
+        </p:grpSp>
+      </p:grpSp>
+      <p:grpSp>
+        <p:nvGrpSpPr>
+          <p:cNvPr id="212" name="组合 211">
+            <a:extLst>
+              <a:ext uri="{FF2B5EF4-FFF2-40B4-BE49-F238E27FC236}">
+                <a16:creationId xmlns:a16="http://schemas.microsoft.com/office/drawing/2014/main" id="{7C1A3EC9-5A49-4F54-81E8-9A15180E232C}"/>
+              </a:ext>
+            </a:extLst>
+          </p:cNvPr>
+          <p:cNvGrpSpPr/>
+          <p:nvPr/>
+        </p:nvGrpSpPr>
+        <p:grpSpPr>
+          <a:xfrm>
+            <a:off x="3800251" y="1818588"/>
+            <a:ext cx="734150" cy="1929379"/>
+            <a:chOff x="3800251" y="1818588"/>
+            <a:chExt cx="734150" cy="1929379"/>
+          </a:xfrm>
+        </p:grpSpPr>
+        <p:sp>
+          <p:nvSpPr>
+            <p:cNvPr id="174" name="文本框 173">
+              <a:extLst>
+                <a:ext uri="{FF2B5EF4-FFF2-40B4-BE49-F238E27FC236}">
+                  <a16:creationId xmlns:a16="http://schemas.microsoft.com/office/drawing/2014/main" id="{EE993AAA-4145-48E4-B76F-14F3727305D2}"/>
+                </a:ext>
+              </a:extLst>
+            </p:cNvPr>
+            <p:cNvSpPr txBox="1"/>
+            <p:nvPr/>
+          </p:nvSpPr>
+          <p:spPr>
+            <a:xfrm>
+              <a:off x="3922974" y="3104874"/>
+              <a:ext cx="442750" cy="400110"/>
+            </a:xfrm>
+            <a:prstGeom prst="rect">
+              <a:avLst/>
+            </a:prstGeom>
+            <a:noFill/>
+          </p:spPr>
+          <p:txBody>
+            <a:bodyPr wrap="none" rtlCol="0">
+              <a:spAutoFit/>
+            </a:bodyPr>
+            <a:lstStyle/>
+            <a:p>
+              <a:r>
+                <a:rPr lang="zh-CN" altLang="en-US" sz="2000" b="1" dirty="0">
+                  <a:solidFill>
+                    <a:srgbClr val="FF6600"/>
+                  </a:solidFill>
+                  <a:latin typeface="5FAE8F6F96C59ED1"/>
+                </a:rPr>
+                <a:t>Ⓐ</a:t>
+              </a:r>
+            </a:p>
+          </p:txBody>
+        </p:sp>
+        <p:cxnSp>
+          <p:nvCxnSpPr>
+            <p:cNvPr id="180" name="直接箭头连接符 179">
+              <a:extLst>
+                <a:ext uri="{FF2B5EF4-FFF2-40B4-BE49-F238E27FC236}">
+                  <a16:creationId xmlns:a16="http://schemas.microsoft.com/office/drawing/2014/main" id="{DAC00D2E-3539-4CB3-92FE-BE7868D76FB9}"/>
+                </a:ext>
+              </a:extLst>
+            </p:cNvPr>
+            <p:cNvCxnSpPr>
+              <a:cxnSpLocks/>
+            </p:cNvCxnSpPr>
+            <p:nvPr/>
+          </p:nvCxnSpPr>
+          <p:spPr>
+            <a:xfrm>
+              <a:off x="4143010" y="1818588"/>
+              <a:ext cx="0" cy="1329252"/>
+            </a:xfrm>
+            <a:prstGeom prst="straightConnector1">
+              <a:avLst/>
+            </a:prstGeom>
+            <a:ln>
+              <a:tailEnd type="triangle"/>
+            </a:ln>
+          </p:spPr>
+          <p:style>
+            <a:lnRef idx="3">
+              <a:schemeClr val="accent3"/>
+            </a:lnRef>
+            <a:fillRef idx="0">
+              <a:schemeClr val="accent3"/>
+            </a:fillRef>
+            <a:effectRef idx="2">
+              <a:schemeClr val="accent3"/>
+            </a:effectRef>
+            <a:fontRef idx="minor">
+              <a:schemeClr val="tx1"/>
+            </a:fontRef>
+          </p:style>
+        </p:cxnSp>
+        <p:cxnSp>
+          <p:nvCxnSpPr>
+            <p:cNvPr id="184" name="直接箭头连接符 183">
+              <a:extLst>
+                <a:ext uri="{FF2B5EF4-FFF2-40B4-BE49-F238E27FC236}">
+                  <a16:creationId xmlns:a16="http://schemas.microsoft.com/office/drawing/2014/main" id="{975C3B0F-D04C-4ED5-A367-664DB15F2F46}"/>
+                </a:ext>
+              </a:extLst>
+            </p:cNvPr>
+            <p:cNvCxnSpPr>
+              <a:cxnSpLocks/>
+              <a:stCxn id="128" idx="1"/>
+            </p:cNvCxnSpPr>
+            <p:nvPr/>
+          </p:nvCxnSpPr>
+          <p:spPr>
+            <a:xfrm flipH="1">
+              <a:off x="4237392" y="2719252"/>
+              <a:ext cx="297009" cy="435824"/>
+            </a:xfrm>
+            <a:prstGeom prst="straightConnector1">
+              <a:avLst/>
+            </a:prstGeom>
+            <a:ln>
+              <a:tailEnd type="triangle"/>
+            </a:ln>
+          </p:spPr>
+          <p:style>
+            <a:lnRef idx="3">
+              <a:schemeClr val="accent3"/>
+            </a:lnRef>
+            <a:fillRef idx="0">
+              <a:schemeClr val="accent3"/>
+            </a:fillRef>
+            <a:effectRef idx="2">
+              <a:schemeClr val="accent3"/>
+            </a:effectRef>
+            <a:fontRef idx="minor">
+              <a:schemeClr val="tx1"/>
+            </a:fontRef>
+          </p:style>
+        </p:cxnSp>
+        <p:cxnSp>
+          <p:nvCxnSpPr>
+            <p:cNvPr id="187" name="直接箭头连接符 186">
+              <a:extLst>
+                <a:ext uri="{FF2B5EF4-FFF2-40B4-BE49-F238E27FC236}">
+                  <a16:creationId xmlns:a16="http://schemas.microsoft.com/office/drawing/2014/main" id="{3C9B64C2-7DF1-4F86-B0EF-3CCFA4D39F16}"/>
+                </a:ext>
+              </a:extLst>
+            </p:cNvPr>
+            <p:cNvCxnSpPr>
+              <a:cxnSpLocks/>
+              <a:stCxn id="102" idx="3"/>
+            </p:cNvCxnSpPr>
+            <p:nvPr/>
+          </p:nvCxnSpPr>
+          <p:spPr>
+            <a:xfrm>
+              <a:off x="3800251" y="2706841"/>
+              <a:ext cx="225033" cy="453815"/>
+            </a:xfrm>
+            <a:prstGeom prst="straightConnector1">
+              <a:avLst/>
+            </a:prstGeom>
+            <a:ln>
+              <a:tailEnd type="triangle"/>
+            </a:ln>
+          </p:spPr>
+          <p:style>
+            <a:lnRef idx="3">
+              <a:schemeClr val="accent3"/>
+            </a:lnRef>
+            <a:fillRef idx="0">
+              <a:schemeClr val="accent3"/>
+            </a:fillRef>
+            <a:effectRef idx="2">
+              <a:schemeClr val="accent3"/>
+            </a:effectRef>
+            <a:fontRef idx="minor">
+              <a:schemeClr val="tx1"/>
+            </a:fontRef>
+          </p:style>
+        </p:cxnSp>
+        <p:cxnSp>
+          <p:nvCxnSpPr>
+            <p:cNvPr id="191" name="直接箭头连接符 190">
+              <a:extLst>
+                <a:ext uri="{FF2B5EF4-FFF2-40B4-BE49-F238E27FC236}">
+                  <a16:creationId xmlns:a16="http://schemas.microsoft.com/office/drawing/2014/main" id="{45CB6FC2-7CF1-4110-A403-2BEA66F7188C}"/>
+                </a:ext>
+              </a:extLst>
+            </p:cNvPr>
+            <p:cNvCxnSpPr>
+              <a:cxnSpLocks/>
+            </p:cNvCxnSpPr>
+            <p:nvPr/>
+          </p:nvCxnSpPr>
+          <p:spPr>
+            <a:xfrm>
+              <a:off x="4144349" y="3467664"/>
+              <a:ext cx="0" cy="280303"/>
+            </a:xfrm>
+            <a:prstGeom prst="straightConnector1">
+              <a:avLst/>
+            </a:prstGeom>
+            <a:ln>
+              <a:tailEnd type="triangle"/>
+            </a:ln>
+          </p:spPr>
+          <p:style>
+            <a:lnRef idx="3">
+              <a:schemeClr val="accent5"/>
+            </a:lnRef>
+            <a:fillRef idx="0">
+              <a:schemeClr val="accent5"/>
+            </a:fillRef>
+            <a:effectRef idx="2">
+              <a:schemeClr val="accent5"/>
+            </a:effectRef>
+            <a:fontRef idx="minor">
+              <a:schemeClr val="tx1"/>
+            </a:fontRef>
+          </p:style>
+        </p:cxnSp>
+      </p:grpSp>
+      <p:grpSp>
+        <p:nvGrpSpPr>
+          <p:cNvPr id="213" name="组合 212">
+            <a:extLst>
+              <a:ext uri="{FF2B5EF4-FFF2-40B4-BE49-F238E27FC236}">
+                <a16:creationId xmlns:a16="http://schemas.microsoft.com/office/drawing/2014/main" id="{FE791903-BC37-4741-8978-6FB5471ED80E}"/>
+              </a:ext>
+            </a:extLst>
+          </p:cNvPr>
+          <p:cNvGrpSpPr/>
+          <p:nvPr/>
+        </p:nvGrpSpPr>
+        <p:grpSpPr>
+          <a:xfrm>
+            <a:off x="2316798" y="1854085"/>
+            <a:ext cx="734150" cy="1929379"/>
+            <a:chOff x="3800251" y="1818588"/>
+            <a:chExt cx="734150" cy="1929379"/>
+          </a:xfrm>
+        </p:grpSpPr>
+        <p:sp>
+          <p:nvSpPr>
+            <p:cNvPr id="214" name="文本框 213">
+              <a:extLst>
+                <a:ext uri="{FF2B5EF4-FFF2-40B4-BE49-F238E27FC236}">
+                  <a16:creationId xmlns:a16="http://schemas.microsoft.com/office/drawing/2014/main" id="{90553186-3A13-45A4-9C5E-1CC0B43AC243}"/>
+                </a:ext>
+              </a:extLst>
+            </p:cNvPr>
+            <p:cNvSpPr txBox="1"/>
+            <p:nvPr/>
+          </p:nvSpPr>
+          <p:spPr>
+            <a:xfrm>
+              <a:off x="3922974" y="3104874"/>
+              <a:ext cx="442750" cy="400110"/>
+            </a:xfrm>
+            <a:prstGeom prst="rect">
+              <a:avLst/>
+            </a:prstGeom>
+            <a:noFill/>
+          </p:spPr>
+          <p:txBody>
+            <a:bodyPr wrap="none" rtlCol="0">
+              <a:spAutoFit/>
+            </a:bodyPr>
+            <a:lstStyle/>
+            <a:p>
+              <a:r>
+                <a:rPr lang="zh-CN" altLang="en-US" sz="2000" b="1" i="0" dirty="0">
+                  <a:solidFill>
+                    <a:srgbClr val="FF6600"/>
+                  </a:solidFill>
+                  <a:effectLst/>
+                  <a:latin typeface="5FAE8F6F96C59ED1"/>
+                </a:rPr>
+                <a:t>Ⓐ</a:t>
+              </a:r>
+              <a:endParaRPr lang="zh-CN" altLang="en-US" sz="2000" b="1" dirty="0">
+                <a:solidFill>
+                  <a:srgbClr val="FF6600"/>
+                </a:solidFill>
+              </a:endParaRPr>
+            </a:p>
+          </p:txBody>
+        </p:sp>
+        <p:cxnSp>
+          <p:nvCxnSpPr>
+            <p:cNvPr id="215" name="直接箭头连接符 214">
+              <a:extLst>
+                <a:ext uri="{FF2B5EF4-FFF2-40B4-BE49-F238E27FC236}">
+                  <a16:creationId xmlns:a16="http://schemas.microsoft.com/office/drawing/2014/main" id="{FD080212-B78B-412F-9A5C-488183D09CDD}"/>
+                </a:ext>
+              </a:extLst>
+            </p:cNvPr>
+            <p:cNvCxnSpPr>
+              <a:cxnSpLocks/>
+            </p:cNvCxnSpPr>
+            <p:nvPr/>
+          </p:nvCxnSpPr>
+          <p:spPr>
+            <a:xfrm>
+              <a:off x="4143010" y="1818588"/>
+              <a:ext cx="0" cy="1329252"/>
+            </a:xfrm>
+            <a:prstGeom prst="straightConnector1">
+              <a:avLst/>
+            </a:prstGeom>
+            <a:ln>
+              <a:tailEnd type="triangle"/>
+            </a:ln>
+          </p:spPr>
+          <p:style>
+            <a:lnRef idx="3">
+              <a:schemeClr val="accent3"/>
+            </a:lnRef>
+            <a:fillRef idx="0">
+              <a:schemeClr val="accent3"/>
+            </a:fillRef>
+            <a:effectRef idx="2">
+              <a:schemeClr val="accent3"/>
+            </a:effectRef>
+            <a:fontRef idx="minor">
+              <a:schemeClr val="tx1"/>
+            </a:fontRef>
+          </p:style>
+        </p:cxnSp>
+        <p:cxnSp>
+          <p:nvCxnSpPr>
+            <p:cNvPr id="216" name="直接箭头连接符 215">
+              <a:extLst>
+                <a:ext uri="{FF2B5EF4-FFF2-40B4-BE49-F238E27FC236}">
+                  <a16:creationId xmlns:a16="http://schemas.microsoft.com/office/drawing/2014/main" id="{6C7D3380-010D-4C48-A1D8-01E02FD5F399}"/>
+                </a:ext>
+              </a:extLst>
+            </p:cNvPr>
+            <p:cNvCxnSpPr>
+              <a:cxnSpLocks/>
+            </p:cNvCxnSpPr>
+            <p:nvPr/>
+          </p:nvCxnSpPr>
+          <p:spPr>
+            <a:xfrm flipH="1">
+              <a:off x="4237392" y="2719252"/>
+              <a:ext cx="297009" cy="435824"/>
+            </a:xfrm>
+            <a:prstGeom prst="straightConnector1">
+              <a:avLst/>
+            </a:prstGeom>
+            <a:ln>
+              <a:tailEnd type="triangle"/>
+            </a:ln>
+          </p:spPr>
+          <p:style>
+            <a:lnRef idx="3">
+              <a:schemeClr val="accent3"/>
+            </a:lnRef>
+            <a:fillRef idx="0">
+              <a:schemeClr val="accent3"/>
+            </a:fillRef>
+            <a:effectRef idx="2">
+              <a:schemeClr val="accent3"/>
+            </a:effectRef>
+            <a:fontRef idx="minor">
+              <a:schemeClr val="tx1"/>
+            </a:fontRef>
+          </p:style>
+        </p:cxnSp>
+        <p:cxnSp>
+          <p:nvCxnSpPr>
+            <p:cNvPr id="217" name="直接箭头连接符 216">
+              <a:extLst>
+                <a:ext uri="{FF2B5EF4-FFF2-40B4-BE49-F238E27FC236}">
+                  <a16:creationId xmlns:a16="http://schemas.microsoft.com/office/drawing/2014/main" id="{96518E61-6182-406B-B687-FCEAC1558B8C}"/>
+                </a:ext>
+              </a:extLst>
+            </p:cNvPr>
+            <p:cNvCxnSpPr>
+              <a:cxnSpLocks/>
+            </p:cNvCxnSpPr>
+            <p:nvPr/>
+          </p:nvCxnSpPr>
+          <p:spPr>
+            <a:xfrm>
+              <a:off x="3800251" y="2706841"/>
+              <a:ext cx="225033" cy="453815"/>
+            </a:xfrm>
+            <a:prstGeom prst="straightConnector1">
+              <a:avLst/>
+            </a:prstGeom>
+            <a:ln>
+              <a:tailEnd type="triangle"/>
+            </a:ln>
+          </p:spPr>
+          <p:style>
+            <a:lnRef idx="3">
+              <a:schemeClr val="accent3"/>
+            </a:lnRef>
+            <a:fillRef idx="0">
+              <a:schemeClr val="accent3"/>
+            </a:fillRef>
+            <a:effectRef idx="2">
+              <a:schemeClr val="accent3"/>
+            </a:effectRef>
+            <a:fontRef idx="minor">
+              <a:schemeClr val="tx1"/>
+            </a:fontRef>
+          </p:style>
+        </p:cxnSp>
+        <p:cxnSp>
+          <p:nvCxnSpPr>
+            <p:cNvPr id="218" name="直接箭头连接符 217">
+              <a:extLst>
+                <a:ext uri="{FF2B5EF4-FFF2-40B4-BE49-F238E27FC236}">
+                  <a16:creationId xmlns:a16="http://schemas.microsoft.com/office/drawing/2014/main" id="{92BCB5A4-E694-46D8-A37C-8A9D88E824E5}"/>
+                </a:ext>
+              </a:extLst>
+            </p:cNvPr>
+            <p:cNvCxnSpPr>
+              <a:cxnSpLocks/>
+            </p:cNvCxnSpPr>
+            <p:nvPr/>
+          </p:nvCxnSpPr>
+          <p:spPr>
+            <a:xfrm>
+              <a:off x="4144349" y="3467664"/>
+              <a:ext cx="0" cy="280303"/>
+            </a:xfrm>
+            <a:prstGeom prst="straightConnector1">
+              <a:avLst/>
+            </a:prstGeom>
+            <a:ln>
+              <a:tailEnd type="triangle"/>
+            </a:ln>
+          </p:spPr>
+          <p:style>
+            <a:lnRef idx="3">
+              <a:schemeClr val="accent5"/>
+            </a:lnRef>
+            <a:fillRef idx="0">
+              <a:schemeClr val="accent5"/>
+            </a:fillRef>
+            <a:effectRef idx="2">
+              <a:schemeClr val="accent5"/>
+            </a:effectRef>
+            <a:fontRef idx="minor">
+              <a:schemeClr val="tx1"/>
+            </a:fontRef>
+          </p:style>
+        </p:cxnSp>
+      </p:grpSp>
+      <p:grpSp>
+        <p:nvGrpSpPr>
+          <p:cNvPr id="219" name="组合 218">
+            <a:extLst>
+              <a:ext uri="{FF2B5EF4-FFF2-40B4-BE49-F238E27FC236}">
+                <a16:creationId xmlns:a16="http://schemas.microsoft.com/office/drawing/2014/main" id="{7FCE76B7-033C-4F27-9F63-E82139A458F4}"/>
+              </a:ext>
+            </a:extLst>
+          </p:cNvPr>
+          <p:cNvGrpSpPr/>
+          <p:nvPr/>
+        </p:nvGrpSpPr>
+        <p:grpSpPr>
+          <a:xfrm>
+            <a:off x="1417677" y="1578931"/>
+            <a:ext cx="1070732" cy="1794800"/>
+            <a:chOff x="7317507" y="2234058"/>
+            <a:chExt cx="1070732" cy="1794800"/>
+          </a:xfrm>
+        </p:grpSpPr>
+        <p:grpSp>
+          <p:nvGrpSpPr>
+            <p:cNvPr id="220" name="组合 219">
+              <a:extLst>
+                <a:ext uri="{FF2B5EF4-FFF2-40B4-BE49-F238E27FC236}">
+                  <a16:creationId xmlns:a16="http://schemas.microsoft.com/office/drawing/2014/main" id="{8075A8B1-A896-4305-92E4-6484064AF9CD}"/>
+                </a:ext>
+              </a:extLst>
+            </p:cNvPr>
+            <p:cNvGrpSpPr/>
+            <p:nvPr/>
+          </p:nvGrpSpPr>
+          <p:grpSpPr>
+            <a:xfrm>
+              <a:off x="7381149" y="2234058"/>
+              <a:ext cx="943448" cy="1770121"/>
+              <a:chOff x="3052708" y="1573367"/>
+              <a:chExt cx="943448" cy="1770121"/>
+            </a:xfrm>
+          </p:grpSpPr>
+          <p:sp>
+            <p:nvSpPr>
+              <p:cNvPr id="223" name="矩形 222">
+                <a:extLst>
+                  <a:ext uri="{FF2B5EF4-FFF2-40B4-BE49-F238E27FC236}">
+                    <a16:creationId xmlns:a16="http://schemas.microsoft.com/office/drawing/2014/main" id="{FC380494-13EF-4169-9580-2C9C58C735C5}"/>
+                  </a:ext>
+                </a:extLst>
+              </p:cNvPr>
+              <p:cNvSpPr/>
+              <p:nvPr/>
+            </p:nvSpPr>
+            <p:spPr>
+              <a:xfrm>
+                <a:off x="3052712" y="2009155"/>
+                <a:ext cx="943443" cy="336288"/>
+              </a:xfrm>
+              <a:prstGeom prst="rect">
+                <a:avLst/>
+              </a:prstGeom>
+              <a:solidFill>
+                <a:schemeClr val="accent6">
+                  <a:lumMod val="60000"/>
+                  <a:lumOff val="40000"/>
+                </a:schemeClr>
+              </a:solidFill>
+              <a:ln>
+                <a:noFill/>
+              </a:ln>
+            </p:spPr>
+            <p:style>
+              <a:lnRef idx="2">
+                <a:schemeClr val="accent4">
+                  <a:shade val="50000"/>
+                </a:schemeClr>
+              </a:lnRef>
+              <a:fillRef idx="1">
+                <a:schemeClr val="accent4"/>
+              </a:fillRef>
+              <a:effectRef idx="0">
+                <a:schemeClr val="accent4"/>
+              </a:effectRef>
+              <a:fontRef idx="minor">
+                <a:schemeClr val="lt1"/>
+              </a:fontRef>
+            </p:style>
+            <p:txBody>
+              <a:bodyPr rtlCol="0" anchor="ctr"/>
+              <a:lstStyle/>
+              <a:p>
+                <a:pPr algn="ctr"/>
+                <a:r>
+                  <a:rPr lang="en-US" altLang="zh-CN" b="1" dirty="0"/>
+                  <a:t>T</a:t>
+                </a:r>
+                <a:endParaRPr lang="zh-CN" altLang="en-US" b="1" dirty="0"/>
+              </a:p>
+            </p:txBody>
+          </p:sp>
+          <p:sp>
+            <p:nvSpPr>
+              <p:cNvPr id="224" name="矩形 223">
+                <a:extLst>
+                  <a:ext uri="{FF2B5EF4-FFF2-40B4-BE49-F238E27FC236}">
+                    <a16:creationId xmlns:a16="http://schemas.microsoft.com/office/drawing/2014/main" id="{2CA7A884-CFED-483E-A397-7ED40A78D677}"/>
+                  </a:ext>
+                </a:extLst>
+              </p:cNvPr>
+              <p:cNvSpPr/>
+              <p:nvPr/>
+            </p:nvSpPr>
+            <p:spPr>
+              <a:xfrm>
+                <a:off x="3236439" y="3007200"/>
+                <a:ext cx="575987" cy="336288"/>
+              </a:xfrm>
+              <a:prstGeom prst="rect">
+                <a:avLst/>
+              </a:prstGeom>
+              <a:solidFill>
+                <a:schemeClr val="accent6">
+                  <a:lumMod val="60000"/>
+                  <a:lumOff val="40000"/>
+                </a:schemeClr>
+              </a:solidFill>
+              <a:ln>
+                <a:noFill/>
+              </a:ln>
+            </p:spPr>
+            <p:style>
+              <a:lnRef idx="2">
+                <a:schemeClr val="accent4">
+                  <a:shade val="50000"/>
+                </a:schemeClr>
+              </a:lnRef>
+              <a:fillRef idx="1">
+                <a:schemeClr val="accent4"/>
+              </a:fillRef>
+              <a:effectRef idx="0">
+                <a:schemeClr val="accent4"/>
+              </a:effectRef>
+              <a:fontRef idx="minor">
+                <a:schemeClr val="lt1"/>
+              </a:fontRef>
+            </p:style>
+            <p:txBody>
+              <a:bodyPr rtlCol="0" anchor="ctr"/>
+              <a:lstStyle/>
+              <a:p>
+                <a:pPr algn="ctr"/>
+                <a:r>
+                  <a:rPr lang="en-US" altLang="zh-CN" b="1" dirty="0"/>
+                  <a:t>S</a:t>
+                </a:r>
+                <a:endParaRPr lang="zh-CN" altLang="en-US" b="1" dirty="0"/>
+              </a:p>
+            </p:txBody>
+          </p:sp>
+          <p:sp>
+            <p:nvSpPr>
+              <p:cNvPr id="225" name="流程图: 手动操作 224">
+                <a:extLst>
+                  <a:ext uri="{FF2B5EF4-FFF2-40B4-BE49-F238E27FC236}">
+                    <a16:creationId xmlns:a16="http://schemas.microsoft.com/office/drawing/2014/main" id="{5D5508CC-9A20-4E08-8BD4-246EACBFEBF0}"/>
+                  </a:ext>
+                </a:extLst>
+              </p:cNvPr>
+              <p:cNvSpPr/>
+              <p:nvPr/>
+            </p:nvSpPr>
+            <p:spPr>
+              <a:xfrm>
+                <a:off x="3052708" y="2431295"/>
+                <a:ext cx="943448" cy="540776"/>
+              </a:xfrm>
+              <a:prstGeom prst="flowChartManualOperation">
+                <a:avLst/>
+              </a:prstGeom>
+              <a:ln/>
+            </p:spPr>
+            <p:style>
+              <a:lnRef idx="3">
+                <a:schemeClr val="lt1"/>
+              </a:lnRef>
+              <a:fillRef idx="1">
+                <a:schemeClr val="accent5"/>
+              </a:fillRef>
+              <a:effectRef idx="1">
+                <a:schemeClr val="accent5"/>
+              </a:effectRef>
+              <a:fontRef idx="minor">
+                <a:schemeClr val="lt1"/>
+              </a:fontRef>
+            </p:style>
+            <p:txBody>
+              <a:bodyPr rtlCol="0" anchor="ctr"/>
+              <a:lstStyle/>
+              <a:p>
+                <a:pPr algn="ctr"/>
+                <a:r>
+                  <a:rPr lang="en-US" altLang="zh-CN" b="1" dirty="0"/>
+                  <a:t>M</a:t>
+                </a:r>
+                <a:endParaRPr lang="zh-CN" altLang="en-US" b="1" dirty="0"/>
+              </a:p>
+            </p:txBody>
+          </p:sp>
+          <p:cxnSp>
+            <p:nvCxnSpPr>
+              <p:cNvPr id="226" name="直接箭头连接符 225">
+                <a:extLst>
+                  <a:ext uri="{FF2B5EF4-FFF2-40B4-BE49-F238E27FC236}">
+                    <a16:creationId xmlns:a16="http://schemas.microsoft.com/office/drawing/2014/main" id="{B523EA20-1E92-4EB3-B2F8-C87936901893}"/>
+                  </a:ext>
+                </a:extLst>
+              </p:cNvPr>
+              <p:cNvCxnSpPr>
+                <a:endCxn id="223" idx="0"/>
+              </p:cNvCxnSpPr>
+              <p:nvPr/>
+            </p:nvCxnSpPr>
+            <p:spPr>
+              <a:xfrm>
+                <a:off x="3524432" y="1573367"/>
+                <a:ext cx="2" cy="435788"/>
+              </a:xfrm>
+              <a:prstGeom prst="straightConnector1">
+                <a:avLst/>
+              </a:prstGeom>
+              <a:ln>
+                <a:tailEnd type="triangle"/>
+              </a:ln>
+            </p:spPr>
+            <p:style>
+              <a:lnRef idx="3">
+                <a:schemeClr val="accent6"/>
+              </a:lnRef>
+              <a:fillRef idx="0">
+                <a:schemeClr val="accent6"/>
+              </a:fillRef>
+              <a:effectRef idx="2">
+                <a:schemeClr val="accent6"/>
+              </a:effectRef>
+              <a:fontRef idx="minor">
+                <a:schemeClr val="tx1"/>
+              </a:fontRef>
+            </p:style>
+          </p:cxnSp>
+        </p:grpSp>
+        <p:sp>
+          <p:nvSpPr>
+            <p:cNvPr id="221" name="矩形: 圆角 220">
+              <a:extLst>
+                <a:ext uri="{FF2B5EF4-FFF2-40B4-BE49-F238E27FC236}">
+                  <a16:creationId xmlns:a16="http://schemas.microsoft.com/office/drawing/2014/main" id="{3C932822-58C6-4CE8-9AA4-AF9F9AA405D1}"/>
+                </a:ext>
+              </a:extLst>
+            </p:cNvPr>
+            <p:cNvSpPr/>
+            <p:nvPr/>
+          </p:nvSpPr>
+          <p:spPr>
+            <a:xfrm>
+              <a:off x="7317507" y="3021416"/>
+              <a:ext cx="1070732" cy="1007442"/>
+            </a:xfrm>
+            <a:prstGeom prst="roundRect">
+              <a:avLst/>
+            </a:prstGeom>
+            <a:noFill/>
+            <a:ln w="9525" cap="flat" cmpd="sng" algn="ctr">
+              <a:solidFill>
+                <a:schemeClr val="accent2"/>
+              </a:solidFill>
+              <a:prstDash val="dash"/>
+              <a:round/>
+              <a:headEnd type="none" w="med" len="med"/>
+              <a:tailEnd type="none" w="med" len="med"/>
+            </a:ln>
+          </p:spPr>
+          <p:style>
+            <a:lnRef idx="0">
+              <a:scrgbClr r="0" g="0" b="0"/>
+            </a:lnRef>
+            <a:fillRef idx="0">
+              <a:scrgbClr r="0" g="0" b="0"/>
+            </a:fillRef>
+            <a:effectRef idx="0">
+              <a:scrgbClr r="0" g="0" b="0"/>
+            </a:effectRef>
+            <a:fontRef idx="minor">
+              <a:schemeClr val="accent2"/>
+            </a:fontRef>
+          </p:style>
+          <p:txBody>
+            <a:bodyPr rtlCol="0" anchor="ctr"/>
+            <a:lstStyle/>
+            <a:p>
+              <a:pPr algn="ctr"/>
+              <a:endParaRPr lang="zh-CN" altLang="en-US" b="1"/>
+            </a:p>
+          </p:txBody>
+        </p:sp>
+        <p:cxnSp>
+          <p:nvCxnSpPr>
+            <p:cNvPr id="222" name="连接符: 肘形 221">
+              <a:extLst>
+                <a:ext uri="{FF2B5EF4-FFF2-40B4-BE49-F238E27FC236}">
+                  <a16:creationId xmlns:a16="http://schemas.microsoft.com/office/drawing/2014/main" id="{46777799-C0D4-42BE-865D-347FFC46DA76}"/>
+                </a:ext>
+              </a:extLst>
+            </p:cNvPr>
+            <p:cNvCxnSpPr>
+              <a:stCxn id="223" idx="1"/>
+              <a:endCxn id="221" idx="1"/>
+            </p:cNvCxnSpPr>
+            <p:nvPr/>
+          </p:nvCxnSpPr>
+          <p:spPr>
+            <a:xfrm rot="10800000" flipV="1">
+              <a:off x="7317507" y="2837989"/>
+              <a:ext cx="63646" cy="687147"/>
+            </a:xfrm>
+            <a:prstGeom prst="bentConnector3">
+              <a:avLst>
+                <a:gd name="adj1" fmla="val 341893"/>
+              </a:avLst>
+            </a:prstGeom>
+            <a:ln>
+              <a:tailEnd type="triangle"/>
+            </a:ln>
+          </p:spPr>
+          <p:style>
+            <a:lnRef idx="3">
+              <a:schemeClr val="accent2"/>
+            </a:lnRef>
+            <a:fillRef idx="0">
+              <a:schemeClr val="accent2"/>
+            </a:fillRef>
+            <a:effectRef idx="2">
+              <a:schemeClr val="accent2"/>
+            </a:effectRef>
+            <a:fontRef idx="minor">
+              <a:schemeClr val="tx1"/>
+            </a:fontRef>
+          </p:style>
+        </p:cxnSp>
+      </p:grpSp>
+      <p:grpSp>
+        <p:nvGrpSpPr>
+          <p:cNvPr id="243" name="组合 242">
+            <a:extLst>
+              <a:ext uri="{FF2B5EF4-FFF2-40B4-BE49-F238E27FC236}">
+                <a16:creationId xmlns:a16="http://schemas.microsoft.com/office/drawing/2014/main" id="{4AD1BEC8-29AF-4978-82DF-A0B824FC543F}"/>
+              </a:ext>
+            </a:extLst>
+          </p:cNvPr>
+          <p:cNvGrpSpPr/>
+          <p:nvPr/>
+        </p:nvGrpSpPr>
+        <p:grpSpPr>
+          <a:xfrm>
+            <a:off x="5226845" y="893055"/>
+            <a:ext cx="759998" cy="3282642"/>
+            <a:chOff x="5494777" y="886020"/>
+            <a:chExt cx="759998" cy="3282642"/>
+          </a:xfrm>
+        </p:grpSpPr>
+        <p:sp>
+          <p:nvSpPr>
+            <p:cNvPr id="236" name="文本框 235">
+              <a:extLst>
+                <a:ext uri="{FF2B5EF4-FFF2-40B4-BE49-F238E27FC236}">
+                  <a16:creationId xmlns:a16="http://schemas.microsoft.com/office/drawing/2014/main" id="{8562349F-AE78-4577-AEAA-7D497A43AB54}"/>
+                </a:ext>
+              </a:extLst>
+            </p:cNvPr>
+            <p:cNvSpPr txBox="1"/>
+            <p:nvPr/>
+          </p:nvSpPr>
+          <p:spPr>
+            <a:xfrm>
+              <a:off x="5500171" y="1317823"/>
+              <a:ext cx="754604" cy="523220"/>
+            </a:xfrm>
+            <a:prstGeom prst="rect">
+              <a:avLst/>
+            </a:prstGeom>
+            <a:noFill/>
+          </p:spPr>
+          <p:txBody>
+            <a:bodyPr wrap="square" rtlCol="0">
+              <a:spAutoFit/>
+            </a:bodyPr>
+            <a:lstStyle/>
+            <a:p>
+              <a:r>
+                <a:rPr lang="en-US" altLang="zh-CN" sz="2800" dirty="0"/>
+                <a:t>……</a:t>
+              </a:r>
+              <a:endParaRPr lang="zh-CN" altLang="en-US" sz="2800" dirty="0"/>
+            </a:p>
+          </p:txBody>
+        </p:sp>
+        <p:sp>
+          <p:nvSpPr>
+            <p:cNvPr id="237" name="文本框 236">
+              <a:extLst>
+                <a:ext uri="{FF2B5EF4-FFF2-40B4-BE49-F238E27FC236}">
+                  <a16:creationId xmlns:a16="http://schemas.microsoft.com/office/drawing/2014/main" id="{4AC51323-8130-4724-B757-4DD9301B6281}"/>
+                </a:ext>
+              </a:extLst>
+            </p:cNvPr>
+            <p:cNvSpPr txBox="1"/>
+            <p:nvPr/>
+          </p:nvSpPr>
+          <p:spPr>
+            <a:xfrm>
+              <a:off x="5500171" y="886020"/>
+              <a:ext cx="754604" cy="523220"/>
+            </a:xfrm>
+            <a:prstGeom prst="rect">
+              <a:avLst/>
+            </a:prstGeom>
+            <a:noFill/>
+          </p:spPr>
+          <p:txBody>
+            <a:bodyPr wrap="square" rtlCol="0">
+              <a:spAutoFit/>
+            </a:bodyPr>
+            <a:lstStyle/>
+            <a:p>
+              <a:r>
+                <a:rPr lang="en-US" altLang="zh-CN" sz="2800" dirty="0"/>
+                <a:t>……</a:t>
+              </a:r>
+              <a:endParaRPr lang="zh-CN" altLang="en-US" sz="2800" dirty="0"/>
+            </a:p>
+          </p:txBody>
+        </p:sp>
+        <p:sp>
+          <p:nvSpPr>
+            <p:cNvPr id="238" name="文本框 237">
+              <a:extLst>
+                <a:ext uri="{FF2B5EF4-FFF2-40B4-BE49-F238E27FC236}">
+                  <a16:creationId xmlns:a16="http://schemas.microsoft.com/office/drawing/2014/main" id="{9209464F-6B73-4010-ABE9-A8F5B77182B3}"/>
+                </a:ext>
+              </a:extLst>
+            </p:cNvPr>
+            <p:cNvSpPr txBox="1"/>
+            <p:nvPr/>
+          </p:nvSpPr>
+          <p:spPr>
+            <a:xfrm>
+              <a:off x="5494777" y="3645442"/>
+              <a:ext cx="754604" cy="523220"/>
+            </a:xfrm>
+            <a:prstGeom prst="rect">
+              <a:avLst/>
+            </a:prstGeom>
+            <a:noFill/>
+          </p:spPr>
+          <p:txBody>
+            <a:bodyPr wrap="square" rtlCol="0">
+              <a:spAutoFit/>
+            </a:bodyPr>
+            <a:lstStyle/>
+            <a:p>
+              <a:r>
+                <a:rPr lang="en-US" altLang="zh-CN" sz="2800" dirty="0"/>
+                <a:t>……</a:t>
+              </a:r>
+              <a:endParaRPr lang="zh-CN" altLang="en-US" sz="2800" dirty="0"/>
+            </a:p>
+          </p:txBody>
+        </p:sp>
+      </p:grpSp>
+      <p:grpSp>
+        <p:nvGrpSpPr>
+          <p:cNvPr id="257" name="组合 256">
+            <a:extLst>
+              <a:ext uri="{FF2B5EF4-FFF2-40B4-BE49-F238E27FC236}">
+                <a16:creationId xmlns:a16="http://schemas.microsoft.com/office/drawing/2014/main" id="{6DA9E33A-C92F-480B-B4CF-75449B264370}"/>
+              </a:ext>
+            </a:extLst>
+          </p:cNvPr>
+          <p:cNvGrpSpPr/>
+          <p:nvPr/>
+        </p:nvGrpSpPr>
+        <p:grpSpPr>
+          <a:xfrm>
+            <a:off x="161731" y="4191784"/>
+            <a:ext cx="6034848" cy="936016"/>
+            <a:chOff x="898226" y="4266792"/>
+            <a:chExt cx="5677944" cy="936016"/>
+          </a:xfrm>
+        </p:grpSpPr>
+        <p:grpSp>
+          <p:nvGrpSpPr>
+            <p:cNvPr id="79" name="组合 78">
+              <a:extLst>
+                <a:ext uri="{FF2B5EF4-FFF2-40B4-BE49-F238E27FC236}">
+                  <a16:creationId xmlns:a16="http://schemas.microsoft.com/office/drawing/2014/main" id="{84EDFDAB-A6E9-4C51-BF97-1D0D5934238F}"/>
+                </a:ext>
+              </a:extLst>
+            </p:cNvPr>
+            <p:cNvGrpSpPr/>
+            <p:nvPr/>
+          </p:nvGrpSpPr>
+          <p:grpSpPr>
+            <a:xfrm>
+              <a:off x="943262" y="4335195"/>
+              <a:ext cx="506237" cy="246221"/>
+              <a:chOff x="2629537" y="4982934"/>
+              <a:chExt cx="506237" cy="246221"/>
+            </a:xfrm>
+          </p:grpSpPr>
+          <p:sp>
+            <p:nvSpPr>
+              <p:cNvPr id="86" name="文本框 85">
+                <a:extLst>
+                  <a:ext uri="{FF2B5EF4-FFF2-40B4-BE49-F238E27FC236}">
+                    <a16:creationId xmlns:a16="http://schemas.microsoft.com/office/drawing/2014/main" id="{65740120-3B13-4059-8F1E-E08DC21C6F15}"/>
+                  </a:ext>
+                </a:extLst>
+              </p:cNvPr>
+              <p:cNvSpPr txBox="1"/>
+              <p:nvPr/>
+            </p:nvSpPr>
+            <p:spPr>
+              <a:xfrm>
+                <a:off x="2629537" y="4982934"/>
+                <a:ext cx="506237" cy="246221"/>
+              </a:xfrm>
+              <a:prstGeom prst="rect">
+                <a:avLst/>
+              </a:prstGeom>
+              <a:noFill/>
+            </p:spPr>
+            <p:txBody>
+              <a:bodyPr wrap="square" rtlCol="0">
+                <a:spAutoFit/>
+              </a:bodyPr>
+              <a:lstStyle/>
+              <a:p>
+                <a:r>
+                  <a:rPr lang="en-US" altLang="zh-CN" sz="1000" b="1" dirty="0" err="1"/>
+                  <a:t>ReLU</a:t>
+                </a:r>
+                <a:endParaRPr lang="zh-CN" altLang="en-US" sz="1000" b="1" dirty="0"/>
+              </a:p>
+            </p:txBody>
+          </p:sp>
+          <p:sp>
+            <p:nvSpPr>
+              <p:cNvPr id="87" name="矩形 86">
+                <a:extLst>
+                  <a:ext uri="{FF2B5EF4-FFF2-40B4-BE49-F238E27FC236}">
+                    <a16:creationId xmlns:a16="http://schemas.microsoft.com/office/drawing/2014/main" id="{7C63524A-395C-43B9-86EC-6CE103A2A3F1}"/>
+                  </a:ext>
+                </a:extLst>
+              </p:cNvPr>
+              <p:cNvSpPr/>
+              <p:nvPr/>
+            </p:nvSpPr>
+            <p:spPr>
+              <a:xfrm>
+                <a:off x="2629726" y="5010842"/>
+                <a:ext cx="45719" cy="206029"/>
+              </a:xfrm>
+              <a:prstGeom prst="rect">
+                <a:avLst/>
+              </a:prstGeom>
+              <a:ln>
+                <a:noFill/>
+              </a:ln>
+            </p:spPr>
+            <p:style>
+              <a:lnRef idx="2">
+                <a:schemeClr val="accent4">
+                  <a:shade val="50000"/>
+                </a:schemeClr>
+              </a:lnRef>
+              <a:fillRef idx="1">
+                <a:schemeClr val="accent4"/>
+              </a:fillRef>
+              <a:effectRef idx="0">
+                <a:schemeClr val="accent4"/>
+              </a:effectRef>
+              <a:fontRef idx="minor">
+                <a:schemeClr val="lt1"/>
+              </a:fontRef>
+            </p:style>
+            <p:txBody>
+              <a:bodyPr rtlCol="0" anchor="ctr"/>
+              <a:lstStyle/>
+              <a:p>
+                <a:pPr algn="ctr"/>
+                <a:endParaRPr lang="zh-CN" altLang="en-US" sz="1100" b="1"/>
+              </a:p>
+            </p:txBody>
+          </p:sp>
+        </p:grpSp>
+        <p:grpSp>
+          <p:nvGrpSpPr>
+            <p:cNvPr id="80" name="组合 79">
+              <a:extLst>
+                <a:ext uri="{FF2B5EF4-FFF2-40B4-BE49-F238E27FC236}">
+                  <a16:creationId xmlns:a16="http://schemas.microsoft.com/office/drawing/2014/main" id="{43738E64-A53C-4D43-AAD1-BE0C57BECAE4}"/>
+                </a:ext>
+              </a:extLst>
+            </p:cNvPr>
+            <p:cNvGrpSpPr/>
+            <p:nvPr/>
+          </p:nvGrpSpPr>
+          <p:grpSpPr>
+            <a:xfrm>
+              <a:off x="1388822" y="4266792"/>
+              <a:ext cx="1454968" cy="400110"/>
+              <a:chOff x="2431649" y="4719529"/>
+              <a:chExt cx="1454968" cy="400110"/>
+            </a:xfrm>
+          </p:grpSpPr>
+          <p:sp>
+            <p:nvSpPr>
+              <p:cNvPr id="84" name="流程图: 或者 83">
+                <a:extLst>
+                  <a:ext uri="{FF2B5EF4-FFF2-40B4-BE49-F238E27FC236}">
+                    <a16:creationId xmlns:a16="http://schemas.microsoft.com/office/drawing/2014/main" id="{416F9463-98EC-4AD2-8E20-B37241E326DC}"/>
+                  </a:ext>
+                </a:extLst>
+              </p:cNvPr>
+              <p:cNvSpPr/>
+              <p:nvPr/>
+            </p:nvSpPr>
+            <p:spPr>
+              <a:xfrm>
+                <a:off x="2431649" y="4823901"/>
+                <a:ext cx="187672" cy="187672"/>
+              </a:xfrm>
+              <a:prstGeom prst="flowChartOr">
+                <a:avLst/>
+              </a:prstGeom>
+              <a:solidFill>
+                <a:schemeClr val="bg1"/>
+              </a:solidFill>
+              <a:ln w="28575">
+                <a:solidFill>
+                  <a:schemeClr val="accent5"/>
+                </a:solidFill>
+              </a:ln>
+            </p:spPr>
+            <p:style>
+              <a:lnRef idx="2">
+                <a:schemeClr val="accent1">
+                  <a:shade val="50000"/>
+                </a:schemeClr>
+              </a:lnRef>
+              <a:fillRef idx="1">
+                <a:schemeClr val="accent1"/>
+              </a:fillRef>
+              <a:effectRef idx="0">
+                <a:schemeClr val="accent1"/>
+              </a:effectRef>
+              <a:fontRef idx="minor">
+                <a:schemeClr val="lt1"/>
+              </a:fontRef>
+            </p:style>
+            <p:txBody>
+              <a:bodyPr rtlCol="0" anchor="ctr"/>
+              <a:lstStyle/>
+              <a:p>
+                <a:pPr algn="ctr"/>
+                <a:endParaRPr lang="zh-CN" altLang="en-US" sz="1100" b="1"/>
+              </a:p>
+            </p:txBody>
+          </p:sp>
+          <p:sp>
+            <p:nvSpPr>
+              <p:cNvPr id="85" name="文本框 84">
+                <a:extLst>
+                  <a:ext uri="{FF2B5EF4-FFF2-40B4-BE49-F238E27FC236}">
+                    <a16:creationId xmlns:a16="http://schemas.microsoft.com/office/drawing/2014/main" id="{A80D7CE4-6CCC-4363-9C52-41A664CFDABE}"/>
+                  </a:ext>
+                </a:extLst>
+              </p:cNvPr>
+              <p:cNvSpPr txBox="1"/>
+              <p:nvPr/>
+            </p:nvSpPr>
+            <p:spPr>
+              <a:xfrm>
+                <a:off x="2619321" y="4719529"/>
+                <a:ext cx="1267296" cy="400110"/>
+              </a:xfrm>
+              <a:prstGeom prst="rect">
+                <a:avLst/>
+              </a:prstGeom>
+              <a:noFill/>
+            </p:spPr>
+            <p:txBody>
+              <a:bodyPr wrap="square" rtlCol="0">
+                <a:spAutoFit/>
+              </a:bodyPr>
+              <a:lstStyle/>
+              <a:p>
+                <a:r>
+                  <a:rPr lang="en-US" altLang="zh-CN" sz="1000" b="1" dirty="0"/>
+                  <a:t>Element-wise addition</a:t>
+                </a:r>
+                <a:endParaRPr lang="zh-CN" altLang="en-US" sz="1000" b="1" dirty="0"/>
+              </a:p>
+            </p:txBody>
+          </p:sp>
+        </p:grpSp>
+        <p:grpSp>
+          <p:nvGrpSpPr>
+            <p:cNvPr id="81" name="组合 80">
+              <a:extLst>
+                <a:ext uri="{FF2B5EF4-FFF2-40B4-BE49-F238E27FC236}">
+                  <a16:creationId xmlns:a16="http://schemas.microsoft.com/office/drawing/2014/main" id="{D8FA80E5-6737-499A-854E-3120B33C9A0A}"/>
+                </a:ext>
+              </a:extLst>
+            </p:cNvPr>
+            <p:cNvGrpSpPr/>
+            <p:nvPr/>
+          </p:nvGrpSpPr>
+          <p:grpSpPr>
+            <a:xfrm>
+              <a:off x="2434601" y="4330679"/>
+              <a:ext cx="1514568" cy="251913"/>
+              <a:chOff x="2486016" y="5909195"/>
+              <a:chExt cx="1514568" cy="251913"/>
+            </a:xfrm>
+          </p:grpSpPr>
+          <p:sp>
+            <p:nvSpPr>
+              <p:cNvPr id="82" name="矩形 81">
+                <a:extLst>
+                  <a:ext uri="{FF2B5EF4-FFF2-40B4-BE49-F238E27FC236}">
+                    <a16:creationId xmlns:a16="http://schemas.microsoft.com/office/drawing/2014/main" id="{04177C71-EA17-4CEA-B833-417D0E2E349A}"/>
+                  </a:ext>
+                </a:extLst>
+              </p:cNvPr>
+              <p:cNvSpPr/>
+              <p:nvPr/>
+            </p:nvSpPr>
+            <p:spPr>
+              <a:xfrm>
+                <a:off x="2486016" y="5912535"/>
+                <a:ext cx="411706" cy="248573"/>
+              </a:xfrm>
+              <a:prstGeom prst="rect">
+                <a:avLst/>
+              </a:prstGeom>
+              <a:ln/>
+            </p:spPr>
+            <p:style>
+              <a:lnRef idx="3">
+                <a:schemeClr val="lt1"/>
+              </a:lnRef>
+              <a:fillRef idx="1">
+                <a:schemeClr val="accent5"/>
+              </a:fillRef>
+              <a:effectRef idx="1">
+                <a:schemeClr val="accent5"/>
+              </a:effectRef>
+              <a:fontRef idx="minor">
+                <a:schemeClr val="lt1"/>
+              </a:fontRef>
+            </p:style>
+            <p:txBody>
+              <a:bodyPr rtlCol="0" anchor="ctr"/>
+              <a:lstStyle/>
+              <a:p>
+                <a:pPr algn="ctr"/>
+                <a:r>
+                  <a:rPr lang="en-US" altLang="zh-CN" sz="800" b="1" dirty="0"/>
+                  <a:t>Conv</a:t>
+                </a:r>
+                <a:endParaRPr lang="zh-CN" altLang="en-US" sz="400" b="1" dirty="0"/>
+              </a:p>
+            </p:txBody>
+          </p:sp>
+          <p:sp>
+            <p:nvSpPr>
+              <p:cNvPr id="83" name="文本框 82">
+                <a:extLst>
+                  <a:ext uri="{FF2B5EF4-FFF2-40B4-BE49-F238E27FC236}">
+                    <a16:creationId xmlns:a16="http://schemas.microsoft.com/office/drawing/2014/main" id="{A8128827-DA92-4E50-B7BE-25A1C977FB6A}"/>
+                  </a:ext>
+                </a:extLst>
+              </p:cNvPr>
+              <p:cNvSpPr txBox="1"/>
+              <p:nvPr/>
+            </p:nvSpPr>
+            <p:spPr>
+              <a:xfrm>
+                <a:off x="2846255" y="5909195"/>
+                <a:ext cx="1154329" cy="246221"/>
+              </a:xfrm>
+              <a:prstGeom prst="rect">
+                <a:avLst/>
+              </a:prstGeom>
+              <a:noFill/>
+            </p:spPr>
+            <p:txBody>
+              <a:bodyPr wrap="square" rtlCol="0">
+                <a:spAutoFit/>
+              </a:bodyPr>
+              <a:lstStyle/>
+              <a:p>
+                <a:r>
+                  <a:rPr lang="en-US" altLang="zh-CN" sz="1000" b="1" dirty="0"/>
+                  <a:t>Convolution</a:t>
+                </a:r>
+                <a:endParaRPr lang="zh-CN" altLang="en-US" sz="1000" b="1" dirty="0"/>
+              </a:p>
+            </p:txBody>
+          </p:sp>
+        </p:grpSp>
+        <p:grpSp>
+          <p:nvGrpSpPr>
+            <p:cNvPr id="95" name="组合 94">
+              <a:extLst>
+                <a:ext uri="{FF2B5EF4-FFF2-40B4-BE49-F238E27FC236}">
+                  <a16:creationId xmlns:a16="http://schemas.microsoft.com/office/drawing/2014/main" id="{F091A25E-B296-43DA-97A0-6EB645A2B618}"/>
+                </a:ext>
+              </a:extLst>
+            </p:cNvPr>
+            <p:cNvGrpSpPr/>
+            <p:nvPr/>
+          </p:nvGrpSpPr>
+          <p:grpSpPr>
+            <a:xfrm>
+              <a:off x="898226" y="4648810"/>
+              <a:ext cx="1567755" cy="553998"/>
+              <a:chOff x="820184" y="5621159"/>
+              <a:chExt cx="1567755" cy="553998"/>
+            </a:xfrm>
+          </p:grpSpPr>
+          <p:sp>
+            <p:nvSpPr>
+              <p:cNvPr id="91" name="矩形 90">
+                <a:extLst>
+                  <a:ext uri="{FF2B5EF4-FFF2-40B4-BE49-F238E27FC236}">
+                    <a16:creationId xmlns:a16="http://schemas.microsoft.com/office/drawing/2014/main" id="{F752DE45-707B-4D0C-AF2A-CE21B507BFE8}"/>
+                  </a:ext>
+                </a:extLst>
+              </p:cNvPr>
+              <p:cNvSpPr/>
+              <p:nvPr/>
+            </p:nvSpPr>
+            <p:spPr>
+              <a:xfrm>
+                <a:off x="820184" y="5718199"/>
+                <a:ext cx="447947" cy="206029"/>
+              </a:xfrm>
+              <a:prstGeom prst="rect">
+                <a:avLst/>
+              </a:prstGeom>
+              <a:solidFill>
+                <a:schemeClr val="accent6">
+                  <a:lumMod val="60000"/>
+                  <a:lumOff val="40000"/>
+                </a:schemeClr>
+              </a:solidFill>
+              <a:ln>
+                <a:noFill/>
+              </a:ln>
+            </p:spPr>
+            <p:style>
+              <a:lnRef idx="2">
+                <a:schemeClr val="accent4">
+                  <a:shade val="50000"/>
+                </a:schemeClr>
+              </a:lnRef>
+              <a:fillRef idx="1">
+                <a:schemeClr val="accent4"/>
+              </a:fillRef>
+              <a:effectRef idx="0">
+                <a:schemeClr val="accent4"/>
+              </a:effectRef>
+              <a:fontRef idx="minor">
+                <a:schemeClr val="lt1"/>
+              </a:fontRef>
+            </p:style>
+            <p:txBody>
+              <a:bodyPr rtlCol="0" anchor="ctr"/>
+              <a:lstStyle/>
+              <a:p>
+                <a:pPr algn="ctr"/>
+                <a:r>
+                  <a:rPr lang="en-US" altLang="zh-CN" sz="1100" b="1" dirty="0"/>
+                  <a:t>T</a:t>
+                </a:r>
+                <a:endParaRPr lang="zh-CN" altLang="en-US" sz="1100" b="1" dirty="0"/>
+              </a:p>
+            </p:txBody>
+          </p:sp>
+          <p:sp>
+            <p:nvSpPr>
+              <p:cNvPr id="92" name="文本框 91">
+                <a:extLst>
+                  <a:ext uri="{FF2B5EF4-FFF2-40B4-BE49-F238E27FC236}">
+                    <a16:creationId xmlns:a16="http://schemas.microsoft.com/office/drawing/2014/main" id="{97058A70-134C-45A4-B5D6-0AF7B4416F86}"/>
+                  </a:ext>
+                </a:extLst>
+              </p:cNvPr>
+              <p:cNvSpPr txBox="1"/>
+              <p:nvPr/>
+            </p:nvSpPr>
+            <p:spPr>
+              <a:xfrm>
+                <a:off x="1223650" y="5621159"/>
+                <a:ext cx="1164289" cy="553998"/>
+              </a:xfrm>
+              <a:prstGeom prst="rect">
+                <a:avLst/>
+              </a:prstGeom>
+              <a:noFill/>
+            </p:spPr>
+            <p:txBody>
+              <a:bodyPr wrap="square" rtlCol="0">
+                <a:spAutoFit/>
+              </a:bodyPr>
+              <a:lstStyle/>
+              <a:p>
+                <a:r>
+                  <a:rPr lang="en-US" altLang="zh-CN" sz="1000" b="1" dirty="0"/>
+                  <a:t>Sampled Teacher Feature Map</a:t>
+                </a:r>
+                <a:endParaRPr lang="zh-CN" altLang="en-US" sz="1000" b="1" dirty="0"/>
+              </a:p>
+            </p:txBody>
+          </p:sp>
+        </p:grpSp>
+        <p:grpSp>
+          <p:nvGrpSpPr>
+            <p:cNvPr id="96" name="组合 95">
+              <a:extLst>
+                <a:ext uri="{FF2B5EF4-FFF2-40B4-BE49-F238E27FC236}">
+                  <a16:creationId xmlns:a16="http://schemas.microsoft.com/office/drawing/2014/main" id="{545C7E19-E5FA-41F1-BEDA-F8774DA3D218}"/>
+                </a:ext>
+              </a:extLst>
+            </p:cNvPr>
+            <p:cNvGrpSpPr/>
+            <p:nvPr/>
+          </p:nvGrpSpPr>
+          <p:grpSpPr>
+            <a:xfrm>
+              <a:off x="2363709" y="4648809"/>
+              <a:ext cx="1455290" cy="553998"/>
+              <a:chOff x="813945" y="5621159"/>
+              <a:chExt cx="1455290" cy="553998"/>
+            </a:xfrm>
+          </p:grpSpPr>
+          <p:sp>
+            <p:nvSpPr>
+              <p:cNvPr id="97" name="矩形 96">
+                <a:extLst>
+                  <a:ext uri="{FF2B5EF4-FFF2-40B4-BE49-F238E27FC236}">
+                    <a16:creationId xmlns:a16="http://schemas.microsoft.com/office/drawing/2014/main" id="{0ED5C5FA-3FE7-4148-8B22-D79FB1668DAF}"/>
+                  </a:ext>
+                </a:extLst>
+              </p:cNvPr>
+              <p:cNvSpPr/>
+              <p:nvPr/>
+            </p:nvSpPr>
+            <p:spPr>
+              <a:xfrm>
+                <a:off x="813945" y="5717790"/>
+                <a:ext cx="447947" cy="206030"/>
+              </a:xfrm>
+              <a:prstGeom prst="rect">
+                <a:avLst/>
+              </a:prstGeom>
+              <a:solidFill>
+                <a:schemeClr val="accent6">
+                  <a:lumMod val="60000"/>
+                  <a:lumOff val="40000"/>
+                </a:schemeClr>
+              </a:solidFill>
+              <a:ln>
+                <a:noFill/>
+              </a:ln>
+            </p:spPr>
+            <p:style>
+              <a:lnRef idx="2">
+                <a:schemeClr val="accent4">
+                  <a:shade val="50000"/>
+                </a:schemeClr>
+              </a:lnRef>
+              <a:fillRef idx="1">
+                <a:schemeClr val="accent4"/>
+              </a:fillRef>
+              <a:effectRef idx="0">
+                <a:schemeClr val="accent4"/>
+              </a:effectRef>
+              <a:fontRef idx="minor">
+                <a:schemeClr val="lt1"/>
+              </a:fontRef>
+            </p:style>
+            <p:txBody>
+              <a:bodyPr rtlCol="0" anchor="ctr"/>
+              <a:lstStyle/>
+              <a:p>
+                <a:pPr algn="ctr"/>
+                <a:r>
+                  <a:rPr lang="en-US" altLang="zh-CN" sz="1100" b="1" dirty="0"/>
+                  <a:t>S</a:t>
+                </a:r>
+                <a:endParaRPr lang="zh-CN" altLang="en-US" sz="1100" b="1" dirty="0"/>
+              </a:p>
+            </p:txBody>
+          </p:sp>
+          <p:sp>
+            <p:nvSpPr>
+              <p:cNvPr id="98" name="文本框 97">
+                <a:extLst>
+                  <a:ext uri="{FF2B5EF4-FFF2-40B4-BE49-F238E27FC236}">
+                    <a16:creationId xmlns:a16="http://schemas.microsoft.com/office/drawing/2014/main" id="{C7C5DB00-A11E-448C-80FC-993DBF0724ED}"/>
+                  </a:ext>
+                </a:extLst>
+              </p:cNvPr>
+              <p:cNvSpPr txBox="1"/>
+              <p:nvPr/>
+            </p:nvSpPr>
+            <p:spPr>
+              <a:xfrm>
+                <a:off x="1223650" y="5621159"/>
+                <a:ext cx="1045585" cy="553998"/>
+              </a:xfrm>
+              <a:prstGeom prst="rect">
+                <a:avLst/>
+              </a:prstGeom>
+              <a:noFill/>
+            </p:spPr>
+            <p:txBody>
+              <a:bodyPr wrap="square" rtlCol="0">
+                <a:spAutoFit/>
+              </a:bodyPr>
+              <a:lstStyle/>
+              <a:p>
+                <a:r>
+                  <a:rPr lang="en-US" altLang="zh-CN" sz="1000" b="1" dirty="0"/>
+                  <a:t>Pseudo Student</a:t>
+                </a:r>
+              </a:p>
+              <a:p>
+                <a:r>
+                  <a:rPr lang="en-US" altLang="zh-CN" sz="1000" b="1" dirty="0"/>
+                  <a:t>Feature Map</a:t>
+                </a:r>
+                <a:endParaRPr lang="zh-CN" altLang="en-US" sz="1000" b="1" dirty="0"/>
+              </a:p>
+            </p:txBody>
+          </p:sp>
+        </p:grpSp>
+        <p:grpSp>
+          <p:nvGrpSpPr>
+            <p:cNvPr id="118" name="组合 117">
+              <a:extLst>
+                <a:ext uri="{FF2B5EF4-FFF2-40B4-BE49-F238E27FC236}">
+                  <a16:creationId xmlns:a16="http://schemas.microsoft.com/office/drawing/2014/main" id="{079C1C02-0251-4C8A-AF3B-087AE02DE83C}"/>
+                </a:ext>
+              </a:extLst>
+            </p:cNvPr>
+            <p:cNvGrpSpPr/>
+            <p:nvPr/>
+          </p:nvGrpSpPr>
+          <p:grpSpPr>
+            <a:xfrm>
+              <a:off x="3878595" y="4710612"/>
+              <a:ext cx="1089045" cy="258203"/>
+              <a:chOff x="4828311" y="5157654"/>
+              <a:chExt cx="1089045" cy="456995"/>
+            </a:xfrm>
+          </p:grpSpPr>
+          <p:sp>
+            <p:nvSpPr>
+              <p:cNvPr id="120" name="文本框 119">
+                <a:extLst>
+                  <a:ext uri="{FF2B5EF4-FFF2-40B4-BE49-F238E27FC236}">
+                    <a16:creationId xmlns:a16="http://schemas.microsoft.com/office/drawing/2014/main" id="{FAC2A6E7-F89D-4103-B0B7-0B1CE11D24AD}"/>
+                  </a:ext>
+                </a:extLst>
+              </p:cNvPr>
+              <p:cNvSpPr txBox="1"/>
+              <p:nvPr/>
+            </p:nvSpPr>
+            <p:spPr>
+              <a:xfrm>
+                <a:off x="4828311" y="5157654"/>
+                <a:ext cx="1089045" cy="435788"/>
+              </a:xfrm>
+              <a:prstGeom prst="rect">
+                <a:avLst/>
+              </a:prstGeom>
+              <a:noFill/>
+            </p:spPr>
+            <p:txBody>
+              <a:bodyPr wrap="square" rtlCol="0">
+                <a:spAutoFit/>
+              </a:bodyPr>
+              <a:lstStyle/>
+              <a:p>
+                <a:r>
+                  <a:rPr lang="en-US" altLang="zh-CN" sz="1000" b="1" dirty="0"/>
+                  <a:t>Decompose</a:t>
+                </a:r>
+                <a:endParaRPr lang="zh-CN" altLang="en-US" sz="1000" b="1" dirty="0"/>
+              </a:p>
+            </p:txBody>
+          </p:sp>
+          <p:cxnSp>
+            <p:nvCxnSpPr>
+              <p:cNvPr id="119" name="直接箭头连接符 118">
+                <a:extLst>
+                  <a:ext uri="{FF2B5EF4-FFF2-40B4-BE49-F238E27FC236}">
+                    <a16:creationId xmlns:a16="http://schemas.microsoft.com/office/drawing/2014/main" id="{76EFC7A4-5717-4998-8F4F-F3D0DBE725F2}"/>
+                  </a:ext>
+                </a:extLst>
+              </p:cNvPr>
+              <p:cNvCxnSpPr/>
+              <p:nvPr/>
+            </p:nvCxnSpPr>
+            <p:spPr>
+              <a:xfrm>
+                <a:off x="4841889" y="5178861"/>
+                <a:ext cx="2" cy="435788"/>
+              </a:xfrm>
+              <a:prstGeom prst="straightConnector1">
+                <a:avLst/>
+              </a:prstGeom>
+              <a:ln w="38100">
+                <a:tailEnd type="triangle"/>
+              </a:ln>
+            </p:spPr>
+            <p:style>
+              <a:lnRef idx="3">
+                <a:schemeClr val="accent2"/>
+              </a:lnRef>
+              <a:fillRef idx="0">
+                <a:schemeClr val="accent2"/>
+              </a:fillRef>
+              <a:effectRef idx="2">
+                <a:schemeClr val="accent2"/>
+              </a:effectRef>
+              <a:fontRef idx="minor">
+                <a:schemeClr val="tx1"/>
+              </a:fontRef>
+            </p:style>
+          </p:cxnSp>
+        </p:grpSp>
+        <p:grpSp>
+          <p:nvGrpSpPr>
+            <p:cNvPr id="233" name="组合 232">
+              <a:extLst>
+                <a:ext uri="{FF2B5EF4-FFF2-40B4-BE49-F238E27FC236}">
+                  <a16:creationId xmlns:a16="http://schemas.microsoft.com/office/drawing/2014/main" id="{519AFC1A-3EAC-4C08-96E9-DBB3D7AF2497}"/>
+                </a:ext>
+              </a:extLst>
+            </p:cNvPr>
+            <p:cNvGrpSpPr/>
+            <p:nvPr/>
+          </p:nvGrpSpPr>
+          <p:grpSpPr>
+            <a:xfrm>
+              <a:off x="3570426" y="4345312"/>
+              <a:ext cx="1204375" cy="246221"/>
+              <a:chOff x="5995500" y="5247868"/>
+              <a:chExt cx="1204375" cy="246221"/>
+            </a:xfrm>
+          </p:grpSpPr>
+          <p:sp>
+            <p:nvSpPr>
+              <p:cNvPr id="130" name="流程图: 手动操作 129">
+                <a:extLst>
+                  <a:ext uri="{FF2B5EF4-FFF2-40B4-BE49-F238E27FC236}">
+                    <a16:creationId xmlns:a16="http://schemas.microsoft.com/office/drawing/2014/main" id="{AE04C5BF-99B7-47CB-BE51-EDA52FF87EEA}"/>
+                  </a:ext>
+                </a:extLst>
+              </p:cNvPr>
+              <p:cNvSpPr/>
+              <p:nvPr/>
+            </p:nvSpPr>
+            <p:spPr>
+              <a:xfrm>
+                <a:off x="5995500" y="5247922"/>
+                <a:ext cx="375697" cy="215346"/>
+              </a:xfrm>
+              <a:prstGeom prst="flowChartManualOperation">
+                <a:avLst/>
+              </a:prstGeom>
+              <a:ln/>
+            </p:spPr>
+            <p:style>
+              <a:lnRef idx="3">
+                <a:schemeClr val="lt1"/>
+              </a:lnRef>
+              <a:fillRef idx="1">
+                <a:schemeClr val="accent5"/>
+              </a:fillRef>
+              <a:effectRef idx="1">
+                <a:schemeClr val="accent5"/>
+              </a:effectRef>
+              <a:fontRef idx="minor">
+                <a:schemeClr val="lt1"/>
+              </a:fontRef>
+            </p:style>
+            <p:txBody>
+              <a:bodyPr rtlCol="0" anchor="ctr"/>
+              <a:lstStyle/>
+              <a:p>
+                <a:pPr algn="ctr"/>
+                <a:r>
+                  <a:rPr lang="en-US" altLang="zh-CN" sz="800" b="1" dirty="0"/>
+                  <a:t>M</a:t>
+                </a:r>
+                <a:endParaRPr lang="zh-CN" altLang="en-US" sz="800" b="1" dirty="0"/>
+              </a:p>
+            </p:txBody>
+          </p:sp>
+          <p:sp>
+            <p:nvSpPr>
+              <p:cNvPr id="131" name="文本框 130">
+                <a:extLst>
+                  <a:ext uri="{FF2B5EF4-FFF2-40B4-BE49-F238E27FC236}">
+                    <a16:creationId xmlns:a16="http://schemas.microsoft.com/office/drawing/2014/main" id="{FEB9F8E7-EC9E-4F29-86E5-CDB51F5D3C8F}"/>
+                  </a:ext>
+                </a:extLst>
+              </p:cNvPr>
+              <p:cNvSpPr txBox="1"/>
+              <p:nvPr/>
+            </p:nvSpPr>
+            <p:spPr>
+              <a:xfrm>
+                <a:off x="6276402" y="5247868"/>
+                <a:ext cx="923473" cy="246221"/>
+              </a:xfrm>
+              <a:prstGeom prst="rect">
+                <a:avLst/>
+              </a:prstGeom>
+              <a:noFill/>
+            </p:spPr>
+            <p:txBody>
+              <a:bodyPr wrap="square" rtlCol="0">
+                <a:spAutoFit/>
+              </a:bodyPr>
+              <a:lstStyle/>
+              <a:p>
+                <a:r>
+                  <a:rPr lang="en-US" altLang="zh-CN" sz="1000" b="1" dirty="0"/>
+                  <a:t>Convolution</a:t>
+                </a:r>
+                <a:endParaRPr lang="zh-CN" altLang="en-US" sz="1000" b="1" dirty="0"/>
+              </a:p>
+            </p:txBody>
+          </p:sp>
+        </p:grpSp>
+        <p:grpSp>
+          <p:nvGrpSpPr>
+            <p:cNvPr id="232" name="组合 231">
+              <a:extLst>
+                <a:ext uri="{FF2B5EF4-FFF2-40B4-BE49-F238E27FC236}">
+                  <a16:creationId xmlns:a16="http://schemas.microsoft.com/office/drawing/2014/main" id="{8278CC14-C8D6-4D84-813F-4FF9BD2EEED3}"/>
+                </a:ext>
+              </a:extLst>
+            </p:cNvPr>
+            <p:cNvGrpSpPr/>
+            <p:nvPr/>
+          </p:nvGrpSpPr>
+          <p:grpSpPr>
+            <a:xfrm>
+              <a:off x="4641818" y="4289028"/>
+              <a:ext cx="1021866" cy="446277"/>
+              <a:chOff x="5034230" y="4616636"/>
+              <a:chExt cx="1021866" cy="446277"/>
+            </a:xfrm>
+          </p:grpSpPr>
+          <p:sp>
+            <p:nvSpPr>
+              <p:cNvPr id="230" name="文本框 229">
+                <a:extLst>
+                  <a:ext uri="{FF2B5EF4-FFF2-40B4-BE49-F238E27FC236}">
+                    <a16:creationId xmlns:a16="http://schemas.microsoft.com/office/drawing/2014/main" id="{619AE362-20C5-42F5-A962-5F73FA0530D5}"/>
+                  </a:ext>
+                </a:extLst>
+              </p:cNvPr>
+              <p:cNvSpPr txBox="1"/>
+              <p:nvPr/>
+            </p:nvSpPr>
+            <p:spPr>
+              <a:xfrm>
+                <a:off x="5034230" y="4616636"/>
+                <a:ext cx="391454" cy="338554"/>
+              </a:xfrm>
+              <a:prstGeom prst="rect">
+                <a:avLst/>
+              </a:prstGeom>
+              <a:noFill/>
+            </p:spPr>
+            <p:txBody>
+              <a:bodyPr wrap="none" rtlCol="0">
+                <a:spAutoFit/>
+              </a:bodyPr>
+              <a:lstStyle/>
+              <a:p>
+                <a:r>
+                  <a:rPr lang="zh-CN" altLang="en-US" sz="1600" b="1" dirty="0">
+                    <a:solidFill>
+                      <a:srgbClr val="FF6600"/>
+                    </a:solidFill>
+                    <a:latin typeface="5FAE8F6F96C59ED1"/>
+                  </a:rPr>
+                  <a:t>Ⓐ</a:t>
+                </a:r>
+              </a:p>
+            </p:txBody>
+          </p:sp>
+          <p:sp>
+            <p:nvSpPr>
+              <p:cNvPr id="231" name="文本框 230">
+                <a:extLst>
+                  <a:ext uri="{FF2B5EF4-FFF2-40B4-BE49-F238E27FC236}">
+                    <a16:creationId xmlns:a16="http://schemas.microsoft.com/office/drawing/2014/main" id="{36252554-0D21-4E40-A099-B96900154641}"/>
+                  </a:ext>
+                </a:extLst>
+              </p:cNvPr>
+              <p:cNvSpPr txBox="1"/>
+              <p:nvPr/>
+            </p:nvSpPr>
+            <p:spPr>
+              <a:xfrm>
+                <a:off x="5301492" y="4662803"/>
+                <a:ext cx="754604" cy="400110"/>
+              </a:xfrm>
+              <a:prstGeom prst="rect">
+                <a:avLst/>
+              </a:prstGeom>
+              <a:noFill/>
+            </p:spPr>
+            <p:txBody>
+              <a:bodyPr wrap="square" rtlCol="0">
+                <a:spAutoFit/>
+              </a:bodyPr>
+              <a:lstStyle/>
+              <a:p>
+                <a:r>
+                  <a:rPr lang="en-US" altLang="zh-CN" sz="1000" b="1" dirty="0"/>
+                  <a:t>Algorithm</a:t>
+                </a:r>
+                <a:endParaRPr lang="zh-CN" altLang="en-US" sz="1000" b="1" dirty="0"/>
+              </a:p>
+            </p:txBody>
+          </p:sp>
+        </p:grpSp>
+        <p:grpSp>
+          <p:nvGrpSpPr>
+            <p:cNvPr id="249" name="组合 248">
+              <a:extLst>
+                <a:ext uri="{FF2B5EF4-FFF2-40B4-BE49-F238E27FC236}">
+                  <a16:creationId xmlns:a16="http://schemas.microsoft.com/office/drawing/2014/main" id="{4815D590-0D30-4A66-94B1-46DD58206632}"/>
+                </a:ext>
+              </a:extLst>
+            </p:cNvPr>
+            <p:cNvGrpSpPr/>
+            <p:nvPr/>
+          </p:nvGrpSpPr>
+          <p:grpSpPr>
+            <a:xfrm>
+              <a:off x="5487128" y="4297570"/>
+              <a:ext cx="1089042" cy="584775"/>
+              <a:chOff x="5907575" y="5664875"/>
+              <a:chExt cx="1052299" cy="584775"/>
+            </a:xfrm>
+          </p:grpSpPr>
+          <p:sp>
+            <p:nvSpPr>
+              <p:cNvPr id="145" name="文本框 144">
+                <a:extLst>
+                  <a:ext uri="{FF2B5EF4-FFF2-40B4-BE49-F238E27FC236}">
+                    <a16:creationId xmlns:a16="http://schemas.microsoft.com/office/drawing/2014/main" id="{26F3FD21-2E26-4DC1-A7D0-07E2BD408405}"/>
+                  </a:ext>
+                </a:extLst>
+              </p:cNvPr>
+              <p:cNvSpPr txBox="1"/>
+              <p:nvPr/>
+            </p:nvSpPr>
+            <p:spPr>
+              <a:xfrm>
+                <a:off x="6253328" y="5712617"/>
+                <a:ext cx="706546" cy="246221"/>
+              </a:xfrm>
+              <a:prstGeom prst="rect">
+                <a:avLst/>
+              </a:prstGeom>
+              <a:noFill/>
+            </p:spPr>
+            <p:txBody>
+              <a:bodyPr wrap="square" rtlCol="0">
+                <a:spAutoFit/>
+              </a:bodyPr>
+              <a:lstStyle/>
+              <a:p>
+                <a:r>
+                  <a:rPr lang="en-US" altLang="zh-CN" sz="1000" b="1" dirty="0"/>
+                  <a:t>Ellipsis</a:t>
+                </a:r>
+                <a:endParaRPr lang="zh-CN" altLang="en-US" sz="1000" b="1" dirty="0"/>
+              </a:p>
+            </p:txBody>
+          </p:sp>
+          <p:sp>
+            <p:nvSpPr>
+              <p:cNvPr id="248" name="文本框 247">
+                <a:extLst>
+                  <a:ext uri="{FF2B5EF4-FFF2-40B4-BE49-F238E27FC236}">
+                    <a16:creationId xmlns:a16="http://schemas.microsoft.com/office/drawing/2014/main" id="{A93E1F8A-E473-4004-9C07-06CCF4A6D9F5}"/>
+                  </a:ext>
+                </a:extLst>
+              </p:cNvPr>
+              <p:cNvSpPr txBox="1"/>
+              <p:nvPr/>
+            </p:nvSpPr>
+            <p:spPr>
+              <a:xfrm>
+                <a:off x="5907575" y="5664875"/>
+                <a:ext cx="476393" cy="584775"/>
+              </a:xfrm>
+              <a:prstGeom prst="rect">
+                <a:avLst/>
+              </a:prstGeom>
+              <a:noFill/>
+            </p:spPr>
+            <p:txBody>
+              <a:bodyPr wrap="square" rtlCol="0">
+                <a:spAutoFit/>
+              </a:bodyPr>
+              <a:lstStyle/>
+              <a:p>
+                <a:r>
+                  <a:rPr lang="en-US" altLang="zh-CN" sz="1600" b="1" dirty="0"/>
+                  <a:t>……</a:t>
+                </a:r>
+                <a:endParaRPr lang="zh-CN" altLang="en-US" sz="1600" b="1" dirty="0"/>
+              </a:p>
+            </p:txBody>
+          </p:sp>
+        </p:grpSp>
+        <p:grpSp>
+          <p:nvGrpSpPr>
+            <p:cNvPr id="251" name="组合 250">
+              <a:extLst>
+                <a:ext uri="{FF2B5EF4-FFF2-40B4-BE49-F238E27FC236}">
+                  <a16:creationId xmlns:a16="http://schemas.microsoft.com/office/drawing/2014/main" id="{D448F3CE-2677-4436-BF1C-20A9EE1C87B2}"/>
+                </a:ext>
+              </a:extLst>
+            </p:cNvPr>
+            <p:cNvGrpSpPr/>
+            <p:nvPr/>
+          </p:nvGrpSpPr>
+          <p:grpSpPr>
+            <a:xfrm>
+              <a:off x="4699089" y="4719572"/>
+              <a:ext cx="899984" cy="400110"/>
+              <a:chOff x="4841889" y="5173509"/>
+              <a:chExt cx="899984" cy="708157"/>
+            </a:xfrm>
+          </p:grpSpPr>
+          <p:cxnSp>
+            <p:nvCxnSpPr>
+              <p:cNvPr id="252" name="直接箭头连接符 251">
+                <a:extLst>
+                  <a:ext uri="{FF2B5EF4-FFF2-40B4-BE49-F238E27FC236}">
+                    <a16:creationId xmlns:a16="http://schemas.microsoft.com/office/drawing/2014/main" id="{90D1ADE0-3B5C-44B7-A30C-1B9305EF6E79}"/>
+                  </a:ext>
+                </a:extLst>
+              </p:cNvPr>
+              <p:cNvCxnSpPr/>
+              <p:nvPr/>
+            </p:nvCxnSpPr>
+            <p:spPr>
+              <a:xfrm>
+                <a:off x="4841889" y="5178861"/>
+                <a:ext cx="2" cy="435788"/>
+              </a:xfrm>
+              <a:prstGeom prst="straightConnector1">
+                <a:avLst/>
+              </a:prstGeom>
+              <a:ln w="38100">
+                <a:tailEnd type="triangle"/>
+              </a:ln>
+            </p:spPr>
+            <p:style>
+              <a:lnRef idx="3">
+                <a:schemeClr val="accent6"/>
+              </a:lnRef>
+              <a:fillRef idx="0">
+                <a:schemeClr val="accent6"/>
+              </a:fillRef>
+              <a:effectRef idx="2">
+                <a:schemeClr val="accent6"/>
+              </a:effectRef>
+              <a:fontRef idx="minor">
+                <a:schemeClr val="tx1"/>
+              </a:fontRef>
+            </p:style>
+          </p:cxnSp>
+          <p:sp>
+            <p:nvSpPr>
+              <p:cNvPr id="253" name="文本框 252">
+                <a:extLst>
+                  <a:ext uri="{FF2B5EF4-FFF2-40B4-BE49-F238E27FC236}">
+                    <a16:creationId xmlns:a16="http://schemas.microsoft.com/office/drawing/2014/main" id="{01B3021C-5FB9-40D9-B829-8E9C15707DCE}"/>
+                  </a:ext>
+                </a:extLst>
+              </p:cNvPr>
+              <p:cNvSpPr txBox="1"/>
+              <p:nvPr/>
+            </p:nvSpPr>
+            <p:spPr>
+              <a:xfrm>
+                <a:off x="4849229" y="5173509"/>
+                <a:ext cx="892644" cy="708157"/>
+              </a:xfrm>
+              <a:prstGeom prst="rect">
+                <a:avLst/>
+              </a:prstGeom>
+              <a:noFill/>
+            </p:spPr>
+            <p:txBody>
+              <a:bodyPr wrap="square" rtlCol="0">
+                <a:spAutoFit/>
+              </a:bodyPr>
+              <a:lstStyle/>
+              <a:p>
+                <a:r>
+                  <a:rPr lang="en-US" altLang="zh-CN" sz="1000" b="1" dirty="0"/>
+                  <a:t>Take Sample</a:t>
+                </a:r>
+                <a:endParaRPr lang="zh-CN" altLang="en-US" sz="1000" b="1" dirty="0"/>
+              </a:p>
+            </p:txBody>
+          </p:sp>
+        </p:grpSp>
+        <p:grpSp>
+          <p:nvGrpSpPr>
+            <p:cNvPr id="254" name="组合 253">
+              <a:extLst>
+                <a:ext uri="{FF2B5EF4-FFF2-40B4-BE49-F238E27FC236}">
+                  <a16:creationId xmlns:a16="http://schemas.microsoft.com/office/drawing/2014/main" id="{EAB27839-99C1-499B-A80C-CEDF2C40184C}"/>
+                </a:ext>
+              </a:extLst>
+            </p:cNvPr>
+            <p:cNvGrpSpPr/>
+            <p:nvPr/>
+          </p:nvGrpSpPr>
+          <p:grpSpPr>
+            <a:xfrm>
+              <a:off x="5573161" y="4708340"/>
+              <a:ext cx="631431" cy="400110"/>
+              <a:chOff x="4841889" y="5170813"/>
+              <a:chExt cx="631431" cy="708157"/>
+            </a:xfrm>
+          </p:grpSpPr>
+          <p:sp>
+            <p:nvSpPr>
+              <p:cNvPr id="256" name="文本框 255">
+                <a:extLst>
+                  <a:ext uri="{FF2B5EF4-FFF2-40B4-BE49-F238E27FC236}">
+                    <a16:creationId xmlns:a16="http://schemas.microsoft.com/office/drawing/2014/main" id="{96F5B002-927F-46E8-9B2D-D098AD0F9C9B}"/>
+                  </a:ext>
+                </a:extLst>
+              </p:cNvPr>
+              <p:cNvSpPr txBox="1"/>
+              <p:nvPr/>
+            </p:nvSpPr>
+            <p:spPr>
+              <a:xfrm>
+                <a:off x="4842671" y="5170813"/>
+                <a:ext cx="630649" cy="708157"/>
+              </a:xfrm>
+              <a:prstGeom prst="rect">
+                <a:avLst/>
+              </a:prstGeom>
+              <a:noFill/>
+            </p:spPr>
+            <p:txBody>
+              <a:bodyPr wrap="square" rtlCol="0">
+                <a:spAutoFit/>
+              </a:bodyPr>
+              <a:lstStyle/>
+              <a:p>
+                <a:r>
+                  <a:rPr lang="en-US" altLang="zh-CN" sz="1000" b="1" dirty="0"/>
+                  <a:t>Initialize</a:t>
+                </a:r>
+                <a:endParaRPr lang="zh-CN" altLang="en-US" sz="1000" b="1" dirty="0"/>
+              </a:p>
+            </p:txBody>
+          </p:sp>
+          <p:cxnSp>
+            <p:nvCxnSpPr>
+              <p:cNvPr id="255" name="直接箭头连接符 254">
+                <a:extLst>
+                  <a:ext uri="{FF2B5EF4-FFF2-40B4-BE49-F238E27FC236}">
+                    <a16:creationId xmlns:a16="http://schemas.microsoft.com/office/drawing/2014/main" id="{478311E1-D0B0-4B4D-BD07-5572FD948B81}"/>
+                  </a:ext>
+                </a:extLst>
+              </p:cNvPr>
+              <p:cNvCxnSpPr/>
+              <p:nvPr/>
+            </p:nvCxnSpPr>
+            <p:spPr>
+              <a:xfrm>
+                <a:off x="4841889" y="5178861"/>
+                <a:ext cx="2" cy="435788"/>
+              </a:xfrm>
+              <a:prstGeom prst="straightConnector1">
+                <a:avLst/>
+              </a:prstGeom>
+              <a:ln w="38100">
+                <a:tailEnd type="triangle"/>
+              </a:ln>
+            </p:spPr>
+            <p:style>
+              <a:lnRef idx="3">
+                <a:schemeClr val="accent5"/>
+              </a:lnRef>
+              <a:fillRef idx="0">
+                <a:schemeClr val="accent5"/>
+              </a:fillRef>
+              <a:effectRef idx="2">
+                <a:schemeClr val="accent5"/>
+              </a:effectRef>
+              <a:fontRef idx="minor">
+                <a:schemeClr val="tx1"/>
+              </a:fontRef>
+            </p:style>
+          </p:cxnSp>
+        </p:grpSp>
+      </p:grpSp>
+      <p:grpSp>
+        <p:nvGrpSpPr>
+          <p:cNvPr id="261" name="组合 260">
+            <a:extLst>
+              <a:ext uri="{FF2B5EF4-FFF2-40B4-BE49-F238E27FC236}">
+                <a16:creationId xmlns:a16="http://schemas.microsoft.com/office/drawing/2014/main" id="{A8BDD76E-D922-4313-AC31-2446CE212267}"/>
+              </a:ext>
+            </a:extLst>
+          </p:cNvPr>
+          <p:cNvGrpSpPr/>
+          <p:nvPr/>
+        </p:nvGrpSpPr>
+        <p:grpSpPr>
+          <a:xfrm>
+            <a:off x="63580" y="708367"/>
+            <a:ext cx="5917869" cy="614125"/>
+            <a:chOff x="63580" y="708367"/>
+            <a:chExt cx="5917869" cy="614125"/>
+          </a:xfrm>
+        </p:grpSpPr>
+        <p:sp>
+          <p:nvSpPr>
+            <p:cNvPr id="258" name="文本框 257">
+              <a:extLst>
+                <a:ext uri="{FF2B5EF4-FFF2-40B4-BE49-F238E27FC236}">
+                  <a16:creationId xmlns:a16="http://schemas.microsoft.com/office/drawing/2014/main" id="{7C654E05-8814-4939-98C6-E59881DD8ABE}"/>
+                </a:ext>
+              </a:extLst>
+            </p:cNvPr>
+            <p:cNvSpPr txBox="1"/>
+            <p:nvPr/>
+          </p:nvSpPr>
+          <p:spPr>
+            <a:xfrm>
+              <a:off x="816789" y="708367"/>
+              <a:ext cx="1125804" cy="338554"/>
+            </a:xfrm>
+            <a:prstGeom prst="rect">
+              <a:avLst/>
+            </a:prstGeom>
+            <a:noFill/>
+          </p:spPr>
+          <p:txBody>
+            <a:bodyPr wrap="square" rtlCol="0">
+              <a:spAutoFit/>
+            </a:bodyPr>
+            <a:lstStyle/>
+            <a:p>
+              <a:r>
+                <a:rPr lang="en-US" altLang="zh-CN" sz="1600" b="1" dirty="0"/>
+                <a:t>Teacher</a:t>
+              </a:r>
+              <a:endParaRPr lang="zh-CN" altLang="en-US" sz="1600" b="1" dirty="0"/>
+            </a:p>
+          </p:txBody>
+        </p:sp>
+        <p:sp>
+          <p:nvSpPr>
+            <p:cNvPr id="260" name="矩形 259">
+              <a:extLst>
+                <a:ext uri="{FF2B5EF4-FFF2-40B4-BE49-F238E27FC236}">
+                  <a16:creationId xmlns:a16="http://schemas.microsoft.com/office/drawing/2014/main" id="{C6776496-60DB-4C0E-AC0B-4BA905F871DC}"/>
+                </a:ext>
+              </a:extLst>
+            </p:cNvPr>
+            <p:cNvSpPr/>
+            <p:nvPr/>
+          </p:nvSpPr>
+          <p:spPr>
+            <a:xfrm>
+              <a:off x="63580" y="725446"/>
+              <a:ext cx="5917869" cy="597046"/>
+            </a:xfrm>
+            <a:prstGeom prst="rect">
+              <a:avLst/>
+            </a:prstGeom>
+            <a:noFill/>
+            <a:ln w="9525" cap="flat" cmpd="sng" algn="ctr">
+              <a:solidFill>
+                <a:schemeClr val="accent1"/>
+              </a:solidFill>
+              <a:prstDash val="dashDot"/>
+              <a:round/>
+              <a:headEnd type="none" w="med" len="med"/>
+              <a:tailEnd type="none" w="med" len="med"/>
+            </a:ln>
+          </p:spPr>
+          <p:style>
+            <a:lnRef idx="0">
+              <a:scrgbClr r="0" g="0" b="0"/>
+            </a:lnRef>
+            <a:fillRef idx="0">
+              <a:scrgbClr r="0" g="0" b="0"/>
+            </a:fillRef>
+            <a:effectRef idx="0">
+              <a:scrgbClr r="0" g="0" b="0"/>
+            </a:effectRef>
+            <a:fontRef idx="minor">
+              <a:schemeClr val="accent1"/>
+            </a:fontRef>
+          </p:style>
+          <p:txBody>
+            <a:bodyPr rtlCol="0" anchor="ctr"/>
+            <a:lstStyle/>
+            <a:p>
+              <a:pPr algn="ctr"/>
+              <a:endParaRPr lang="zh-CN" altLang="en-US"/>
+            </a:p>
+          </p:txBody>
+        </p:sp>
+      </p:grpSp>
+      <p:grpSp>
+        <p:nvGrpSpPr>
+          <p:cNvPr id="262" name="组合 261">
+            <a:extLst>
+              <a:ext uri="{FF2B5EF4-FFF2-40B4-BE49-F238E27FC236}">
+                <a16:creationId xmlns:a16="http://schemas.microsoft.com/office/drawing/2014/main" id="{3380B6A1-FAB2-438F-8B33-D76CB03FDC79}"/>
+              </a:ext>
+            </a:extLst>
+          </p:cNvPr>
+          <p:cNvGrpSpPr/>
+          <p:nvPr/>
+        </p:nvGrpSpPr>
+        <p:grpSpPr>
+          <a:xfrm>
+            <a:off x="75958" y="3551814"/>
+            <a:ext cx="5917869" cy="572232"/>
+            <a:chOff x="63580" y="678467"/>
+            <a:chExt cx="5917869" cy="644025"/>
+          </a:xfrm>
+        </p:grpSpPr>
+        <p:sp>
+          <p:nvSpPr>
+            <p:cNvPr id="263" name="文本框 262">
+              <a:extLst>
+                <a:ext uri="{FF2B5EF4-FFF2-40B4-BE49-F238E27FC236}">
+                  <a16:creationId xmlns:a16="http://schemas.microsoft.com/office/drawing/2014/main" id="{D58756C7-F472-4145-B46C-1A3103CBE11B}"/>
+                </a:ext>
+              </a:extLst>
+            </p:cNvPr>
+            <p:cNvSpPr txBox="1"/>
+            <p:nvPr/>
+          </p:nvSpPr>
+          <p:spPr>
+            <a:xfrm>
+              <a:off x="828774" y="678467"/>
+              <a:ext cx="1125804" cy="338556"/>
+            </a:xfrm>
+            <a:prstGeom prst="rect">
+              <a:avLst/>
+            </a:prstGeom>
+            <a:noFill/>
+          </p:spPr>
+          <p:txBody>
+            <a:bodyPr wrap="square" rtlCol="0">
+              <a:spAutoFit/>
+            </a:bodyPr>
+            <a:lstStyle/>
+            <a:p>
+              <a:r>
+                <a:rPr lang="en-US" altLang="zh-CN" sz="1600" b="1" dirty="0"/>
+                <a:t>Student</a:t>
+              </a:r>
+              <a:endParaRPr lang="zh-CN" altLang="en-US" sz="1600" b="1" dirty="0"/>
+            </a:p>
+          </p:txBody>
+        </p:sp>
+        <p:sp>
+          <p:nvSpPr>
+            <p:cNvPr id="264" name="矩形 263">
+              <a:extLst>
+                <a:ext uri="{FF2B5EF4-FFF2-40B4-BE49-F238E27FC236}">
+                  <a16:creationId xmlns:a16="http://schemas.microsoft.com/office/drawing/2014/main" id="{60F3A838-68D2-4D9F-8A9D-2DC449E1E9BB}"/>
+                </a:ext>
+              </a:extLst>
+            </p:cNvPr>
+            <p:cNvSpPr/>
+            <p:nvPr/>
+          </p:nvSpPr>
+          <p:spPr>
+            <a:xfrm>
+              <a:off x="63580" y="725446"/>
+              <a:ext cx="5917869" cy="597046"/>
+            </a:xfrm>
+            <a:prstGeom prst="rect">
+              <a:avLst/>
+            </a:prstGeom>
+            <a:noFill/>
+            <a:ln w="9525" cap="flat" cmpd="sng" algn="ctr">
+              <a:solidFill>
+                <a:schemeClr val="accent1"/>
+              </a:solidFill>
+              <a:prstDash val="dashDot"/>
+              <a:round/>
+              <a:headEnd type="none" w="med" len="med"/>
+              <a:tailEnd type="none" w="med" len="med"/>
+            </a:ln>
+          </p:spPr>
+          <p:style>
+            <a:lnRef idx="0">
+              <a:scrgbClr r="0" g="0" b="0"/>
+            </a:lnRef>
+            <a:fillRef idx="0">
+              <a:scrgbClr r="0" g="0" b="0"/>
+            </a:fillRef>
+            <a:effectRef idx="0">
+              <a:scrgbClr r="0" g="0" b="0"/>
+            </a:effectRef>
+            <a:fontRef idx="minor">
+              <a:schemeClr val="accent1"/>
+            </a:fontRef>
+          </p:style>
+          <p:txBody>
+            <a:bodyPr rtlCol="0" anchor="ctr"/>
+            <a:lstStyle/>
+            <a:p>
+              <a:pPr algn="ctr"/>
+              <a:endParaRPr lang="zh-CN" altLang="en-US"/>
+            </a:p>
+          </p:txBody>
+        </p:sp>
+      </p:grpSp>
+      <p:sp>
+        <p:nvSpPr>
+          <p:cNvPr id="267" name="矩形 266">
+            <a:extLst>
+              <a:ext uri="{FF2B5EF4-FFF2-40B4-BE49-F238E27FC236}">
+                <a16:creationId xmlns:a16="http://schemas.microsoft.com/office/drawing/2014/main" id="{71AFE383-376D-4A38-9CE2-111F68C6F4F8}"/>
               </a:ext>
             </a:extLst>
           </p:cNvPr>
@@ -6109,30 +12297,35 @@
         </p:nvSpPr>
         <p:spPr>
           <a:xfrm>
-            <a:off x="2519686" y="2653727"/>
-            <a:ext cx="129843" cy="2128109"/>
+            <a:off x="63580" y="1326493"/>
+            <a:ext cx="5917869" cy="597046"/>
           </a:xfrm>
-          <a:prstGeom prst="downArrow">
+          <a:prstGeom prst="rect">
             <a:avLst/>
           </a:prstGeom>
-          <a:ln>
-            <a:noFill/>
+          <a:noFill/>
+          <a:ln w="9525" cap="flat" cmpd="sng" algn="ctr">
+            <a:solidFill>
+              <a:schemeClr val="accent1"/>
+            </a:solidFill>
+            <a:prstDash val="dashDot"/>
+            <a:round/>
+            <a:headEnd type="none" w="med" len="med"/>
+            <a:tailEnd type="none" w="med" len="med"/>
           </a:ln>
         </p:spPr>
         <p:style>
-          <a:lnRef idx="2">
-            <a:schemeClr val="accent6">
-              <a:shade val="50000"/>
-            </a:schemeClr>
+          <a:lnRef idx="0">
+            <a:scrgbClr r="0" g="0" b="0"/>
           </a:lnRef>
-          <a:fillRef idx="1">
-            <a:schemeClr val="accent6"/>
+          <a:fillRef idx="0">
+            <a:scrgbClr r="0" g="0" b="0"/>
           </a:fillRef>
           <a:effectRef idx="0">
-            <a:schemeClr val="accent6"/>
+            <a:scrgbClr r="0" g="0" b="0"/>
           </a:effectRef>
           <a:fontRef idx="minor">
-            <a:schemeClr val="lt1"/>
+            <a:schemeClr val="accent1"/>
           </a:fontRef>
         </p:style>
         <p:txBody>
@@ -6146,10 +12339,10 @@
       </p:sp>
       <p:sp>
         <p:nvSpPr>
-          <p:cNvPr id="94" name="矩形 93">
+          <p:cNvPr id="268" name="箭头: 下 267">
             <a:extLst>
               <a:ext uri="{FF2B5EF4-FFF2-40B4-BE49-F238E27FC236}">
-                <a16:creationId xmlns:a16="http://schemas.microsoft.com/office/drawing/2014/main" id="{36CD73A4-4B7D-4B7A-8AE8-A7DF3D778B70}"/>
+                <a16:creationId xmlns:a16="http://schemas.microsoft.com/office/drawing/2014/main" id="{63110378-EB32-40C1-B5D5-2252334A45DB}"/>
               </a:ext>
             </a:extLst>
           </p:cNvPr>
@@ -6158,758 +12351,22 @@
         </p:nvSpPr>
         <p:spPr>
           <a:xfrm>
-            <a:off x="1976308" y="4495737"/>
-            <a:ext cx="1199802" cy="65248"/>
+            <a:off x="733348" y="1116749"/>
+            <a:ext cx="198403" cy="457356"/>
           </a:xfrm>
-          <a:prstGeom prst="rect">
+          <a:prstGeom prst="downArrow">
             <a:avLst/>
           </a:prstGeom>
-          <a:solidFill>
-            <a:srgbClr val="70AD47"/>
-          </a:solidFill>
-          <a:ln>
-            <a:noFill/>
-          </a:ln>
         </p:spPr>
         <p:style>
-          <a:lnRef idx="2">
-            <a:schemeClr val="accent1">
-              <a:shade val="50000"/>
-            </a:schemeClr>
+          <a:lnRef idx="3">
+            <a:schemeClr val="lt1"/>
           </a:lnRef>
           <a:fillRef idx="1">
-            <a:schemeClr val="accent1"/>
+            <a:schemeClr val="accent4"/>
           </a:fillRef>
-          <a:effectRef idx="0">
-            <a:schemeClr val="accent1"/>
-          </a:effectRef>
-          <a:fontRef idx="minor">
-            <a:schemeClr val="lt1"/>
-          </a:fontRef>
-        </p:style>
-        <p:txBody>
-          <a:bodyPr rtlCol="0" anchor="ctr"/>
-          <a:lstStyle/>
-          <a:p>
-            <a:pPr algn="ctr"/>
-            <a:endParaRPr lang="zh-CN" altLang="en-US"/>
-          </a:p>
-        </p:txBody>
-      </p:sp>
-      <p:sp>
-        <p:nvSpPr>
-          <p:cNvPr id="95" name="矩形 94">
-            <a:extLst>
-              <a:ext uri="{FF2B5EF4-FFF2-40B4-BE49-F238E27FC236}">
-                <a16:creationId xmlns:a16="http://schemas.microsoft.com/office/drawing/2014/main" id="{A340FECE-1CB4-4D00-91EE-5474F45A80A6}"/>
-              </a:ext>
-            </a:extLst>
-          </p:cNvPr>
-          <p:cNvSpPr/>
-          <p:nvPr/>
-        </p:nvSpPr>
-        <p:spPr>
-          <a:xfrm>
-            <a:off x="1983479" y="4293375"/>
-            <a:ext cx="70417" cy="248373"/>
-          </a:xfrm>
-          <a:prstGeom prst="rect">
-            <a:avLst/>
-          </a:prstGeom>
-          <a:solidFill>
-            <a:srgbClr val="70AD47"/>
-          </a:solidFill>
-          <a:ln>
-            <a:noFill/>
-          </a:ln>
-        </p:spPr>
-        <p:style>
-          <a:lnRef idx="2">
-            <a:schemeClr val="accent1">
-              <a:shade val="50000"/>
-            </a:schemeClr>
-          </a:lnRef>
-          <a:fillRef idx="1">
-            <a:schemeClr val="accent1"/>
-          </a:fillRef>
-          <a:effectRef idx="0">
-            <a:schemeClr val="accent1"/>
-          </a:effectRef>
-          <a:fontRef idx="minor">
-            <a:schemeClr val="lt1"/>
-          </a:fontRef>
-        </p:style>
-        <p:txBody>
-          <a:bodyPr rtlCol="0" anchor="ctr"/>
-          <a:lstStyle/>
-          <a:p>
-            <a:pPr algn="ctr"/>
-            <a:endParaRPr lang="zh-CN" altLang="en-US"/>
-          </a:p>
-        </p:txBody>
-      </p:sp>
-      <p:sp>
-        <p:nvSpPr>
-          <p:cNvPr id="96" name="矩形 95">
-            <a:extLst>
-              <a:ext uri="{FF2B5EF4-FFF2-40B4-BE49-F238E27FC236}">
-                <a16:creationId xmlns:a16="http://schemas.microsoft.com/office/drawing/2014/main" id="{368CD4F2-7CEC-49B3-BDF9-4E858CD6114B}"/>
-              </a:ext>
-            </a:extLst>
-          </p:cNvPr>
-          <p:cNvSpPr/>
-          <p:nvPr/>
-        </p:nvSpPr>
-        <p:spPr>
-          <a:xfrm>
-            <a:off x="3130391" y="4295093"/>
-            <a:ext cx="45719" cy="228877"/>
-          </a:xfrm>
-          <a:prstGeom prst="rect">
-            <a:avLst/>
-          </a:prstGeom>
-          <a:solidFill>
-            <a:srgbClr val="70AD47"/>
-          </a:solidFill>
-          <a:ln>
-            <a:noFill/>
-          </a:ln>
-        </p:spPr>
-        <p:style>
-          <a:lnRef idx="2">
-            <a:schemeClr val="accent1">
-              <a:shade val="50000"/>
-            </a:schemeClr>
-          </a:lnRef>
-          <a:fillRef idx="1">
-            <a:schemeClr val="accent1"/>
-          </a:fillRef>
-          <a:effectRef idx="0">
-            <a:schemeClr val="accent1"/>
-          </a:effectRef>
-          <a:fontRef idx="minor">
-            <a:schemeClr val="lt1"/>
-          </a:fontRef>
-        </p:style>
-        <p:txBody>
-          <a:bodyPr rtlCol="0" anchor="ctr"/>
-          <a:lstStyle/>
-          <a:p>
-            <a:pPr algn="ctr"/>
-            <a:endParaRPr lang="zh-CN" altLang="en-US"/>
-          </a:p>
-        </p:txBody>
-      </p:sp>
-      <p:sp>
-        <p:nvSpPr>
-          <p:cNvPr id="16" name="椭圆 15">
-            <a:extLst>
-              <a:ext uri="{FF2B5EF4-FFF2-40B4-BE49-F238E27FC236}">
-                <a16:creationId xmlns:a16="http://schemas.microsoft.com/office/drawing/2014/main" id="{337EF6FB-D17F-48F2-AABA-51176F3ACC0A}"/>
-              </a:ext>
-            </a:extLst>
-          </p:cNvPr>
-          <p:cNvSpPr/>
-          <p:nvPr/>
-        </p:nvSpPr>
-        <p:spPr>
-          <a:xfrm>
-            <a:off x="1843446" y="3845401"/>
-            <a:ext cx="213273" cy="213273"/>
-          </a:xfrm>
-          <a:prstGeom prst="ellipse">
-            <a:avLst/>
-          </a:prstGeom>
-          <a:solidFill>
-            <a:srgbClr val="C55A11"/>
-          </a:solidFill>
-          <a:ln>
-            <a:noFill/>
-          </a:ln>
-        </p:spPr>
-        <p:style>
-          <a:lnRef idx="2">
-            <a:schemeClr val="accent1">
-              <a:shade val="50000"/>
-            </a:schemeClr>
-          </a:lnRef>
-          <a:fillRef idx="1">
-            <a:schemeClr val="accent1"/>
-          </a:fillRef>
-          <a:effectRef idx="0">
-            <a:schemeClr val="accent1"/>
-          </a:effectRef>
-          <a:fontRef idx="minor">
-            <a:schemeClr val="lt1"/>
-          </a:fontRef>
-        </p:style>
-        <p:txBody>
-          <a:bodyPr rtlCol="0" anchor="ctr"/>
-          <a:lstStyle/>
-          <a:p>
-            <a:pPr algn="ctr"/>
-            <a:endParaRPr lang="zh-CN" altLang="en-US"/>
-          </a:p>
-        </p:txBody>
-      </p:sp>
-      <p:sp>
-        <p:nvSpPr>
-          <p:cNvPr id="97" name="椭圆 96">
-            <a:extLst>
-              <a:ext uri="{FF2B5EF4-FFF2-40B4-BE49-F238E27FC236}">
-                <a16:creationId xmlns:a16="http://schemas.microsoft.com/office/drawing/2014/main" id="{B84692C7-09AA-48BB-A60B-DB218E213738}"/>
-              </a:ext>
-            </a:extLst>
-          </p:cNvPr>
-          <p:cNvSpPr/>
-          <p:nvPr/>
-        </p:nvSpPr>
-        <p:spPr>
-          <a:xfrm>
-            <a:off x="2187092" y="3842608"/>
-            <a:ext cx="213273" cy="213273"/>
-          </a:xfrm>
-          <a:prstGeom prst="ellipse">
-            <a:avLst/>
-          </a:prstGeom>
-          <a:solidFill>
-            <a:srgbClr val="C55A11"/>
-          </a:solidFill>
-          <a:ln>
-            <a:noFill/>
-          </a:ln>
-        </p:spPr>
-        <p:style>
-          <a:lnRef idx="2">
-            <a:schemeClr val="accent1">
-              <a:shade val="50000"/>
-            </a:schemeClr>
-          </a:lnRef>
-          <a:fillRef idx="1">
-            <a:schemeClr val="accent1"/>
-          </a:fillRef>
-          <a:effectRef idx="0">
-            <a:schemeClr val="accent1"/>
-          </a:effectRef>
-          <a:fontRef idx="minor">
-            <a:schemeClr val="lt1"/>
-          </a:fontRef>
-        </p:style>
-        <p:txBody>
-          <a:bodyPr rtlCol="0" anchor="ctr"/>
-          <a:lstStyle/>
-          <a:p>
-            <a:pPr algn="ctr"/>
-            <a:endParaRPr lang="zh-CN" altLang="en-US"/>
-          </a:p>
-        </p:txBody>
-      </p:sp>
-      <p:sp>
-        <p:nvSpPr>
-          <p:cNvPr id="98" name="椭圆 97">
-            <a:extLst>
-              <a:ext uri="{FF2B5EF4-FFF2-40B4-BE49-F238E27FC236}">
-                <a16:creationId xmlns:a16="http://schemas.microsoft.com/office/drawing/2014/main" id="{6FD02592-FF08-457D-A83A-33DAD047A14D}"/>
-              </a:ext>
-            </a:extLst>
-          </p:cNvPr>
-          <p:cNvSpPr/>
-          <p:nvPr/>
-        </p:nvSpPr>
-        <p:spPr>
-          <a:xfrm>
-            <a:off x="1487129" y="3845401"/>
-            <a:ext cx="213273" cy="213273"/>
-          </a:xfrm>
-          <a:prstGeom prst="ellipse">
-            <a:avLst/>
-          </a:prstGeom>
-          <a:solidFill>
-            <a:srgbClr val="C55A11"/>
-          </a:solidFill>
-          <a:ln>
-            <a:noFill/>
-          </a:ln>
-        </p:spPr>
-        <p:style>
-          <a:lnRef idx="2">
-            <a:schemeClr val="accent1">
-              <a:shade val="50000"/>
-            </a:schemeClr>
-          </a:lnRef>
-          <a:fillRef idx="1">
-            <a:schemeClr val="accent1"/>
-          </a:fillRef>
-          <a:effectRef idx="0">
-            <a:schemeClr val="accent1"/>
-          </a:effectRef>
-          <a:fontRef idx="minor">
-            <a:schemeClr val="lt1"/>
-          </a:fontRef>
-        </p:style>
-        <p:txBody>
-          <a:bodyPr rtlCol="0" anchor="ctr"/>
-          <a:lstStyle/>
-          <a:p>
-            <a:pPr algn="ctr"/>
-            <a:endParaRPr lang="zh-CN" altLang="en-US"/>
-          </a:p>
-        </p:txBody>
-      </p:sp>
-      <p:sp>
-        <p:nvSpPr>
-          <p:cNvPr id="99" name="椭圆 98">
-            <a:extLst>
-              <a:ext uri="{FF2B5EF4-FFF2-40B4-BE49-F238E27FC236}">
-                <a16:creationId xmlns:a16="http://schemas.microsoft.com/office/drawing/2014/main" id="{6C107AB9-B0C8-4D43-8BFC-C0FC14E13293}"/>
-              </a:ext>
-            </a:extLst>
-          </p:cNvPr>
-          <p:cNvSpPr/>
-          <p:nvPr/>
-        </p:nvSpPr>
-        <p:spPr>
-          <a:xfrm>
-            <a:off x="5878559" y="3840788"/>
-            <a:ext cx="213273" cy="213273"/>
-          </a:xfrm>
-          <a:prstGeom prst="ellipse">
-            <a:avLst/>
-          </a:prstGeom>
-          <a:solidFill>
-            <a:srgbClr val="C55A11"/>
-          </a:solidFill>
-          <a:ln>
-            <a:noFill/>
-          </a:ln>
-        </p:spPr>
-        <p:style>
-          <a:lnRef idx="2">
-            <a:schemeClr val="accent1">
-              <a:shade val="50000"/>
-            </a:schemeClr>
-          </a:lnRef>
-          <a:fillRef idx="1">
-            <a:schemeClr val="accent1"/>
-          </a:fillRef>
-          <a:effectRef idx="0">
-            <a:schemeClr val="accent1"/>
-          </a:effectRef>
-          <a:fontRef idx="minor">
-            <a:schemeClr val="lt1"/>
-          </a:fontRef>
-        </p:style>
-        <p:txBody>
-          <a:bodyPr rtlCol="0" anchor="ctr"/>
-          <a:lstStyle/>
-          <a:p>
-            <a:pPr algn="ctr"/>
-            <a:endParaRPr lang="zh-CN" altLang="en-US"/>
-          </a:p>
-        </p:txBody>
-      </p:sp>
-      <p:sp>
-        <p:nvSpPr>
-          <p:cNvPr id="100" name="椭圆 99">
-            <a:extLst>
-              <a:ext uri="{FF2B5EF4-FFF2-40B4-BE49-F238E27FC236}">
-                <a16:creationId xmlns:a16="http://schemas.microsoft.com/office/drawing/2014/main" id="{23256553-E556-4F8B-B2EF-C10CAC4B24F7}"/>
-              </a:ext>
-            </a:extLst>
-          </p:cNvPr>
-          <p:cNvSpPr/>
-          <p:nvPr/>
-        </p:nvSpPr>
-        <p:spPr>
-          <a:xfrm>
-            <a:off x="6222205" y="3837995"/>
-            <a:ext cx="213273" cy="213273"/>
-          </a:xfrm>
-          <a:prstGeom prst="ellipse">
-            <a:avLst/>
-          </a:prstGeom>
-          <a:solidFill>
-            <a:srgbClr val="C55A11"/>
-          </a:solidFill>
-          <a:ln>
-            <a:noFill/>
-          </a:ln>
-        </p:spPr>
-        <p:style>
-          <a:lnRef idx="2">
-            <a:schemeClr val="accent1">
-              <a:shade val="50000"/>
-            </a:schemeClr>
-          </a:lnRef>
-          <a:fillRef idx="1">
-            <a:schemeClr val="accent1"/>
-          </a:fillRef>
-          <a:effectRef idx="0">
-            <a:schemeClr val="accent1"/>
-          </a:effectRef>
-          <a:fontRef idx="minor">
-            <a:schemeClr val="lt1"/>
-          </a:fontRef>
-        </p:style>
-        <p:txBody>
-          <a:bodyPr rtlCol="0" anchor="ctr"/>
-          <a:lstStyle/>
-          <a:p>
-            <a:pPr algn="ctr"/>
-            <a:endParaRPr lang="zh-CN" altLang="en-US"/>
-          </a:p>
-        </p:txBody>
-      </p:sp>
-      <p:sp>
-        <p:nvSpPr>
-          <p:cNvPr id="101" name="椭圆 100">
-            <a:extLst>
-              <a:ext uri="{FF2B5EF4-FFF2-40B4-BE49-F238E27FC236}">
-                <a16:creationId xmlns:a16="http://schemas.microsoft.com/office/drawing/2014/main" id="{9D92279C-03D6-41AB-9747-1643CCCA5D0A}"/>
-              </a:ext>
-            </a:extLst>
-          </p:cNvPr>
-          <p:cNvSpPr/>
-          <p:nvPr/>
-        </p:nvSpPr>
-        <p:spPr>
-          <a:xfrm>
-            <a:off x="5522242" y="3840788"/>
-            <a:ext cx="213273" cy="213273"/>
-          </a:xfrm>
-          <a:prstGeom prst="ellipse">
-            <a:avLst/>
-          </a:prstGeom>
-          <a:solidFill>
-            <a:srgbClr val="C55A11"/>
-          </a:solidFill>
-          <a:ln>
-            <a:noFill/>
-          </a:ln>
-        </p:spPr>
-        <p:style>
-          <a:lnRef idx="2">
-            <a:schemeClr val="accent1">
-              <a:shade val="50000"/>
-            </a:schemeClr>
-          </a:lnRef>
-          <a:fillRef idx="1">
-            <a:schemeClr val="accent1"/>
-          </a:fillRef>
-          <a:effectRef idx="0">
-            <a:schemeClr val="accent1"/>
-          </a:effectRef>
-          <a:fontRef idx="minor">
-            <a:schemeClr val="lt1"/>
-          </a:fontRef>
-        </p:style>
-        <p:txBody>
-          <a:bodyPr rtlCol="0" anchor="ctr"/>
-          <a:lstStyle/>
-          <a:p>
-            <a:pPr algn="ctr"/>
-            <a:endParaRPr lang="zh-CN" altLang="en-US"/>
-          </a:p>
-        </p:txBody>
-      </p:sp>
-      <p:sp>
-        <p:nvSpPr>
-          <p:cNvPr id="102" name="椭圆 101">
-            <a:extLst>
-              <a:ext uri="{FF2B5EF4-FFF2-40B4-BE49-F238E27FC236}">
-                <a16:creationId xmlns:a16="http://schemas.microsoft.com/office/drawing/2014/main" id="{0E294367-462A-47E2-8C0E-42F6C041E9B6}"/>
-              </a:ext>
-            </a:extLst>
-          </p:cNvPr>
-          <p:cNvSpPr/>
-          <p:nvPr/>
-        </p:nvSpPr>
-        <p:spPr>
-          <a:xfrm>
-            <a:off x="1846450" y="3004925"/>
-            <a:ext cx="213273" cy="213273"/>
-          </a:xfrm>
-          <a:prstGeom prst="ellipse">
-            <a:avLst/>
-          </a:prstGeom>
-          <a:solidFill>
-            <a:srgbClr val="A9D18E"/>
-          </a:solidFill>
-          <a:ln>
-            <a:noFill/>
-          </a:ln>
-        </p:spPr>
-        <p:style>
-          <a:lnRef idx="2">
-            <a:schemeClr val="accent1">
-              <a:shade val="50000"/>
-            </a:schemeClr>
-          </a:lnRef>
-          <a:fillRef idx="1">
-            <a:schemeClr val="accent1"/>
-          </a:fillRef>
-          <a:effectRef idx="0">
-            <a:schemeClr val="accent1"/>
-          </a:effectRef>
-          <a:fontRef idx="minor">
-            <a:schemeClr val="lt1"/>
-          </a:fontRef>
-        </p:style>
-        <p:txBody>
-          <a:bodyPr rtlCol="0" anchor="ctr"/>
-          <a:lstStyle/>
-          <a:p>
-            <a:pPr algn="ctr"/>
-            <a:endParaRPr lang="zh-CN" altLang="en-US"/>
-          </a:p>
-        </p:txBody>
-      </p:sp>
-      <p:sp>
-        <p:nvSpPr>
-          <p:cNvPr id="103" name="椭圆 102">
-            <a:extLst>
-              <a:ext uri="{FF2B5EF4-FFF2-40B4-BE49-F238E27FC236}">
-                <a16:creationId xmlns:a16="http://schemas.microsoft.com/office/drawing/2014/main" id="{2FA9C47D-A8D6-4D97-B504-A37F608874E8}"/>
-              </a:ext>
-            </a:extLst>
-          </p:cNvPr>
-          <p:cNvSpPr/>
-          <p:nvPr/>
-        </p:nvSpPr>
-        <p:spPr>
-          <a:xfrm>
-            <a:off x="2190096" y="3002132"/>
-            <a:ext cx="213273" cy="213273"/>
-          </a:xfrm>
-          <a:prstGeom prst="ellipse">
-            <a:avLst/>
-          </a:prstGeom>
-          <a:solidFill>
-            <a:srgbClr val="A9D18E"/>
-          </a:solidFill>
-          <a:ln>
-            <a:noFill/>
-          </a:ln>
-        </p:spPr>
-        <p:style>
-          <a:lnRef idx="2">
-            <a:schemeClr val="accent1">
-              <a:shade val="50000"/>
-            </a:schemeClr>
-          </a:lnRef>
-          <a:fillRef idx="1">
-            <a:schemeClr val="accent1"/>
-          </a:fillRef>
-          <a:effectRef idx="0">
-            <a:schemeClr val="accent1"/>
-          </a:effectRef>
-          <a:fontRef idx="minor">
-            <a:schemeClr val="lt1"/>
-          </a:fontRef>
-        </p:style>
-        <p:txBody>
-          <a:bodyPr rtlCol="0" anchor="ctr"/>
-          <a:lstStyle/>
-          <a:p>
-            <a:pPr algn="ctr"/>
-            <a:endParaRPr lang="zh-CN" altLang="en-US"/>
-          </a:p>
-        </p:txBody>
-      </p:sp>
-      <p:sp>
-        <p:nvSpPr>
-          <p:cNvPr id="104" name="椭圆 103">
-            <a:extLst>
-              <a:ext uri="{FF2B5EF4-FFF2-40B4-BE49-F238E27FC236}">
-                <a16:creationId xmlns:a16="http://schemas.microsoft.com/office/drawing/2014/main" id="{DE4F6724-E31B-42E3-AD65-8992B49CCEF9}"/>
-              </a:ext>
-            </a:extLst>
-          </p:cNvPr>
-          <p:cNvSpPr/>
-          <p:nvPr/>
-        </p:nvSpPr>
-        <p:spPr>
-          <a:xfrm>
-            <a:off x="1490133" y="3004925"/>
-            <a:ext cx="213273" cy="213273"/>
-          </a:xfrm>
-          <a:prstGeom prst="ellipse">
-            <a:avLst/>
-          </a:prstGeom>
-          <a:solidFill>
-            <a:srgbClr val="A9D18E"/>
-          </a:solidFill>
-          <a:ln>
-            <a:noFill/>
-          </a:ln>
-        </p:spPr>
-        <p:style>
-          <a:lnRef idx="2">
-            <a:schemeClr val="accent1">
-              <a:shade val="50000"/>
-            </a:schemeClr>
-          </a:lnRef>
-          <a:fillRef idx="1">
-            <a:schemeClr val="accent1"/>
-          </a:fillRef>
-          <a:effectRef idx="0">
-            <a:schemeClr val="accent1"/>
-          </a:effectRef>
-          <a:fontRef idx="minor">
-            <a:schemeClr val="lt1"/>
-          </a:fontRef>
-        </p:style>
-        <p:txBody>
-          <a:bodyPr rtlCol="0" anchor="ctr"/>
-          <a:lstStyle/>
-          <a:p>
-            <a:pPr algn="ctr"/>
-            <a:endParaRPr lang="zh-CN" altLang="en-US"/>
-          </a:p>
-        </p:txBody>
-      </p:sp>
-      <p:sp>
-        <p:nvSpPr>
-          <p:cNvPr id="105" name="椭圆 104">
-            <a:extLst>
-              <a:ext uri="{FF2B5EF4-FFF2-40B4-BE49-F238E27FC236}">
-                <a16:creationId xmlns:a16="http://schemas.microsoft.com/office/drawing/2014/main" id="{A6F5622F-2C68-490A-A2F8-6BF86AAE89DA}"/>
-              </a:ext>
-            </a:extLst>
-          </p:cNvPr>
-          <p:cNvSpPr/>
-          <p:nvPr/>
-        </p:nvSpPr>
-        <p:spPr>
-          <a:xfrm>
-            <a:off x="5881933" y="3003284"/>
-            <a:ext cx="213273" cy="213273"/>
-          </a:xfrm>
-          <a:prstGeom prst="ellipse">
-            <a:avLst/>
-          </a:prstGeom>
-          <a:solidFill>
-            <a:srgbClr val="A9D18E"/>
-          </a:solidFill>
-          <a:ln>
-            <a:noFill/>
-          </a:ln>
-        </p:spPr>
-        <p:style>
-          <a:lnRef idx="2">
-            <a:schemeClr val="accent1">
-              <a:shade val="50000"/>
-            </a:schemeClr>
-          </a:lnRef>
-          <a:fillRef idx="1">
-            <a:schemeClr val="accent1"/>
-          </a:fillRef>
-          <a:effectRef idx="0">
-            <a:schemeClr val="accent1"/>
-          </a:effectRef>
-          <a:fontRef idx="minor">
-            <a:schemeClr val="lt1"/>
-          </a:fontRef>
-        </p:style>
-        <p:txBody>
-          <a:bodyPr rtlCol="0" anchor="ctr"/>
-          <a:lstStyle/>
-          <a:p>
-            <a:pPr algn="ctr"/>
-            <a:endParaRPr lang="zh-CN" altLang="en-US"/>
-          </a:p>
-        </p:txBody>
-      </p:sp>
-      <p:sp>
-        <p:nvSpPr>
-          <p:cNvPr id="106" name="椭圆 105">
-            <a:extLst>
-              <a:ext uri="{FF2B5EF4-FFF2-40B4-BE49-F238E27FC236}">
-                <a16:creationId xmlns:a16="http://schemas.microsoft.com/office/drawing/2014/main" id="{24819B23-B9F2-4694-8A84-4E26BD8BCC60}"/>
-              </a:ext>
-            </a:extLst>
-          </p:cNvPr>
-          <p:cNvSpPr/>
-          <p:nvPr/>
-        </p:nvSpPr>
-        <p:spPr>
-          <a:xfrm>
-            <a:off x="6225579" y="3000491"/>
-            <a:ext cx="213273" cy="213273"/>
-          </a:xfrm>
-          <a:prstGeom prst="ellipse">
-            <a:avLst/>
-          </a:prstGeom>
-          <a:solidFill>
-            <a:srgbClr val="A9D18E"/>
-          </a:solidFill>
-          <a:ln>
-            <a:noFill/>
-          </a:ln>
-        </p:spPr>
-        <p:style>
-          <a:lnRef idx="2">
-            <a:schemeClr val="accent1">
-              <a:shade val="50000"/>
-            </a:schemeClr>
-          </a:lnRef>
-          <a:fillRef idx="1">
-            <a:schemeClr val="accent1"/>
-          </a:fillRef>
-          <a:effectRef idx="0">
-            <a:schemeClr val="accent1"/>
-          </a:effectRef>
-          <a:fontRef idx="minor">
-            <a:schemeClr val="lt1"/>
-          </a:fontRef>
-        </p:style>
-        <p:txBody>
-          <a:bodyPr rtlCol="0" anchor="ctr"/>
-          <a:lstStyle/>
-          <a:p>
-            <a:pPr algn="ctr"/>
-            <a:endParaRPr lang="zh-CN" altLang="en-US"/>
-          </a:p>
-        </p:txBody>
-      </p:sp>
-      <p:sp>
-        <p:nvSpPr>
-          <p:cNvPr id="107" name="椭圆 106">
-            <a:extLst>
-              <a:ext uri="{FF2B5EF4-FFF2-40B4-BE49-F238E27FC236}">
-                <a16:creationId xmlns:a16="http://schemas.microsoft.com/office/drawing/2014/main" id="{1AB6EA79-9AAB-46DA-B3FE-D0F45AD40C60}"/>
-              </a:ext>
-            </a:extLst>
-          </p:cNvPr>
-          <p:cNvSpPr/>
-          <p:nvPr/>
-        </p:nvSpPr>
-        <p:spPr>
-          <a:xfrm>
-            <a:off x="5525616" y="3003284"/>
-            <a:ext cx="213273" cy="213273"/>
-          </a:xfrm>
-          <a:prstGeom prst="ellipse">
-            <a:avLst/>
-          </a:prstGeom>
-          <a:solidFill>
-            <a:srgbClr val="A9D18E"/>
-          </a:solidFill>
-          <a:ln>
-            <a:noFill/>
-          </a:ln>
-        </p:spPr>
-        <p:style>
-          <a:lnRef idx="2">
-            <a:schemeClr val="accent1">
-              <a:shade val="50000"/>
-            </a:schemeClr>
-          </a:lnRef>
-          <a:fillRef idx="1">
-            <a:schemeClr val="accent1"/>
-          </a:fillRef>
-          <a:effectRef idx="0">
-            <a:schemeClr val="accent1"/>
+          <a:effectRef idx="1">
+            <a:schemeClr val="accent4"/>
           </a:effectRef>
           <a:fontRef idx="minor">
             <a:schemeClr val="lt1"/>
@@ -6927,7 +12384,7 @@
     </p:spTree>
     <p:extLst>
       <p:ext uri="{BB962C8B-B14F-4D97-AF65-F5344CB8AC3E}">
-        <p14:creationId xmlns:p14="http://schemas.microsoft.com/office/powerpoint/2010/main" val="937032017"/>
+        <p14:creationId xmlns:p14="http://schemas.microsoft.com/office/powerpoint/2010/main" val="1939941241"/>
       </p:ext>
     </p:extLst>
   </p:cSld>

--- a/experiment/fig2/framework.pptx
+++ b/experiment/fig2/framework.pptx
@@ -260,7 +260,7 @@
           <a:p>
             <a:fld id="{E0532EFC-1C78-41CF-9024-C7866918C580}" type="datetimeFigureOut">
               <a:rPr lang="zh-CN" altLang="en-US" smtClean="0"/>
-              <a:t>2021/11/13</a:t>
+              <a:t>2021/11/14</a:t>
             </a:fld>
             <a:endParaRPr lang="zh-CN" altLang="en-US"/>
           </a:p>
@@ -458,7 +458,7 @@
           <a:p>
             <a:fld id="{E0532EFC-1C78-41CF-9024-C7866918C580}" type="datetimeFigureOut">
               <a:rPr lang="zh-CN" altLang="en-US" smtClean="0"/>
-              <a:t>2021/11/13</a:t>
+              <a:t>2021/11/14</a:t>
             </a:fld>
             <a:endParaRPr lang="zh-CN" altLang="en-US"/>
           </a:p>
@@ -666,7 +666,7 @@
           <a:p>
             <a:fld id="{E0532EFC-1C78-41CF-9024-C7866918C580}" type="datetimeFigureOut">
               <a:rPr lang="zh-CN" altLang="en-US" smtClean="0"/>
-              <a:t>2021/11/13</a:t>
+              <a:t>2021/11/14</a:t>
             </a:fld>
             <a:endParaRPr lang="zh-CN" altLang="en-US"/>
           </a:p>
@@ -864,7 +864,7 @@
           <a:p>
             <a:fld id="{E0532EFC-1C78-41CF-9024-C7866918C580}" type="datetimeFigureOut">
               <a:rPr lang="zh-CN" altLang="en-US" smtClean="0"/>
-              <a:t>2021/11/13</a:t>
+              <a:t>2021/11/14</a:t>
             </a:fld>
             <a:endParaRPr lang="zh-CN" altLang="en-US"/>
           </a:p>
@@ -1139,7 +1139,7 @@
           <a:p>
             <a:fld id="{E0532EFC-1C78-41CF-9024-C7866918C580}" type="datetimeFigureOut">
               <a:rPr lang="zh-CN" altLang="en-US" smtClean="0"/>
-              <a:t>2021/11/13</a:t>
+              <a:t>2021/11/14</a:t>
             </a:fld>
             <a:endParaRPr lang="zh-CN" altLang="en-US"/>
           </a:p>
@@ -1404,7 +1404,7 @@
           <a:p>
             <a:fld id="{E0532EFC-1C78-41CF-9024-C7866918C580}" type="datetimeFigureOut">
               <a:rPr lang="zh-CN" altLang="en-US" smtClean="0"/>
-              <a:t>2021/11/13</a:t>
+              <a:t>2021/11/14</a:t>
             </a:fld>
             <a:endParaRPr lang="zh-CN" altLang="en-US"/>
           </a:p>
@@ -1816,7 +1816,7 @@
           <a:p>
             <a:fld id="{E0532EFC-1C78-41CF-9024-C7866918C580}" type="datetimeFigureOut">
               <a:rPr lang="zh-CN" altLang="en-US" smtClean="0"/>
-              <a:t>2021/11/13</a:t>
+              <a:t>2021/11/14</a:t>
             </a:fld>
             <a:endParaRPr lang="zh-CN" altLang="en-US"/>
           </a:p>
@@ -1957,7 +1957,7 @@
           <a:p>
             <a:fld id="{E0532EFC-1C78-41CF-9024-C7866918C580}" type="datetimeFigureOut">
               <a:rPr lang="zh-CN" altLang="en-US" smtClean="0"/>
-              <a:t>2021/11/13</a:t>
+              <a:t>2021/11/14</a:t>
             </a:fld>
             <a:endParaRPr lang="zh-CN" altLang="en-US"/>
           </a:p>
@@ -2070,7 +2070,7 @@
           <a:p>
             <a:fld id="{E0532EFC-1C78-41CF-9024-C7866918C580}" type="datetimeFigureOut">
               <a:rPr lang="zh-CN" altLang="en-US" smtClean="0"/>
-              <a:t>2021/11/13</a:t>
+              <a:t>2021/11/14</a:t>
             </a:fld>
             <a:endParaRPr lang="zh-CN" altLang="en-US"/>
           </a:p>
@@ -2381,7 +2381,7 @@
           <a:p>
             <a:fld id="{E0532EFC-1C78-41CF-9024-C7866918C580}" type="datetimeFigureOut">
               <a:rPr lang="zh-CN" altLang="en-US" smtClean="0"/>
-              <a:t>2021/11/13</a:t>
+              <a:t>2021/11/14</a:t>
             </a:fld>
             <a:endParaRPr lang="zh-CN" altLang="en-US"/>
           </a:p>
@@ -2669,7 +2669,7 @@
           <a:p>
             <a:fld id="{E0532EFC-1C78-41CF-9024-C7866918C580}" type="datetimeFigureOut">
               <a:rPr lang="zh-CN" altLang="en-US" smtClean="0"/>
-              <a:t>2021/11/13</a:t>
+              <a:t>2021/11/14</a:t>
             </a:fld>
             <a:endParaRPr lang="zh-CN" altLang="en-US"/>
           </a:p>
@@ -2910,7 +2910,7 @@
           <a:p>
             <a:fld id="{E0532EFC-1C78-41CF-9024-C7866918C580}" type="datetimeFigureOut">
               <a:rPr lang="zh-CN" altLang="en-US" smtClean="0"/>
-              <a:t>2021/11/13</a:t>
+              <a:t>2021/11/14</a:t>
             </a:fld>
             <a:endParaRPr lang="zh-CN" altLang="en-US"/>
           </a:p>
@@ -8084,7 +8084,7 @@
           <p:spPr>
             <a:xfrm>
               <a:off x="4678532" y="1154097"/>
-              <a:ext cx="301841" cy="0"/>
+              <a:ext cx="351602" cy="4062"/>
             </a:xfrm>
             <a:prstGeom prst="straightConnector1">
               <a:avLst/>
@@ -8163,7 +8163,7 @@
           <p:spPr>
             <a:xfrm>
               <a:off x="2253325" y="857942"/>
-              <a:ext cx="2851334" cy="0"/>
+              <a:ext cx="2867359" cy="0"/>
             </a:xfrm>
             <a:prstGeom prst="line">
               <a:avLst/>
@@ -8201,8 +8201,8 @@
           </p:nvCxnSpPr>
           <p:spPr>
             <a:xfrm>
-              <a:off x="5104659" y="857942"/>
-              <a:ext cx="1" cy="171868"/>
+              <a:off x="5120684" y="857942"/>
+              <a:ext cx="478" cy="209189"/>
             </a:xfrm>
             <a:prstGeom prst="straightConnector1">
               <a:avLst/>
@@ -8240,8 +8240,8 @@
           </p:nvSpPr>
           <p:spPr>
             <a:xfrm>
-              <a:off x="4980373" y="1029810"/>
-              <a:ext cx="248573" cy="248573"/>
+              <a:off x="5030134" y="1067131"/>
+              <a:ext cx="182056" cy="182056"/>
             </a:xfrm>
             <a:prstGeom prst="flowChartOr">
               <a:avLst/>
@@ -9154,7 +9154,7 @@
         </p:nvGrpSpPr>
         <p:grpSpPr>
           <a:xfrm>
-            <a:off x="4376414" y="1590936"/>
+            <a:off x="4376414" y="1584716"/>
             <a:ext cx="1070732" cy="1794800"/>
             <a:chOff x="7317507" y="2234058"/>
             <a:chExt cx="1070732" cy="1794800"/>
@@ -9959,464 +9959,6 @@
             </p:style>
           </p:cxnSp>
         </p:grpSp>
-      </p:grpSp>
-      <p:grpSp>
-        <p:nvGrpSpPr>
-          <p:cNvPr id="212" name="组合 211">
-            <a:extLst>
-              <a:ext uri="{FF2B5EF4-FFF2-40B4-BE49-F238E27FC236}">
-                <a16:creationId xmlns:a16="http://schemas.microsoft.com/office/drawing/2014/main" id="{7C1A3EC9-5A49-4F54-81E8-9A15180E232C}"/>
-              </a:ext>
-            </a:extLst>
-          </p:cNvPr>
-          <p:cNvGrpSpPr/>
-          <p:nvPr/>
-        </p:nvGrpSpPr>
-        <p:grpSpPr>
-          <a:xfrm>
-            <a:off x="3800251" y="1818588"/>
-            <a:ext cx="734150" cy="1929379"/>
-            <a:chOff x="3800251" y="1818588"/>
-            <a:chExt cx="734150" cy="1929379"/>
-          </a:xfrm>
-        </p:grpSpPr>
-        <p:sp>
-          <p:nvSpPr>
-            <p:cNvPr id="174" name="文本框 173">
-              <a:extLst>
-                <a:ext uri="{FF2B5EF4-FFF2-40B4-BE49-F238E27FC236}">
-                  <a16:creationId xmlns:a16="http://schemas.microsoft.com/office/drawing/2014/main" id="{EE993AAA-4145-48E4-B76F-14F3727305D2}"/>
-                </a:ext>
-              </a:extLst>
-            </p:cNvPr>
-            <p:cNvSpPr txBox="1"/>
-            <p:nvPr/>
-          </p:nvSpPr>
-          <p:spPr>
-            <a:xfrm>
-              <a:off x="3922974" y="3104874"/>
-              <a:ext cx="442750" cy="400110"/>
-            </a:xfrm>
-            <a:prstGeom prst="rect">
-              <a:avLst/>
-            </a:prstGeom>
-            <a:noFill/>
-          </p:spPr>
-          <p:txBody>
-            <a:bodyPr wrap="none" rtlCol="0">
-              <a:spAutoFit/>
-            </a:bodyPr>
-            <a:lstStyle/>
-            <a:p>
-              <a:r>
-                <a:rPr lang="zh-CN" altLang="en-US" sz="2000" b="1" dirty="0">
-                  <a:solidFill>
-                    <a:srgbClr val="FF6600"/>
-                  </a:solidFill>
-                  <a:latin typeface="5FAE8F6F96C59ED1"/>
-                </a:rPr>
-                <a:t>Ⓐ</a:t>
-              </a:r>
-            </a:p>
-          </p:txBody>
-        </p:sp>
-        <p:cxnSp>
-          <p:nvCxnSpPr>
-            <p:cNvPr id="180" name="直接箭头连接符 179">
-              <a:extLst>
-                <a:ext uri="{FF2B5EF4-FFF2-40B4-BE49-F238E27FC236}">
-                  <a16:creationId xmlns:a16="http://schemas.microsoft.com/office/drawing/2014/main" id="{DAC00D2E-3539-4CB3-92FE-BE7868D76FB9}"/>
-                </a:ext>
-              </a:extLst>
-            </p:cNvPr>
-            <p:cNvCxnSpPr>
-              <a:cxnSpLocks/>
-            </p:cNvCxnSpPr>
-            <p:nvPr/>
-          </p:nvCxnSpPr>
-          <p:spPr>
-            <a:xfrm>
-              <a:off x="4143010" y="1818588"/>
-              <a:ext cx="0" cy="1329252"/>
-            </a:xfrm>
-            <a:prstGeom prst="straightConnector1">
-              <a:avLst/>
-            </a:prstGeom>
-            <a:ln>
-              <a:tailEnd type="triangle"/>
-            </a:ln>
-          </p:spPr>
-          <p:style>
-            <a:lnRef idx="3">
-              <a:schemeClr val="accent3"/>
-            </a:lnRef>
-            <a:fillRef idx="0">
-              <a:schemeClr val="accent3"/>
-            </a:fillRef>
-            <a:effectRef idx="2">
-              <a:schemeClr val="accent3"/>
-            </a:effectRef>
-            <a:fontRef idx="minor">
-              <a:schemeClr val="tx1"/>
-            </a:fontRef>
-          </p:style>
-        </p:cxnSp>
-        <p:cxnSp>
-          <p:nvCxnSpPr>
-            <p:cNvPr id="184" name="直接箭头连接符 183">
-              <a:extLst>
-                <a:ext uri="{FF2B5EF4-FFF2-40B4-BE49-F238E27FC236}">
-                  <a16:creationId xmlns:a16="http://schemas.microsoft.com/office/drawing/2014/main" id="{975C3B0F-D04C-4ED5-A367-664DB15F2F46}"/>
-                </a:ext>
-              </a:extLst>
-            </p:cNvPr>
-            <p:cNvCxnSpPr>
-              <a:cxnSpLocks/>
-              <a:stCxn id="128" idx="1"/>
-            </p:cNvCxnSpPr>
-            <p:nvPr/>
-          </p:nvCxnSpPr>
-          <p:spPr>
-            <a:xfrm flipH="1">
-              <a:off x="4237392" y="2719252"/>
-              <a:ext cx="297009" cy="435824"/>
-            </a:xfrm>
-            <a:prstGeom prst="straightConnector1">
-              <a:avLst/>
-            </a:prstGeom>
-            <a:ln>
-              <a:tailEnd type="triangle"/>
-            </a:ln>
-          </p:spPr>
-          <p:style>
-            <a:lnRef idx="3">
-              <a:schemeClr val="accent3"/>
-            </a:lnRef>
-            <a:fillRef idx="0">
-              <a:schemeClr val="accent3"/>
-            </a:fillRef>
-            <a:effectRef idx="2">
-              <a:schemeClr val="accent3"/>
-            </a:effectRef>
-            <a:fontRef idx="minor">
-              <a:schemeClr val="tx1"/>
-            </a:fontRef>
-          </p:style>
-        </p:cxnSp>
-        <p:cxnSp>
-          <p:nvCxnSpPr>
-            <p:cNvPr id="187" name="直接箭头连接符 186">
-              <a:extLst>
-                <a:ext uri="{FF2B5EF4-FFF2-40B4-BE49-F238E27FC236}">
-                  <a16:creationId xmlns:a16="http://schemas.microsoft.com/office/drawing/2014/main" id="{3C9B64C2-7DF1-4F86-B0EF-3CCFA4D39F16}"/>
-                </a:ext>
-              </a:extLst>
-            </p:cNvPr>
-            <p:cNvCxnSpPr>
-              <a:cxnSpLocks/>
-              <a:stCxn id="102" idx="3"/>
-            </p:cNvCxnSpPr>
-            <p:nvPr/>
-          </p:nvCxnSpPr>
-          <p:spPr>
-            <a:xfrm>
-              <a:off x="3800251" y="2706841"/>
-              <a:ext cx="225033" cy="453815"/>
-            </a:xfrm>
-            <a:prstGeom prst="straightConnector1">
-              <a:avLst/>
-            </a:prstGeom>
-            <a:ln>
-              <a:tailEnd type="triangle"/>
-            </a:ln>
-          </p:spPr>
-          <p:style>
-            <a:lnRef idx="3">
-              <a:schemeClr val="accent3"/>
-            </a:lnRef>
-            <a:fillRef idx="0">
-              <a:schemeClr val="accent3"/>
-            </a:fillRef>
-            <a:effectRef idx="2">
-              <a:schemeClr val="accent3"/>
-            </a:effectRef>
-            <a:fontRef idx="minor">
-              <a:schemeClr val="tx1"/>
-            </a:fontRef>
-          </p:style>
-        </p:cxnSp>
-        <p:cxnSp>
-          <p:nvCxnSpPr>
-            <p:cNvPr id="191" name="直接箭头连接符 190">
-              <a:extLst>
-                <a:ext uri="{FF2B5EF4-FFF2-40B4-BE49-F238E27FC236}">
-                  <a16:creationId xmlns:a16="http://schemas.microsoft.com/office/drawing/2014/main" id="{45CB6FC2-7CF1-4110-A403-2BEA66F7188C}"/>
-                </a:ext>
-              </a:extLst>
-            </p:cNvPr>
-            <p:cNvCxnSpPr>
-              <a:cxnSpLocks/>
-            </p:cNvCxnSpPr>
-            <p:nvPr/>
-          </p:nvCxnSpPr>
-          <p:spPr>
-            <a:xfrm>
-              <a:off x="4144349" y="3467664"/>
-              <a:ext cx="0" cy="280303"/>
-            </a:xfrm>
-            <a:prstGeom prst="straightConnector1">
-              <a:avLst/>
-            </a:prstGeom>
-            <a:ln>
-              <a:tailEnd type="triangle"/>
-            </a:ln>
-          </p:spPr>
-          <p:style>
-            <a:lnRef idx="3">
-              <a:schemeClr val="accent5"/>
-            </a:lnRef>
-            <a:fillRef idx="0">
-              <a:schemeClr val="accent5"/>
-            </a:fillRef>
-            <a:effectRef idx="2">
-              <a:schemeClr val="accent5"/>
-            </a:effectRef>
-            <a:fontRef idx="minor">
-              <a:schemeClr val="tx1"/>
-            </a:fontRef>
-          </p:style>
-        </p:cxnSp>
-      </p:grpSp>
-      <p:grpSp>
-        <p:nvGrpSpPr>
-          <p:cNvPr id="213" name="组合 212">
-            <a:extLst>
-              <a:ext uri="{FF2B5EF4-FFF2-40B4-BE49-F238E27FC236}">
-                <a16:creationId xmlns:a16="http://schemas.microsoft.com/office/drawing/2014/main" id="{FE791903-BC37-4741-8978-6FB5471ED80E}"/>
-              </a:ext>
-            </a:extLst>
-          </p:cNvPr>
-          <p:cNvGrpSpPr/>
-          <p:nvPr/>
-        </p:nvGrpSpPr>
-        <p:grpSpPr>
-          <a:xfrm>
-            <a:off x="2316798" y="1854085"/>
-            <a:ext cx="734150" cy="1929379"/>
-            <a:chOff x="3800251" y="1818588"/>
-            <a:chExt cx="734150" cy="1929379"/>
-          </a:xfrm>
-        </p:grpSpPr>
-        <p:sp>
-          <p:nvSpPr>
-            <p:cNvPr id="214" name="文本框 213">
-              <a:extLst>
-                <a:ext uri="{FF2B5EF4-FFF2-40B4-BE49-F238E27FC236}">
-                  <a16:creationId xmlns:a16="http://schemas.microsoft.com/office/drawing/2014/main" id="{90553186-3A13-45A4-9C5E-1CC0B43AC243}"/>
-                </a:ext>
-              </a:extLst>
-            </p:cNvPr>
-            <p:cNvSpPr txBox="1"/>
-            <p:nvPr/>
-          </p:nvSpPr>
-          <p:spPr>
-            <a:xfrm>
-              <a:off x="3922974" y="3104874"/>
-              <a:ext cx="442750" cy="400110"/>
-            </a:xfrm>
-            <a:prstGeom prst="rect">
-              <a:avLst/>
-            </a:prstGeom>
-            <a:noFill/>
-          </p:spPr>
-          <p:txBody>
-            <a:bodyPr wrap="none" rtlCol="0">
-              <a:spAutoFit/>
-            </a:bodyPr>
-            <a:lstStyle/>
-            <a:p>
-              <a:r>
-                <a:rPr lang="zh-CN" altLang="en-US" sz="2000" b="1" i="0" dirty="0">
-                  <a:solidFill>
-                    <a:srgbClr val="FF6600"/>
-                  </a:solidFill>
-                  <a:effectLst/>
-                  <a:latin typeface="5FAE8F6F96C59ED1"/>
-                </a:rPr>
-                <a:t>Ⓐ</a:t>
-              </a:r>
-              <a:endParaRPr lang="zh-CN" altLang="en-US" sz="2000" b="1" dirty="0">
-                <a:solidFill>
-                  <a:srgbClr val="FF6600"/>
-                </a:solidFill>
-              </a:endParaRPr>
-            </a:p>
-          </p:txBody>
-        </p:sp>
-        <p:cxnSp>
-          <p:nvCxnSpPr>
-            <p:cNvPr id="215" name="直接箭头连接符 214">
-              <a:extLst>
-                <a:ext uri="{FF2B5EF4-FFF2-40B4-BE49-F238E27FC236}">
-                  <a16:creationId xmlns:a16="http://schemas.microsoft.com/office/drawing/2014/main" id="{FD080212-B78B-412F-9A5C-488183D09CDD}"/>
-                </a:ext>
-              </a:extLst>
-            </p:cNvPr>
-            <p:cNvCxnSpPr>
-              <a:cxnSpLocks/>
-            </p:cNvCxnSpPr>
-            <p:nvPr/>
-          </p:nvCxnSpPr>
-          <p:spPr>
-            <a:xfrm>
-              <a:off x="4143010" y="1818588"/>
-              <a:ext cx="0" cy="1329252"/>
-            </a:xfrm>
-            <a:prstGeom prst="straightConnector1">
-              <a:avLst/>
-            </a:prstGeom>
-            <a:ln>
-              <a:tailEnd type="triangle"/>
-            </a:ln>
-          </p:spPr>
-          <p:style>
-            <a:lnRef idx="3">
-              <a:schemeClr val="accent3"/>
-            </a:lnRef>
-            <a:fillRef idx="0">
-              <a:schemeClr val="accent3"/>
-            </a:fillRef>
-            <a:effectRef idx="2">
-              <a:schemeClr val="accent3"/>
-            </a:effectRef>
-            <a:fontRef idx="minor">
-              <a:schemeClr val="tx1"/>
-            </a:fontRef>
-          </p:style>
-        </p:cxnSp>
-        <p:cxnSp>
-          <p:nvCxnSpPr>
-            <p:cNvPr id="216" name="直接箭头连接符 215">
-              <a:extLst>
-                <a:ext uri="{FF2B5EF4-FFF2-40B4-BE49-F238E27FC236}">
-                  <a16:creationId xmlns:a16="http://schemas.microsoft.com/office/drawing/2014/main" id="{6C7D3380-010D-4C48-A1D8-01E02FD5F399}"/>
-                </a:ext>
-              </a:extLst>
-            </p:cNvPr>
-            <p:cNvCxnSpPr>
-              <a:cxnSpLocks/>
-            </p:cNvCxnSpPr>
-            <p:nvPr/>
-          </p:nvCxnSpPr>
-          <p:spPr>
-            <a:xfrm flipH="1">
-              <a:off x="4237392" y="2719252"/>
-              <a:ext cx="297009" cy="435824"/>
-            </a:xfrm>
-            <a:prstGeom prst="straightConnector1">
-              <a:avLst/>
-            </a:prstGeom>
-            <a:ln>
-              <a:tailEnd type="triangle"/>
-            </a:ln>
-          </p:spPr>
-          <p:style>
-            <a:lnRef idx="3">
-              <a:schemeClr val="accent3"/>
-            </a:lnRef>
-            <a:fillRef idx="0">
-              <a:schemeClr val="accent3"/>
-            </a:fillRef>
-            <a:effectRef idx="2">
-              <a:schemeClr val="accent3"/>
-            </a:effectRef>
-            <a:fontRef idx="minor">
-              <a:schemeClr val="tx1"/>
-            </a:fontRef>
-          </p:style>
-        </p:cxnSp>
-        <p:cxnSp>
-          <p:nvCxnSpPr>
-            <p:cNvPr id="217" name="直接箭头连接符 216">
-              <a:extLst>
-                <a:ext uri="{FF2B5EF4-FFF2-40B4-BE49-F238E27FC236}">
-                  <a16:creationId xmlns:a16="http://schemas.microsoft.com/office/drawing/2014/main" id="{96518E61-6182-406B-B687-FCEAC1558B8C}"/>
-                </a:ext>
-              </a:extLst>
-            </p:cNvPr>
-            <p:cNvCxnSpPr>
-              <a:cxnSpLocks/>
-            </p:cNvCxnSpPr>
-            <p:nvPr/>
-          </p:nvCxnSpPr>
-          <p:spPr>
-            <a:xfrm>
-              <a:off x="3800251" y="2706841"/>
-              <a:ext cx="225033" cy="453815"/>
-            </a:xfrm>
-            <a:prstGeom prst="straightConnector1">
-              <a:avLst/>
-            </a:prstGeom>
-            <a:ln>
-              <a:tailEnd type="triangle"/>
-            </a:ln>
-          </p:spPr>
-          <p:style>
-            <a:lnRef idx="3">
-              <a:schemeClr val="accent3"/>
-            </a:lnRef>
-            <a:fillRef idx="0">
-              <a:schemeClr val="accent3"/>
-            </a:fillRef>
-            <a:effectRef idx="2">
-              <a:schemeClr val="accent3"/>
-            </a:effectRef>
-            <a:fontRef idx="minor">
-              <a:schemeClr val="tx1"/>
-            </a:fontRef>
-          </p:style>
-        </p:cxnSp>
-        <p:cxnSp>
-          <p:nvCxnSpPr>
-            <p:cNvPr id="218" name="直接箭头连接符 217">
-              <a:extLst>
-                <a:ext uri="{FF2B5EF4-FFF2-40B4-BE49-F238E27FC236}">
-                  <a16:creationId xmlns:a16="http://schemas.microsoft.com/office/drawing/2014/main" id="{92BCB5A4-E694-46D8-A37C-8A9D88E824E5}"/>
-                </a:ext>
-              </a:extLst>
-            </p:cNvPr>
-            <p:cNvCxnSpPr>
-              <a:cxnSpLocks/>
-            </p:cNvCxnSpPr>
-            <p:nvPr/>
-          </p:nvCxnSpPr>
-          <p:spPr>
-            <a:xfrm>
-              <a:off x="4144349" y="3467664"/>
-              <a:ext cx="0" cy="280303"/>
-            </a:xfrm>
-            <a:prstGeom prst="straightConnector1">
-              <a:avLst/>
-            </a:prstGeom>
-            <a:ln>
-              <a:tailEnd type="triangle"/>
-            </a:ln>
-          </p:spPr>
-          <p:style>
-            <a:lnRef idx="3">
-              <a:schemeClr val="accent5"/>
-            </a:lnRef>
-            <a:fillRef idx="0">
-              <a:schemeClr val="accent5"/>
-            </a:fillRef>
-            <a:effectRef idx="2">
-              <a:schemeClr val="accent5"/>
-            </a:effectRef>
-            <a:fontRef idx="minor">
-              <a:schemeClr val="tx1"/>
-            </a:fontRef>
-          </p:style>
-        </p:cxnSp>
       </p:grpSp>
       <p:grpSp>
         <p:nvGrpSpPr>
@@ -11490,10 +11032,10 @@
           </p:nvGrpSpPr>
           <p:grpSpPr>
             <a:xfrm>
-              <a:off x="3878595" y="4710612"/>
-              <a:ext cx="1089045" cy="258203"/>
-              <a:chOff x="4828311" y="5157654"/>
-              <a:chExt cx="1089045" cy="456995"/>
+              <a:off x="3877814" y="4716924"/>
+              <a:ext cx="820495" cy="251889"/>
+              <a:chOff x="4827530" y="5168829"/>
+              <a:chExt cx="820495" cy="445820"/>
             </a:xfrm>
           </p:grpSpPr>
           <p:sp>
@@ -11510,8 +11052,8 @@
             </p:nvSpPr>
             <p:spPr>
               <a:xfrm>
-                <a:off x="4828311" y="5157654"/>
-                <a:ext cx="1089045" cy="435788"/>
+                <a:off x="4827530" y="5168829"/>
+                <a:ext cx="820495" cy="435788"/>
               </a:xfrm>
               <a:prstGeom prst="rect">
                 <a:avLst/>
@@ -11524,11 +11066,11 @@
               </a:bodyPr>
               <a:lstStyle/>
               <a:p>
+                <a:pPr algn="ctr"/>
                 <a:r>
                   <a:rPr lang="en-US" altLang="zh-CN" sz="1000" b="1" dirty="0"/>
                   <a:t>Decompose</a:t>
                 </a:r>
-                <a:endParaRPr lang="zh-CN" altLang="en-US" sz="1000" b="1" dirty="0"/>
               </a:p>
             </p:txBody>
           </p:sp>
@@ -12186,8 +11728,8 @@
         </p:nvGrpSpPr>
         <p:grpSpPr>
           <a:xfrm>
-            <a:off x="75958" y="3551814"/>
-            <a:ext cx="5917869" cy="572232"/>
+            <a:off x="75958" y="3631824"/>
+            <a:ext cx="5917869" cy="492222"/>
             <a:chOff x="63580" y="678467"/>
             <a:chExt cx="5917869" cy="644025"/>
           </a:xfrm>
@@ -12378,6 +11920,719 @@
           <a:p>
             <a:pPr algn="ctr"/>
             <a:endParaRPr lang="zh-CN" altLang="en-US"/>
+          </a:p>
+        </p:txBody>
+      </p:sp>
+      <mc:AlternateContent xmlns:mc="http://schemas.openxmlformats.org/markup-compatibility/2006" xmlns:a14="http://schemas.microsoft.com/office/drawing/2010/main">
+        <mc:Choice Requires="a14">
+          <p:sp>
+            <p:nvSpPr>
+              <p:cNvPr id="3" name="文本框 2">
+                <a:extLst>
+                  <a:ext uri="{FF2B5EF4-FFF2-40B4-BE49-F238E27FC236}">
+                    <a16:creationId xmlns:a16="http://schemas.microsoft.com/office/drawing/2014/main" id="{4F8AB4ED-CF26-4971-81E4-0732C7B08DE5}"/>
+                  </a:ext>
+                </a:extLst>
+              </p:cNvPr>
+              <p:cNvSpPr txBox="1"/>
+              <p:nvPr/>
+            </p:nvSpPr>
+            <p:spPr>
+              <a:xfrm>
+                <a:off x="989508" y="2081301"/>
+                <a:ext cx="342594" cy="892552"/>
+              </a:xfrm>
+              <a:prstGeom prst="rect">
+                <a:avLst/>
+              </a:prstGeom>
+              <a:noFill/>
+            </p:spPr>
+            <p:txBody>
+              <a:bodyPr wrap="none" rtlCol="0">
+                <a:spAutoFit/>
+              </a:bodyPr>
+              <a:lstStyle/>
+              <a:p>
+                <a:pPr algn="ctr"/>
+                <a:r>
+                  <a:rPr lang="en-US" altLang="zh-CN" sz="1000" b="1" dirty="0">
+                    <a:solidFill>
+                      <a:srgbClr val="ED7D31"/>
+                    </a:solidFill>
+                  </a:rPr>
+                  <a:t>T</a:t>
+                </a:r>
+              </a:p>
+              <a:p>
+                <a:pPr algn="ctr"/>
+                <a14:m>
+                  <m:oMathPara xmlns:m="http://schemas.openxmlformats.org/officeDocument/2006/math">
+                    <m:oMathParaPr>
+                      <m:jc m:val="centerGroup"/>
+                    </m:oMathParaPr>
+                    <m:oMath xmlns:m="http://schemas.openxmlformats.org/officeDocument/2006/math">
+                      <m:r>
+                        <a:rPr lang="en-US" altLang="zh-CN" sz="1200" b="1">
+                          <a:solidFill>
+                            <a:srgbClr val="ED7D31"/>
+                          </a:solidFill>
+                          <a:latin typeface="Cambria Math" panose="02040503050406030204" pitchFamily="18" charset="0"/>
+                        </a:rPr>
+                        <m:t>≈</m:t>
+                      </m:r>
+                    </m:oMath>
+                  </m:oMathPara>
+                </a14:m>
+                <a:endParaRPr lang="en-US" altLang="zh-CN" sz="1200" b="1" dirty="0">
+                  <a:solidFill>
+                    <a:srgbClr val="ED7D31"/>
+                  </a:solidFill>
+                </a:endParaRPr>
+              </a:p>
+              <a:p>
+                <a:pPr algn="ctr"/>
+                <a:r>
+                  <a:rPr lang="en-US" altLang="zh-CN" sz="1000" b="1" dirty="0">
+                    <a:solidFill>
+                      <a:srgbClr val="ED7D31"/>
+                    </a:solidFill>
+                  </a:rPr>
+                  <a:t>M</a:t>
+                </a:r>
+              </a:p>
+              <a:p>
+                <a:pPr algn="ctr"/>
+                <a:r>
+                  <a:rPr lang="en-US" altLang="zh-CN" sz="1000" b="1" dirty="0">
+                    <a:solidFill>
+                      <a:srgbClr val="ED7D31"/>
+                    </a:solidFill>
+                  </a:rPr>
+                  <a:t>*</a:t>
+                </a:r>
+              </a:p>
+              <a:p>
+                <a:pPr algn="ctr"/>
+                <a:r>
+                  <a:rPr lang="en-US" altLang="zh-CN" sz="1000" b="1" dirty="0">
+                    <a:solidFill>
+                      <a:srgbClr val="ED7D31"/>
+                    </a:solidFill>
+                  </a:rPr>
+                  <a:t>S</a:t>
+                </a:r>
+                <a:endParaRPr lang="zh-CN" altLang="en-US" sz="1000" b="1" dirty="0">
+                  <a:solidFill>
+                    <a:srgbClr val="ED7D31"/>
+                  </a:solidFill>
+                </a:endParaRPr>
+              </a:p>
+            </p:txBody>
+          </p:sp>
+        </mc:Choice>
+        <mc:Fallback xmlns="">
+          <p:sp>
+            <p:nvSpPr>
+              <p:cNvPr id="3" name="文本框 2">
+                <a:extLst>
+                  <a:ext uri="{FF2B5EF4-FFF2-40B4-BE49-F238E27FC236}">
+                    <a16:creationId xmlns:a16="http://schemas.microsoft.com/office/drawing/2014/main" id="{4F8AB4ED-CF26-4971-81E4-0732C7B08DE5}"/>
+                  </a:ext>
+                </a:extLst>
+              </p:cNvPr>
+              <p:cNvSpPr txBox="1">
+                <a:spLocks noRot="1" noChangeAspect="1" noMove="1" noResize="1" noEditPoints="1" noAdjustHandles="1" noChangeArrowheads="1" noChangeShapeType="1" noTextEdit="1"/>
+              </p:cNvSpPr>
+              <p:nvPr/>
+            </p:nvSpPr>
+            <p:spPr>
+              <a:xfrm>
+                <a:off x="989508" y="2081301"/>
+                <a:ext cx="342594" cy="892552"/>
+              </a:xfrm>
+              <a:prstGeom prst="rect">
+                <a:avLst/>
+              </a:prstGeom>
+              <a:blipFill>
+                <a:blip r:embed="rId2"/>
+                <a:stretch>
+                  <a:fillRect b="-2721"/>
+                </a:stretch>
+              </a:blipFill>
+            </p:spPr>
+            <p:txBody>
+              <a:bodyPr/>
+              <a:lstStyle/>
+              <a:p>
+                <a:r>
+                  <a:rPr lang="zh-CN" altLang="en-US">
+                    <a:noFill/>
+                  </a:rPr>
+                  <a:t> </a:t>
+                </a:r>
+              </a:p>
+            </p:txBody>
+          </p:sp>
+        </mc:Fallback>
+      </mc:AlternateContent>
+      <p:grpSp>
+        <p:nvGrpSpPr>
+          <p:cNvPr id="38" name="组合 37">
+            <a:extLst>
+              <a:ext uri="{FF2B5EF4-FFF2-40B4-BE49-F238E27FC236}">
+                <a16:creationId xmlns:a16="http://schemas.microsoft.com/office/drawing/2014/main" id="{03CFA900-F7CF-4D14-BBCC-61B3AB645133}"/>
+              </a:ext>
+            </a:extLst>
+          </p:cNvPr>
+          <p:cNvGrpSpPr/>
+          <p:nvPr/>
+        </p:nvGrpSpPr>
+        <p:grpSpPr>
+          <a:xfrm>
+            <a:off x="3531599" y="1806070"/>
+            <a:ext cx="1521312" cy="1965768"/>
+            <a:chOff x="3531599" y="1806070"/>
+            <a:chExt cx="1521312" cy="1965768"/>
+          </a:xfrm>
+        </p:grpSpPr>
+        <p:grpSp>
+          <p:nvGrpSpPr>
+            <p:cNvPr id="212" name="组合 211">
+              <a:extLst>
+                <a:ext uri="{FF2B5EF4-FFF2-40B4-BE49-F238E27FC236}">
+                  <a16:creationId xmlns:a16="http://schemas.microsoft.com/office/drawing/2014/main" id="{7C1A3EC9-5A49-4F54-81E8-9A15180E232C}"/>
+                </a:ext>
+              </a:extLst>
+            </p:cNvPr>
+            <p:cNvGrpSpPr/>
+            <p:nvPr/>
+          </p:nvGrpSpPr>
+          <p:grpSpPr>
+            <a:xfrm>
+              <a:off x="3800251" y="1806070"/>
+              <a:ext cx="740370" cy="1965768"/>
+              <a:chOff x="3800251" y="1806070"/>
+              <a:chExt cx="740370" cy="1965768"/>
+            </a:xfrm>
+          </p:grpSpPr>
+          <p:sp>
+            <p:nvSpPr>
+              <p:cNvPr id="174" name="文本框 173">
+                <a:extLst>
+                  <a:ext uri="{FF2B5EF4-FFF2-40B4-BE49-F238E27FC236}">
+                    <a16:creationId xmlns:a16="http://schemas.microsoft.com/office/drawing/2014/main" id="{EE993AAA-4145-48E4-B76F-14F3727305D2}"/>
+                  </a:ext>
+                </a:extLst>
+              </p:cNvPr>
+              <p:cNvSpPr txBox="1"/>
+              <p:nvPr/>
+            </p:nvSpPr>
+            <p:spPr>
+              <a:xfrm>
+                <a:off x="3928448" y="2924220"/>
+                <a:ext cx="442750" cy="400110"/>
+              </a:xfrm>
+              <a:prstGeom prst="rect">
+                <a:avLst/>
+              </a:prstGeom>
+              <a:noFill/>
+            </p:spPr>
+            <p:txBody>
+              <a:bodyPr wrap="none" rtlCol="0">
+                <a:spAutoFit/>
+              </a:bodyPr>
+              <a:lstStyle/>
+              <a:p>
+                <a:r>
+                  <a:rPr lang="zh-CN" altLang="en-US" sz="2000" b="1" dirty="0">
+                    <a:solidFill>
+                      <a:srgbClr val="FF6600"/>
+                    </a:solidFill>
+                    <a:latin typeface="5FAE8F6F96C59ED1"/>
+                  </a:rPr>
+                  <a:t>Ⓐ</a:t>
+                </a:r>
+              </a:p>
+            </p:txBody>
+          </p:sp>
+          <p:cxnSp>
+            <p:nvCxnSpPr>
+              <p:cNvPr id="180" name="直接箭头连接符 179">
+                <a:extLst>
+                  <a:ext uri="{FF2B5EF4-FFF2-40B4-BE49-F238E27FC236}">
+                    <a16:creationId xmlns:a16="http://schemas.microsoft.com/office/drawing/2014/main" id="{DAC00D2E-3539-4CB3-92FE-BE7868D76FB9}"/>
+                  </a:ext>
+                </a:extLst>
+              </p:cNvPr>
+              <p:cNvCxnSpPr>
+                <a:cxnSpLocks/>
+              </p:cNvCxnSpPr>
+              <p:nvPr/>
+            </p:nvCxnSpPr>
+            <p:spPr>
+              <a:xfrm>
+                <a:off x="4156043" y="1806070"/>
+                <a:ext cx="0" cy="1176979"/>
+              </a:xfrm>
+              <a:prstGeom prst="straightConnector1">
+                <a:avLst/>
+              </a:prstGeom>
+              <a:ln>
+                <a:tailEnd type="triangle"/>
+              </a:ln>
+            </p:spPr>
+            <p:style>
+              <a:lnRef idx="3">
+                <a:schemeClr val="accent3"/>
+              </a:lnRef>
+              <a:fillRef idx="0">
+                <a:schemeClr val="accent3"/>
+              </a:fillRef>
+              <a:effectRef idx="2">
+                <a:schemeClr val="accent3"/>
+              </a:effectRef>
+              <a:fontRef idx="minor">
+                <a:schemeClr val="tx1"/>
+              </a:fontRef>
+            </p:style>
+          </p:cxnSp>
+          <p:cxnSp>
+            <p:nvCxnSpPr>
+              <p:cNvPr id="184" name="直接箭头连接符 183">
+                <a:extLst>
+                  <a:ext uri="{FF2B5EF4-FFF2-40B4-BE49-F238E27FC236}">
+                    <a16:creationId xmlns:a16="http://schemas.microsoft.com/office/drawing/2014/main" id="{975C3B0F-D04C-4ED5-A367-664DB15F2F46}"/>
+                  </a:ext>
+                </a:extLst>
+              </p:cNvPr>
+              <p:cNvCxnSpPr>
+                <a:cxnSpLocks/>
+              </p:cNvCxnSpPr>
+              <p:nvPr/>
+            </p:nvCxnSpPr>
+            <p:spPr>
+              <a:xfrm flipH="1">
+                <a:off x="4249154" y="2706812"/>
+                <a:ext cx="291467" cy="326672"/>
+              </a:xfrm>
+              <a:prstGeom prst="straightConnector1">
+                <a:avLst/>
+              </a:prstGeom>
+              <a:ln>
+                <a:tailEnd type="triangle"/>
+              </a:ln>
+            </p:spPr>
+            <p:style>
+              <a:lnRef idx="3">
+                <a:schemeClr val="accent3"/>
+              </a:lnRef>
+              <a:fillRef idx="0">
+                <a:schemeClr val="accent3"/>
+              </a:fillRef>
+              <a:effectRef idx="2">
+                <a:schemeClr val="accent3"/>
+              </a:effectRef>
+              <a:fontRef idx="minor">
+                <a:schemeClr val="tx1"/>
+              </a:fontRef>
+            </p:style>
+          </p:cxnSp>
+          <p:cxnSp>
+            <p:nvCxnSpPr>
+              <p:cNvPr id="187" name="直接箭头连接符 186">
+                <a:extLst>
+                  <a:ext uri="{FF2B5EF4-FFF2-40B4-BE49-F238E27FC236}">
+                    <a16:creationId xmlns:a16="http://schemas.microsoft.com/office/drawing/2014/main" id="{3C9B64C2-7DF1-4F86-B0EF-3CCFA4D39F16}"/>
+                  </a:ext>
+                </a:extLst>
+              </p:cNvPr>
+              <p:cNvCxnSpPr>
+                <a:cxnSpLocks/>
+                <a:stCxn id="102" idx="3"/>
+              </p:cNvCxnSpPr>
+              <p:nvPr/>
+            </p:nvCxnSpPr>
+            <p:spPr>
+              <a:xfrm>
+                <a:off x="3800251" y="2706841"/>
+                <a:ext cx="261744" cy="324694"/>
+              </a:xfrm>
+              <a:prstGeom prst="straightConnector1">
+                <a:avLst/>
+              </a:prstGeom>
+              <a:ln>
+                <a:tailEnd type="triangle"/>
+              </a:ln>
+            </p:spPr>
+            <p:style>
+              <a:lnRef idx="3">
+                <a:schemeClr val="accent3"/>
+              </a:lnRef>
+              <a:fillRef idx="0">
+                <a:schemeClr val="accent3"/>
+              </a:fillRef>
+              <a:effectRef idx="2">
+                <a:schemeClr val="accent3"/>
+              </a:effectRef>
+              <a:fontRef idx="minor">
+                <a:schemeClr val="tx1"/>
+              </a:fontRef>
+            </p:style>
+          </p:cxnSp>
+          <p:cxnSp>
+            <p:nvCxnSpPr>
+              <p:cNvPr id="191" name="直接箭头连接符 190">
+                <a:extLst>
+                  <a:ext uri="{FF2B5EF4-FFF2-40B4-BE49-F238E27FC236}">
+                    <a16:creationId xmlns:a16="http://schemas.microsoft.com/office/drawing/2014/main" id="{45CB6FC2-7CF1-4110-A403-2BEA66F7188C}"/>
+                  </a:ext>
+                </a:extLst>
+              </p:cNvPr>
+              <p:cNvCxnSpPr>
+                <a:cxnSpLocks/>
+              </p:cNvCxnSpPr>
+              <p:nvPr/>
+            </p:nvCxnSpPr>
+            <p:spPr>
+              <a:xfrm>
+                <a:off x="4149907" y="3242702"/>
+                <a:ext cx="0" cy="529136"/>
+              </a:xfrm>
+              <a:prstGeom prst="straightConnector1">
+                <a:avLst/>
+              </a:prstGeom>
+              <a:ln>
+                <a:tailEnd type="triangle"/>
+              </a:ln>
+            </p:spPr>
+            <p:style>
+              <a:lnRef idx="3">
+                <a:schemeClr val="accent5"/>
+              </a:lnRef>
+              <a:fillRef idx="0">
+                <a:schemeClr val="accent5"/>
+              </a:fillRef>
+              <a:effectRef idx="2">
+                <a:schemeClr val="accent5"/>
+              </a:effectRef>
+              <a:fontRef idx="minor">
+                <a:schemeClr val="tx1"/>
+              </a:fontRef>
+            </p:style>
+          </p:cxnSp>
+        </p:grpSp>
+        <p:sp>
+          <p:nvSpPr>
+            <p:cNvPr id="133" name="文本框 132">
+              <a:extLst>
+                <a:ext uri="{FF2B5EF4-FFF2-40B4-BE49-F238E27FC236}">
+                  <a16:creationId xmlns:a16="http://schemas.microsoft.com/office/drawing/2014/main" id="{C8D57A0B-DCA8-4581-ACA1-5F2AEBFE9B1C}"/>
+                </a:ext>
+              </a:extLst>
+            </p:cNvPr>
+            <p:cNvSpPr txBox="1"/>
+            <p:nvPr/>
+          </p:nvSpPr>
+          <p:spPr>
+            <a:xfrm>
+              <a:off x="3531599" y="3457460"/>
+              <a:ext cx="1521312" cy="253916"/>
+            </a:xfrm>
+            <a:prstGeom prst="rect">
+              <a:avLst/>
+            </a:prstGeom>
+            <a:noFill/>
+          </p:spPr>
+          <p:txBody>
+            <a:bodyPr wrap="square">
+              <a:spAutoFit/>
+            </a:bodyPr>
+            <a:lstStyle/>
+            <a:p>
+              <a:r>
+                <a:rPr lang="en-US" altLang="zh-CN" sz="1050" b="1" dirty="0">
+                  <a:solidFill>
+                    <a:srgbClr val="5B9BD5"/>
+                  </a:solidFill>
+                </a:rPr>
+                <a:t>Winning Initialization</a:t>
+              </a:r>
+              <a:endParaRPr lang="zh-CN" altLang="en-US" sz="1050" b="1" dirty="0">
+                <a:solidFill>
+                  <a:srgbClr val="5B9BD5"/>
+                </a:solidFill>
+              </a:endParaRPr>
+            </a:p>
+          </p:txBody>
+        </p:sp>
+      </p:grpSp>
+      <p:grpSp>
+        <p:nvGrpSpPr>
+          <p:cNvPr id="142" name="组合 141">
+            <a:extLst>
+              <a:ext uri="{FF2B5EF4-FFF2-40B4-BE49-F238E27FC236}">
+                <a16:creationId xmlns:a16="http://schemas.microsoft.com/office/drawing/2014/main" id="{1C02BAEF-9AD8-409A-84C1-1DDF9162253E}"/>
+              </a:ext>
+            </a:extLst>
+          </p:cNvPr>
+          <p:cNvGrpSpPr/>
+          <p:nvPr/>
+        </p:nvGrpSpPr>
+        <p:grpSpPr>
+          <a:xfrm>
+            <a:off x="2330422" y="1795775"/>
+            <a:ext cx="725668" cy="1965768"/>
+            <a:chOff x="3814953" y="1806070"/>
+            <a:chExt cx="725668" cy="1965768"/>
+          </a:xfrm>
+        </p:grpSpPr>
+        <p:sp>
+          <p:nvSpPr>
+            <p:cNvPr id="144" name="文本框 143">
+              <a:extLst>
+                <a:ext uri="{FF2B5EF4-FFF2-40B4-BE49-F238E27FC236}">
+                  <a16:creationId xmlns:a16="http://schemas.microsoft.com/office/drawing/2014/main" id="{51465605-D283-462C-83E5-618242AB764E}"/>
+                </a:ext>
+              </a:extLst>
+            </p:cNvPr>
+            <p:cNvSpPr txBox="1"/>
+            <p:nvPr/>
+          </p:nvSpPr>
+          <p:spPr>
+            <a:xfrm>
+              <a:off x="3928448" y="2924220"/>
+              <a:ext cx="442750" cy="400110"/>
+            </a:xfrm>
+            <a:prstGeom prst="rect">
+              <a:avLst/>
+            </a:prstGeom>
+            <a:noFill/>
+          </p:spPr>
+          <p:txBody>
+            <a:bodyPr wrap="none" rtlCol="0">
+              <a:spAutoFit/>
+            </a:bodyPr>
+            <a:lstStyle/>
+            <a:p>
+              <a:r>
+                <a:rPr lang="zh-CN" altLang="en-US" sz="2000" b="1" dirty="0">
+                  <a:solidFill>
+                    <a:srgbClr val="FF6600"/>
+                  </a:solidFill>
+                  <a:latin typeface="5FAE8F6F96C59ED1"/>
+                </a:rPr>
+                <a:t>Ⓐ</a:t>
+              </a:r>
+            </a:p>
+          </p:txBody>
+        </p:sp>
+        <p:cxnSp>
+          <p:nvCxnSpPr>
+            <p:cNvPr id="146" name="直接箭头连接符 145">
+              <a:extLst>
+                <a:ext uri="{FF2B5EF4-FFF2-40B4-BE49-F238E27FC236}">
+                  <a16:creationId xmlns:a16="http://schemas.microsoft.com/office/drawing/2014/main" id="{EE1073B7-9182-4428-B86F-EFD7EEF97FB8}"/>
+                </a:ext>
+              </a:extLst>
+            </p:cNvPr>
+            <p:cNvCxnSpPr>
+              <a:cxnSpLocks/>
+            </p:cNvCxnSpPr>
+            <p:nvPr/>
+          </p:nvCxnSpPr>
+          <p:spPr>
+            <a:xfrm>
+              <a:off x="4156043" y="1806070"/>
+              <a:ext cx="0" cy="1176979"/>
+            </a:xfrm>
+            <a:prstGeom prst="straightConnector1">
+              <a:avLst/>
+            </a:prstGeom>
+            <a:ln>
+              <a:tailEnd type="triangle"/>
+            </a:ln>
+          </p:spPr>
+          <p:style>
+            <a:lnRef idx="3">
+              <a:schemeClr val="accent3"/>
+            </a:lnRef>
+            <a:fillRef idx="0">
+              <a:schemeClr val="accent3"/>
+            </a:fillRef>
+            <a:effectRef idx="2">
+              <a:schemeClr val="accent3"/>
+            </a:effectRef>
+            <a:fontRef idx="minor">
+              <a:schemeClr val="tx1"/>
+            </a:fontRef>
+          </p:style>
+        </p:cxnSp>
+        <p:cxnSp>
+          <p:nvCxnSpPr>
+            <p:cNvPr id="159" name="直接箭头连接符 158">
+              <a:extLst>
+                <a:ext uri="{FF2B5EF4-FFF2-40B4-BE49-F238E27FC236}">
+                  <a16:creationId xmlns:a16="http://schemas.microsoft.com/office/drawing/2014/main" id="{F602DD41-37D9-4C42-9BB0-8ABBCEEE971B}"/>
+                </a:ext>
+              </a:extLst>
+            </p:cNvPr>
+            <p:cNvCxnSpPr>
+              <a:cxnSpLocks/>
+            </p:cNvCxnSpPr>
+            <p:nvPr/>
+          </p:nvCxnSpPr>
+          <p:spPr>
+            <a:xfrm flipH="1">
+              <a:off x="4249154" y="2706812"/>
+              <a:ext cx="291467" cy="326672"/>
+            </a:xfrm>
+            <a:prstGeom prst="straightConnector1">
+              <a:avLst/>
+            </a:prstGeom>
+            <a:ln>
+              <a:tailEnd type="triangle"/>
+            </a:ln>
+          </p:spPr>
+          <p:style>
+            <a:lnRef idx="3">
+              <a:schemeClr val="accent3"/>
+            </a:lnRef>
+            <a:fillRef idx="0">
+              <a:schemeClr val="accent3"/>
+            </a:fillRef>
+            <a:effectRef idx="2">
+              <a:schemeClr val="accent3"/>
+            </a:effectRef>
+            <a:fontRef idx="minor">
+              <a:schemeClr val="tx1"/>
+            </a:fontRef>
+          </p:style>
+        </p:cxnSp>
+        <p:cxnSp>
+          <p:nvCxnSpPr>
+            <p:cNvPr id="160" name="直接箭头连接符 159">
+              <a:extLst>
+                <a:ext uri="{FF2B5EF4-FFF2-40B4-BE49-F238E27FC236}">
+                  <a16:creationId xmlns:a16="http://schemas.microsoft.com/office/drawing/2014/main" id="{73354ABE-3C7B-46EE-8A00-74A752735A4D}"/>
+                </a:ext>
+              </a:extLst>
+            </p:cNvPr>
+            <p:cNvCxnSpPr>
+              <a:cxnSpLocks/>
+              <a:stCxn id="225" idx="3"/>
+            </p:cNvCxnSpPr>
+            <p:nvPr/>
+          </p:nvCxnSpPr>
+          <p:spPr>
+            <a:xfrm>
+              <a:off x="3814953" y="2717542"/>
+              <a:ext cx="247042" cy="313993"/>
+            </a:xfrm>
+            <a:prstGeom prst="straightConnector1">
+              <a:avLst/>
+            </a:prstGeom>
+            <a:ln>
+              <a:tailEnd type="triangle"/>
+            </a:ln>
+          </p:spPr>
+          <p:style>
+            <a:lnRef idx="3">
+              <a:schemeClr val="accent3"/>
+            </a:lnRef>
+            <a:fillRef idx="0">
+              <a:schemeClr val="accent3"/>
+            </a:fillRef>
+            <a:effectRef idx="2">
+              <a:schemeClr val="accent3"/>
+            </a:effectRef>
+            <a:fontRef idx="minor">
+              <a:schemeClr val="tx1"/>
+            </a:fontRef>
+          </p:style>
+        </p:cxnSp>
+        <p:cxnSp>
+          <p:nvCxnSpPr>
+            <p:cNvPr id="161" name="直接箭头连接符 160">
+              <a:extLst>
+                <a:ext uri="{FF2B5EF4-FFF2-40B4-BE49-F238E27FC236}">
+                  <a16:creationId xmlns:a16="http://schemas.microsoft.com/office/drawing/2014/main" id="{FD745C51-4982-42A3-A4AD-1C0B5A9547AB}"/>
+                </a:ext>
+              </a:extLst>
+            </p:cNvPr>
+            <p:cNvCxnSpPr>
+              <a:cxnSpLocks/>
+            </p:cNvCxnSpPr>
+            <p:nvPr/>
+          </p:nvCxnSpPr>
+          <p:spPr>
+            <a:xfrm>
+              <a:off x="4149907" y="3242702"/>
+              <a:ext cx="0" cy="529136"/>
+            </a:xfrm>
+            <a:prstGeom prst="straightConnector1">
+              <a:avLst/>
+            </a:prstGeom>
+            <a:ln>
+              <a:tailEnd type="triangle"/>
+            </a:ln>
+          </p:spPr>
+          <p:style>
+            <a:lnRef idx="3">
+              <a:schemeClr val="accent5"/>
+            </a:lnRef>
+            <a:fillRef idx="0">
+              <a:schemeClr val="accent5"/>
+            </a:fillRef>
+            <a:effectRef idx="2">
+              <a:schemeClr val="accent5"/>
+            </a:effectRef>
+            <a:fontRef idx="minor">
+              <a:schemeClr val="tx1"/>
+            </a:fontRef>
+          </p:style>
+        </p:cxnSp>
+      </p:grpSp>
+      <p:sp>
+        <p:nvSpPr>
+          <p:cNvPr id="163" name="文本框 162">
+            <a:extLst>
+              <a:ext uri="{FF2B5EF4-FFF2-40B4-BE49-F238E27FC236}">
+                <a16:creationId xmlns:a16="http://schemas.microsoft.com/office/drawing/2014/main" id="{7B927622-257D-47D9-80E9-977E2D752BAA}"/>
+              </a:ext>
+            </a:extLst>
+          </p:cNvPr>
+          <p:cNvSpPr txBox="1"/>
+          <p:nvPr/>
+        </p:nvSpPr>
+        <p:spPr>
+          <a:xfrm>
+            <a:off x="2042790" y="3454582"/>
+            <a:ext cx="1521312" cy="253916"/>
+          </a:xfrm>
+          <a:prstGeom prst="rect">
+            <a:avLst/>
+          </a:prstGeom>
+          <a:noFill/>
+        </p:spPr>
+        <p:txBody>
+          <a:bodyPr wrap="square">
+            <a:spAutoFit/>
+          </a:bodyPr>
+          <a:lstStyle/>
+          <a:p>
+            <a:r>
+              <a:rPr lang="en-US" altLang="zh-CN" sz="1050" b="1" dirty="0">
+                <a:solidFill>
+                  <a:srgbClr val="5B9BD5"/>
+                </a:solidFill>
+              </a:rPr>
+              <a:t>Winning Initialization</a:t>
+            </a:r>
+            <a:endParaRPr lang="zh-CN" altLang="en-US" sz="1050" b="1" dirty="0">
+              <a:solidFill>
+                <a:srgbClr val="5B9BD5"/>
+              </a:solidFill>
+            </a:endParaRPr>
           </a:p>
         </p:txBody>
       </p:sp>

--- a/experiment/fig2/framework.pptx
+++ b/experiment/fig2/framework.pptx
@@ -5,8 +5,7 @@
     <p:sldMasterId id="2147483648" r:id="rId1"/>
   </p:sldMasterIdLst>
   <p:sldIdLst>
-    <p:sldId id="256" r:id="rId2"/>
-    <p:sldId id="257" r:id="rId3"/>
+    <p:sldId id="257" r:id="rId2"/>
   </p:sldIdLst>
   <p:sldSz cx="12192000" cy="6858000"/>
   <p:notesSz cx="6858000" cy="9144000"/>
@@ -260,7 +259,7 @@
           <a:p>
             <a:fld id="{E0532EFC-1C78-41CF-9024-C7866918C580}" type="datetimeFigureOut">
               <a:rPr lang="zh-CN" altLang="en-US" smtClean="0"/>
-              <a:t>2021/11/14</a:t>
+              <a:t>2021/11/15</a:t>
             </a:fld>
             <a:endParaRPr lang="zh-CN" altLang="en-US"/>
           </a:p>
@@ -458,7 +457,7 @@
           <a:p>
             <a:fld id="{E0532EFC-1C78-41CF-9024-C7866918C580}" type="datetimeFigureOut">
               <a:rPr lang="zh-CN" altLang="en-US" smtClean="0"/>
-              <a:t>2021/11/14</a:t>
+              <a:t>2021/11/15</a:t>
             </a:fld>
             <a:endParaRPr lang="zh-CN" altLang="en-US"/>
           </a:p>
@@ -666,7 +665,7 @@
           <a:p>
             <a:fld id="{E0532EFC-1C78-41CF-9024-C7866918C580}" type="datetimeFigureOut">
               <a:rPr lang="zh-CN" altLang="en-US" smtClean="0"/>
-              <a:t>2021/11/14</a:t>
+              <a:t>2021/11/15</a:t>
             </a:fld>
             <a:endParaRPr lang="zh-CN" altLang="en-US"/>
           </a:p>
@@ -864,7 +863,7 @@
           <a:p>
             <a:fld id="{E0532EFC-1C78-41CF-9024-C7866918C580}" type="datetimeFigureOut">
               <a:rPr lang="zh-CN" altLang="en-US" smtClean="0"/>
-              <a:t>2021/11/14</a:t>
+              <a:t>2021/11/15</a:t>
             </a:fld>
             <a:endParaRPr lang="zh-CN" altLang="en-US"/>
           </a:p>
@@ -1139,7 +1138,7 @@
           <a:p>
             <a:fld id="{E0532EFC-1C78-41CF-9024-C7866918C580}" type="datetimeFigureOut">
               <a:rPr lang="zh-CN" altLang="en-US" smtClean="0"/>
-              <a:t>2021/11/14</a:t>
+              <a:t>2021/11/15</a:t>
             </a:fld>
             <a:endParaRPr lang="zh-CN" altLang="en-US"/>
           </a:p>
@@ -1404,7 +1403,7 @@
           <a:p>
             <a:fld id="{E0532EFC-1C78-41CF-9024-C7866918C580}" type="datetimeFigureOut">
               <a:rPr lang="zh-CN" altLang="en-US" smtClean="0"/>
-              <a:t>2021/11/14</a:t>
+              <a:t>2021/11/15</a:t>
             </a:fld>
             <a:endParaRPr lang="zh-CN" altLang="en-US"/>
           </a:p>
@@ -1816,7 +1815,7 @@
           <a:p>
             <a:fld id="{E0532EFC-1C78-41CF-9024-C7866918C580}" type="datetimeFigureOut">
               <a:rPr lang="zh-CN" altLang="en-US" smtClean="0"/>
-              <a:t>2021/11/14</a:t>
+              <a:t>2021/11/15</a:t>
             </a:fld>
             <a:endParaRPr lang="zh-CN" altLang="en-US"/>
           </a:p>
@@ -1957,7 +1956,7 @@
           <a:p>
             <a:fld id="{E0532EFC-1C78-41CF-9024-C7866918C580}" type="datetimeFigureOut">
               <a:rPr lang="zh-CN" altLang="en-US" smtClean="0"/>
-              <a:t>2021/11/14</a:t>
+              <a:t>2021/11/15</a:t>
             </a:fld>
             <a:endParaRPr lang="zh-CN" altLang="en-US"/>
           </a:p>
@@ -2070,7 +2069,7 @@
           <a:p>
             <a:fld id="{E0532EFC-1C78-41CF-9024-C7866918C580}" type="datetimeFigureOut">
               <a:rPr lang="zh-CN" altLang="en-US" smtClean="0"/>
-              <a:t>2021/11/14</a:t>
+              <a:t>2021/11/15</a:t>
             </a:fld>
             <a:endParaRPr lang="zh-CN" altLang="en-US"/>
           </a:p>
@@ -2381,7 +2380,7 @@
           <a:p>
             <a:fld id="{E0532EFC-1C78-41CF-9024-C7866918C580}" type="datetimeFigureOut">
               <a:rPr lang="zh-CN" altLang="en-US" smtClean="0"/>
-              <a:t>2021/11/14</a:t>
+              <a:t>2021/11/15</a:t>
             </a:fld>
             <a:endParaRPr lang="zh-CN" altLang="en-US"/>
           </a:p>
@@ -2669,7 +2668,7 @@
           <a:p>
             <a:fld id="{E0532EFC-1C78-41CF-9024-C7866918C580}" type="datetimeFigureOut">
               <a:rPr lang="zh-CN" altLang="en-US" smtClean="0"/>
-              <a:t>2021/11/14</a:t>
+              <a:t>2021/11/15</a:t>
             </a:fld>
             <a:endParaRPr lang="zh-CN" altLang="en-US"/>
           </a:p>
@@ -2910,7 +2909,7 @@
           <a:p>
             <a:fld id="{E0532EFC-1C78-41CF-9024-C7866918C580}" type="datetimeFigureOut">
               <a:rPr lang="zh-CN" altLang="en-US" smtClean="0"/>
-              <a:t>2021/11/14</a:t>
+              <a:t>2021/11/15</a:t>
             </a:fld>
             <a:endParaRPr lang="zh-CN" altLang="en-US"/>
           </a:p>
@@ -3311,4229 +3310,6 @@
 </file>
 
 <file path=ppt/slides/slide1.xml><?xml version="1.0" encoding="utf-8"?>
-<p:sld xmlns:a="http://schemas.openxmlformats.org/drawingml/2006/main" xmlns:r="http://schemas.openxmlformats.org/officeDocument/2006/relationships" xmlns:p="http://schemas.openxmlformats.org/presentationml/2006/main">
-  <p:cSld>
-    <p:spTree>
-      <p:nvGrpSpPr>
-        <p:cNvPr id="1" name=""/>
-        <p:cNvGrpSpPr/>
-        <p:nvPr/>
-      </p:nvGrpSpPr>
-      <p:grpSpPr>
-        <a:xfrm>
-          <a:off x="0" y="0"/>
-          <a:ext cx="0" cy="0"/>
-          <a:chOff x="0" y="0"/>
-          <a:chExt cx="0" cy="0"/>
-        </a:xfrm>
-      </p:grpSpPr>
-      <p:grpSp>
-        <p:nvGrpSpPr>
-          <p:cNvPr id="51" name="组合 50">
-            <a:extLst>
-              <a:ext uri="{FF2B5EF4-FFF2-40B4-BE49-F238E27FC236}">
-                <a16:creationId xmlns:a16="http://schemas.microsoft.com/office/drawing/2014/main" id="{7A407838-14B1-4E59-B2C1-CBFCF6BD9C48}"/>
-              </a:ext>
-            </a:extLst>
-          </p:cNvPr>
-          <p:cNvGrpSpPr/>
-          <p:nvPr/>
-        </p:nvGrpSpPr>
-        <p:grpSpPr>
-          <a:xfrm>
-            <a:off x="2187092" y="2112883"/>
-            <a:ext cx="3128103" cy="525043"/>
-            <a:chOff x="2187092" y="2263801"/>
-            <a:chExt cx="3128103" cy="452762"/>
-          </a:xfrm>
-        </p:grpSpPr>
-        <p:sp>
-          <p:nvSpPr>
-            <p:cNvPr id="32" name="矩形 31">
-              <a:extLst>
-                <a:ext uri="{FF2B5EF4-FFF2-40B4-BE49-F238E27FC236}">
-                  <a16:creationId xmlns:a16="http://schemas.microsoft.com/office/drawing/2014/main" id="{5FE2D0C1-CFCB-4FC8-B425-F351E8229D04}"/>
-                </a:ext>
-              </a:extLst>
-            </p:cNvPr>
-            <p:cNvSpPr/>
-            <p:nvPr/>
-          </p:nvSpPr>
-          <p:spPr>
-            <a:xfrm>
-              <a:off x="2370337" y="2272679"/>
-              <a:ext cx="754603" cy="435006"/>
-            </a:xfrm>
-            <a:prstGeom prst="rect">
-              <a:avLst/>
-            </a:prstGeom>
-          </p:spPr>
-          <p:style>
-            <a:lnRef idx="2">
-              <a:schemeClr val="accent1">
-                <a:shade val="50000"/>
-              </a:schemeClr>
-            </a:lnRef>
-            <a:fillRef idx="1">
-              <a:schemeClr val="accent1"/>
-            </a:fillRef>
-            <a:effectRef idx="0">
-              <a:schemeClr val="accent1"/>
-            </a:effectRef>
-            <a:fontRef idx="minor">
-              <a:schemeClr val="lt1"/>
-            </a:fontRef>
-          </p:style>
-          <p:txBody>
-            <a:bodyPr rtlCol="0" anchor="ctr"/>
-            <a:lstStyle/>
-            <a:p>
-              <a:pPr algn="ctr"/>
-              <a:r>
-                <a:rPr lang="en-US" altLang="zh-CN" dirty="0"/>
-                <a:t>Conv</a:t>
-              </a:r>
-              <a:endParaRPr lang="zh-CN" altLang="en-US" dirty="0"/>
-            </a:p>
-          </p:txBody>
-        </p:sp>
-        <p:sp>
-          <p:nvSpPr>
-            <p:cNvPr id="33" name="矩形 32">
-              <a:extLst>
-                <a:ext uri="{FF2B5EF4-FFF2-40B4-BE49-F238E27FC236}">
-                  <a16:creationId xmlns:a16="http://schemas.microsoft.com/office/drawing/2014/main" id="{C0F87484-CEF8-4DBE-91AA-5FC56E403F17}"/>
-                </a:ext>
-              </a:extLst>
-            </p:cNvPr>
-            <p:cNvSpPr/>
-            <p:nvPr/>
-          </p:nvSpPr>
-          <p:spPr>
-            <a:xfrm>
-              <a:off x="3284736" y="2263801"/>
-              <a:ext cx="88778" cy="443884"/>
-            </a:xfrm>
-            <a:prstGeom prst="rect">
-              <a:avLst/>
-            </a:prstGeom>
-          </p:spPr>
-          <p:style>
-            <a:lnRef idx="2">
-              <a:schemeClr val="accent4">
-                <a:shade val="50000"/>
-              </a:schemeClr>
-            </a:lnRef>
-            <a:fillRef idx="1">
-              <a:schemeClr val="accent4"/>
-            </a:fillRef>
-            <a:effectRef idx="0">
-              <a:schemeClr val="accent4"/>
-            </a:effectRef>
-            <a:fontRef idx="minor">
-              <a:schemeClr val="lt1"/>
-            </a:fontRef>
-          </p:style>
-          <p:txBody>
-            <a:bodyPr rtlCol="0" anchor="ctr"/>
-            <a:lstStyle/>
-            <a:p>
-              <a:pPr algn="ctr"/>
-              <a:endParaRPr lang="zh-CN" altLang="en-US"/>
-            </a:p>
-          </p:txBody>
-        </p:sp>
-        <p:cxnSp>
-          <p:nvCxnSpPr>
-            <p:cNvPr id="34" name="直接箭头连接符 33">
-              <a:extLst>
-                <a:ext uri="{FF2B5EF4-FFF2-40B4-BE49-F238E27FC236}">
-                  <a16:creationId xmlns:a16="http://schemas.microsoft.com/office/drawing/2014/main" id="{26A9E649-554E-40D2-8F7E-F70593F0A035}"/>
-                </a:ext>
-              </a:extLst>
-            </p:cNvPr>
-            <p:cNvCxnSpPr>
-              <a:cxnSpLocks/>
-              <a:stCxn id="32" idx="3"/>
-              <a:endCxn id="33" idx="1"/>
-            </p:cNvCxnSpPr>
-            <p:nvPr/>
-          </p:nvCxnSpPr>
-          <p:spPr>
-            <a:xfrm flipV="1">
-              <a:off x="3124940" y="2485743"/>
-              <a:ext cx="159796" cy="4438"/>
-            </a:xfrm>
-            <a:prstGeom prst="straightConnector1">
-              <a:avLst/>
-            </a:prstGeom>
-            <a:ln>
-              <a:tailEnd type="triangle"/>
-            </a:ln>
-          </p:spPr>
-          <p:style>
-            <a:lnRef idx="1">
-              <a:schemeClr val="dk1"/>
-            </a:lnRef>
-            <a:fillRef idx="0">
-              <a:schemeClr val="dk1"/>
-            </a:fillRef>
-            <a:effectRef idx="0">
-              <a:schemeClr val="dk1"/>
-            </a:effectRef>
-            <a:fontRef idx="minor">
-              <a:schemeClr val="tx1"/>
-            </a:fontRef>
-          </p:style>
-        </p:cxnSp>
-        <p:cxnSp>
-          <p:nvCxnSpPr>
-            <p:cNvPr id="35" name="直接箭头连接符 34">
-              <a:extLst>
-                <a:ext uri="{FF2B5EF4-FFF2-40B4-BE49-F238E27FC236}">
-                  <a16:creationId xmlns:a16="http://schemas.microsoft.com/office/drawing/2014/main" id="{87391EBA-BB50-44DC-BF77-02A7098A8348}"/>
-                </a:ext>
-              </a:extLst>
-            </p:cNvPr>
-            <p:cNvCxnSpPr>
-              <a:cxnSpLocks/>
-              <a:endCxn id="32" idx="1"/>
-            </p:cNvCxnSpPr>
-            <p:nvPr/>
-          </p:nvCxnSpPr>
-          <p:spPr>
-            <a:xfrm flipV="1">
-              <a:off x="2187092" y="2490182"/>
-              <a:ext cx="183245" cy="4439"/>
-            </a:xfrm>
-            <a:prstGeom prst="straightConnector1">
-              <a:avLst/>
-            </a:prstGeom>
-            <a:ln>
-              <a:tailEnd type="triangle"/>
-            </a:ln>
-          </p:spPr>
-          <p:style>
-            <a:lnRef idx="1">
-              <a:schemeClr val="dk1"/>
-            </a:lnRef>
-            <a:fillRef idx="0">
-              <a:schemeClr val="dk1"/>
-            </a:fillRef>
-            <a:effectRef idx="0">
-              <a:schemeClr val="dk1"/>
-            </a:effectRef>
-            <a:fontRef idx="minor">
-              <a:schemeClr val="tx1"/>
-            </a:fontRef>
-          </p:style>
-        </p:cxnSp>
-        <p:cxnSp>
-          <p:nvCxnSpPr>
-            <p:cNvPr id="36" name="直接箭头连接符 35">
-              <a:extLst>
-                <a:ext uri="{FF2B5EF4-FFF2-40B4-BE49-F238E27FC236}">
-                  <a16:creationId xmlns:a16="http://schemas.microsoft.com/office/drawing/2014/main" id="{CEBDB8D7-711A-49BB-A8AE-EAE31D593DBF}"/>
-                </a:ext>
-              </a:extLst>
-            </p:cNvPr>
-            <p:cNvCxnSpPr>
-              <a:cxnSpLocks/>
-              <a:stCxn id="33" idx="3"/>
-            </p:cNvCxnSpPr>
-            <p:nvPr/>
-          </p:nvCxnSpPr>
-          <p:spPr>
-            <a:xfrm>
-              <a:off x="3373514" y="2485743"/>
-              <a:ext cx="301841" cy="0"/>
-            </a:xfrm>
-            <a:prstGeom prst="straightConnector1">
-              <a:avLst/>
-            </a:prstGeom>
-            <a:ln>
-              <a:tailEnd type="triangle"/>
-            </a:ln>
-          </p:spPr>
-          <p:style>
-            <a:lnRef idx="1">
-              <a:schemeClr val="dk1"/>
-            </a:lnRef>
-            <a:fillRef idx="0">
-              <a:schemeClr val="dk1"/>
-            </a:fillRef>
-            <a:effectRef idx="0">
-              <a:schemeClr val="dk1"/>
-            </a:effectRef>
-            <a:fontRef idx="minor">
-              <a:schemeClr val="tx1"/>
-            </a:fontRef>
-          </p:style>
-        </p:cxnSp>
-        <p:sp>
-          <p:nvSpPr>
-            <p:cNvPr id="37" name="矩形 36">
-              <a:extLst>
-                <a:ext uri="{FF2B5EF4-FFF2-40B4-BE49-F238E27FC236}">
-                  <a16:creationId xmlns:a16="http://schemas.microsoft.com/office/drawing/2014/main" id="{E20C6C81-C7B6-417A-8692-20E3B35A9A5C}"/>
-                </a:ext>
-              </a:extLst>
-            </p:cNvPr>
-            <p:cNvSpPr/>
-            <p:nvPr/>
-          </p:nvSpPr>
-          <p:spPr>
-            <a:xfrm>
-              <a:off x="3675355" y="2281557"/>
-              <a:ext cx="754603" cy="435006"/>
-            </a:xfrm>
-            <a:prstGeom prst="rect">
-              <a:avLst/>
-            </a:prstGeom>
-          </p:spPr>
-          <p:style>
-            <a:lnRef idx="2">
-              <a:schemeClr val="accent1">
-                <a:shade val="50000"/>
-              </a:schemeClr>
-            </a:lnRef>
-            <a:fillRef idx="1">
-              <a:schemeClr val="accent1"/>
-            </a:fillRef>
-            <a:effectRef idx="0">
-              <a:schemeClr val="accent1"/>
-            </a:effectRef>
-            <a:fontRef idx="minor">
-              <a:schemeClr val="lt1"/>
-            </a:fontRef>
-          </p:style>
-          <p:txBody>
-            <a:bodyPr rtlCol="0" anchor="ctr"/>
-            <a:lstStyle/>
-            <a:p>
-              <a:pPr algn="ctr"/>
-              <a:r>
-                <a:rPr lang="en-US" altLang="zh-CN" dirty="0"/>
-                <a:t>Conv</a:t>
-              </a:r>
-              <a:endParaRPr lang="zh-CN" altLang="en-US" dirty="0"/>
-            </a:p>
-          </p:txBody>
-        </p:sp>
-        <p:sp>
-          <p:nvSpPr>
-            <p:cNvPr id="38" name="矩形 37">
-              <a:extLst>
-                <a:ext uri="{FF2B5EF4-FFF2-40B4-BE49-F238E27FC236}">
-                  <a16:creationId xmlns:a16="http://schemas.microsoft.com/office/drawing/2014/main" id="{CDCEA7A4-7522-43A3-91F8-B843BEED469A}"/>
-                </a:ext>
-              </a:extLst>
-            </p:cNvPr>
-            <p:cNvSpPr/>
-            <p:nvPr/>
-          </p:nvSpPr>
-          <p:spPr>
-            <a:xfrm>
-              <a:off x="4589754" y="2272679"/>
-              <a:ext cx="88778" cy="443884"/>
-            </a:xfrm>
-            <a:prstGeom prst="rect">
-              <a:avLst/>
-            </a:prstGeom>
-          </p:spPr>
-          <p:style>
-            <a:lnRef idx="2">
-              <a:schemeClr val="accent4">
-                <a:shade val="50000"/>
-              </a:schemeClr>
-            </a:lnRef>
-            <a:fillRef idx="1">
-              <a:schemeClr val="accent4"/>
-            </a:fillRef>
-            <a:effectRef idx="0">
-              <a:schemeClr val="accent4"/>
-            </a:effectRef>
-            <a:fontRef idx="minor">
-              <a:schemeClr val="lt1"/>
-            </a:fontRef>
-          </p:style>
-          <p:txBody>
-            <a:bodyPr rtlCol="0" anchor="ctr"/>
-            <a:lstStyle/>
-            <a:p>
-              <a:pPr algn="ctr"/>
-              <a:endParaRPr lang="zh-CN" altLang="en-US"/>
-            </a:p>
-          </p:txBody>
-        </p:sp>
-        <p:cxnSp>
-          <p:nvCxnSpPr>
-            <p:cNvPr id="39" name="直接箭头连接符 38">
-              <a:extLst>
-                <a:ext uri="{FF2B5EF4-FFF2-40B4-BE49-F238E27FC236}">
-                  <a16:creationId xmlns:a16="http://schemas.microsoft.com/office/drawing/2014/main" id="{44282655-FFB9-44A1-9E52-44875F8CD13C}"/>
-                </a:ext>
-              </a:extLst>
-            </p:cNvPr>
-            <p:cNvCxnSpPr>
-              <a:cxnSpLocks/>
-              <a:stCxn id="37" idx="3"/>
-              <a:endCxn id="38" idx="1"/>
-            </p:cNvCxnSpPr>
-            <p:nvPr/>
-          </p:nvCxnSpPr>
-          <p:spPr>
-            <a:xfrm flipV="1">
-              <a:off x="4429958" y="2494621"/>
-              <a:ext cx="159796" cy="4439"/>
-            </a:xfrm>
-            <a:prstGeom prst="straightConnector1">
-              <a:avLst/>
-            </a:prstGeom>
-            <a:ln>
-              <a:tailEnd type="triangle"/>
-            </a:ln>
-          </p:spPr>
-          <p:style>
-            <a:lnRef idx="1">
-              <a:schemeClr val="dk1"/>
-            </a:lnRef>
-            <a:fillRef idx="0">
-              <a:schemeClr val="dk1"/>
-            </a:fillRef>
-            <a:effectRef idx="0">
-              <a:schemeClr val="dk1"/>
-            </a:effectRef>
-            <a:fontRef idx="minor">
-              <a:schemeClr val="tx1"/>
-            </a:fontRef>
-          </p:style>
-        </p:cxnSp>
-        <p:cxnSp>
-          <p:nvCxnSpPr>
-            <p:cNvPr id="45" name="直接箭头连接符 44">
-              <a:extLst>
-                <a:ext uri="{FF2B5EF4-FFF2-40B4-BE49-F238E27FC236}">
-                  <a16:creationId xmlns:a16="http://schemas.microsoft.com/office/drawing/2014/main" id="{37224BC4-FFE9-4D9B-B9C1-1972E5192566}"/>
-                </a:ext>
-              </a:extLst>
-            </p:cNvPr>
-            <p:cNvCxnSpPr>
-              <a:cxnSpLocks/>
-              <a:stCxn id="38" idx="3"/>
-            </p:cNvCxnSpPr>
-            <p:nvPr/>
-          </p:nvCxnSpPr>
-          <p:spPr>
-            <a:xfrm>
-              <a:off x="4678532" y="2494621"/>
-              <a:ext cx="636663" cy="3197"/>
-            </a:xfrm>
-            <a:prstGeom prst="straightConnector1">
-              <a:avLst/>
-            </a:prstGeom>
-            <a:ln>
-              <a:tailEnd type="triangle"/>
-            </a:ln>
-          </p:spPr>
-          <p:style>
-            <a:lnRef idx="1">
-              <a:schemeClr val="dk1"/>
-            </a:lnRef>
-            <a:fillRef idx="0">
-              <a:schemeClr val="dk1"/>
-            </a:fillRef>
-            <a:effectRef idx="0">
-              <a:schemeClr val="dk1"/>
-            </a:effectRef>
-            <a:fontRef idx="minor">
-              <a:schemeClr val="tx1"/>
-            </a:fontRef>
-          </p:style>
-        </p:cxnSp>
-      </p:grpSp>
-      <p:grpSp>
-        <p:nvGrpSpPr>
-          <p:cNvPr id="72" name="组合 71">
-            <a:extLst>
-              <a:ext uri="{FF2B5EF4-FFF2-40B4-BE49-F238E27FC236}">
-                <a16:creationId xmlns:a16="http://schemas.microsoft.com/office/drawing/2014/main" id="{B8EE535D-9FFE-4B30-AA66-FA521BC6E91A}"/>
-              </a:ext>
-            </a:extLst>
-          </p:cNvPr>
-          <p:cNvGrpSpPr/>
-          <p:nvPr/>
-        </p:nvGrpSpPr>
-        <p:grpSpPr>
-          <a:xfrm>
-            <a:off x="1944209" y="4779592"/>
-            <a:ext cx="3506680" cy="266086"/>
-            <a:chOff x="1961965" y="4085435"/>
-            <a:chExt cx="3506680" cy="266086"/>
-          </a:xfrm>
-        </p:grpSpPr>
-        <p:grpSp>
-          <p:nvGrpSpPr>
-            <p:cNvPr id="68" name="组合 67">
-              <a:extLst>
-                <a:ext uri="{FF2B5EF4-FFF2-40B4-BE49-F238E27FC236}">
-                  <a16:creationId xmlns:a16="http://schemas.microsoft.com/office/drawing/2014/main" id="{5DD75853-4FCD-4295-8C9A-289FA006295D}"/>
-                </a:ext>
-              </a:extLst>
-            </p:cNvPr>
-            <p:cNvGrpSpPr/>
-            <p:nvPr/>
-          </p:nvGrpSpPr>
-          <p:grpSpPr>
-            <a:xfrm>
-              <a:off x="1961965" y="4086380"/>
-              <a:ext cx="1420427" cy="253783"/>
-              <a:chOff x="1970843" y="3857938"/>
-              <a:chExt cx="1420427" cy="581569"/>
-            </a:xfrm>
-          </p:grpSpPr>
-          <p:sp>
-            <p:nvSpPr>
-              <p:cNvPr id="53" name="矩形 52">
-                <a:extLst>
-                  <a:ext uri="{FF2B5EF4-FFF2-40B4-BE49-F238E27FC236}">
-                    <a16:creationId xmlns:a16="http://schemas.microsoft.com/office/drawing/2014/main" id="{C3B488E8-5B9E-49A7-8ADB-55871F47EE16}"/>
-                  </a:ext>
-                </a:extLst>
-              </p:cNvPr>
-              <p:cNvSpPr/>
-              <p:nvPr/>
-            </p:nvSpPr>
-            <p:spPr>
-              <a:xfrm>
-                <a:off x="2388093" y="3872945"/>
-                <a:ext cx="754603" cy="566562"/>
-              </a:xfrm>
-              <a:prstGeom prst="rect">
-                <a:avLst/>
-              </a:prstGeom>
-            </p:spPr>
-            <p:style>
-              <a:lnRef idx="2">
-                <a:schemeClr val="accent1">
-                  <a:shade val="50000"/>
-                </a:schemeClr>
-              </a:lnRef>
-              <a:fillRef idx="1">
-                <a:schemeClr val="accent1"/>
-              </a:fillRef>
-              <a:effectRef idx="0">
-                <a:schemeClr val="accent1"/>
-              </a:effectRef>
-              <a:fontRef idx="minor">
-                <a:schemeClr val="lt1"/>
-              </a:fontRef>
-            </p:style>
-            <p:txBody>
-              <a:bodyPr rtlCol="0" anchor="ctr"/>
-              <a:lstStyle/>
-              <a:p>
-                <a:pPr algn="ctr"/>
-                <a:r>
-                  <a:rPr lang="en-US" altLang="zh-CN" dirty="0"/>
-                  <a:t>Conv</a:t>
-                </a:r>
-                <a:endParaRPr lang="zh-CN" altLang="en-US" dirty="0"/>
-              </a:p>
-            </p:txBody>
-          </p:sp>
-          <p:sp>
-            <p:nvSpPr>
-              <p:cNvPr id="54" name="矩形 53">
-                <a:extLst>
-                  <a:ext uri="{FF2B5EF4-FFF2-40B4-BE49-F238E27FC236}">
-                    <a16:creationId xmlns:a16="http://schemas.microsoft.com/office/drawing/2014/main" id="{529938ED-9FEF-4E33-BD32-439592E43435}"/>
-                  </a:ext>
-                </a:extLst>
-              </p:cNvPr>
-              <p:cNvSpPr/>
-              <p:nvPr/>
-            </p:nvSpPr>
-            <p:spPr>
-              <a:xfrm>
-                <a:off x="3302491" y="3857938"/>
-                <a:ext cx="88779" cy="578126"/>
-              </a:xfrm>
-              <a:prstGeom prst="rect">
-                <a:avLst/>
-              </a:prstGeom>
-            </p:spPr>
-            <p:style>
-              <a:lnRef idx="2">
-                <a:schemeClr val="accent4">
-                  <a:shade val="50000"/>
-                </a:schemeClr>
-              </a:lnRef>
-              <a:fillRef idx="1">
-                <a:schemeClr val="accent4"/>
-              </a:fillRef>
-              <a:effectRef idx="0">
-                <a:schemeClr val="accent4"/>
-              </a:effectRef>
-              <a:fontRef idx="minor">
-                <a:schemeClr val="lt1"/>
-              </a:fontRef>
-            </p:style>
-            <p:txBody>
-              <a:bodyPr rtlCol="0" anchor="ctr"/>
-              <a:lstStyle/>
-              <a:p>
-                <a:pPr algn="ctr"/>
-                <a:endParaRPr lang="zh-CN" altLang="en-US"/>
-              </a:p>
-            </p:txBody>
-          </p:sp>
-          <p:cxnSp>
-            <p:nvCxnSpPr>
-              <p:cNvPr id="55" name="直接箭头连接符 54">
-                <a:extLst>
-                  <a:ext uri="{FF2B5EF4-FFF2-40B4-BE49-F238E27FC236}">
-                    <a16:creationId xmlns:a16="http://schemas.microsoft.com/office/drawing/2014/main" id="{CFBA892D-AA66-464C-A8AA-CB03767F74DF}"/>
-                  </a:ext>
-                </a:extLst>
-              </p:cNvPr>
-              <p:cNvCxnSpPr>
-                <a:cxnSpLocks/>
-                <a:stCxn id="53" idx="3"/>
-                <a:endCxn id="54" idx="1"/>
-              </p:cNvCxnSpPr>
-              <p:nvPr/>
-            </p:nvCxnSpPr>
-            <p:spPr>
-              <a:xfrm flipV="1">
-                <a:off x="3142696" y="4147003"/>
-                <a:ext cx="159795" cy="9224"/>
-              </a:xfrm>
-              <a:prstGeom prst="straightConnector1">
-                <a:avLst/>
-              </a:prstGeom>
-              <a:ln>
-                <a:tailEnd type="triangle"/>
-              </a:ln>
-            </p:spPr>
-            <p:style>
-              <a:lnRef idx="1">
-                <a:schemeClr val="dk1"/>
-              </a:lnRef>
-              <a:fillRef idx="0">
-                <a:schemeClr val="dk1"/>
-              </a:fillRef>
-              <a:effectRef idx="0">
-                <a:schemeClr val="dk1"/>
-              </a:effectRef>
-              <a:fontRef idx="minor">
-                <a:schemeClr val="tx1"/>
-              </a:fontRef>
-            </p:style>
-          </p:cxnSp>
-          <p:cxnSp>
-            <p:nvCxnSpPr>
-              <p:cNvPr id="56" name="直接箭头连接符 55">
-                <a:extLst>
-                  <a:ext uri="{FF2B5EF4-FFF2-40B4-BE49-F238E27FC236}">
-                    <a16:creationId xmlns:a16="http://schemas.microsoft.com/office/drawing/2014/main" id="{0A44FEB3-0178-4769-95AA-B823E5066FEA}"/>
-                  </a:ext>
-                </a:extLst>
-              </p:cNvPr>
-              <p:cNvCxnSpPr>
-                <a:cxnSpLocks/>
-                <a:endCxn id="53" idx="1"/>
-              </p:cNvCxnSpPr>
-              <p:nvPr/>
-            </p:nvCxnSpPr>
-            <p:spPr>
-              <a:xfrm>
-                <a:off x="1970843" y="4156227"/>
-                <a:ext cx="417250" cy="0"/>
-              </a:xfrm>
-              <a:prstGeom prst="straightConnector1">
-                <a:avLst/>
-              </a:prstGeom>
-              <a:ln>
-                <a:tailEnd type="triangle"/>
-              </a:ln>
-            </p:spPr>
-            <p:style>
-              <a:lnRef idx="1">
-                <a:schemeClr val="dk1"/>
-              </a:lnRef>
-              <a:fillRef idx="0">
-                <a:schemeClr val="dk1"/>
-              </a:fillRef>
-              <a:effectRef idx="0">
-                <a:schemeClr val="dk1"/>
-              </a:effectRef>
-              <a:fontRef idx="minor">
-                <a:schemeClr val="tx1"/>
-              </a:fontRef>
-            </p:style>
-          </p:cxnSp>
-        </p:grpSp>
-        <p:grpSp>
-          <p:nvGrpSpPr>
-            <p:cNvPr id="70" name="组合 69">
-              <a:extLst>
-                <a:ext uri="{FF2B5EF4-FFF2-40B4-BE49-F238E27FC236}">
-                  <a16:creationId xmlns:a16="http://schemas.microsoft.com/office/drawing/2014/main" id="{DF1125AA-CA12-4043-B55A-8003F8CBEE22}"/>
-                </a:ext>
-              </a:extLst>
-            </p:cNvPr>
-            <p:cNvGrpSpPr/>
-            <p:nvPr/>
-          </p:nvGrpSpPr>
-          <p:grpSpPr>
-            <a:xfrm>
-              <a:off x="3382392" y="4085435"/>
-              <a:ext cx="2086253" cy="266086"/>
-              <a:chOff x="3382392" y="3968673"/>
-              <a:chExt cx="2086253" cy="412018"/>
-            </a:xfrm>
-          </p:grpSpPr>
-          <p:cxnSp>
-            <p:nvCxnSpPr>
-              <p:cNvPr id="57" name="直接箭头连接符 56">
-                <a:extLst>
-                  <a:ext uri="{FF2B5EF4-FFF2-40B4-BE49-F238E27FC236}">
-                    <a16:creationId xmlns:a16="http://schemas.microsoft.com/office/drawing/2014/main" id="{917FDC9C-D3EC-463F-8118-15F53A07C953}"/>
-                  </a:ext>
-                </a:extLst>
-              </p:cNvPr>
-              <p:cNvCxnSpPr>
-                <a:cxnSpLocks/>
-                <a:stCxn id="54" idx="3"/>
-                <a:endCxn id="58" idx="1"/>
-              </p:cNvCxnSpPr>
-              <p:nvPr/>
-            </p:nvCxnSpPr>
-            <p:spPr>
-              <a:xfrm>
-                <a:off x="3382392" y="4165461"/>
-                <a:ext cx="310719" cy="9221"/>
-              </a:xfrm>
-              <a:prstGeom prst="straightConnector1">
-                <a:avLst/>
-              </a:prstGeom>
-              <a:ln>
-                <a:tailEnd type="triangle"/>
-              </a:ln>
-            </p:spPr>
-            <p:style>
-              <a:lnRef idx="1">
-                <a:schemeClr val="dk1"/>
-              </a:lnRef>
-              <a:fillRef idx="0">
-                <a:schemeClr val="dk1"/>
-              </a:fillRef>
-              <a:effectRef idx="0">
-                <a:schemeClr val="dk1"/>
-              </a:effectRef>
-              <a:fontRef idx="minor">
-                <a:schemeClr val="tx1"/>
-              </a:fontRef>
-            </p:style>
-          </p:cxnSp>
-          <p:sp>
-            <p:nvSpPr>
-              <p:cNvPr id="58" name="矩形 57">
-                <a:extLst>
-                  <a:ext uri="{FF2B5EF4-FFF2-40B4-BE49-F238E27FC236}">
-                    <a16:creationId xmlns:a16="http://schemas.microsoft.com/office/drawing/2014/main" id="{12DF89EC-9110-421C-9A2E-421172B62A42}"/>
-                  </a:ext>
-                </a:extLst>
-              </p:cNvPr>
-              <p:cNvSpPr/>
-              <p:nvPr/>
-            </p:nvSpPr>
-            <p:spPr>
-              <a:xfrm>
-                <a:off x="3693111" y="3968673"/>
-                <a:ext cx="754603" cy="412018"/>
-              </a:xfrm>
-              <a:prstGeom prst="rect">
-                <a:avLst/>
-              </a:prstGeom>
-            </p:spPr>
-            <p:style>
-              <a:lnRef idx="2">
-                <a:schemeClr val="accent1">
-                  <a:shade val="50000"/>
-                </a:schemeClr>
-              </a:lnRef>
-              <a:fillRef idx="1">
-                <a:schemeClr val="accent1"/>
-              </a:fillRef>
-              <a:effectRef idx="0">
-                <a:schemeClr val="accent1"/>
-              </a:effectRef>
-              <a:fontRef idx="minor">
-                <a:schemeClr val="lt1"/>
-              </a:fontRef>
-            </p:style>
-            <p:txBody>
-              <a:bodyPr rtlCol="0" anchor="ctr"/>
-              <a:lstStyle/>
-              <a:p>
-                <a:pPr algn="ctr"/>
-                <a:r>
-                  <a:rPr lang="en-US" altLang="zh-CN" dirty="0"/>
-                  <a:t>Conv</a:t>
-                </a:r>
-                <a:endParaRPr lang="zh-CN" altLang="en-US" dirty="0"/>
-              </a:p>
-            </p:txBody>
-          </p:sp>
-          <p:sp>
-            <p:nvSpPr>
-              <p:cNvPr id="59" name="矩形 58">
-                <a:extLst>
-                  <a:ext uri="{FF2B5EF4-FFF2-40B4-BE49-F238E27FC236}">
-                    <a16:creationId xmlns:a16="http://schemas.microsoft.com/office/drawing/2014/main" id="{E1305923-DF1D-4C65-85D5-700F75ECC917}"/>
-                  </a:ext>
-                </a:extLst>
-              </p:cNvPr>
-              <p:cNvSpPr/>
-              <p:nvPr/>
-            </p:nvSpPr>
-            <p:spPr>
-              <a:xfrm>
-                <a:off x="4607508" y="3977946"/>
-                <a:ext cx="79902" cy="375014"/>
-              </a:xfrm>
-              <a:prstGeom prst="rect">
-                <a:avLst/>
-              </a:prstGeom>
-            </p:spPr>
-            <p:style>
-              <a:lnRef idx="2">
-                <a:schemeClr val="accent4">
-                  <a:shade val="50000"/>
-                </a:schemeClr>
-              </a:lnRef>
-              <a:fillRef idx="1">
-                <a:schemeClr val="accent4"/>
-              </a:fillRef>
-              <a:effectRef idx="0">
-                <a:schemeClr val="accent4"/>
-              </a:effectRef>
-              <a:fontRef idx="minor">
-                <a:schemeClr val="lt1"/>
-              </a:fontRef>
-            </p:style>
-            <p:txBody>
-              <a:bodyPr rtlCol="0" anchor="ctr"/>
-              <a:lstStyle/>
-              <a:p>
-                <a:pPr algn="ctr"/>
-                <a:endParaRPr lang="zh-CN" altLang="en-US"/>
-              </a:p>
-            </p:txBody>
-          </p:sp>
-          <p:cxnSp>
-            <p:nvCxnSpPr>
-              <p:cNvPr id="60" name="直接箭头连接符 59">
-                <a:extLst>
-                  <a:ext uri="{FF2B5EF4-FFF2-40B4-BE49-F238E27FC236}">
-                    <a16:creationId xmlns:a16="http://schemas.microsoft.com/office/drawing/2014/main" id="{4ED55D92-CC0C-4BEB-9EDE-A6A30801B104}"/>
-                  </a:ext>
-                </a:extLst>
-              </p:cNvPr>
-              <p:cNvCxnSpPr>
-                <a:cxnSpLocks/>
-                <a:stCxn id="58" idx="3"/>
-                <a:endCxn id="59" idx="1"/>
-              </p:cNvCxnSpPr>
-              <p:nvPr/>
-            </p:nvCxnSpPr>
-            <p:spPr>
-              <a:xfrm flipV="1">
-                <a:off x="4447714" y="4165453"/>
-                <a:ext cx="159794" cy="9229"/>
-              </a:xfrm>
-              <a:prstGeom prst="straightConnector1">
-                <a:avLst/>
-              </a:prstGeom>
-              <a:ln>
-                <a:tailEnd type="triangle"/>
-              </a:ln>
-            </p:spPr>
-            <p:style>
-              <a:lnRef idx="1">
-                <a:schemeClr val="dk1"/>
-              </a:lnRef>
-              <a:fillRef idx="0">
-                <a:schemeClr val="dk1"/>
-              </a:fillRef>
-              <a:effectRef idx="0">
-                <a:schemeClr val="dk1"/>
-              </a:effectRef>
-              <a:fontRef idx="minor">
-                <a:schemeClr val="tx1"/>
-              </a:fontRef>
-            </p:style>
-          </p:cxnSp>
-          <p:cxnSp>
-            <p:nvCxnSpPr>
-              <p:cNvPr id="61" name="直接箭头连接符 60">
-                <a:extLst>
-                  <a:ext uri="{FF2B5EF4-FFF2-40B4-BE49-F238E27FC236}">
-                    <a16:creationId xmlns:a16="http://schemas.microsoft.com/office/drawing/2014/main" id="{676BE63F-BA7A-4E89-81DB-532CAE87ABF5}"/>
-                  </a:ext>
-                </a:extLst>
-              </p:cNvPr>
-              <p:cNvCxnSpPr>
-                <a:cxnSpLocks/>
-                <a:stCxn id="59" idx="3"/>
-              </p:cNvCxnSpPr>
-              <p:nvPr/>
-            </p:nvCxnSpPr>
-            <p:spPr>
-              <a:xfrm>
-                <a:off x="4687410" y="4165453"/>
-                <a:ext cx="781235" cy="3004"/>
-              </a:xfrm>
-              <a:prstGeom prst="straightConnector1">
-                <a:avLst/>
-              </a:prstGeom>
-              <a:ln>
-                <a:tailEnd type="triangle"/>
-              </a:ln>
-            </p:spPr>
-            <p:style>
-              <a:lnRef idx="1">
-                <a:schemeClr val="dk1"/>
-              </a:lnRef>
-              <a:fillRef idx="0">
-                <a:schemeClr val="dk1"/>
-              </a:fillRef>
-              <a:effectRef idx="0">
-                <a:schemeClr val="dk1"/>
-              </a:effectRef>
-              <a:fontRef idx="minor">
-                <a:schemeClr val="tx1"/>
-              </a:fontRef>
-            </p:style>
-          </p:cxnSp>
-        </p:grpSp>
-      </p:grpSp>
-      <p:grpSp>
-        <p:nvGrpSpPr>
-          <p:cNvPr id="8" name="组合 7">
-            <a:extLst>
-              <a:ext uri="{FF2B5EF4-FFF2-40B4-BE49-F238E27FC236}">
-                <a16:creationId xmlns:a16="http://schemas.microsoft.com/office/drawing/2014/main" id="{79A84E65-95BA-449D-83BE-A0D474F66D41}"/>
-              </a:ext>
-            </a:extLst>
-          </p:cNvPr>
-          <p:cNvGrpSpPr/>
-          <p:nvPr/>
-        </p:nvGrpSpPr>
-        <p:grpSpPr>
-          <a:xfrm>
-            <a:off x="8296821" y="1509738"/>
-            <a:ext cx="1145223" cy="499750"/>
-            <a:chOff x="8296821" y="1509738"/>
-            <a:chExt cx="1145223" cy="499750"/>
-          </a:xfrm>
-        </p:grpSpPr>
-        <p:sp>
-          <p:nvSpPr>
-            <p:cNvPr id="73" name="箭头: 下 72">
-              <a:extLst>
-                <a:ext uri="{FF2B5EF4-FFF2-40B4-BE49-F238E27FC236}">
-                  <a16:creationId xmlns:a16="http://schemas.microsoft.com/office/drawing/2014/main" id="{41AFD9EB-47D0-486A-AC98-0BAE3B09EA51}"/>
-                </a:ext>
-              </a:extLst>
-            </p:cNvPr>
-            <p:cNvSpPr/>
-            <p:nvPr/>
-          </p:nvSpPr>
-          <p:spPr>
-            <a:xfrm>
-              <a:off x="8296821" y="1509738"/>
-              <a:ext cx="168676" cy="499750"/>
-            </a:xfrm>
-            <a:prstGeom prst="downArrow">
-              <a:avLst/>
-            </a:prstGeom>
-            <a:ln>
-              <a:noFill/>
-            </a:ln>
-          </p:spPr>
-          <p:style>
-            <a:lnRef idx="2">
-              <a:schemeClr val="accent6">
-                <a:shade val="50000"/>
-              </a:schemeClr>
-            </a:lnRef>
-            <a:fillRef idx="1">
-              <a:schemeClr val="accent6"/>
-            </a:fillRef>
-            <a:effectRef idx="0">
-              <a:schemeClr val="accent6"/>
-            </a:effectRef>
-            <a:fontRef idx="minor">
-              <a:schemeClr val="lt1"/>
-            </a:fontRef>
-          </p:style>
-          <p:txBody>
-            <a:bodyPr rtlCol="0" anchor="ctr"/>
-            <a:lstStyle/>
-            <a:p>
-              <a:pPr algn="ctr"/>
-              <a:endParaRPr lang="zh-CN" altLang="en-US"/>
-            </a:p>
-          </p:txBody>
-        </p:sp>
-        <p:sp>
-          <p:nvSpPr>
-            <p:cNvPr id="74" name="文本框 73">
-              <a:extLst>
-                <a:ext uri="{FF2B5EF4-FFF2-40B4-BE49-F238E27FC236}">
-                  <a16:creationId xmlns:a16="http://schemas.microsoft.com/office/drawing/2014/main" id="{457FBE2C-B095-4BD3-8A4A-2BAEFA496489}"/>
-                </a:ext>
-              </a:extLst>
-            </p:cNvPr>
-            <p:cNvSpPr txBox="1"/>
-            <p:nvPr/>
-          </p:nvSpPr>
-          <p:spPr>
-            <a:xfrm>
-              <a:off x="8405055" y="1548214"/>
-              <a:ext cx="1036989" cy="369332"/>
-            </a:xfrm>
-            <a:prstGeom prst="rect">
-              <a:avLst/>
-            </a:prstGeom>
-            <a:noFill/>
-          </p:spPr>
-          <p:txBody>
-            <a:bodyPr wrap="square" rtlCol="0">
-              <a:spAutoFit/>
-            </a:bodyPr>
-            <a:lstStyle/>
-            <a:p>
-              <a:r>
-                <a:rPr lang="en-US" altLang="zh-CN" b="1" dirty="0"/>
-                <a:t>Convert</a:t>
-              </a:r>
-              <a:endParaRPr lang="zh-CN" altLang="en-US" b="1" dirty="0"/>
-            </a:p>
-          </p:txBody>
-        </p:sp>
-      </p:grpSp>
-      <p:grpSp>
-        <p:nvGrpSpPr>
-          <p:cNvPr id="156" name="组合 155">
-            <a:extLst>
-              <a:ext uri="{FF2B5EF4-FFF2-40B4-BE49-F238E27FC236}">
-                <a16:creationId xmlns:a16="http://schemas.microsoft.com/office/drawing/2014/main" id="{0F42E390-79DD-4D13-A29E-4955D9025B40}"/>
-              </a:ext>
-            </a:extLst>
-          </p:cNvPr>
-          <p:cNvGrpSpPr/>
-          <p:nvPr/>
-        </p:nvGrpSpPr>
-        <p:grpSpPr>
-          <a:xfrm>
-            <a:off x="815443" y="5159880"/>
-            <a:ext cx="5719823" cy="523220"/>
-            <a:chOff x="1155229" y="5724771"/>
-            <a:chExt cx="5719823" cy="523220"/>
-          </a:xfrm>
-        </p:grpSpPr>
-        <p:sp>
-          <p:nvSpPr>
-            <p:cNvPr id="75" name="箭头: 下 74">
-              <a:extLst>
-                <a:ext uri="{FF2B5EF4-FFF2-40B4-BE49-F238E27FC236}">
-                  <a16:creationId xmlns:a16="http://schemas.microsoft.com/office/drawing/2014/main" id="{935E8EF6-EED8-4373-9F23-3FF9477305CD}"/>
-                </a:ext>
-              </a:extLst>
-            </p:cNvPr>
-            <p:cNvSpPr/>
-            <p:nvPr/>
-          </p:nvSpPr>
-          <p:spPr>
-            <a:xfrm>
-              <a:off x="5743698" y="5748241"/>
-              <a:ext cx="168676" cy="499750"/>
-            </a:xfrm>
-            <a:prstGeom prst="downArrow">
-              <a:avLst/>
-            </a:prstGeom>
-            <a:ln>
-              <a:noFill/>
-            </a:ln>
-          </p:spPr>
-          <p:style>
-            <a:lnRef idx="2">
-              <a:schemeClr val="accent6">
-                <a:shade val="50000"/>
-              </a:schemeClr>
-            </a:lnRef>
-            <a:fillRef idx="1">
-              <a:schemeClr val="accent6"/>
-            </a:fillRef>
-            <a:effectRef idx="0">
-              <a:schemeClr val="accent6"/>
-            </a:effectRef>
-            <a:fontRef idx="minor">
-              <a:schemeClr val="lt1"/>
-            </a:fontRef>
-          </p:style>
-          <p:txBody>
-            <a:bodyPr rtlCol="0" anchor="ctr"/>
-            <a:lstStyle/>
-            <a:p>
-              <a:pPr algn="ctr"/>
-              <a:endParaRPr lang="zh-CN" altLang="en-US"/>
-            </a:p>
-          </p:txBody>
-        </p:sp>
-        <p:sp>
-          <p:nvSpPr>
-            <p:cNvPr id="76" name="文本框 75">
-              <a:extLst>
-                <a:ext uri="{FF2B5EF4-FFF2-40B4-BE49-F238E27FC236}">
-                  <a16:creationId xmlns:a16="http://schemas.microsoft.com/office/drawing/2014/main" id="{B4DABD78-5D47-4964-BA3E-F6187323B1E7}"/>
-                </a:ext>
-              </a:extLst>
-            </p:cNvPr>
-            <p:cNvSpPr txBox="1"/>
-            <p:nvPr/>
-          </p:nvSpPr>
-          <p:spPr>
-            <a:xfrm>
-              <a:off x="5904568" y="5845554"/>
-              <a:ext cx="970484" cy="307777"/>
-            </a:xfrm>
-            <a:prstGeom prst="rect">
-              <a:avLst/>
-            </a:prstGeom>
-            <a:noFill/>
-          </p:spPr>
-          <p:txBody>
-            <a:bodyPr wrap="square" rtlCol="0">
-              <a:spAutoFit/>
-            </a:bodyPr>
-            <a:lstStyle/>
-            <a:p>
-              <a:r>
-                <a:rPr lang="en-US" altLang="zh-CN" sz="1400" dirty="0"/>
-                <a:t>Compute</a:t>
-              </a:r>
-              <a:endParaRPr lang="zh-CN" altLang="en-US" sz="1400" dirty="0"/>
-            </a:p>
-          </p:txBody>
-        </p:sp>
-        <p:grpSp>
-          <p:nvGrpSpPr>
-            <p:cNvPr id="2" name="组合 1">
-              <a:extLst>
-                <a:ext uri="{FF2B5EF4-FFF2-40B4-BE49-F238E27FC236}">
-                  <a16:creationId xmlns:a16="http://schemas.microsoft.com/office/drawing/2014/main" id="{AE6F641D-FE7A-4E2D-BB77-E6341E109DF4}"/>
-                </a:ext>
-              </a:extLst>
-            </p:cNvPr>
-            <p:cNvGrpSpPr/>
-            <p:nvPr/>
-          </p:nvGrpSpPr>
-          <p:grpSpPr>
-            <a:xfrm>
-              <a:off x="1155229" y="5820190"/>
-              <a:ext cx="1223420" cy="315153"/>
-              <a:chOff x="2629726" y="4901719"/>
-              <a:chExt cx="1223420" cy="315153"/>
-            </a:xfrm>
-          </p:grpSpPr>
-          <p:sp>
-            <p:nvSpPr>
-              <p:cNvPr id="77" name="文本框 76">
-                <a:extLst>
-                  <a:ext uri="{FF2B5EF4-FFF2-40B4-BE49-F238E27FC236}">
-                    <a16:creationId xmlns:a16="http://schemas.microsoft.com/office/drawing/2014/main" id="{C6186B6A-70D2-4F10-9B1E-D1ADBCFB3B2E}"/>
-                  </a:ext>
-                </a:extLst>
-              </p:cNvPr>
-              <p:cNvSpPr txBox="1"/>
-              <p:nvPr/>
-            </p:nvSpPr>
-            <p:spPr>
-              <a:xfrm>
-                <a:off x="2816157" y="4901719"/>
-                <a:ext cx="1036989" cy="307777"/>
-              </a:xfrm>
-              <a:prstGeom prst="rect">
-                <a:avLst/>
-              </a:prstGeom>
-              <a:noFill/>
-            </p:spPr>
-            <p:txBody>
-              <a:bodyPr wrap="square" rtlCol="0">
-                <a:spAutoFit/>
-              </a:bodyPr>
-              <a:lstStyle/>
-              <a:p>
-                <a:r>
-                  <a:rPr lang="en-US" altLang="zh-CN" sz="1400" dirty="0" err="1"/>
-                  <a:t>ReLU</a:t>
-                </a:r>
-                <a:endParaRPr lang="zh-CN" altLang="en-US" sz="1400" dirty="0"/>
-              </a:p>
-            </p:txBody>
-          </p:sp>
-          <p:sp>
-            <p:nvSpPr>
-              <p:cNvPr id="78" name="矩形 77">
-                <a:extLst>
-                  <a:ext uri="{FF2B5EF4-FFF2-40B4-BE49-F238E27FC236}">
-                    <a16:creationId xmlns:a16="http://schemas.microsoft.com/office/drawing/2014/main" id="{69F4DBE3-E74D-4782-937E-4B0C6382A320}"/>
-                  </a:ext>
-                </a:extLst>
-              </p:cNvPr>
-              <p:cNvSpPr/>
-              <p:nvPr/>
-            </p:nvSpPr>
-            <p:spPr>
-              <a:xfrm>
-                <a:off x="2629726" y="4923908"/>
-                <a:ext cx="124286" cy="292964"/>
-              </a:xfrm>
-              <a:prstGeom prst="rect">
-                <a:avLst/>
-              </a:prstGeom>
-            </p:spPr>
-            <p:style>
-              <a:lnRef idx="2">
-                <a:schemeClr val="accent4">
-                  <a:shade val="50000"/>
-                </a:schemeClr>
-              </a:lnRef>
-              <a:fillRef idx="1">
-                <a:schemeClr val="accent4"/>
-              </a:fillRef>
-              <a:effectRef idx="0">
-                <a:schemeClr val="accent4"/>
-              </a:effectRef>
-              <a:fontRef idx="minor">
-                <a:schemeClr val="lt1"/>
-              </a:fontRef>
-            </p:style>
-            <p:txBody>
-              <a:bodyPr rtlCol="0" anchor="ctr"/>
-              <a:lstStyle/>
-              <a:p>
-                <a:pPr algn="ctr"/>
-                <a:endParaRPr lang="zh-CN" altLang="en-US"/>
-              </a:p>
-            </p:txBody>
-          </p:sp>
-        </p:grpSp>
-        <p:grpSp>
-          <p:nvGrpSpPr>
-            <p:cNvPr id="3" name="组合 2">
-              <a:extLst>
-                <a:ext uri="{FF2B5EF4-FFF2-40B4-BE49-F238E27FC236}">
-                  <a16:creationId xmlns:a16="http://schemas.microsoft.com/office/drawing/2014/main" id="{93CDEF25-B429-4344-8916-F64BB23C0784}"/>
-                </a:ext>
-              </a:extLst>
-            </p:cNvPr>
-            <p:cNvGrpSpPr/>
-            <p:nvPr/>
-          </p:nvGrpSpPr>
-          <p:grpSpPr>
-            <a:xfrm>
-              <a:off x="2440794" y="5724771"/>
-              <a:ext cx="1515869" cy="523220"/>
-              <a:chOff x="2567584" y="5292887"/>
-              <a:chExt cx="1515869" cy="523220"/>
-            </a:xfrm>
-          </p:grpSpPr>
-          <p:sp>
-            <p:nvSpPr>
-              <p:cNvPr id="79" name="流程图: 或者 78">
-                <a:extLst>
-                  <a:ext uri="{FF2B5EF4-FFF2-40B4-BE49-F238E27FC236}">
-                    <a16:creationId xmlns:a16="http://schemas.microsoft.com/office/drawing/2014/main" id="{1BFFF428-466C-40A3-B72F-D52A28F4E79E}"/>
-                  </a:ext>
-                </a:extLst>
-              </p:cNvPr>
-              <p:cNvSpPr/>
-              <p:nvPr/>
-            </p:nvSpPr>
-            <p:spPr>
-              <a:xfrm>
-                <a:off x="2567584" y="5430211"/>
-                <a:ext cx="248573" cy="248573"/>
-              </a:xfrm>
-              <a:prstGeom prst="flowChartOr">
-                <a:avLst/>
-              </a:prstGeom>
-              <a:solidFill>
-                <a:schemeClr val="bg1"/>
-              </a:solidFill>
-              <a:ln w="28575"/>
-            </p:spPr>
-            <p:style>
-              <a:lnRef idx="2">
-                <a:schemeClr val="accent1">
-                  <a:shade val="50000"/>
-                </a:schemeClr>
-              </a:lnRef>
-              <a:fillRef idx="1">
-                <a:schemeClr val="accent1"/>
-              </a:fillRef>
-              <a:effectRef idx="0">
-                <a:schemeClr val="accent1"/>
-              </a:effectRef>
-              <a:fontRef idx="minor">
-                <a:schemeClr val="lt1"/>
-              </a:fontRef>
-            </p:style>
-            <p:txBody>
-              <a:bodyPr rtlCol="0" anchor="ctr"/>
-              <a:lstStyle/>
-              <a:p>
-                <a:pPr algn="ctr"/>
-                <a:endParaRPr lang="zh-CN" altLang="en-US"/>
-              </a:p>
-            </p:txBody>
-          </p:sp>
-          <p:sp>
-            <p:nvSpPr>
-              <p:cNvPr id="80" name="文本框 79">
-                <a:extLst>
-                  <a:ext uri="{FF2B5EF4-FFF2-40B4-BE49-F238E27FC236}">
-                    <a16:creationId xmlns:a16="http://schemas.microsoft.com/office/drawing/2014/main" id="{EDD1478A-4A93-4776-A903-68CD0819ED92}"/>
-                  </a:ext>
-                </a:extLst>
-              </p:cNvPr>
-              <p:cNvSpPr txBox="1"/>
-              <p:nvPr/>
-            </p:nvSpPr>
-            <p:spPr>
-              <a:xfrm>
-                <a:off x="2816157" y="5292887"/>
-                <a:ext cx="1267296" cy="523220"/>
-              </a:xfrm>
-              <a:prstGeom prst="rect">
-                <a:avLst/>
-              </a:prstGeom>
-              <a:noFill/>
-            </p:spPr>
-            <p:txBody>
-              <a:bodyPr wrap="square" rtlCol="0">
-                <a:spAutoFit/>
-              </a:bodyPr>
-              <a:lstStyle/>
-              <a:p>
-                <a:r>
-                  <a:rPr lang="en-US" altLang="zh-CN" sz="1400" dirty="0"/>
-                  <a:t>Element-wise addition</a:t>
-                </a:r>
-                <a:endParaRPr lang="zh-CN" altLang="en-US" sz="1400" dirty="0"/>
-              </a:p>
-            </p:txBody>
-          </p:sp>
-        </p:grpSp>
-        <p:grpSp>
-          <p:nvGrpSpPr>
-            <p:cNvPr id="6" name="组合 5">
-              <a:extLst>
-                <a:ext uri="{FF2B5EF4-FFF2-40B4-BE49-F238E27FC236}">
-                  <a16:creationId xmlns:a16="http://schemas.microsoft.com/office/drawing/2014/main" id="{87DE1B0C-38FD-4A60-A445-97801573B80D}"/>
-                </a:ext>
-              </a:extLst>
-            </p:cNvPr>
-            <p:cNvGrpSpPr/>
-            <p:nvPr/>
-          </p:nvGrpSpPr>
-          <p:grpSpPr>
-            <a:xfrm>
-              <a:off x="4200638" y="5816981"/>
-              <a:ext cx="1543060" cy="307777"/>
-              <a:chOff x="2486016" y="5853331"/>
-              <a:chExt cx="1543060" cy="307777"/>
-            </a:xfrm>
-          </p:grpSpPr>
-          <p:sp>
-            <p:nvSpPr>
-              <p:cNvPr id="82" name="矩形 81">
-                <a:extLst>
-                  <a:ext uri="{FF2B5EF4-FFF2-40B4-BE49-F238E27FC236}">
-                    <a16:creationId xmlns:a16="http://schemas.microsoft.com/office/drawing/2014/main" id="{898C6D6F-EFE0-44DC-889A-C2EFA1E9FB8D}"/>
-                  </a:ext>
-                </a:extLst>
-              </p:cNvPr>
-              <p:cNvSpPr/>
-              <p:nvPr/>
-            </p:nvSpPr>
-            <p:spPr>
-              <a:xfrm>
-                <a:off x="2486016" y="5912535"/>
-                <a:ext cx="411706" cy="248573"/>
-              </a:xfrm>
-              <a:prstGeom prst="rect">
-                <a:avLst/>
-              </a:prstGeom>
-            </p:spPr>
-            <p:style>
-              <a:lnRef idx="2">
-                <a:schemeClr val="accent1">
-                  <a:shade val="50000"/>
-                </a:schemeClr>
-              </a:lnRef>
-              <a:fillRef idx="1">
-                <a:schemeClr val="accent1"/>
-              </a:fillRef>
-              <a:effectRef idx="0">
-                <a:schemeClr val="accent1"/>
-              </a:effectRef>
-              <a:fontRef idx="minor">
-                <a:schemeClr val="lt1"/>
-              </a:fontRef>
-            </p:style>
-            <p:txBody>
-              <a:bodyPr rtlCol="0" anchor="ctr"/>
-              <a:lstStyle/>
-              <a:p>
-                <a:pPr algn="ctr"/>
-                <a:r>
-                  <a:rPr lang="en-US" altLang="zh-CN" sz="800" dirty="0"/>
-                  <a:t>Conv</a:t>
-                </a:r>
-                <a:endParaRPr lang="zh-CN" altLang="en-US" sz="800" dirty="0"/>
-              </a:p>
-            </p:txBody>
-          </p:sp>
-          <p:sp>
-            <p:nvSpPr>
-              <p:cNvPr id="83" name="文本框 82">
-                <a:extLst>
-                  <a:ext uri="{FF2B5EF4-FFF2-40B4-BE49-F238E27FC236}">
-                    <a16:creationId xmlns:a16="http://schemas.microsoft.com/office/drawing/2014/main" id="{EDC4F340-2437-433E-A12D-D46C10CFD478}"/>
-                  </a:ext>
-                </a:extLst>
-              </p:cNvPr>
-              <p:cNvSpPr txBox="1"/>
-              <p:nvPr/>
-            </p:nvSpPr>
-            <p:spPr>
-              <a:xfrm>
-                <a:off x="2870533" y="5853331"/>
-                <a:ext cx="1158543" cy="307777"/>
-              </a:xfrm>
-              <a:prstGeom prst="rect">
-                <a:avLst/>
-              </a:prstGeom>
-              <a:noFill/>
-            </p:spPr>
-            <p:txBody>
-              <a:bodyPr wrap="square" rtlCol="0">
-                <a:spAutoFit/>
-              </a:bodyPr>
-              <a:lstStyle/>
-              <a:p>
-                <a:r>
-                  <a:rPr lang="en-US" altLang="zh-CN" sz="1400" dirty="0"/>
-                  <a:t>Convolution</a:t>
-                </a:r>
-                <a:endParaRPr lang="zh-CN" altLang="en-US" sz="1400" dirty="0"/>
-              </a:p>
-            </p:txBody>
-          </p:sp>
-        </p:grpSp>
-      </p:grpSp>
-      <p:sp>
-        <p:nvSpPr>
-          <p:cNvPr id="85" name="文本框 84">
-            <a:extLst>
-              <a:ext uri="{FF2B5EF4-FFF2-40B4-BE49-F238E27FC236}">
-                <a16:creationId xmlns:a16="http://schemas.microsoft.com/office/drawing/2014/main" id="{520D2730-8834-444D-996A-2F74597F5BE7}"/>
-              </a:ext>
-            </a:extLst>
-          </p:cNvPr>
-          <p:cNvSpPr txBox="1"/>
-          <p:nvPr/>
-        </p:nvSpPr>
-        <p:spPr>
-          <a:xfrm>
-            <a:off x="9834555" y="610009"/>
-            <a:ext cx="1087208" cy="646331"/>
-          </a:xfrm>
-          <a:prstGeom prst="rect">
-            <a:avLst/>
-          </a:prstGeom>
-          <a:noFill/>
-        </p:spPr>
-        <p:txBody>
-          <a:bodyPr wrap="square" rtlCol="0">
-            <a:spAutoFit/>
-          </a:bodyPr>
-          <a:lstStyle/>
-          <a:p>
-            <a:r>
-              <a:rPr lang="en-US" altLang="zh-CN" b="1" dirty="0"/>
-              <a:t>Teacher Model</a:t>
-            </a:r>
-            <a:endParaRPr lang="zh-CN" altLang="en-US" b="1" dirty="0"/>
-          </a:p>
-        </p:txBody>
-      </p:sp>
-      <p:sp>
-        <p:nvSpPr>
-          <p:cNvPr id="86" name="文本框 85">
-            <a:extLst>
-              <a:ext uri="{FF2B5EF4-FFF2-40B4-BE49-F238E27FC236}">
-                <a16:creationId xmlns:a16="http://schemas.microsoft.com/office/drawing/2014/main" id="{D666F203-42EA-4810-9CDB-1D19B45FD3B1}"/>
-              </a:ext>
-            </a:extLst>
-          </p:cNvPr>
-          <p:cNvSpPr txBox="1"/>
-          <p:nvPr/>
-        </p:nvSpPr>
-        <p:spPr>
-          <a:xfrm>
-            <a:off x="10035587" y="2112883"/>
-            <a:ext cx="1669152" cy="646331"/>
-          </a:xfrm>
-          <a:prstGeom prst="rect">
-            <a:avLst/>
-          </a:prstGeom>
-          <a:noFill/>
-        </p:spPr>
-        <p:txBody>
-          <a:bodyPr wrap="square" rtlCol="0">
-            <a:spAutoFit/>
-          </a:bodyPr>
-          <a:lstStyle/>
-          <a:p>
-            <a:pPr algn="ctr"/>
-            <a:r>
-              <a:rPr lang="en-US" altLang="zh-CN" b="1" dirty="0"/>
-              <a:t>Equivalent</a:t>
-            </a:r>
-          </a:p>
-          <a:p>
-            <a:pPr algn="ctr"/>
-            <a:r>
-              <a:rPr lang="en-US" altLang="zh-CN" b="1" dirty="0"/>
-              <a:t>Plain Network</a:t>
-            </a:r>
-            <a:endParaRPr lang="zh-CN" altLang="en-US" b="1" dirty="0"/>
-          </a:p>
-        </p:txBody>
-      </p:sp>
-      <p:sp>
-        <p:nvSpPr>
-          <p:cNvPr id="87" name="文本框 86">
-            <a:extLst>
-              <a:ext uri="{FF2B5EF4-FFF2-40B4-BE49-F238E27FC236}">
-                <a16:creationId xmlns:a16="http://schemas.microsoft.com/office/drawing/2014/main" id="{1AEB4D50-9A86-4613-89C9-1359E3BA1847}"/>
-              </a:ext>
-            </a:extLst>
-          </p:cNvPr>
-          <p:cNvSpPr txBox="1"/>
-          <p:nvPr/>
-        </p:nvSpPr>
-        <p:spPr>
-          <a:xfrm>
-            <a:off x="810393" y="4558741"/>
-            <a:ext cx="1087208" cy="646331"/>
-          </a:xfrm>
-          <a:prstGeom prst="rect">
-            <a:avLst/>
-          </a:prstGeom>
-          <a:noFill/>
-        </p:spPr>
-        <p:txBody>
-          <a:bodyPr wrap="square" rtlCol="0">
-            <a:spAutoFit/>
-          </a:bodyPr>
-          <a:lstStyle/>
-          <a:p>
-            <a:r>
-              <a:rPr lang="en-US" altLang="zh-CN" b="1" dirty="0"/>
-              <a:t>Student Model</a:t>
-            </a:r>
-            <a:endParaRPr lang="zh-CN" altLang="en-US" b="1" dirty="0"/>
-          </a:p>
-        </p:txBody>
-      </p:sp>
-      <p:sp>
-        <p:nvSpPr>
-          <p:cNvPr id="66" name="矩形 65">
-            <a:extLst>
-              <a:ext uri="{FF2B5EF4-FFF2-40B4-BE49-F238E27FC236}">
-                <a16:creationId xmlns:a16="http://schemas.microsoft.com/office/drawing/2014/main" id="{BF327204-8D04-491F-BCC2-D2E7F7A6EE5E}"/>
-              </a:ext>
-            </a:extLst>
-          </p:cNvPr>
-          <p:cNvSpPr/>
-          <p:nvPr/>
-        </p:nvSpPr>
-        <p:spPr>
-          <a:xfrm>
-            <a:off x="4199164" y="2785377"/>
-            <a:ext cx="1057002" cy="616595"/>
-          </a:xfrm>
-          <a:prstGeom prst="rect">
-            <a:avLst/>
-          </a:prstGeom>
-          <a:solidFill>
-            <a:schemeClr val="accent6">
-              <a:lumMod val="60000"/>
-              <a:lumOff val="40000"/>
-            </a:schemeClr>
-          </a:solidFill>
-          <a:ln>
-            <a:noFill/>
-          </a:ln>
-        </p:spPr>
-        <p:style>
-          <a:lnRef idx="2">
-            <a:schemeClr val="accent4">
-              <a:shade val="50000"/>
-            </a:schemeClr>
-          </a:lnRef>
-          <a:fillRef idx="1">
-            <a:schemeClr val="accent4"/>
-          </a:fillRef>
-          <a:effectRef idx="0">
-            <a:schemeClr val="accent4"/>
-          </a:effectRef>
-          <a:fontRef idx="minor">
-            <a:schemeClr val="lt1"/>
-          </a:fontRef>
-        </p:style>
-        <p:txBody>
-          <a:bodyPr rtlCol="0" anchor="ctr"/>
-          <a:lstStyle/>
-          <a:p>
-            <a:pPr algn="ctr"/>
-            <a:r>
-              <a:rPr lang="en-US" altLang="zh-CN" sz="1400" dirty="0"/>
-              <a:t>Sampled</a:t>
-            </a:r>
-          </a:p>
-          <a:p>
-            <a:pPr algn="ctr"/>
-            <a:r>
-              <a:rPr lang="en-US" altLang="zh-CN" sz="1400" dirty="0"/>
-              <a:t>Feature</a:t>
-            </a:r>
-            <a:endParaRPr lang="zh-CN" altLang="en-US" sz="1400" dirty="0"/>
-          </a:p>
-        </p:txBody>
-      </p:sp>
-      <p:cxnSp>
-        <p:nvCxnSpPr>
-          <p:cNvPr id="71" name="直接箭头连接符 70">
-            <a:extLst>
-              <a:ext uri="{FF2B5EF4-FFF2-40B4-BE49-F238E27FC236}">
-                <a16:creationId xmlns:a16="http://schemas.microsoft.com/office/drawing/2014/main" id="{207274AE-27D0-4AB5-88A9-4A6612C29511}"/>
-              </a:ext>
-            </a:extLst>
-          </p:cNvPr>
-          <p:cNvCxnSpPr>
-            <a:cxnSpLocks/>
-          </p:cNvCxnSpPr>
-          <p:nvPr/>
-        </p:nvCxnSpPr>
-        <p:spPr>
-          <a:xfrm>
-            <a:off x="3429359" y="2370257"/>
-            <a:ext cx="0" cy="417855"/>
-          </a:xfrm>
-          <a:prstGeom prst="straightConnector1">
-            <a:avLst/>
-          </a:prstGeom>
-          <a:ln>
-            <a:tailEnd type="triangle"/>
-          </a:ln>
-        </p:spPr>
-        <p:style>
-          <a:lnRef idx="1">
-            <a:schemeClr val="accent6"/>
-          </a:lnRef>
-          <a:fillRef idx="0">
-            <a:schemeClr val="accent6"/>
-          </a:fillRef>
-          <a:effectRef idx="0">
-            <a:schemeClr val="accent6"/>
-          </a:effectRef>
-          <a:fontRef idx="minor">
-            <a:schemeClr val="tx1"/>
-          </a:fontRef>
-        </p:style>
-      </p:cxnSp>
-      <p:cxnSp>
-        <p:nvCxnSpPr>
-          <p:cNvPr id="81" name="直接箭头连接符 80">
-            <a:extLst>
-              <a:ext uri="{FF2B5EF4-FFF2-40B4-BE49-F238E27FC236}">
-                <a16:creationId xmlns:a16="http://schemas.microsoft.com/office/drawing/2014/main" id="{4E510F0E-D4BA-4A25-95E6-7AA6829E10DF}"/>
-              </a:ext>
-            </a:extLst>
-          </p:cNvPr>
-          <p:cNvCxnSpPr>
-            <a:cxnSpLocks/>
-          </p:cNvCxnSpPr>
-          <p:nvPr/>
-        </p:nvCxnSpPr>
-        <p:spPr>
-          <a:xfrm>
-            <a:off x="4804991" y="2380552"/>
-            <a:ext cx="0" cy="417855"/>
-          </a:xfrm>
-          <a:prstGeom prst="straightConnector1">
-            <a:avLst/>
-          </a:prstGeom>
-          <a:ln>
-            <a:tailEnd type="triangle"/>
-          </a:ln>
-        </p:spPr>
-        <p:style>
-          <a:lnRef idx="1">
-            <a:schemeClr val="accent6"/>
-          </a:lnRef>
-          <a:fillRef idx="0">
-            <a:schemeClr val="accent6"/>
-          </a:fillRef>
-          <a:effectRef idx="0">
-            <a:schemeClr val="accent6"/>
-          </a:effectRef>
-          <a:fontRef idx="minor">
-            <a:schemeClr val="tx1"/>
-          </a:fontRef>
-        </p:style>
-      </p:cxnSp>
-      <p:sp>
-        <p:nvSpPr>
-          <p:cNvPr id="89" name="矩形 88">
-            <a:extLst>
-              <a:ext uri="{FF2B5EF4-FFF2-40B4-BE49-F238E27FC236}">
-                <a16:creationId xmlns:a16="http://schemas.microsoft.com/office/drawing/2014/main" id="{F946595E-E578-446E-B2CB-C38855C54B9D}"/>
-              </a:ext>
-            </a:extLst>
-          </p:cNvPr>
-          <p:cNvSpPr/>
-          <p:nvPr/>
-        </p:nvSpPr>
-        <p:spPr>
-          <a:xfrm>
-            <a:off x="4202224" y="3626141"/>
-            <a:ext cx="1057002" cy="651102"/>
-          </a:xfrm>
-          <a:prstGeom prst="rect">
-            <a:avLst/>
-          </a:prstGeom>
-          <a:solidFill>
-            <a:schemeClr val="accent2">
-              <a:lumMod val="75000"/>
-            </a:schemeClr>
-          </a:solidFill>
-          <a:ln>
-            <a:noFill/>
-          </a:ln>
-        </p:spPr>
-        <p:style>
-          <a:lnRef idx="2">
-            <a:schemeClr val="accent4">
-              <a:shade val="50000"/>
-            </a:schemeClr>
-          </a:lnRef>
-          <a:fillRef idx="1">
-            <a:schemeClr val="accent4"/>
-          </a:fillRef>
-          <a:effectRef idx="0">
-            <a:schemeClr val="accent4"/>
-          </a:effectRef>
-          <a:fontRef idx="minor">
-            <a:schemeClr val="lt1"/>
-          </a:fontRef>
-        </p:style>
-        <p:txBody>
-          <a:bodyPr rtlCol="0" anchor="ctr"/>
-          <a:lstStyle/>
-          <a:p>
-            <a:pPr algn="ctr"/>
-            <a:r>
-              <a:rPr lang="en-US" altLang="zh-CN" sz="1400" dirty="0"/>
-              <a:t>Pseudo Student Feature</a:t>
-            </a:r>
-            <a:endParaRPr lang="zh-CN" altLang="en-US" sz="1400" dirty="0"/>
-          </a:p>
-        </p:txBody>
-      </p:sp>
-      <p:sp>
-        <p:nvSpPr>
-          <p:cNvPr id="140" name="矩形 139">
-            <a:extLst>
-              <a:ext uri="{FF2B5EF4-FFF2-40B4-BE49-F238E27FC236}">
-                <a16:creationId xmlns:a16="http://schemas.microsoft.com/office/drawing/2014/main" id="{2CD3E167-4EDF-46EC-89B6-8FFC7DA6A712}"/>
-              </a:ext>
-            </a:extLst>
-          </p:cNvPr>
-          <p:cNvSpPr/>
-          <p:nvPr/>
-        </p:nvSpPr>
-        <p:spPr>
-          <a:xfrm>
-            <a:off x="2888328" y="2781932"/>
-            <a:ext cx="1057002" cy="616595"/>
-          </a:xfrm>
-          <a:prstGeom prst="rect">
-            <a:avLst/>
-          </a:prstGeom>
-          <a:solidFill>
-            <a:schemeClr val="accent6">
-              <a:lumMod val="60000"/>
-              <a:lumOff val="40000"/>
-            </a:schemeClr>
-          </a:solidFill>
-          <a:ln>
-            <a:noFill/>
-          </a:ln>
-        </p:spPr>
-        <p:style>
-          <a:lnRef idx="2">
-            <a:schemeClr val="accent4">
-              <a:shade val="50000"/>
-            </a:schemeClr>
-          </a:lnRef>
-          <a:fillRef idx="1">
-            <a:schemeClr val="accent4"/>
-          </a:fillRef>
-          <a:effectRef idx="0">
-            <a:schemeClr val="accent4"/>
-          </a:effectRef>
-          <a:fontRef idx="minor">
-            <a:schemeClr val="lt1"/>
-          </a:fontRef>
-        </p:style>
-        <p:txBody>
-          <a:bodyPr rtlCol="0" anchor="ctr"/>
-          <a:lstStyle/>
-          <a:p>
-            <a:pPr algn="ctr"/>
-            <a:r>
-              <a:rPr lang="en-US" altLang="zh-CN" sz="1400" dirty="0"/>
-              <a:t>Sampled</a:t>
-            </a:r>
-          </a:p>
-          <a:p>
-            <a:pPr algn="ctr"/>
-            <a:r>
-              <a:rPr lang="en-US" altLang="zh-CN" sz="1400" dirty="0"/>
-              <a:t>Feature</a:t>
-            </a:r>
-            <a:endParaRPr lang="zh-CN" altLang="en-US" sz="1400" dirty="0"/>
-          </a:p>
-        </p:txBody>
-      </p:sp>
-      <p:sp>
-        <p:nvSpPr>
-          <p:cNvPr id="146" name="矩形 145">
-            <a:extLst>
-              <a:ext uri="{FF2B5EF4-FFF2-40B4-BE49-F238E27FC236}">
-                <a16:creationId xmlns:a16="http://schemas.microsoft.com/office/drawing/2014/main" id="{05AEDA70-0BCC-4C01-968A-D883268B2562}"/>
-              </a:ext>
-            </a:extLst>
-          </p:cNvPr>
-          <p:cNvSpPr/>
-          <p:nvPr/>
-        </p:nvSpPr>
-        <p:spPr>
-          <a:xfrm>
-            <a:off x="2888328" y="3641664"/>
-            <a:ext cx="1057002" cy="651102"/>
-          </a:xfrm>
-          <a:prstGeom prst="rect">
-            <a:avLst/>
-          </a:prstGeom>
-          <a:solidFill>
-            <a:schemeClr val="accent2">
-              <a:lumMod val="75000"/>
-            </a:schemeClr>
-          </a:solidFill>
-          <a:ln>
-            <a:noFill/>
-          </a:ln>
-        </p:spPr>
-        <p:style>
-          <a:lnRef idx="2">
-            <a:schemeClr val="accent4">
-              <a:shade val="50000"/>
-            </a:schemeClr>
-          </a:lnRef>
-          <a:fillRef idx="1">
-            <a:schemeClr val="accent4"/>
-          </a:fillRef>
-          <a:effectRef idx="0">
-            <a:schemeClr val="accent4"/>
-          </a:effectRef>
-          <a:fontRef idx="minor">
-            <a:schemeClr val="lt1"/>
-          </a:fontRef>
-        </p:style>
-        <p:txBody>
-          <a:bodyPr rtlCol="0" anchor="ctr"/>
-          <a:lstStyle/>
-          <a:p>
-            <a:pPr algn="ctr"/>
-            <a:r>
-              <a:rPr lang="en-US" altLang="zh-CN" sz="1400" dirty="0"/>
-              <a:t>Pseudo Student Feature</a:t>
-            </a:r>
-            <a:endParaRPr lang="zh-CN" altLang="en-US" sz="1400" dirty="0"/>
-          </a:p>
-        </p:txBody>
-      </p:sp>
-      <p:sp>
-        <p:nvSpPr>
-          <p:cNvPr id="149" name="箭头: 下 148">
-            <a:extLst>
-              <a:ext uri="{FF2B5EF4-FFF2-40B4-BE49-F238E27FC236}">
-                <a16:creationId xmlns:a16="http://schemas.microsoft.com/office/drawing/2014/main" id="{A668E159-E93A-42DD-8246-035F755BF8FF}"/>
-              </a:ext>
-            </a:extLst>
-          </p:cNvPr>
-          <p:cNvSpPr/>
-          <p:nvPr/>
-        </p:nvSpPr>
-        <p:spPr>
-          <a:xfrm>
-            <a:off x="4609640" y="3394220"/>
-            <a:ext cx="180513" cy="239521"/>
-          </a:xfrm>
-          <a:prstGeom prst="downArrow">
-            <a:avLst/>
-          </a:prstGeom>
-          <a:ln>
-            <a:noFill/>
-          </a:ln>
-        </p:spPr>
-        <p:style>
-          <a:lnRef idx="2">
-            <a:schemeClr val="accent6">
-              <a:shade val="50000"/>
-            </a:schemeClr>
-          </a:lnRef>
-          <a:fillRef idx="1">
-            <a:schemeClr val="accent6"/>
-          </a:fillRef>
-          <a:effectRef idx="0">
-            <a:schemeClr val="accent6"/>
-          </a:effectRef>
-          <a:fontRef idx="minor">
-            <a:schemeClr val="lt1"/>
-          </a:fontRef>
-        </p:style>
-        <p:txBody>
-          <a:bodyPr rtlCol="0" anchor="ctr"/>
-          <a:lstStyle/>
-          <a:p>
-            <a:pPr algn="ctr"/>
-            <a:endParaRPr lang="zh-CN" altLang="en-US"/>
-          </a:p>
-        </p:txBody>
-      </p:sp>
-      <p:sp>
-        <p:nvSpPr>
-          <p:cNvPr id="150" name="箭头: 下 149">
-            <a:extLst>
-              <a:ext uri="{FF2B5EF4-FFF2-40B4-BE49-F238E27FC236}">
-                <a16:creationId xmlns:a16="http://schemas.microsoft.com/office/drawing/2014/main" id="{83BDEBFC-B2A0-4C8B-A43D-A8A2C7DA3A13}"/>
-              </a:ext>
-            </a:extLst>
-          </p:cNvPr>
-          <p:cNvSpPr/>
-          <p:nvPr/>
-        </p:nvSpPr>
-        <p:spPr>
-          <a:xfrm>
-            <a:off x="3332309" y="3398527"/>
-            <a:ext cx="180513" cy="239521"/>
-          </a:xfrm>
-          <a:prstGeom prst="downArrow">
-            <a:avLst/>
-          </a:prstGeom>
-          <a:ln>
-            <a:noFill/>
-          </a:ln>
-        </p:spPr>
-        <p:style>
-          <a:lnRef idx="2">
-            <a:schemeClr val="accent6">
-              <a:shade val="50000"/>
-            </a:schemeClr>
-          </a:lnRef>
-          <a:fillRef idx="1">
-            <a:schemeClr val="accent6"/>
-          </a:fillRef>
-          <a:effectRef idx="0">
-            <a:schemeClr val="accent6"/>
-          </a:effectRef>
-          <a:fontRef idx="minor">
-            <a:schemeClr val="lt1"/>
-          </a:fontRef>
-        </p:style>
-        <p:txBody>
-          <a:bodyPr rtlCol="0" anchor="ctr"/>
-          <a:lstStyle/>
-          <a:p>
-            <a:pPr algn="ctr"/>
-            <a:endParaRPr lang="zh-CN" altLang="en-US"/>
-          </a:p>
-        </p:txBody>
-      </p:sp>
-      <p:grpSp>
-        <p:nvGrpSpPr>
-          <p:cNvPr id="27" name="组合 26">
-            <a:extLst>
-              <a:ext uri="{FF2B5EF4-FFF2-40B4-BE49-F238E27FC236}">
-                <a16:creationId xmlns:a16="http://schemas.microsoft.com/office/drawing/2014/main" id="{89393050-F08E-4A93-9061-1CCF4AEE9D78}"/>
-              </a:ext>
-            </a:extLst>
-          </p:cNvPr>
-          <p:cNvGrpSpPr/>
-          <p:nvPr/>
-        </p:nvGrpSpPr>
-        <p:grpSpPr>
-          <a:xfrm>
-            <a:off x="1193958" y="2960155"/>
-            <a:ext cx="913236" cy="216066"/>
-            <a:chOff x="1490133" y="3002132"/>
-            <a:chExt cx="913236" cy="216066"/>
-          </a:xfrm>
-        </p:grpSpPr>
-        <p:sp>
-          <p:nvSpPr>
-            <p:cNvPr id="102" name="椭圆 101">
-              <a:extLst>
-                <a:ext uri="{FF2B5EF4-FFF2-40B4-BE49-F238E27FC236}">
-                  <a16:creationId xmlns:a16="http://schemas.microsoft.com/office/drawing/2014/main" id="{0E294367-462A-47E2-8C0E-42F6C041E9B6}"/>
-                </a:ext>
-              </a:extLst>
-            </p:cNvPr>
-            <p:cNvSpPr/>
-            <p:nvPr/>
-          </p:nvSpPr>
-          <p:spPr>
-            <a:xfrm>
-              <a:off x="1846450" y="3004925"/>
-              <a:ext cx="213273" cy="213273"/>
-            </a:xfrm>
-            <a:prstGeom prst="ellipse">
-              <a:avLst/>
-            </a:prstGeom>
-            <a:solidFill>
-              <a:srgbClr val="A9D18E"/>
-            </a:solidFill>
-            <a:ln>
-              <a:noFill/>
-            </a:ln>
-          </p:spPr>
-          <p:style>
-            <a:lnRef idx="2">
-              <a:schemeClr val="accent1">
-                <a:shade val="50000"/>
-              </a:schemeClr>
-            </a:lnRef>
-            <a:fillRef idx="1">
-              <a:schemeClr val="accent1"/>
-            </a:fillRef>
-            <a:effectRef idx="0">
-              <a:schemeClr val="accent1"/>
-            </a:effectRef>
-            <a:fontRef idx="minor">
-              <a:schemeClr val="lt1"/>
-            </a:fontRef>
-          </p:style>
-          <p:txBody>
-            <a:bodyPr rtlCol="0" anchor="ctr"/>
-            <a:lstStyle/>
-            <a:p>
-              <a:pPr algn="ctr"/>
-              <a:endParaRPr lang="zh-CN" altLang="en-US"/>
-            </a:p>
-          </p:txBody>
-        </p:sp>
-        <p:sp>
-          <p:nvSpPr>
-            <p:cNvPr id="103" name="椭圆 102">
-              <a:extLst>
-                <a:ext uri="{FF2B5EF4-FFF2-40B4-BE49-F238E27FC236}">
-                  <a16:creationId xmlns:a16="http://schemas.microsoft.com/office/drawing/2014/main" id="{2FA9C47D-A8D6-4D97-B504-A37F608874E8}"/>
-                </a:ext>
-              </a:extLst>
-            </p:cNvPr>
-            <p:cNvSpPr/>
-            <p:nvPr/>
-          </p:nvSpPr>
-          <p:spPr>
-            <a:xfrm>
-              <a:off x="2190096" y="3002132"/>
-              <a:ext cx="213273" cy="213273"/>
-            </a:xfrm>
-            <a:prstGeom prst="ellipse">
-              <a:avLst/>
-            </a:prstGeom>
-            <a:solidFill>
-              <a:srgbClr val="A9D18E"/>
-            </a:solidFill>
-            <a:ln>
-              <a:noFill/>
-            </a:ln>
-          </p:spPr>
-          <p:style>
-            <a:lnRef idx="2">
-              <a:schemeClr val="accent1">
-                <a:shade val="50000"/>
-              </a:schemeClr>
-            </a:lnRef>
-            <a:fillRef idx="1">
-              <a:schemeClr val="accent1"/>
-            </a:fillRef>
-            <a:effectRef idx="0">
-              <a:schemeClr val="accent1"/>
-            </a:effectRef>
-            <a:fontRef idx="minor">
-              <a:schemeClr val="lt1"/>
-            </a:fontRef>
-          </p:style>
-          <p:txBody>
-            <a:bodyPr rtlCol="0" anchor="ctr"/>
-            <a:lstStyle/>
-            <a:p>
-              <a:pPr algn="ctr"/>
-              <a:endParaRPr lang="zh-CN" altLang="en-US"/>
-            </a:p>
-          </p:txBody>
-        </p:sp>
-        <p:sp>
-          <p:nvSpPr>
-            <p:cNvPr id="104" name="椭圆 103">
-              <a:extLst>
-                <a:ext uri="{FF2B5EF4-FFF2-40B4-BE49-F238E27FC236}">
-                  <a16:creationId xmlns:a16="http://schemas.microsoft.com/office/drawing/2014/main" id="{DE4F6724-E31B-42E3-AD65-8992B49CCEF9}"/>
-                </a:ext>
-              </a:extLst>
-            </p:cNvPr>
-            <p:cNvSpPr/>
-            <p:nvPr/>
-          </p:nvSpPr>
-          <p:spPr>
-            <a:xfrm>
-              <a:off x="1490133" y="3004925"/>
-              <a:ext cx="213273" cy="213273"/>
-            </a:xfrm>
-            <a:prstGeom prst="ellipse">
-              <a:avLst/>
-            </a:prstGeom>
-            <a:solidFill>
-              <a:srgbClr val="A9D18E"/>
-            </a:solidFill>
-            <a:ln>
-              <a:noFill/>
-            </a:ln>
-          </p:spPr>
-          <p:style>
-            <a:lnRef idx="2">
-              <a:schemeClr val="accent1">
-                <a:shade val="50000"/>
-              </a:schemeClr>
-            </a:lnRef>
-            <a:fillRef idx="1">
-              <a:schemeClr val="accent1"/>
-            </a:fillRef>
-            <a:effectRef idx="0">
-              <a:schemeClr val="accent1"/>
-            </a:effectRef>
-            <a:fontRef idx="minor">
-              <a:schemeClr val="lt1"/>
-            </a:fontRef>
-          </p:style>
-          <p:txBody>
-            <a:bodyPr rtlCol="0" anchor="ctr"/>
-            <a:lstStyle/>
-            <a:p>
-              <a:pPr algn="ctr"/>
-              <a:endParaRPr lang="zh-CN" altLang="en-US"/>
-            </a:p>
-          </p:txBody>
-        </p:sp>
-      </p:grpSp>
-      <p:grpSp>
-        <p:nvGrpSpPr>
-          <p:cNvPr id="30" name="组合 29">
-            <a:extLst>
-              <a:ext uri="{FF2B5EF4-FFF2-40B4-BE49-F238E27FC236}">
-                <a16:creationId xmlns:a16="http://schemas.microsoft.com/office/drawing/2014/main" id="{D2ABBD3E-687E-49A9-94BA-291108AAC8A6}"/>
-              </a:ext>
-            </a:extLst>
-          </p:cNvPr>
-          <p:cNvGrpSpPr/>
-          <p:nvPr/>
-        </p:nvGrpSpPr>
-        <p:grpSpPr>
-          <a:xfrm>
-            <a:off x="5488250" y="2956846"/>
-            <a:ext cx="913236" cy="216066"/>
-            <a:chOff x="5525616" y="3000491"/>
-            <a:chExt cx="913236" cy="216066"/>
-          </a:xfrm>
-        </p:grpSpPr>
-        <p:sp>
-          <p:nvSpPr>
-            <p:cNvPr id="105" name="椭圆 104">
-              <a:extLst>
-                <a:ext uri="{FF2B5EF4-FFF2-40B4-BE49-F238E27FC236}">
-                  <a16:creationId xmlns:a16="http://schemas.microsoft.com/office/drawing/2014/main" id="{A6F5622F-2C68-490A-A2F8-6BF86AAE89DA}"/>
-                </a:ext>
-              </a:extLst>
-            </p:cNvPr>
-            <p:cNvSpPr/>
-            <p:nvPr/>
-          </p:nvSpPr>
-          <p:spPr>
-            <a:xfrm>
-              <a:off x="5881933" y="3003284"/>
-              <a:ext cx="213273" cy="213273"/>
-            </a:xfrm>
-            <a:prstGeom prst="ellipse">
-              <a:avLst/>
-            </a:prstGeom>
-            <a:solidFill>
-              <a:srgbClr val="A9D18E"/>
-            </a:solidFill>
-            <a:ln>
-              <a:noFill/>
-            </a:ln>
-          </p:spPr>
-          <p:style>
-            <a:lnRef idx="2">
-              <a:schemeClr val="accent1">
-                <a:shade val="50000"/>
-              </a:schemeClr>
-            </a:lnRef>
-            <a:fillRef idx="1">
-              <a:schemeClr val="accent1"/>
-            </a:fillRef>
-            <a:effectRef idx="0">
-              <a:schemeClr val="accent1"/>
-            </a:effectRef>
-            <a:fontRef idx="minor">
-              <a:schemeClr val="lt1"/>
-            </a:fontRef>
-          </p:style>
-          <p:txBody>
-            <a:bodyPr rtlCol="0" anchor="ctr"/>
-            <a:lstStyle/>
-            <a:p>
-              <a:pPr algn="ctr"/>
-              <a:endParaRPr lang="zh-CN" altLang="en-US"/>
-            </a:p>
-          </p:txBody>
-        </p:sp>
-        <p:sp>
-          <p:nvSpPr>
-            <p:cNvPr id="106" name="椭圆 105">
-              <a:extLst>
-                <a:ext uri="{FF2B5EF4-FFF2-40B4-BE49-F238E27FC236}">
-                  <a16:creationId xmlns:a16="http://schemas.microsoft.com/office/drawing/2014/main" id="{24819B23-B9F2-4694-8A84-4E26BD8BCC60}"/>
-                </a:ext>
-              </a:extLst>
-            </p:cNvPr>
-            <p:cNvSpPr/>
-            <p:nvPr/>
-          </p:nvSpPr>
-          <p:spPr>
-            <a:xfrm>
-              <a:off x="6225579" y="3000491"/>
-              <a:ext cx="213273" cy="213273"/>
-            </a:xfrm>
-            <a:prstGeom prst="ellipse">
-              <a:avLst/>
-            </a:prstGeom>
-            <a:solidFill>
-              <a:srgbClr val="A9D18E"/>
-            </a:solidFill>
-            <a:ln>
-              <a:noFill/>
-            </a:ln>
-          </p:spPr>
-          <p:style>
-            <a:lnRef idx="2">
-              <a:schemeClr val="accent1">
-                <a:shade val="50000"/>
-              </a:schemeClr>
-            </a:lnRef>
-            <a:fillRef idx="1">
-              <a:schemeClr val="accent1"/>
-            </a:fillRef>
-            <a:effectRef idx="0">
-              <a:schemeClr val="accent1"/>
-            </a:effectRef>
-            <a:fontRef idx="minor">
-              <a:schemeClr val="lt1"/>
-            </a:fontRef>
-          </p:style>
-          <p:txBody>
-            <a:bodyPr rtlCol="0" anchor="ctr"/>
-            <a:lstStyle/>
-            <a:p>
-              <a:pPr algn="ctr"/>
-              <a:endParaRPr lang="zh-CN" altLang="en-US"/>
-            </a:p>
-          </p:txBody>
-        </p:sp>
-        <p:sp>
-          <p:nvSpPr>
-            <p:cNvPr id="107" name="椭圆 106">
-              <a:extLst>
-                <a:ext uri="{FF2B5EF4-FFF2-40B4-BE49-F238E27FC236}">
-                  <a16:creationId xmlns:a16="http://schemas.microsoft.com/office/drawing/2014/main" id="{1AB6EA79-9AAB-46DA-B3FE-D0F45AD40C60}"/>
-                </a:ext>
-              </a:extLst>
-            </p:cNvPr>
-            <p:cNvSpPr/>
-            <p:nvPr/>
-          </p:nvSpPr>
-          <p:spPr>
-            <a:xfrm>
-              <a:off x="5525616" y="3003284"/>
-              <a:ext cx="213273" cy="213273"/>
-            </a:xfrm>
-            <a:prstGeom prst="ellipse">
-              <a:avLst/>
-            </a:prstGeom>
-            <a:solidFill>
-              <a:srgbClr val="A9D18E"/>
-            </a:solidFill>
-            <a:ln>
-              <a:noFill/>
-            </a:ln>
-          </p:spPr>
-          <p:style>
-            <a:lnRef idx="2">
-              <a:schemeClr val="accent1">
-                <a:shade val="50000"/>
-              </a:schemeClr>
-            </a:lnRef>
-            <a:fillRef idx="1">
-              <a:schemeClr val="accent1"/>
-            </a:fillRef>
-            <a:effectRef idx="0">
-              <a:schemeClr val="accent1"/>
-            </a:effectRef>
-            <a:fontRef idx="minor">
-              <a:schemeClr val="lt1"/>
-            </a:fontRef>
-          </p:style>
-          <p:txBody>
-            <a:bodyPr rtlCol="0" anchor="ctr"/>
-            <a:lstStyle/>
-            <a:p>
-              <a:pPr algn="ctr"/>
-              <a:endParaRPr lang="zh-CN" altLang="en-US"/>
-            </a:p>
-          </p:txBody>
-        </p:sp>
-      </p:grpSp>
-      <p:grpSp>
-        <p:nvGrpSpPr>
-          <p:cNvPr id="108" name="组合 107">
-            <a:extLst>
-              <a:ext uri="{FF2B5EF4-FFF2-40B4-BE49-F238E27FC236}">
-                <a16:creationId xmlns:a16="http://schemas.microsoft.com/office/drawing/2014/main" id="{517CA0CA-FC3D-4F5E-8E7F-3D5555CD1A08}"/>
-              </a:ext>
-            </a:extLst>
-          </p:cNvPr>
-          <p:cNvGrpSpPr/>
-          <p:nvPr/>
-        </p:nvGrpSpPr>
-        <p:grpSpPr>
-          <a:xfrm>
-            <a:off x="1193958" y="2278194"/>
-            <a:ext cx="913236" cy="216066"/>
-            <a:chOff x="1490133" y="3002132"/>
-            <a:chExt cx="913236" cy="216066"/>
-          </a:xfrm>
-          <a:solidFill>
-            <a:srgbClr val="4472C4"/>
-          </a:solidFill>
-        </p:grpSpPr>
-        <p:sp>
-          <p:nvSpPr>
-            <p:cNvPr id="109" name="椭圆 108">
-              <a:extLst>
-                <a:ext uri="{FF2B5EF4-FFF2-40B4-BE49-F238E27FC236}">
-                  <a16:creationId xmlns:a16="http://schemas.microsoft.com/office/drawing/2014/main" id="{E9BC2BB2-F1D9-481C-85E8-EA04787C6BC0}"/>
-                </a:ext>
-              </a:extLst>
-            </p:cNvPr>
-            <p:cNvSpPr/>
-            <p:nvPr/>
-          </p:nvSpPr>
-          <p:spPr>
-            <a:xfrm>
-              <a:off x="1846450" y="3004925"/>
-              <a:ext cx="213273" cy="213273"/>
-            </a:xfrm>
-            <a:prstGeom prst="ellipse">
-              <a:avLst/>
-            </a:prstGeom>
-            <a:grpFill/>
-            <a:ln>
-              <a:solidFill>
-                <a:srgbClr val="FFFFFF"/>
-              </a:solidFill>
-            </a:ln>
-          </p:spPr>
-          <p:style>
-            <a:lnRef idx="2">
-              <a:schemeClr val="accent1">
-                <a:shade val="50000"/>
-              </a:schemeClr>
-            </a:lnRef>
-            <a:fillRef idx="1">
-              <a:schemeClr val="accent1"/>
-            </a:fillRef>
-            <a:effectRef idx="0">
-              <a:schemeClr val="accent1"/>
-            </a:effectRef>
-            <a:fontRef idx="minor">
-              <a:schemeClr val="lt1"/>
-            </a:fontRef>
-          </p:style>
-          <p:txBody>
-            <a:bodyPr rtlCol="0" anchor="ctr"/>
-            <a:lstStyle/>
-            <a:p>
-              <a:pPr algn="ctr"/>
-              <a:endParaRPr lang="zh-CN" altLang="en-US"/>
-            </a:p>
-          </p:txBody>
-        </p:sp>
-        <p:sp>
-          <p:nvSpPr>
-            <p:cNvPr id="110" name="椭圆 109">
-              <a:extLst>
-                <a:ext uri="{FF2B5EF4-FFF2-40B4-BE49-F238E27FC236}">
-                  <a16:creationId xmlns:a16="http://schemas.microsoft.com/office/drawing/2014/main" id="{10F90E40-1E4D-4C07-B41B-2F12285D2279}"/>
-                </a:ext>
-              </a:extLst>
-            </p:cNvPr>
-            <p:cNvSpPr/>
-            <p:nvPr/>
-          </p:nvSpPr>
-          <p:spPr>
-            <a:xfrm>
-              <a:off x="2190096" y="3002132"/>
-              <a:ext cx="213273" cy="213273"/>
-            </a:xfrm>
-            <a:prstGeom prst="ellipse">
-              <a:avLst/>
-            </a:prstGeom>
-            <a:grpFill/>
-            <a:ln>
-              <a:solidFill>
-                <a:srgbClr val="FFFFFF"/>
-              </a:solidFill>
-            </a:ln>
-          </p:spPr>
-          <p:style>
-            <a:lnRef idx="2">
-              <a:schemeClr val="accent1">
-                <a:shade val="50000"/>
-              </a:schemeClr>
-            </a:lnRef>
-            <a:fillRef idx="1">
-              <a:schemeClr val="accent1"/>
-            </a:fillRef>
-            <a:effectRef idx="0">
-              <a:schemeClr val="accent1"/>
-            </a:effectRef>
-            <a:fontRef idx="minor">
-              <a:schemeClr val="lt1"/>
-            </a:fontRef>
-          </p:style>
-          <p:txBody>
-            <a:bodyPr rtlCol="0" anchor="ctr"/>
-            <a:lstStyle/>
-            <a:p>
-              <a:pPr algn="ctr"/>
-              <a:endParaRPr lang="zh-CN" altLang="en-US"/>
-            </a:p>
-          </p:txBody>
-        </p:sp>
-        <p:sp>
-          <p:nvSpPr>
-            <p:cNvPr id="111" name="椭圆 110">
-              <a:extLst>
-                <a:ext uri="{FF2B5EF4-FFF2-40B4-BE49-F238E27FC236}">
-                  <a16:creationId xmlns:a16="http://schemas.microsoft.com/office/drawing/2014/main" id="{EFD5369F-E236-49FB-8311-192A5B593540}"/>
-                </a:ext>
-              </a:extLst>
-            </p:cNvPr>
-            <p:cNvSpPr/>
-            <p:nvPr/>
-          </p:nvSpPr>
-          <p:spPr>
-            <a:xfrm>
-              <a:off x="1490133" y="3004925"/>
-              <a:ext cx="213273" cy="213273"/>
-            </a:xfrm>
-            <a:prstGeom prst="ellipse">
-              <a:avLst/>
-            </a:prstGeom>
-            <a:grpFill/>
-            <a:ln>
-              <a:solidFill>
-                <a:srgbClr val="FFFFFF"/>
-              </a:solidFill>
-            </a:ln>
-          </p:spPr>
-          <p:style>
-            <a:lnRef idx="2">
-              <a:schemeClr val="accent1">
-                <a:shade val="50000"/>
-              </a:schemeClr>
-            </a:lnRef>
-            <a:fillRef idx="1">
-              <a:schemeClr val="accent1"/>
-            </a:fillRef>
-            <a:effectRef idx="0">
-              <a:schemeClr val="accent1"/>
-            </a:effectRef>
-            <a:fontRef idx="minor">
-              <a:schemeClr val="lt1"/>
-            </a:fontRef>
-          </p:style>
-          <p:txBody>
-            <a:bodyPr rtlCol="0" anchor="ctr"/>
-            <a:lstStyle/>
-            <a:p>
-              <a:pPr algn="ctr"/>
-              <a:endParaRPr lang="zh-CN" altLang="en-US"/>
-            </a:p>
-          </p:txBody>
-        </p:sp>
-      </p:grpSp>
-      <p:grpSp>
-        <p:nvGrpSpPr>
-          <p:cNvPr id="112" name="组合 111">
-            <a:extLst>
-              <a:ext uri="{FF2B5EF4-FFF2-40B4-BE49-F238E27FC236}">
-                <a16:creationId xmlns:a16="http://schemas.microsoft.com/office/drawing/2014/main" id="{2878094D-D086-44E6-A2E9-91B2FDD5E357}"/>
-              </a:ext>
-            </a:extLst>
-          </p:cNvPr>
-          <p:cNvGrpSpPr/>
-          <p:nvPr/>
-        </p:nvGrpSpPr>
-        <p:grpSpPr>
-          <a:xfrm>
-            <a:off x="5488250" y="2279583"/>
-            <a:ext cx="913236" cy="216066"/>
-            <a:chOff x="1490133" y="3002132"/>
-            <a:chExt cx="913236" cy="216066"/>
-          </a:xfrm>
-          <a:solidFill>
-            <a:srgbClr val="4472C4"/>
-          </a:solidFill>
-        </p:grpSpPr>
-        <p:sp>
-          <p:nvSpPr>
-            <p:cNvPr id="113" name="椭圆 112">
-              <a:extLst>
-                <a:ext uri="{FF2B5EF4-FFF2-40B4-BE49-F238E27FC236}">
-                  <a16:creationId xmlns:a16="http://schemas.microsoft.com/office/drawing/2014/main" id="{84990903-9B80-49F3-B789-43D14576860A}"/>
-                </a:ext>
-              </a:extLst>
-            </p:cNvPr>
-            <p:cNvSpPr/>
-            <p:nvPr/>
-          </p:nvSpPr>
-          <p:spPr>
-            <a:xfrm>
-              <a:off x="1846450" y="3004925"/>
-              <a:ext cx="213273" cy="213273"/>
-            </a:xfrm>
-            <a:prstGeom prst="ellipse">
-              <a:avLst/>
-            </a:prstGeom>
-            <a:grpFill/>
-            <a:ln>
-              <a:solidFill>
-                <a:srgbClr val="FFFFFF"/>
-              </a:solidFill>
-            </a:ln>
-          </p:spPr>
-          <p:style>
-            <a:lnRef idx="2">
-              <a:schemeClr val="accent1">
-                <a:shade val="50000"/>
-              </a:schemeClr>
-            </a:lnRef>
-            <a:fillRef idx="1">
-              <a:schemeClr val="accent1"/>
-            </a:fillRef>
-            <a:effectRef idx="0">
-              <a:schemeClr val="accent1"/>
-            </a:effectRef>
-            <a:fontRef idx="minor">
-              <a:schemeClr val="lt1"/>
-            </a:fontRef>
-          </p:style>
-          <p:txBody>
-            <a:bodyPr rtlCol="0" anchor="ctr"/>
-            <a:lstStyle/>
-            <a:p>
-              <a:pPr algn="ctr"/>
-              <a:endParaRPr lang="zh-CN" altLang="en-US"/>
-            </a:p>
-          </p:txBody>
-        </p:sp>
-        <p:sp>
-          <p:nvSpPr>
-            <p:cNvPr id="114" name="椭圆 113">
-              <a:extLst>
-                <a:ext uri="{FF2B5EF4-FFF2-40B4-BE49-F238E27FC236}">
-                  <a16:creationId xmlns:a16="http://schemas.microsoft.com/office/drawing/2014/main" id="{A5150730-0C9B-48FB-87C4-68C46407ECF3}"/>
-                </a:ext>
-              </a:extLst>
-            </p:cNvPr>
-            <p:cNvSpPr/>
-            <p:nvPr/>
-          </p:nvSpPr>
-          <p:spPr>
-            <a:xfrm>
-              <a:off x="2190096" y="3002132"/>
-              <a:ext cx="213273" cy="213273"/>
-            </a:xfrm>
-            <a:prstGeom prst="ellipse">
-              <a:avLst/>
-            </a:prstGeom>
-            <a:grpFill/>
-            <a:ln>
-              <a:solidFill>
-                <a:srgbClr val="FFFFFF"/>
-              </a:solidFill>
-            </a:ln>
-          </p:spPr>
-          <p:style>
-            <a:lnRef idx="2">
-              <a:schemeClr val="accent1">
-                <a:shade val="50000"/>
-              </a:schemeClr>
-            </a:lnRef>
-            <a:fillRef idx="1">
-              <a:schemeClr val="accent1"/>
-            </a:fillRef>
-            <a:effectRef idx="0">
-              <a:schemeClr val="accent1"/>
-            </a:effectRef>
-            <a:fontRef idx="minor">
-              <a:schemeClr val="lt1"/>
-            </a:fontRef>
-          </p:style>
-          <p:txBody>
-            <a:bodyPr rtlCol="0" anchor="ctr"/>
-            <a:lstStyle/>
-            <a:p>
-              <a:pPr algn="ctr"/>
-              <a:endParaRPr lang="zh-CN" altLang="en-US"/>
-            </a:p>
-          </p:txBody>
-        </p:sp>
-        <p:sp>
-          <p:nvSpPr>
-            <p:cNvPr id="115" name="椭圆 114">
-              <a:extLst>
-                <a:ext uri="{FF2B5EF4-FFF2-40B4-BE49-F238E27FC236}">
-                  <a16:creationId xmlns:a16="http://schemas.microsoft.com/office/drawing/2014/main" id="{85BB1F71-2B79-467C-B927-18743960B44D}"/>
-                </a:ext>
-              </a:extLst>
-            </p:cNvPr>
-            <p:cNvSpPr/>
-            <p:nvPr/>
-          </p:nvSpPr>
-          <p:spPr>
-            <a:xfrm>
-              <a:off x="1490133" y="3004925"/>
-              <a:ext cx="213273" cy="213273"/>
-            </a:xfrm>
-            <a:prstGeom prst="ellipse">
-              <a:avLst/>
-            </a:prstGeom>
-            <a:grpFill/>
-            <a:ln>
-              <a:solidFill>
-                <a:srgbClr val="FFFFFF"/>
-              </a:solidFill>
-            </a:ln>
-          </p:spPr>
-          <p:style>
-            <a:lnRef idx="2">
-              <a:schemeClr val="accent1">
-                <a:shade val="50000"/>
-              </a:schemeClr>
-            </a:lnRef>
-            <a:fillRef idx="1">
-              <a:schemeClr val="accent1"/>
-            </a:fillRef>
-            <a:effectRef idx="0">
-              <a:schemeClr val="accent1"/>
-            </a:effectRef>
-            <a:fontRef idx="minor">
-              <a:schemeClr val="lt1"/>
-            </a:fontRef>
-          </p:style>
-          <p:txBody>
-            <a:bodyPr rtlCol="0" anchor="ctr"/>
-            <a:lstStyle/>
-            <a:p>
-              <a:pPr algn="ctr"/>
-              <a:endParaRPr lang="zh-CN" altLang="en-US"/>
-            </a:p>
-          </p:txBody>
-        </p:sp>
-      </p:grpSp>
-      <p:grpSp>
-        <p:nvGrpSpPr>
-          <p:cNvPr id="62" name="组合 61">
-            <a:extLst>
-              <a:ext uri="{FF2B5EF4-FFF2-40B4-BE49-F238E27FC236}">
-                <a16:creationId xmlns:a16="http://schemas.microsoft.com/office/drawing/2014/main" id="{CB09151B-CAE9-424E-863D-A7912C10CA67}"/>
-              </a:ext>
-            </a:extLst>
-          </p:cNvPr>
-          <p:cNvGrpSpPr/>
-          <p:nvPr/>
-        </p:nvGrpSpPr>
-        <p:grpSpPr>
-          <a:xfrm>
-            <a:off x="1193958" y="857942"/>
-            <a:ext cx="5207528" cy="435868"/>
-            <a:chOff x="1193958" y="857942"/>
-            <a:chExt cx="5207528" cy="435868"/>
-          </a:xfrm>
-        </p:grpSpPr>
-        <p:sp>
-          <p:nvSpPr>
-            <p:cNvPr id="4" name="矩形 3">
-              <a:extLst>
-                <a:ext uri="{FF2B5EF4-FFF2-40B4-BE49-F238E27FC236}">
-                  <a16:creationId xmlns:a16="http://schemas.microsoft.com/office/drawing/2014/main" id="{E182E73A-3979-4002-9898-7786BFAE639C}"/>
-                </a:ext>
-              </a:extLst>
-            </p:cNvPr>
-            <p:cNvSpPr/>
-            <p:nvPr/>
-          </p:nvSpPr>
-          <p:spPr>
-            <a:xfrm>
-              <a:off x="2370337" y="1014384"/>
-              <a:ext cx="754603" cy="270548"/>
-            </a:xfrm>
-            <a:prstGeom prst="rect">
-              <a:avLst/>
-            </a:prstGeom>
-          </p:spPr>
-          <p:style>
-            <a:lnRef idx="2">
-              <a:schemeClr val="accent1">
-                <a:shade val="50000"/>
-              </a:schemeClr>
-            </a:lnRef>
-            <a:fillRef idx="1">
-              <a:schemeClr val="accent1"/>
-            </a:fillRef>
-            <a:effectRef idx="0">
-              <a:schemeClr val="accent1"/>
-            </a:effectRef>
-            <a:fontRef idx="minor">
-              <a:schemeClr val="lt1"/>
-            </a:fontRef>
-          </p:style>
-          <p:txBody>
-            <a:bodyPr rtlCol="0" anchor="ctr"/>
-            <a:lstStyle/>
-            <a:p>
-              <a:pPr algn="ctr"/>
-              <a:r>
-                <a:rPr lang="en-US" altLang="zh-CN" dirty="0"/>
-                <a:t>Conv</a:t>
-              </a:r>
-              <a:endParaRPr lang="zh-CN" altLang="en-US" dirty="0"/>
-            </a:p>
-          </p:txBody>
-        </p:sp>
-        <p:sp>
-          <p:nvSpPr>
-            <p:cNvPr id="5" name="矩形 4">
-              <a:extLst>
-                <a:ext uri="{FF2B5EF4-FFF2-40B4-BE49-F238E27FC236}">
-                  <a16:creationId xmlns:a16="http://schemas.microsoft.com/office/drawing/2014/main" id="{64436DE1-B94B-41DA-A8DD-54ADDD67214C}"/>
-                </a:ext>
-              </a:extLst>
-            </p:cNvPr>
-            <p:cNvSpPr/>
-            <p:nvPr/>
-          </p:nvSpPr>
-          <p:spPr>
-            <a:xfrm>
-              <a:off x="3284736" y="1007185"/>
-              <a:ext cx="88778" cy="276068"/>
-            </a:xfrm>
-            <a:prstGeom prst="rect">
-              <a:avLst/>
-            </a:prstGeom>
-          </p:spPr>
-          <p:style>
-            <a:lnRef idx="2">
-              <a:schemeClr val="accent4">
-                <a:shade val="50000"/>
-              </a:schemeClr>
-            </a:lnRef>
-            <a:fillRef idx="1">
-              <a:schemeClr val="accent4"/>
-            </a:fillRef>
-            <a:effectRef idx="0">
-              <a:schemeClr val="accent4"/>
-            </a:effectRef>
-            <a:fontRef idx="minor">
-              <a:schemeClr val="lt1"/>
-            </a:fontRef>
-          </p:style>
-          <p:txBody>
-            <a:bodyPr rtlCol="0" anchor="ctr"/>
-            <a:lstStyle/>
-            <a:p>
-              <a:pPr algn="ctr"/>
-              <a:endParaRPr lang="zh-CN" altLang="en-US"/>
-            </a:p>
-          </p:txBody>
-        </p:sp>
-        <p:cxnSp>
-          <p:nvCxnSpPr>
-            <p:cNvPr id="7" name="直接箭头连接符 6">
-              <a:extLst>
-                <a:ext uri="{FF2B5EF4-FFF2-40B4-BE49-F238E27FC236}">
-                  <a16:creationId xmlns:a16="http://schemas.microsoft.com/office/drawing/2014/main" id="{95139D89-634F-4CC7-8DD0-94253E177993}"/>
-                </a:ext>
-              </a:extLst>
-            </p:cNvPr>
-            <p:cNvCxnSpPr>
-              <a:cxnSpLocks/>
-              <a:stCxn id="4" idx="3"/>
-              <a:endCxn id="5" idx="1"/>
-            </p:cNvCxnSpPr>
-            <p:nvPr/>
-          </p:nvCxnSpPr>
-          <p:spPr>
-            <a:xfrm flipV="1">
-              <a:off x="3124940" y="1145219"/>
-              <a:ext cx="159796" cy="4439"/>
-            </a:xfrm>
-            <a:prstGeom prst="straightConnector1">
-              <a:avLst/>
-            </a:prstGeom>
-            <a:ln>
-              <a:tailEnd type="triangle"/>
-            </a:ln>
-          </p:spPr>
-          <p:style>
-            <a:lnRef idx="1">
-              <a:schemeClr val="dk1"/>
-            </a:lnRef>
-            <a:fillRef idx="0">
-              <a:schemeClr val="dk1"/>
-            </a:fillRef>
-            <a:effectRef idx="0">
-              <a:schemeClr val="dk1"/>
-            </a:effectRef>
-            <a:fontRef idx="minor">
-              <a:schemeClr val="tx1"/>
-            </a:fontRef>
-          </p:style>
-        </p:cxnSp>
-        <p:cxnSp>
-          <p:nvCxnSpPr>
-            <p:cNvPr id="9" name="直接箭头连接符 8">
-              <a:extLst>
-                <a:ext uri="{FF2B5EF4-FFF2-40B4-BE49-F238E27FC236}">
-                  <a16:creationId xmlns:a16="http://schemas.microsoft.com/office/drawing/2014/main" id="{ED15371A-D62F-4340-95DE-4D80767B02D0}"/>
-                </a:ext>
-              </a:extLst>
-            </p:cNvPr>
-            <p:cNvCxnSpPr>
-              <a:cxnSpLocks/>
-              <a:endCxn id="4" idx="1"/>
-            </p:cNvCxnSpPr>
-            <p:nvPr/>
-          </p:nvCxnSpPr>
-          <p:spPr>
-            <a:xfrm>
-              <a:off x="2187092" y="1145219"/>
-              <a:ext cx="183245" cy="4439"/>
-            </a:xfrm>
-            <a:prstGeom prst="straightConnector1">
-              <a:avLst/>
-            </a:prstGeom>
-            <a:ln>
-              <a:tailEnd type="triangle"/>
-            </a:ln>
-          </p:spPr>
-          <p:style>
-            <a:lnRef idx="1">
-              <a:schemeClr val="dk1"/>
-            </a:lnRef>
-            <a:fillRef idx="0">
-              <a:schemeClr val="dk1"/>
-            </a:fillRef>
-            <a:effectRef idx="0">
-              <a:schemeClr val="dk1"/>
-            </a:effectRef>
-            <a:fontRef idx="minor">
-              <a:schemeClr val="tx1"/>
-            </a:fontRef>
-          </p:style>
-        </p:cxnSp>
-        <p:cxnSp>
-          <p:nvCxnSpPr>
-            <p:cNvPr id="11" name="直接箭头连接符 10">
-              <a:extLst>
-                <a:ext uri="{FF2B5EF4-FFF2-40B4-BE49-F238E27FC236}">
-                  <a16:creationId xmlns:a16="http://schemas.microsoft.com/office/drawing/2014/main" id="{DF554F79-6AE6-49D0-B26C-2EA14B114683}"/>
-                </a:ext>
-              </a:extLst>
-            </p:cNvPr>
-            <p:cNvCxnSpPr>
-              <a:cxnSpLocks/>
-              <a:stCxn id="5" idx="3"/>
-            </p:cNvCxnSpPr>
-            <p:nvPr/>
-          </p:nvCxnSpPr>
-          <p:spPr>
-            <a:xfrm>
-              <a:off x="3373514" y="1145219"/>
-              <a:ext cx="301841" cy="0"/>
-            </a:xfrm>
-            <a:prstGeom prst="straightConnector1">
-              <a:avLst/>
-            </a:prstGeom>
-            <a:ln>
-              <a:tailEnd type="triangle"/>
-            </a:ln>
-          </p:spPr>
-          <p:style>
-            <a:lnRef idx="1">
-              <a:schemeClr val="dk1"/>
-            </a:lnRef>
-            <a:fillRef idx="0">
-              <a:schemeClr val="dk1"/>
-            </a:fillRef>
-            <a:effectRef idx="0">
-              <a:schemeClr val="dk1"/>
-            </a:effectRef>
-            <a:fontRef idx="minor">
-              <a:schemeClr val="tx1"/>
-            </a:fontRef>
-          </p:style>
-        </p:cxnSp>
-        <p:sp>
-          <p:nvSpPr>
-            <p:cNvPr id="12" name="矩形 11">
-              <a:extLst>
-                <a:ext uri="{FF2B5EF4-FFF2-40B4-BE49-F238E27FC236}">
-                  <a16:creationId xmlns:a16="http://schemas.microsoft.com/office/drawing/2014/main" id="{98AF292A-0CBC-457D-A562-32379A22DEDD}"/>
-                </a:ext>
-              </a:extLst>
-            </p:cNvPr>
-            <p:cNvSpPr/>
-            <p:nvPr/>
-          </p:nvSpPr>
-          <p:spPr>
-            <a:xfrm>
-              <a:off x="3675355" y="1023262"/>
-              <a:ext cx="754603" cy="270548"/>
-            </a:xfrm>
-            <a:prstGeom prst="rect">
-              <a:avLst/>
-            </a:prstGeom>
-          </p:spPr>
-          <p:style>
-            <a:lnRef idx="2">
-              <a:schemeClr val="accent1">
-                <a:shade val="50000"/>
-              </a:schemeClr>
-            </a:lnRef>
-            <a:fillRef idx="1">
-              <a:schemeClr val="accent1"/>
-            </a:fillRef>
-            <a:effectRef idx="0">
-              <a:schemeClr val="accent1"/>
-            </a:effectRef>
-            <a:fontRef idx="minor">
-              <a:schemeClr val="lt1"/>
-            </a:fontRef>
-          </p:style>
-          <p:txBody>
-            <a:bodyPr rtlCol="0" anchor="ctr"/>
-            <a:lstStyle/>
-            <a:p>
-              <a:pPr algn="ctr"/>
-              <a:r>
-                <a:rPr lang="en-US" altLang="zh-CN" dirty="0"/>
-                <a:t>Conv</a:t>
-              </a:r>
-              <a:endParaRPr lang="zh-CN" altLang="en-US" dirty="0"/>
-            </a:p>
-          </p:txBody>
-        </p:sp>
-        <p:sp>
-          <p:nvSpPr>
-            <p:cNvPr id="13" name="矩形 12">
-              <a:extLst>
-                <a:ext uri="{FF2B5EF4-FFF2-40B4-BE49-F238E27FC236}">
-                  <a16:creationId xmlns:a16="http://schemas.microsoft.com/office/drawing/2014/main" id="{576CFFAC-D3CC-40F0-A25E-44576D15381E}"/>
-                </a:ext>
-              </a:extLst>
-            </p:cNvPr>
-            <p:cNvSpPr/>
-            <p:nvPr/>
-          </p:nvSpPr>
-          <p:spPr>
-            <a:xfrm>
-              <a:off x="4589754" y="1016063"/>
-              <a:ext cx="88778" cy="276068"/>
-            </a:xfrm>
-            <a:prstGeom prst="rect">
-              <a:avLst/>
-            </a:prstGeom>
-          </p:spPr>
-          <p:style>
-            <a:lnRef idx="2">
-              <a:schemeClr val="accent4">
-                <a:shade val="50000"/>
-              </a:schemeClr>
-            </a:lnRef>
-            <a:fillRef idx="1">
-              <a:schemeClr val="accent4"/>
-            </a:fillRef>
-            <a:effectRef idx="0">
-              <a:schemeClr val="accent4"/>
-            </a:effectRef>
-            <a:fontRef idx="minor">
-              <a:schemeClr val="lt1"/>
-            </a:fontRef>
-          </p:style>
-          <p:txBody>
-            <a:bodyPr rtlCol="0" anchor="ctr"/>
-            <a:lstStyle/>
-            <a:p>
-              <a:pPr algn="ctr"/>
-              <a:endParaRPr lang="zh-CN" altLang="en-US"/>
-            </a:p>
-          </p:txBody>
-        </p:sp>
-        <p:cxnSp>
-          <p:nvCxnSpPr>
-            <p:cNvPr id="14" name="直接箭头连接符 13">
-              <a:extLst>
-                <a:ext uri="{FF2B5EF4-FFF2-40B4-BE49-F238E27FC236}">
-                  <a16:creationId xmlns:a16="http://schemas.microsoft.com/office/drawing/2014/main" id="{9E212137-C364-4507-9079-7A3A28E61517}"/>
-                </a:ext>
-              </a:extLst>
-            </p:cNvPr>
-            <p:cNvCxnSpPr>
-              <a:cxnSpLocks/>
-              <a:stCxn id="12" idx="3"/>
-              <a:endCxn id="13" idx="1"/>
-            </p:cNvCxnSpPr>
-            <p:nvPr/>
-          </p:nvCxnSpPr>
-          <p:spPr>
-            <a:xfrm flipV="1">
-              <a:off x="4429958" y="1154097"/>
-              <a:ext cx="159796" cy="4439"/>
-            </a:xfrm>
-            <a:prstGeom prst="straightConnector1">
-              <a:avLst/>
-            </a:prstGeom>
-            <a:ln>
-              <a:tailEnd type="triangle"/>
-            </a:ln>
-          </p:spPr>
-          <p:style>
-            <a:lnRef idx="1">
-              <a:schemeClr val="dk1"/>
-            </a:lnRef>
-            <a:fillRef idx="0">
-              <a:schemeClr val="dk1"/>
-            </a:fillRef>
-            <a:effectRef idx="0">
-              <a:schemeClr val="dk1"/>
-            </a:effectRef>
-            <a:fontRef idx="minor">
-              <a:schemeClr val="tx1"/>
-            </a:fontRef>
-          </p:style>
-        </p:cxnSp>
-        <p:cxnSp>
-          <p:nvCxnSpPr>
-            <p:cNvPr id="15" name="直接箭头连接符 14">
-              <a:extLst>
-                <a:ext uri="{FF2B5EF4-FFF2-40B4-BE49-F238E27FC236}">
-                  <a16:creationId xmlns:a16="http://schemas.microsoft.com/office/drawing/2014/main" id="{AEA1C191-011C-45B4-8DE6-108B7DE10D83}"/>
-                </a:ext>
-              </a:extLst>
-            </p:cNvPr>
-            <p:cNvCxnSpPr>
-              <a:cxnSpLocks/>
-              <a:stCxn id="13" idx="3"/>
-              <a:endCxn id="26" idx="2"/>
-            </p:cNvCxnSpPr>
-            <p:nvPr/>
-          </p:nvCxnSpPr>
-          <p:spPr>
-            <a:xfrm>
-              <a:off x="4678532" y="1154097"/>
-              <a:ext cx="301841" cy="0"/>
-            </a:xfrm>
-            <a:prstGeom prst="straightConnector1">
-              <a:avLst/>
-            </a:prstGeom>
-            <a:ln>
-              <a:tailEnd type="triangle"/>
-            </a:ln>
-          </p:spPr>
-          <p:style>
-            <a:lnRef idx="1">
-              <a:schemeClr val="dk1"/>
-            </a:lnRef>
-            <a:fillRef idx="0">
-              <a:schemeClr val="dk1"/>
-            </a:fillRef>
-            <a:effectRef idx="0">
-              <a:schemeClr val="dk1"/>
-            </a:effectRef>
-            <a:fontRef idx="minor">
-              <a:schemeClr val="tx1"/>
-            </a:fontRef>
-          </p:style>
-        </p:cxnSp>
-        <p:cxnSp>
-          <p:nvCxnSpPr>
-            <p:cNvPr id="17" name="直接连接符 16">
-              <a:extLst>
-                <a:ext uri="{FF2B5EF4-FFF2-40B4-BE49-F238E27FC236}">
-                  <a16:creationId xmlns:a16="http://schemas.microsoft.com/office/drawing/2014/main" id="{533CB4F7-7B4C-4851-A790-1C974E8E294F}"/>
-                </a:ext>
-              </a:extLst>
-            </p:cNvPr>
-            <p:cNvCxnSpPr>
-              <a:cxnSpLocks/>
-            </p:cNvCxnSpPr>
-            <p:nvPr/>
-          </p:nvCxnSpPr>
-          <p:spPr>
-            <a:xfrm flipV="1">
-              <a:off x="2253325" y="857942"/>
-              <a:ext cx="0" cy="287278"/>
-            </a:xfrm>
-            <a:prstGeom prst="line">
-              <a:avLst/>
-            </a:prstGeom>
-          </p:spPr>
-          <p:style>
-            <a:lnRef idx="1">
-              <a:schemeClr val="dk1"/>
-            </a:lnRef>
-            <a:fillRef idx="0">
-              <a:schemeClr val="dk1"/>
-            </a:fillRef>
-            <a:effectRef idx="0">
-              <a:schemeClr val="dk1"/>
-            </a:effectRef>
-            <a:fontRef idx="minor">
-              <a:schemeClr val="tx1"/>
-            </a:fontRef>
-          </p:style>
-        </p:cxnSp>
-        <p:cxnSp>
-          <p:nvCxnSpPr>
-            <p:cNvPr id="19" name="直接连接符 18">
-              <a:extLst>
-                <a:ext uri="{FF2B5EF4-FFF2-40B4-BE49-F238E27FC236}">
-                  <a16:creationId xmlns:a16="http://schemas.microsoft.com/office/drawing/2014/main" id="{F34CB26E-21E1-4234-9891-B75B262A46D3}"/>
-                </a:ext>
-              </a:extLst>
-            </p:cNvPr>
-            <p:cNvCxnSpPr>
-              <a:cxnSpLocks/>
-            </p:cNvCxnSpPr>
-            <p:nvPr/>
-          </p:nvCxnSpPr>
-          <p:spPr>
-            <a:xfrm>
-              <a:off x="2253325" y="857942"/>
-              <a:ext cx="2851334" cy="0"/>
-            </a:xfrm>
-            <a:prstGeom prst="line">
-              <a:avLst/>
-            </a:prstGeom>
-          </p:spPr>
-          <p:style>
-            <a:lnRef idx="1">
-              <a:schemeClr val="dk1"/>
-            </a:lnRef>
-            <a:fillRef idx="0">
-              <a:schemeClr val="dk1"/>
-            </a:fillRef>
-            <a:effectRef idx="0">
-              <a:schemeClr val="dk1"/>
-            </a:effectRef>
-            <a:fontRef idx="minor">
-              <a:schemeClr val="tx1"/>
-            </a:fontRef>
-          </p:style>
-        </p:cxnSp>
-        <p:cxnSp>
-          <p:nvCxnSpPr>
-            <p:cNvPr id="24" name="直接箭头连接符 23">
-              <a:extLst>
-                <a:ext uri="{FF2B5EF4-FFF2-40B4-BE49-F238E27FC236}">
-                  <a16:creationId xmlns:a16="http://schemas.microsoft.com/office/drawing/2014/main" id="{6E92433D-4A02-48A0-9C47-B8A3B0CD7B72}"/>
-                </a:ext>
-              </a:extLst>
-            </p:cNvPr>
-            <p:cNvCxnSpPr>
-              <a:cxnSpLocks/>
-              <a:endCxn id="26" idx="0"/>
-            </p:cNvCxnSpPr>
-            <p:nvPr/>
-          </p:nvCxnSpPr>
-          <p:spPr>
-            <a:xfrm>
-              <a:off x="5104659" y="857942"/>
-              <a:ext cx="1" cy="171868"/>
-            </a:xfrm>
-            <a:prstGeom prst="straightConnector1">
-              <a:avLst/>
-            </a:prstGeom>
-            <a:ln>
-              <a:tailEnd type="triangle"/>
-            </a:ln>
-          </p:spPr>
-          <p:style>
-            <a:lnRef idx="1">
-              <a:schemeClr val="dk1"/>
-            </a:lnRef>
-            <a:fillRef idx="0">
-              <a:schemeClr val="dk1"/>
-            </a:fillRef>
-            <a:effectRef idx="0">
-              <a:schemeClr val="dk1"/>
-            </a:effectRef>
-            <a:fontRef idx="minor">
-              <a:schemeClr val="tx1"/>
-            </a:fontRef>
-          </p:style>
-        </p:cxnSp>
-        <p:sp>
-          <p:nvSpPr>
-            <p:cNvPr id="26" name="流程图: 或者 25">
-              <a:extLst>
-                <a:ext uri="{FF2B5EF4-FFF2-40B4-BE49-F238E27FC236}">
-                  <a16:creationId xmlns:a16="http://schemas.microsoft.com/office/drawing/2014/main" id="{35472BFA-FA04-4809-A1A8-C01D1C1AB865}"/>
-                </a:ext>
-              </a:extLst>
-            </p:cNvPr>
-            <p:cNvSpPr/>
-            <p:nvPr/>
-          </p:nvSpPr>
-          <p:spPr>
-            <a:xfrm>
-              <a:off x="4980373" y="1029810"/>
-              <a:ext cx="248573" cy="248573"/>
-            </a:xfrm>
-            <a:prstGeom prst="flowChartOr">
-              <a:avLst/>
-            </a:prstGeom>
-            <a:solidFill>
-              <a:schemeClr val="bg1"/>
-            </a:solidFill>
-            <a:ln w="28575"/>
-          </p:spPr>
-          <p:style>
-            <a:lnRef idx="2">
-              <a:schemeClr val="accent1">
-                <a:shade val="50000"/>
-              </a:schemeClr>
-            </a:lnRef>
-            <a:fillRef idx="1">
-              <a:schemeClr val="accent1"/>
-            </a:fillRef>
-            <a:effectRef idx="0">
-              <a:schemeClr val="accent1"/>
-            </a:effectRef>
-            <a:fontRef idx="minor">
-              <a:schemeClr val="lt1"/>
-            </a:fontRef>
-          </p:style>
-          <p:txBody>
-            <a:bodyPr rtlCol="0" anchor="ctr"/>
-            <a:lstStyle/>
-            <a:p>
-              <a:pPr algn="ctr"/>
-              <a:endParaRPr lang="zh-CN" altLang="en-US" dirty="0"/>
-            </a:p>
-          </p:txBody>
-        </p:sp>
-        <p:cxnSp>
-          <p:nvCxnSpPr>
-            <p:cNvPr id="31" name="直接箭头连接符 30">
-              <a:extLst>
-                <a:ext uri="{FF2B5EF4-FFF2-40B4-BE49-F238E27FC236}">
-                  <a16:creationId xmlns:a16="http://schemas.microsoft.com/office/drawing/2014/main" id="{65D60E31-1B1C-4B0D-8466-E9A67B398C84}"/>
-                </a:ext>
-              </a:extLst>
-            </p:cNvPr>
-            <p:cNvCxnSpPr>
-              <a:cxnSpLocks/>
-            </p:cNvCxnSpPr>
-            <p:nvPr/>
-          </p:nvCxnSpPr>
-          <p:spPr>
-            <a:xfrm>
-              <a:off x="5228946" y="1155576"/>
-              <a:ext cx="110971" cy="0"/>
-            </a:xfrm>
-            <a:prstGeom prst="straightConnector1">
-              <a:avLst/>
-            </a:prstGeom>
-            <a:ln>
-              <a:tailEnd type="triangle"/>
-            </a:ln>
-          </p:spPr>
-          <p:style>
-            <a:lnRef idx="1">
-              <a:schemeClr val="dk1"/>
-            </a:lnRef>
-            <a:fillRef idx="0">
-              <a:schemeClr val="dk1"/>
-            </a:fillRef>
-            <a:effectRef idx="0">
-              <a:schemeClr val="dk1"/>
-            </a:effectRef>
-            <a:fontRef idx="minor">
-              <a:schemeClr val="tx1"/>
-            </a:fontRef>
-          </p:style>
-        </p:cxnSp>
-        <p:grpSp>
-          <p:nvGrpSpPr>
-            <p:cNvPr id="116" name="组合 115">
-              <a:extLst>
-                <a:ext uri="{FF2B5EF4-FFF2-40B4-BE49-F238E27FC236}">
-                  <a16:creationId xmlns:a16="http://schemas.microsoft.com/office/drawing/2014/main" id="{E935F4ED-71C3-420C-8D6F-E237F20EA9D3}"/>
-                </a:ext>
-              </a:extLst>
-            </p:cNvPr>
-            <p:cNvGrpSpPr/>
-            <p:nvPr/>
-          </p:nvGrpSpPr>
-          <p:grpSpPr>
-            <a:xfrm>
-              <a:off x="1193958" y="1037706"/>
-              <a:ext cx="913236" cy="216066"/>
-              <a:chOff x="1490133" y="3002132"/>
-              <a:chExt cx="913236" cy="216066"/>
-            </a:xfrm>
-            <a:solidFill>
-              <a:srgbClr val="4472C4"/>
-            </a:solidFill>
-          </p:grpSpPr>
-          <p:sp>
-            <p:nvSpPr>
-              <p:cNvPr id="117" name="椭圆 116">
-                <a:extLst>
-                  <a:ext uri="{FF2B5EF4-FFF2-40B4-BE49-F238E27FC236}">
-                    <a16:creationId xmlns:a16="http://schemas.microsoft.com/office/drawing/2014/main" id="{5721BBF3-A558-4EE2-83B8-610292D44E40}"/>
-                  </a:ext>
-                </a:extLst>
-              </p:cNvPr>
-              <p:cNvSpPr/>
-              <p:nvPr/>
-            </p:nvSpPr>
-            <p:spPr>
-              <a:xfrm>
-                <a:off x="1846450" y="3004925"/>
-                <a:ext cx="213273" cy="213273"/>
-              </a:xfrm>
-              <a:prstGeom prst="ellipse">
-                <a:avLst/>
-              </a:prstGeom>
-              <a:grpFill/>
-              <a:ln>
-                <a:solidFill>
-                  <a:srgbClr val="FFFFFF"/>
-                </a:solidFill>
-              </a:ln>
-            </p:spPr>
-            <p:style>
-              <a:lnRef idx="2">
-                <a:schemeClr val="accent1">
-                  <a:shade val="50000"/>
-                </a:schemeClr>
-              </a:lnRef>
-              <a:fillRef idx="1">
-                <a:schemeClr val="accent1"/>
-              </a:fillRef>
-              <a:effectRef idx="0">
-                <a:schemeClr val="accent1"/>
-              </a:effectRef>
-              <a:fontRef idx="minor">
-                <a:schemeClr val="lt1"/>
-              </a:fontRef>
-            </p:style>
-            <p:txBody>
-              <a:bodyPr rtlCol="0" anchor="ctr"/>
-              <a:lstStyle/>
-              <a:p>
-                <a:pPr algn="ctr"/>
-                <a:endParaRPr lang="zh-CN" altLang="en-US"/>
-              </a:p>
-            </p:txBody>
-          </p:sp>
-          <p:sp>
-            <p:nvSpPr>
-              <p:cNvPr id="118" name="椭圆 117">
-                <a:extLst>
-                  <a:ext uri="{FF2B5EF4-FFF2-40B4-BE49-F238E27FC236}">
-                    <a16:creationId xmlns:a16="http://schemas.microsoft.com/office/drawing/2014/main" id="{1D8E5170-6C63-4D12-8575-144D26F2FD80}"/>
-                  </a:ext>
-                </a:extLst>
-              </p:cNvPr>
-              <p:cNvSpPr/>
-              <p:nvPr/>
-            </p:nvSpPr>
-            <p:spPr>
-              <a:xfrm>
-                <a:off x="2190096" y="3002132"/>
-                <a:ext cx="213273" cy="213273"/>
-              </a:xfrm>
-              <a:prstGeom prst="ellipse">
-                <a:avLst/>
-              </a:prstGeom>
-              <a:grpFill/>
-              <a:ln>
-                <a:solidFill>
-                  <a:srgbClr val="FFFFFF"/>
-                </a:solidFill>
-              </a:ln>
-            </p:spPr>
-            <p:style>
-              <a:lnRef idx="2">
-                <a:schemeClr val="accent1">
-                  <a:shade val="50000"/>
-                </a:schemeClr>
-              </a:lnRef>
-              <a:fillRef idx="1">
-                <a:schemeClr val="accent1"/>
-              </a:fillRef>
-              <a:effectRef idx="0">
-                <a:schemeClr val="accent1"/>
-              </a:effectRef>
-              <a:fontRef idx="minor">
-                <a:schemeClr val="lt1"/>
-              </a:fontRef>
-            </p:style>
-            <p:txBody>
-              <a:bodyPr rtlCol="0" anchor="ctr"/>
-              <a:lstStyle/>
-              <a:p>
-                <a:pPr algn="ctr"/>
-                <a:endParaRPr lang="zh-CN" altLang="en-US"/>
-              </a:p>
-            </p:txBody>
-          </p:sp>
-          <p:sp>
-            <p:nvSpPr>
-              <p:cNvPr id="119" name="椭圆 118">
-                <a:extLst>
-                  <a:ext uri="{FF2B5EF4-FFF2-40B4-BE49-F238E27FC236}">
-                    <a16:creationId xmlns:a16="http://schemas.microsoft.com/office/drawing/2014/main" id="{F19ECA20-740C-4809-944E-A585110DE043}"/>
-                  </a:ext>
-                </a:extLst>
-              </p:cNvPr>
-              <p:cNvSpPr/>
-              <p:nvPr/>
-            </p:nvSpPr>
-            <p:spPr>
-              <a:xfrm>
-                <a:off x="1490133" y="3004925"/>
-                <a:ext cx="213273" cy="213273"/>
-              </a:xfrm>
-              <a:prstGeom prst="ellipse">
-                <a:avLst/>
-              </a:prstGeom>
-              <a:grpFill/>
-              <a:ln>
-                <a:solidFill>
-                  <a:srgbClr val="FFFFFF"/>
-                </a:solidFill>
-              </a:ln>
-            </p:spPr>
-            <p:style>
-              <a:lnRef idx="2">
-                <a:schemeClr val="accent1">
-                  <a:shade val="50000"/>
-                </a:schemeClr>
-              </a:lnRef>
-              <a:fillRef idx="1">
-                <a:schemeClr val="accent1"/>
-              </a:fillRef>
-              <a:effectRef idx="0">
-                <a:schemeClr val="accent1"/>
-              </a:effectRef>
-              <a:fontRef idx="minor">
-                <a:schemeClr val="lt1"/>
-              </a:fontRef>
-            </p:style>
-            <p:txBody>
-              <a:bodyPr rtlCol="0" anchor="ctr"/>
-              <a:lstStyle/>
-              <a:p>
-                <a:pPr algn="ctr"/>
-                <a:endParaRPr lang="zh-CN" altLang="en-US"/>
-              </a:p>
-            </p:txBody>
-          </p:sp>
-        </p:grpSp>
-        <p:grpSp>
-          <p:nvGrpSpPr>
-            <p:cNvPr id="120" name="组合 119">
-              <a:extLst>
-                <a:ext uri="{FF2B5EF4-FFF2-40B4-BE49-F238E27FC236}">
-                  <a16:creationId xmlns:a16="http://schemas.microsoft.com/office/drawing/2014/main" id="{9789C4F1-651C-490B-9F89-000004B5DC77}"/>
-                </a:ext>
-              </a:extLst>
-            </p:cNvPr>
-            <p:cNvGrpSpPr/>
-            <p:nvPr/>
-          </p:nvGrpSpPr>
-          <p:grpSpPr>
-            <a:xfrm>
-              <a:off x="5488250" y="1039095"/>
-              <a:ext cx="913236" cy="216066"/>
-              <a:chOff x="1490133" y="3002132"/>
-              <a:chExt cx="913236" cy="216066"/>
-            </a:xfrm>
-            <a:solidFill>
-              <a:srgbClr val="4472C4"/>
-            </a:solidFill>
-          </p:grpSpPr>
-          <p:sp>
-            <p:nvSpPr>
-              <p:cNvPr id="121" name="椭圆 120">
-                <a:extLst>
-                  <a:ext uri="{FF2B5EF4-FFF2-40B4-BE49-F238E27FC236}">
-                    <a16:creationId xmlns:a16="http://schemas.microsoft.com/office/drawing/2014/main" id="{E8C10C8B-0B13-48A1-A046-2C1C15E28BA5}"/>
-                  </a:ext>
-                </a:extLst>
-              </p:cNvPr>
-              <p:cNvSpPr/>
-              <p:nvPr/>
-            </p:nvSpPr>
-            <p:spPr>
-              <a:xfrm>
-                <a:off x="1846450" y="3004925"/>
-                <a:ext cx="213273" cy="213273"/>
-              </a:xfrm>
-              <a:prstGeom prst="ellipse">
-                <a:avLst/>
-              </a:prstGeom>
-              <a:grpFill/>
-              <a:ln>
-                <a:solidFill>
-                  <a:srgbClr val="FFFFFF"/>
-                </a:solidFill>
-              </a:ln>
-            </p:spPr>
-            <p:style>
-              <a:lnRef idx="2">
-                <a:schemeClr val="accent1">
-                  <a:shade val="50000"/>
-                </a:schemeClr>
-              </a:lnRef>
-              <a:fillRef idx="1">
-                <a:schemeClr val="accent1"/>
-              </a:fillRef>
-              <a:effectRef idx="0">
-                <a:schemeClr val="accent1"/>
-              </a:effectRef>
-              <a:fontRef idx="minor">
-                <a:schemeClr val="lt1"/>
-              </a:fontRef>
-            </p:style>
-            <p:txBody>
-              <a:bodyPr rtlCol="0" anchor="ctr"/>
-              <a:lstStyle/>
-              <a:p>
-                <a:pPr algn="ctr"/>
-                <a:endParaRPr lang="zh-CN" altLang="en-US"/>
-              </a:p>
-            </p:txBody>
-          </p:sp>
-          <p:sp>
-            <p:nvSpPr>
-              <p:cNvPr id="122" name="椭圆 121">
-                <a:extLst>
-                  <a:ext uri="{FF2B5EF4-FFF2-40B4-BE49-F238E27FC236}">
-                    <a16:creationId xmlns:a16="http://schemas.microsoft.com/office/drawing/2014/main" id="{9AA2EAA3-CD5D-4283-BF6A-E1B92D40FD5A}"/>
-                  </a:ext>
-                </a:extLst>
-              </p:cNvPr>
-              <p:cNvSpPr/>
-              <p:nvPr/>
-            </p:nvSpPr>
-            <p:spPr>
-              <a:xfrm>
-                <a:off x="2190096" y="3002132"/>
-                <a:ext cx="213273" cy="213273"/>
-              </a:xfrm>
-              <a:prstGeom prst="ellipse">
-                <a:avLst/>
-              </a:prstGeom>
-              <a:grpFill/>
-              <a:ln>
-                <a:solidFill>
-                  <a:srgbClr val="FFFFFF"/>
-                </a:solidFill>
-              </a:ln>
-            </p:spPr>
-            <p:style>
-              <a:lnRef idx="2">
-                <a:schemeClr val="accent1">
-                  <a:shade val="50000"/>
-                </a:schemeClr>
-              </a:lnRef>
-              <a:fillRef idx="1">
-                <a:schemeClr val="accent1"/>
-              </a:fillRef>
-              <a:effectRef idx="0">
-                <a:schemeClr val="accent1"/>
-              </a:effectRef>
-              <a:fontRef idx="minor">
-                <a:schemeClr val="lt1"/>
-              </a:fontRef>
-            </p:style>
-            <p:txBody>
-              <a:bodyPr rtlCol="0" anchor="ctr"/>
-              <a:lstStyle/>
-              <a:p>
-                <a:pPr algn="ctr"/>
-                <a:endParaRPr lang="zh-CN" altLang="en-US"/>
-              </a:p>
-            </p:txBody>
-          </p:sp>
-          <p:sp>
-            <p:nvSpPr>
-              <p:cNvPr id="123" name="椭圆 122">
-                <a:extLst>
-                  <a:ext uri="{FF2B5EF4-FFF2-40B4-BE49-F238E27FC236}">
-                    <a16:creationId xmlns:a16="http://schemas.microsoft.com/office/drawing/2014/main" id="{66C8C3FD-7935-4588-AFBA-9D5DDE91C179}"/>
-                  </a:ext>
-                </a:extLst>
-              </p:cNvPr>
-              <p:cNvSpPr/>
-              <p:nvPr/>
-            </p:nvSpPr>
-            <p:spPr>
-              <a:xfrm>
-                <a:off x="1490133" y="3004925"/>
-                <a:ext cx="213273" cy="213273"/>
-              </a:xfrm>
-              <a:prstGeom prst="ellipse">
-                <a:avLst/>
-              </a:prstGeom>
-              <a:grpFill/>
-              <a:ln>
-                <a:solidFill>
-                  <a:srgbClr val="FFFFFF"/>
-                </a:solidFill>
-              </a:ln>
-            </p:spPr>
-            <p:style>
-              <a:lnRef idx="2">
-                <a:schemeClr val="accent1">
-                  <a:shade val="50000"/>
-                </a:schemeClr>
-              </a:lnRef>
-              <a:fillRef idx="1">
-                <a:schemeClr val="accent1"/>
-              </a:fillRef>
-              <a:effectRef idx="0">
-                <a:schemeClr val="accent1"/>
-              </a:effectRef>
-              <a:fontRef idx="minor">
-                <a:schemeClr val="lt1"/>
-              </a:fontRef>
-            </p:style>
-            <p:txBody>
-              <a:bodyPr rtlCol="0" anchor="ctr"/>
-              <a:lstStyle/>
-              <a:p>
-                <a:pPr algn="ctr"/>
-                <a:endParaRPr lang="zh-CN" altLang="en-US"/>
-              </a:p>
-            </p:txBody>
-          </p:sp>
-        </p:grpSp>
-      </p:grpSp>
-      <p:grpSp>
-        <p:nvGrpSpPr>
-          <p:cNvPr id="124" name="组合 123">
-            <a:extLst>
-              <a:ext uri="{FF2B5EF4-FFF2-40B4-BE49-F238E27FC236}">
-                <a16:creationId xmlns:a16="http://schemas.microsoft.com/office/drawing/2014/main" id="{C56A4254-EC5B-48B5-B765-C743FEC87DCB}"/>
-              </a:ext>
-            </a:extLst>
-          </p:cNvPr>
-          <p:cNvGrpSpPr/>
-          <p:nvPr/>
-        </p:nvGrpSpPr>
-        <p:grpSpPr>
-          <a:xfrm>
-            <a:off x="1187772" y="3882858"/>
-            <a:ext cx="913236" cy="216066"/>
-            <a:chOff x="1490133" y="3002132"/>
-            <a:chExt cx="913236" cy="216066"/>
-          </a:xfrm>
-          <a:solidFill>
-            <a:srgbClr val="C55A11"/>
-          </a:solidFill>
-        </p:grpSpPr>
-        <p:sp>
-          <p:nvSpPr>
-            <p:cNvPr id="125" name="椭圆 124">
-              <a:extLst>
-                <a:ext uri="{FF2B5EF4-FFF2-40B4-BE49-F238E27FC236}">
-                  <a16:creationId xmlns:a16="http://schemas.microsoft.com/office/drawing/2014/main" id="{A1BB6C0E-7F7D-4EC2-8B62-4E03B5A53B4F}"/>
-                </a:ext>
-              </a:extLst>
-            </p:cNvPr>
-            <p:cNvSpPr/>
-            <p:nvPr/>
-          </p:nvSpPr>
-          <p:spPr>
-            <a:xfrm>
-              <a:off x="1846450" y="3004925"/>
-              <a:ext cx="213273" cy="213273"/>
-            </a:xfrm>
-            <a:prstGeom prst="ellipse">
-              <a:avLst/>
-            </a:prstGeom>
-            <a:grpFill/>
-            <a:ln>
-              <a:noFill/>
-            </a:ln>
-          </p:spPr>
-          <p:style>
-            <a:lnRef idx="2">
-              <a:schemeClr val="accent1">
-                <a:shade val="50000"/>
-              </a:schemeClr>
-            </a:lnRef>
-            <a:fillRef idx="1">
-              <a:schemeClr val="accent1"/>
-            </a:fillRef>
-            <a:effectRef idx="0">
-              <a:schemeClr val="accent1"/>
-            </a:effectRef>
-            <a:fontRef idx="minor">
-              <a:schemeClr val="lt1"/>
-            </a:fontRef>
-          </p:style>
-          <p:txBody>
-            <a:bodyPr rtlCol="0" anchor="ctr"/>
-            <a:lstStyle/>
-            <a:p>
-              <a:pPr algn="ctr"/>
-              <a:endParaRPr lang="zh-CN" altLang="en-US"/>
-            </a:p>
-          </p:txBody>
-        </p:sp>
-        <p:sp>
-          <p:nvSpPr>
-            <p:cNvPr id="126" name="椭圆 125">
-              <a:extLst>
-                <a:ext uri="{FF2B5EF4-FFF2-40B4-BE49-F238E27FC236}">
-                  <a16:creationId xmlns:a16="http://schemas.microsoft.com/office/drawing/2014/main" id="{DB51B48E-EAE2-40F8-BA5F-03DC49988BF2}"/>
-                </a:ext>
-              </a:extLst>
-            </p:cNvPr>
-            <p:cNvSpPr/>
-            <p:nvPr/>
-          </p:nvSpPr>
-          <p:spPr>
-            <a:xfrm>
-              <a:off x="2190096" y="3002132"/>
-              <a:ext cx="213273" cy="213273"/>
-            </a:xfrm>
-            <a:prstGeom prst="ellipse">
-              <a:avLst/>
-            </a:prstGeom>
-            <a:grpFill/>
-            <a:ln>
-              <a:noFill/>
-            </a:ln>
-          </p:spPr>
-          <p:style>
-            <a:lnRef idx="2">
-              <a:schemeClr val="accent1">
-                <a:shade val="50000"/>
-              </a:schemeClr>
-            </a:lnRef>
-            <a:fillRef idx="1">
-              <a:schemeClr val="accent1"/>
-            </a:fillRef>
-            <a:effectRef idx="0">
-              <a:schemeClr val="accent1"/>
-            </a:effectRef>
-            <a:fontRef idx="minor">
-              <a:schemeClr val="lt1"/>
-            </a:fontRef>
-          </p:style>
-          <p:txBody>
-            <a:bodyPr rtlCol="0" anchor="ctr"/>
-            <a:lstStyle/>
-            <a:p>
-              <a:pPr algn="ctr"/>
-              <a:endParaRPr lang="zh-CN" altLang="en-US"/>
-            </a:p>
-          </p:txBody>
-        </p:sp>
-        <p:sp>
-          <p:nvSpPr>
-            <p:cNvPr id="127" name="椭圆 126">
-              <a:extLst>
-                <a:ext uri="{FF2B5EF4-FFF2-40B4-BE49-F238E27FC236}">
-                  <a16:creationId xmlns:a16="http://schemas.microsoft.com/office/drawing/2014/main" id="{CB7F9B1B-E7BD-4433-B33C-D06C2E94AFB6}"/>
-                </a:ext>
-              </a:extLst>
-            </p:cNvPr>
-            <p:cNvSpPr/>
-            <p:nvPr/>
-          </p:nvSpPr>
-          <p:spPr>
-            <a:xfrm>
-              <a:off x="1490133" y="3004925"/>
-              <a:ext cx="213273" cy="213273"/>
-            </a:xfrm>
-            <a:prstGeom prst="ellipse">
-              <a:avLst/>
-            </a:prstGeom>
-            <a:grpFill/>
-            <a:ln>
-              <a:noFill/>
-            </a:ln>
-          </p:spPr>
-          <p:style>
-            <a:lnRef idx="2">
-              <a:schemeClr val="accent1">
-                <a:shade val="50000"/>
-              </a:schemeClr>
-            </a:lnRef>
-            <a:fillRef idx="1">
-              <a:schemeClr val="accent1"/>
-            </a:fillRef>
-            <a:effectRef idx="0">
-              <a:schemeClr val="accent1"/>
-            </a:effectRef>
-            <a:fontRef idx="minor">
-              <a:schemeClr val="lt1"/>
-            </a:fontRef>
-          </p:style>
-          <p:txBody>
-            <a:bodyPr rtlCol="0" anchor="ctr"/>
-            <a:lstStyle/>
-            <a:p>
-              <a:pPr algn="ctr"/>
-              <a:endParaRPr lang="zh-CN" altLang="en-US"/>
-            </a:p>
-          </p:txBody>
-        </p:sp>
-      </p:grpSp>
-      <p:grpSp>
-        <p:nvGrpSpPr>
-          <p:cNvPr id="128" name="组合 127">
-            <a:extLst>
-              <a:ext uri="{FF2B5EF4-FFF2-40B4-BE49-F238E27FC236}">
-                <a16:creationId xmlns:a16="http://schemas.microsoft.com/office/drawing/2014/main" id="{A4C337AC-E1B0-45FD-BA47-4514970D8DE1}"/>
-              </a:ext>
-            </a:extLst>
-          </p:cNvPr>
-          <p:cNvGrpSpPr/>
-          <p:nvPr/>
-        </p:nvGrpSpPr>
-        <p:grpSpPr>
-          <a:xfrm>
-            <a:off x="5482064" y="3879549"/>
-            <a:ext cx="913236" cy="216066"/>
-            <a:chOff x="5525616" y="3000491"/>
-            <a:chExt cx="913236" cy="216066"/>
-          </a:xfrm>
-          <a:solidFill>
-            <a:srgbClr val="C55A11"/>
-          </a:solidFill>
-        </p:grpSpPr>
-        <p:sp>
-          <p:nvSpPr>
-            <p:cNvPr id="129" name="椭圆 128">
-              <a:extLst>
-                <a:ext uri="{FF2B5EF4-FFF2-40B4-BE49-F238E27FC236}">
-                  <a16:creationId xmlns:a16="http://schemas.microsoft.com/office/drawing/2014/main" id="{334AC83D-4E63-4C18-AC29-9F7F717EF3C8}"/>
-                </a:ext>
-              </a:extLst>
-            </p:cNvPr>
-            <p:cNvSpPr/>
-            <p:nvPr/>
-          </p:nvSpPr>
-          <p:spPr>
-            <a:xfrm>
-              <a:off x="5881933" y="3003284"/>
-              <a:ext cx="213273" cy="213273"/>
-            </a:xfrm>
-            <a:prstGeom prst="ellipse">
-              <a:avLst/>
-            </a:prstGeom>
-            <a:grpFill/>
-            <a:ln>
-              <a:noFill/>
-            </a:ln>
-          </p:spPr>
-          <p:style>
-            <a:lnRef idx="2">
-              <a:schemeClr val="accent1">
-                <a:shade val="50000"/>
-              </a:schemeClr>
-            </a:lnRef>
-            <a:fillRef idx="1">
-              <a:schemeClr val="accent1"/>
-            </a:fillRef>
-            <a:effectRef idx="0">
-              <a:schemeClr val="accent1"/>
-            </a:effectRef>
-            <a:fontRef idx="minor">
-              <a:schemeClr val="lt1"/>
-            </a:fontRef>
-          </p:style>
-          <p:txBody>
-            <a:bodyPr rtlCol="0" anchor="ctr"/>
-            <a:lstStyle/>
-            <a:p>
-              <a:pPr algn="ctr"/>
-              <a:endParaRPr lang="zh-CN" altLang="en-US"/>
-            </a:p>
-          </p:txBody>
-        </p:sp>
-        <p:sp>
-          <p:nvSpPr>
-            <p:cNvPr id="130" name="椭圆 129">
-              <a:extLst>
-                <a:ext uri="{FF2B5EF4-FFF2-40B4-BE49-F238E27FC236}">
-                  <a16:creationId xmlns:a16="http://schemas.microsoft.com/office/drawing/2014/main" id="{9E4D84E7-3762-4B9D-AFD1-7AD3F92D0F63}"/>
-                </a:ext>
-              </a:extLst>
-            </p:cNvPr>
-            <p:cNvSpPr/>
-            <p:nvPr/>
-          </p:nvSpPr>
-          <p:spPr>
-            <a:xfrm>
-              <a:off x="6225579" y="3000491"/>
-              <a:ext cx="213273" cy="213273"/>
-            </a:xfrm>
-            <a:prstGeom prst="ellipse">
-              <a:avLst/>
-            </a:prstGeom>
-            <a:grpFill/>
-            <a:ln>
-              <a:noFill/>
-            </a:ln>
-          </p:spPr>
-          <p:style>
-            <a:lnRef idx="2">
-              <a:schemeClr val="accent1">
-                <a:shade val="50000"/>
-              </a:schemeClr>
-            </a:lnRef>
-            <a:fillRef idx="1">
-              <a:schemeClr val="accent1"/>
-            </a:fillRef>
-            <a:effectRef idx="0">
-              <a:schemeClr val="accent1"/>
-            </a:effectRef>
-            <a:fontRef idx="minor">
-              <a:schemeClr val="lt1"/>
-            </a:fontRef>
-          </p:style>
-          <p:txBody>
-            <a:bodyPr rtlCol="0" anchor="ctr"/>
-            <a:lstStyle/>
-            <a:p>
-              <a:pPr algn="ctr"/>
-              <a:endParaRPr lang="zh-CN" altLang="en-US"/>
-            </a:p>
-          </p:txBody>
-        </p:sp>
-        <p:sp>
-          <p:nvSpPr>
-            <p:cNvPr id="131" name="椭圆 130">
-              <a:extLst>
-                <a:ext uri="{FF2B5EF4-FFF2-40B4-BE49-F238E27FC236}">
-                  <a16:creationId xmlns:a16="http://schemas.microsoft.com/office/drawing/2014/main" id="{60F0CFAC-522E-4E33-9133-C61201655DBD}"/>
-                </a:ext>
-              </a:extLst>
-            </p:cNvPr>
-            <p:cNvSpPr/>
-            <p:nvPr/>
-          </p:nvSpPr>
-          <p:spPr>
-            <a:xfrm>
-              <a:off x="5525616" y="3003284"/>
-              <a:ext cx="213273" cy="213273"/>
-            </a:xfrm>
-            <a:prstGeom prst="ellipse">
-              <a:avLst/>
-            </a:prstGeom>
-            <a:grpFill/>
-            <a:ln>
-              <a:noFill/>
-            </a:ln>
-          </p:spPr>
-          <p:style>
-            <a:lnRef idx="2">
-              <a:schemeClr val="accent1">
-                <a:shade val="50000"/>
-              </a:schemeClr>
-            </a:lnRef>
-            <a:fillRef idx="1">
-              <a:schemeClr val="accent1"/>
-            </a:fillRef>
-            <a:effectRef idx="0">
-              <a:schemeClr val="accent1"/>
-            </a:effectRef>
-            <a:fontRef idx="minor">
-              <a:schemeClr val="lt1"/>
-            </a:fontRef>
-          </p:style>
-          <p:txBody>
-            <a:bodyPr rtlCol="0" anchor="ctr"/>
-            <a:lstStyle/>
-            <a:p>
-              <a:pPr algn="ctr"/>
-              <a:endParaRPr lang="zh-CN" altLang="en-US"/>
-            </a:p>
-          </p:txBody>
-        </p:sp>
-      </p:grpSp>
-      <p:cxnSp>
-        <p:nvCxnSpPr>
-          <p:cNvPr id="41" name="直接箭头连接符 40">
-            <a:extLst>
-              <a:ext uri="{FF2B5EF4-FFF2-40B4-BE49-F238E27FC236}">
-                <a16:creationId xmlns:a16="http://schemas.microsoft.com/office/drawing/2014/main" id="{A435E677-2AA1-44DA-B98B-E8B4980E04BB}"/>
-              </a:ext>
-            </a:extLst>
-          </p:cNvPr>
-          <p:cNvCxnSpPr>
-            <a:stCxn id="37" idx="2"/>
-            <a:endCxn id="58" idx="0"/>
-          </p:cNvCxnSpPr>
-          <p:nvPr/>
-        </p:nvCxnSpPr>
-        <p:spPr>
-          <a:xfrm>
-            <a:off x="4052657" y="2637926"/>
-            <a:ext cx="0" cy="2141666"/>
-          </a:xfrm>
-          <a:prstGeom prst="straightConnector1">
-            <a:avLst/>
-          </a:prstGeom>
-          <a:ln>
-            <a:tailEnd type="triangle"/>
-          </a:ln>
-        </p:spPr>
-        <p:style>
-          <a:lnRef idx="3">
-            <a:schemeClr val="accent6"/>
-          </a:lnRef>
-          <a:fillRef idx="0">
-            <a:schemeClr val="accent6"/>
-          </a:fillRef>
-          <a:effectRef idx="2">
-            <a:schemeClr val="accent6"/>
-          </a:effectRef>
-          <a:fontRef idx="minor">
-            <a:schemeClr val="tx1"/>
-          </a:fontRef>
-        </p:style>
-      </p:cxnSp>
-      <p:cxnSp>
-        <p:nvCxnSpPr>
-          <p:cNvPr id="133" name="直接箭头连接符 132">
-            <a:extLst>
-              <a:ext uri="{FF2B5EF4-FFF2-40B4-BE49-F238E27FC236}">
-                <a16:creationId xmlns:a16="http://schemas.microsoft.com/office/drawing/2014/main" id="{DD4CC483-152F-488E-ACA8-5D7E30F1136F}"/>
-              </a:ext>
-            </a:extLst>
-          </p:cNvPr>
-          <p:cNvCxnSpPr>
-            <a:cxnSpLocks/>
-            <a:endCxn id="53" idx="0"/>
-          </p:cNvCxnSpPr>
-          <p:nvPr/>
-        </p:nvCxnSpPr>
-        <p:spPr>
-          <a:xfrm>
-            <a:off x="2738760" y="2637926"/>
-            <a:ext cx="1" cy="2149160"/>
-          </a:xfrm>
-          <a:prstGeom prst="straightConnector1">
-            <a:avLst/>
-          </a:prstGeom>
-          <a:ln>
-            <a:tailEnd type="triangle"/>
-          </a:ln>
-        </p:spPr>
-        <p:style>
-          <a:lnRef idx="3">
-            <a:schemeClr val="accent6"/>
-          </a:lnRef>
-          <a:fillRef idx="0">
-            <a:schemeClr val="accent6"/>
-          </a:fillRef>
-          <a:effectRef idx="2">
-            <a:schemeClr val="accent6"/>
-          </a:effectRef>
-          <a:fontRef idx="minor">
-            <a:schemeClr val="tx1"/>
-          </a:fontRef>
-        </p:style>
-      </p:cxnSp>
-      <p:cxnSp>
-        <p:nvCxnSpPr>
-          <p:cNvPr id="134" name="直接箭头连接符 133">
-            <a:extLst>
-              <a:ext uri="{FF2B5EF4-FFF2-40B4-BE49-F238E27FC236}">
-                <a16:creationId xmlns:a16="http://schemas.microsoft.com/office/drawing/2014/main" id="{7944EDE2-F563-4D05-B177-0789081B613D}"/>
-              </a:ext>
-            </a:extLst>
-          </p:cNvPr>
-          <p:cNvCxnSpPr>
-            <a:cxnSpLocks/>
-            <a:stCxn id="89" idx="2"/>
-            <a:endCxn id="58" idx="0"/>
-          </p:cNvCxnSpPr>
-          <p:nvPr/>
-        </p:nvCxnSpPr>
-        <p:spPr>
-          <a:xfrm flipH="1">
-            <a:off x="4052657" y="4277243"/>
-            <a:ext cx="678068" cy="502349"/>
-          </a:xfrm>
-          <a:prstGeom prst="straightConnector1">
-            <a:avLst/>
-          </a:prstGeom>
-          <a:ln>
-            <a:tailEnd type="triangle"/>
-          </a:ln>
-        </p:spPr>
-        <p:style>
-          <a:lnRef idx="3">
-            <a:schemeClr val="accent6"/>
-          </a:lnRef>
-          <a:fillRef idx="0">
-            <a:schemeClr val="accent6"/>
-          </a:fillRef>
-          <a:effectRef idx="2">
-            <a:schemeClr val="accent6"/>
-          </a:effectRef>
-          <a:fontRef idx="minor">
-            <a:schemeClr val="tx1"/>
-          </a:fontRef>
-        </p:style>
-      </p:cxnSp>
-      <p:cxnSp>
-        <p:nvCxnSpPr>
-          <p:cNvPr id="135" name="直接箭头连接符 134">
-            <a:extLst>
-              <a:ext uri="{FF2B5EF4-FFF2-40B4-BE49-F238E27FC236}">
-                <a16:creationId xmlns:a16="http://schemas.microsoft.com/office/drawing/2014/main" id="{C8861960-3150-4A79-BBC6-B317FC668ADA}"/>
-              </a:ext>
-            </a:extLst>
-          </p:cNvPr>
-          <p:cNvCxnSpPr>
-            <a:cxnSpLocks/>
-            <a:stCxn id="146" idx="2"/>
-            <a:endCxn id="58" idx="0"/>
-          </p:cNvCxnSpPr>
-          <p:nvPr/>
-        </p:nvCxnSpPr>
-        <p:spPr>
-          <a:xfrm>
-            <a:off x="3416829" y="4292766"/>
-            <a:ext cx="635828" cy="486826"/>
-          </a:xfrm>
-          <a:prstGeom prst="straightConnector1">
-            <a:avLst/>
-          </a:prstGeom>
-          <a:ln>
-            <a:tailEnd type="triangle"/>
-          </a:ln>
-        </p:spPr>
-        <p:style>
-          <a:lnRef idx="3">
-            <a:schemeClr val="accent6"/>
-          </a:lnRef>
-          <a:fillRef idx="0">
-            <a:schemeClr val="accent6"/>
-          </a:fillRef>
-          <a:effectRef idx="2">
-            <a:schemeClr val="accent6"/>
-          </a:effectRef>
-          <a:fontRef idx="minor">
-            <a:schemeClr val="tx1"/>
-          </a:fontRef>
-        </p:style>
-      </p:cxnSp>
-    </p:spTree>
-    <p:extLst>
-      <p:ext uri="{BB962C8B-B14F-4D97-AF65-F5344CB8AC3E}">
-        <p14:creationId xmlns:p14="http://schemas.microsoft.com/office/powerpoint/2010/main" val="937032017"/>
-      </p:ext>
-    </p:extLst>
-  </p:cSld>
-  <p:clrMapOvr>
-    <a:masterClrMapping/>
-  </p:clrMapOvr>
-</p:sld>
-</file>
-
-<file path=ppt/slides/slide2.xml><?xml version="1.0" encoding="utf-8"?>
 <p:sld xmlns:a="http://schemas.openxmlformats.org/drawingml/2006/main" xmlns:r="http://schemas.openxmlformats.org/officeDocument/2006/relationships" xmlns:p="http://schemas.openxmlformats.org/presentationml/2006/main">
   <p:cSld>
     <p:spTree>
